--- a/DS 555 - Data Science & Strategy/ds555-project/references/Presentation.pptx
+++ b/DS 555 - Data Science & Strategy/ds555-project/references/Presentation.pptx
@@ -3306,72 +3306,6 @@
           </a:p>
         </p:txBody>
       </p:sp>
-      <p:sp>
-        <p:nvSpPr>
-          <p:cNvPr id="9" name="TextBox 8"/>
-          <p:cNvSpPr txBox="1"/>
-          <p:nvPr/>
-        </p:nvSpPr>
-        <p:spPr>
-          <a:xfrm>
-            <a:off x="1044458" y="5735836"/>
-            <a:ext cx="3029528" cy="369332"/>
-          </a:xfrm>
-          <a:prstGeom prst="rect">
-            <a:avLst/>
-          </a:prstGeom>
-          <a:solidFill>
-            <a:schemeClr val="bg1"/>
-          </a:solidFill>
-        </p:spPr>
-        <p:txBody>
-          <a:bodyPr wrap="square" rtlCol="0">
-            <a:spAutoFit/>
-          </a:bodyPr>
-          <a:lstStyle/>
-          <a:p>
-            <a:pPr algn="ctr"/>
-            <a:r>
-              <a:rPr lang="tr-TR" dirty="0" err="1"/>
-              <a:t>Chef</a:t>
-            </a:r>
-            <a:endParaRPr lang="tr-TR" dirty="0"/>
-          </a:p>
-        </p:txBody>
-      </p:sp>
-      <p:sp>
-        <p:nvSpPr>
-          <p:cNvPr id="10" name="TextBox 9"/>
-          <p:cNvSpPr txBox="1"/>
-          <p:nvPr/>
-        </p:nvSpPr>
-        <p:spPr>
-          <a:xfrm>
-            <a:off x="4844576" y="5735836"/>
-            <a:ext cx="3029528" cy="369332"/>
-          </a:xfrm>
-          <a:prstGeom prst="rect">
-            <a:avLst/>
-          </a:prstGeom>
-          <a:solidFill>
-            <a:schemeClr val="bg1"/>
-          </a:solidFill>
-        </p:spPr>
-        <p:txBody>
-          <a:bodyPr wrap="square" rtlCol="0">
-            <a:spAutoFit/>
-          </a:bodyPr>
-          <a:lstStyle/>
-          <a:p>
-            <a:pPr algn="ctr"/>
-            <a:r>
-              <a:rPr lang="tr-TR" dirty="0" err="1"/>
-              <a:t>Scala</a:t>
-            </a:r>
-            <a:endParaRPr lang="tr-TR" dirty="0"/>
-          </a:p>
-        </p:txBody>
-      </p:sp>
       <p:pic>
         <p:nvPicPr>
           <p:cNvPr id="4" name="Picture 3"/>
@@ -3572,6 +3506,72 @@
           </a:prstGeom>
         </p:spPr>
       </p:pic>
+      <p:sp>
+        <p:nvSpPr>
+          <p:cNvPr id="9" name="TextBox 8"/>
+          <p:cNvSpPr txBox="1"/>
+          <p:nvPr/>
+        </p:nvSpPr>
+        <p:spPr>
+          <a:xfrm>
+            <a:off x="445342" y="5251979"/>
+            <a:ext cx="3029528" cy="369332"/>
+          </a:xfrm>
+          <a:prstGeom prst="rect">
+            <a:avLst/>
+          </a:prstGeom>
+          <a:solidFill>
+            <a:schemeClr val="bg1"/>
+          </a:solidFill>
+        </p:spPr>
+        <p:txBody>
+          <a:bodyPr wrap="square" rtlCol="0">
+            <a:spAutoFit/>
+          </a:bodyPr>
+          <a:lstStyle/>
+          <a:p>
+            <a:pPr algn="ctr"/>
+            <a:r>
+              <a:rPr lang="tr-TR" dirty="0" err="1"/>
+              <a:t>Chef</a:t>
+            </a:r>
+            <a:endParaRPr lang="tr-TR" dirty="0"/>
+          </a:p>
+        </p:txBody>
+      </p:sp>
+      <p:sp>
+        <p:nvSpPr>
+          <p:cNvPr id="10" name="TextBox 9"/>
+          <p:cNvSpPr txBox="1"/>
+          <p:nvPr/>
+        </p:nvSpPr>
+        <p:spPr>
+          <a:xfrm>
+            <a:off x="4581236" y="5324375"/>
+            <a:ext cx="3029528" cy="369332"/>
+          </a:xfrm>
+          <a:prstGeom prst="rect">
+            <a:avLst/>
+          </a:prstGeom>
+          <a:solidFill>
+            <a:schemeClr val="bg1"/>
+          </a:solidFill>
+        </p:spPr>
+        <p:txBody>
+          <a:bodyPr wrap="square" rtlCol="0">
+            <a:spAutoFit/>
+          </a:bodyPr>
+          <a:lstStyle/>
+          <a:p>
+            <a:pPr algn="ctr"/>
+            <a:r>
+              <a:rPr lang="tr-TR" dirty="0" err="1"/>
+              <a:t>Scala</a:t>
+            </a:r>
+            <a:endParaRPr lang="tr-TR" dirty="0"/>
+          </a:p>
+        </p:txBody>
+      </p:sp>
     </p:spTree>
     <p:extLst>
       <p:ext uri="{BB962C8B-B14F-4D97-AF65-F5344CB8AC3E}">

--- a/DS 555 - Data Science & Strategy/ds555-project/references/Presentation.pptx
+++ b/DS 555 - Data Science & Strategy/ds555-project/references/Presentation.pptx
@@ -4,6 +4,9 @@
   <p:sldMasterIdLst>
     <p:sldMasterId id="2147483648" r:id="rId1"/>
   </p:sldMasterIdLst>
+  <p:notesMasterIdLst>
+    <p:notesMasterId r:id="rId23"/>
+  </p:notesMasterIdLst>
   <p:sldIdLst>
     <p:sldId id="280" r:id="rId2"/>
     <p:sldId id="279" r:id="rId3"/>
@@ -12,27 +15,20 @@
     <p:sldId id="270" r:id="rId6"/>
     <p:sldId id="271" r:id="rId7"/>
     <p:sldId id="272" r:id="rId8"/>
-    <p:sldId id="273" r:id="rId9"/>
-    <p:sldId id="274" r:id="rId10"/>
-    <p:sldId id="275" r:id="rId11"/>
-    <p:sldId id="277" r:id="rId12"/>
-    <p:sldId id="264" r:id="rId13"/>
-    <p:sldId id="288" r:id="rId14"/>
-    <p:sldId id="278" r:id="rId15"/>
-    <p:sldId id="289" r:id="rId16"/>
-    <p:sldId id="282" r:id="rId17"/>
-    <p:sldId id="281" r:id="rId18"/>
-    <p:sldId id="301" r:id="rId19"/>
-    <p:sldId id="286" r:id="rId20"/>
-    <p:sldId id="292" r:id="rId21"/>
-    <p:sldId id="293" r:id="rId22"/>
-    <p:sldId id="302" r:id="rId23"/>
-    <p:sldId id="296" r:id="rId24"/>
-    <p:sldId id="297" r:id="rId25"/>
-    <p:sldId id="298" r:id="rId26"/>
-    <p:sldId id="299" r:id="rId27"/>
-    <p:sldId id="300" r:id="rId28"/>
-    <p:sldId id="304" r:id="rId29"/>
+    <p:sldId id="275" r:id="rId9"/>
+    <p:sldId id="277" r:id="rId10"/>
+    <p:sldId id="264" r:id="rId11"/>
+    <p:sldId id="288" r:id="rId12"/>
+    <p:sldId id="278" r:id="rId13"/>
+    <p:sldId id="289" r:id="rId14"/>
+    <p:sldId id="282" r:id="rId15"/>
+    <p:sldId id="281" r:id="rId16"/>
+    <p:sldId id="286" r:id="rId17"/>
+    <p:sldId id="292" r:id="rId18"/>
+    <p:sldId id="293" r:id="rId19"/>
+    <p:sldId id="299" r:id="rId20"/>
+    <p:sldId id="300" r:id="rId21"/>
+    <p:sldId id="304" r:id="rId22"/>
   </p:sldIdLst>
   <p:sldSz cx="12192000" cy="6858000"/>
   <p:notesSz cx="6858000" cy="9144000"/>
@@ -132,6 +128,47 @@
     </a:lvl9pPr>
   </p:defaultTextStyle>
   <p:extLst>
+    <p:ext uri="{521415D9-36F7-43E2-AB2F-B90AF26B5E84}">
+      <p14:sectionLst xmlns:p14="http://schemas.microsoft.com/office/powerpoint/2010/main">
+        <p14:section name="Default Section" id="{6BF387C7-0864-43CD-8942-C80FA3B778CB}">
+          <p14:sldIdLst>
+            <p14:sldId id="280"/>
+          </p14:sldIdLst>
+        </p14:section>
+        <p14:section name="Bengi" id="{4BC3250F-FB3D-4499-91AB-13FAA1897E69}">
+          <p14:sldIdLst>
+            <p14:sldId id="279"/>
+            <p14:sldId id="261"/>
+            <p14:sldId id="269"/>
+            <p14:sldId id="270"/>
+            <p14:sldId id="271"/>
+            <p14:sldId id="272"/>
+            <p14:sldId id="275"/>
+            <p14:sldId id="277"/>
+            <p14:sldId id="264"/>
+          </p14:sldIdLst>
+        </p14:section>
+        <p14:section name="Berk" id="{36170042-614C-4F09-8FC5-F82471BBF3D7}">
+          <p14:sldIdLst>
+            <p14:sldId id="288"/>
+            <p14:sldId id="278"/>
+            <p14:sldId id="289"/>
+            <p14:sldId id="282"/>
+          </p14:sldIdLst>
+        </p14:section>
+        <p14:section name="Erdem" id="{618ACEB6-1801-4DE3-B0C5-4821005928D5}">
+          <p14:sldIdLst>
+            <p14:sldId id="281"/>
+            <p14:sldId id="286"/>
+            <p14:sldId id="292"/>
+            <p14:sldId id="293"/>
+            <p14:sldId id="299"/>
+            <p14:sldId id="300"/>
+            <p14:sldId id="304"/>
+          </p14:sldIdLst>
+        </p14:section>
+      </p14:sectionLst>
+    </p:ext>
     <p:ext uri="{EFAFB233-063F-42B5-8137-9DF3F51BA10A}">
       <p15:sldGuideLst xmlns:p15="http://schemas.microsoft.com/office/powerpoint/2012/main"/>
     </p:ext>
@@ -163,6 +200,464 @@
     </p:extLst>
   </p:cm>
 </p:cmLst>
+</file>
+
+<file path=ppt/notesMasters/notesMaster1.xml><?xml version="1.0" encoding="utf-8"?>
+<p:notesMaster xmlns:a="http://schemas.openxmlformats.org/drawingml/2006/main" xmlns:r="http://schemas.openxmlformats.org/officeDocument/2006/relationships" xmlns:p="http://schemas.openxmlformats.org/presentationml/2006/main">
+  <p:cSld>
+    <p:bg>
+      <p:bgRef idx="1001">
+        <a:schemeClr val="bg1"/>
+      </p:bgRef>
+    </p:bg>
+    <p:spTree>
+      <p:nvGrpSpPr>
+        <p:cNvPr id="1" name=""/>
+        <p:cNvGrpSpPr/>
+        <p:nvPr/>
+      </p:nvGrpSpPr>
+      <p:grpSpPr>
+        <a:xfrm>
+          <a:off x="0" y="0"/>
+          <a:ext cx="0" cy="0"/>
+          <a:chOff x="0" y="0"/>
+          <a:chExt cx="0" cy="0"/>
+        </a:xfrm>
+      </p:grpSpPr>
+      <p:sp>
+        <p:nvSpPr>
+          <p:cNvPr id="2" name="Header Placeholder 1"/>
+          <p:cNvSpPr>
+            <a:spLocks noGrp="1"/>
+          </p:cNvSpPr>
+          <p:nvPr>
+            <p:ph type="hdr" sz="quarter"/>
+          </p:nvPr>
+        </p:nvSpPr>
+        <p:spPr>
+          <a:xfrm>
+            <a:off x="0" y="0"/>
+            <a:ext cx="2971800" cy="458788"/>
+          </a:xfrm>
+          <a:prstGeom prst="rect">
+            <a:avLst/>
+          </a:prstGeom>
+        </p:spPr>
+        <p:txBody>
+          <a:bodyPr vert="horz" lIns="91440" tIns="45720" rIns="91440" bIns="45720" rtlCol="0"/>
+          <a:lstStyle>
+            <a:lvl1pPr algn="l">
+              <a:defRPr sz="1200"/>
+            </a:lvl1pPr>
+          </a:lstStyle>
+          <a:p>
+            <a:endParaRPr lang="en-US"/>
+          </a:p>
+        </p:txBody>
+      </p:sp>
+      <p:sp>
+        <p:nvSpPr>
+          <p:cNvPr id="3" name="Date Placeholder 2"/>
+          <p:cNvSpPr>
+            <a:spLocks noGrp="1"/>
+          </p:cNvSpPr>
+          <p:nvPr>
+            <p:ph type="dt" idx="1"/>
+          </p:nvPr>
+        </p:nvSpPr>
+        <p:spPr>
+          <a:xfrm>
+            <a:off x="3884613" y="0"/>
+            <a:ext cx="2971800" cy="458788"/>
+          </a:xfrm>
+          <a:prstGeom prst="rect">
+            <a:avLst/>
+          </a:prstGeom>
+        </p:spPr>
+        <p:txBody>
+          <a:bodyPr vert="horz" lIns="91440" tIns="45720" rIns="91440" bIns="45720" rtlCol="0"/>
+          <a:lstStyle>
+            <a:lvl1pPr algn="r">
+              <a:defRPr sz="1200"/>
+            </a:lvl1pPr>
+          </a:lstStyle>
+          <a:p>
+            <a:fld id="{293F0928-1E0F-4CC6-B691-369B4EAA8DD4}" type="datetimeFigureOut">
+              <a:rPr lang="en-US" smtClean="0"/>
+              <a:t>1/17/2021</a:t>
+            </a:fld>
+            <a:endParaRPr lang="en-US"/>
+          </a:p>
+        </p:txBody>
+      </p:sp>
+      <p:sp>
+        <p:nvSpPr>
+          <p:cNvPr id="4" name="Slide Image Placeholder 3"/>
+          <p:cNvSpPr>
+            <a:spLocks noGrp="1" noRot="1" noChangeAspect="1"/>
+          </p:cNvSpPr>
+          <p:nvPr>
+            <p:ph type="sldImg" idx="2"/>
+          </p:nvPr>
+        </p:nvSpPr>
+        <p:spPr>
+          <a:xfrm>
+            <a:off x="685800" y="1143000"/>
+            <a:ext cx="5486400" cy="3086100"/>
+          </a:xfrm>
+          <a:prstGeom prst="rect">
+            <a:avLst/>
+          </a:prstGeom>
+          <a:noFill/>
+          <a:ln w="12700">
+            <a:solidFill>
+              <a:prstClr val="black"/>
+            </a:solidFill>
+          </a:ln>
+        </p:spPr>
+        <p:txBody>
+          <a:bodyPr vert="horz" lIns="91440" tIns="45720" rIns="91440" bIns="45720" rtlCol="0" anchor="ctr"/>
+          <a:lstStyle/>
+          <a:p>
+            <a:endParaRPr lang="en-US"/>
+          </a:p>
+        </p:txBody>
+      </p:sp>
+      <p:sp>
+        <p:nvSpPr>
+          <p:cNvPr id="5" name="Notes Placeholder 4"/>
+          <p:cNvSpPr>
+            <a:spLocks noGrp="1"/>
+          </p:cNvSpPr>
+          <p:nvPr>
+            <p:ph type="body" sz="quarter" idx="3"/>
+          </p:nvPr>
+        </p:nvSpPr>
+        <p:spPr>
+          <a:xfrm>
+            <a:off x="685800" y="4400550"/>
+            <a:ext cx="5486400" cy="3600450"/>
+          </a:xfrm>
+          <a:prstGeom prst="rect">
+            <a:avLst/>
+          </a:prstGeom>
+        </p:spPr>
+        <p:txBody>
+          <a:bodyPr vert="horz" lIns="91440" tIns="45720" rIns="91440" bIns="45720" rtlCol="0"/>
+          <a:lstStyle/>
+          <a:p>
+            <a:pPr lvl="0"/>
+            <a:r>
+              <a:rPr lang="en-US" smtClean="0"/>
+              <a:t>Edit Master text styles</a:t>
+            </a:r>
+          </a:p>
+          <a:p>
+            <a:pPr lvl="1"/>
+            <a:r>
+              <a:rPr lang="en-US" smtClean="0"/>
+              <a:t>Second level</a:t>
+            </a:r>
+          </a:p>
+          <a:p>
+            <a:pPr lvl="2"/>
+            <a:r>
+              <a:rPr lang="en-US" smtClean="0"/>
+              <a:t>Third level</a:t>
+            </a:r>
+          </a:p>
+          <a:p>
+            <a:pPr lvl="3"/>
+            <a:r>
+              <a:rPr lang="en-US" smtClean="0"/>
+              <a:t>Fourth level</a:t>
+            </a:r>
+          </a:p>
+          <a:p>
+            <a:pPr lvl="4"/>
+            <a:r>
+              <a:rPr lang="en-US" smtClean="0"/>
+              <a:t>Fifth level</a:t>
+            </a:r>
+            <a:endParaRPr lang="en-US"/>
+          </a:p>
+        </p:txBody>
+      </p:sp>
+      <p:sp>
+        <p:nvSpPr>
+          <p:cNvPr id="6" name="Footer Placeholder 5"/>
+          <p:cNvSpPr>
+            <a:spLocks noGrp="1"/>
+          </p:cNvSpPr>
+          <p:nvPr>
+            <p:ph type="ftr" sz="quarter" idx="4"/>
+          </p:nvPr>
+        </p:nvSpPr>
+        <p:spPr>
+          <a:xfrm>
+            <a:off x="0" y="8685213"/>
+            <a:ext cx="2971800" cy="458787"/>
+          </a:xfrm>
+          <a:prstGeom prst="rect">
+            <a:avLst/>
+          </a:prstGeom>
+        </p:spPr>
+        <p:txBody>
+          <a:bodyPr vert="horz" lIns="91440" tIns="45720" rIns="91440" bIns="45720" rtlCol="0" anchor="b"/>
+          <a:lstStyle>
+            <a:lvl1pPr algn="l">
+              <a:defRPr sz="1200"/>
+            </a:lvl1pPr>
+          </a:lstStyle>
+          <a:p>
+            <a:endParaRPr lang="en-US"/>
+          </a:p>
+        </p:txBody>
+      </p:sp>
+      <p:sp>
+        <p:nvSpPr>
+          <p:cNvPr id="7" name="Slide Number Placeholder 6"/>
+          <p:cNvSpPr>
+            <a:spLocks noGrp="1"/>
+          </p:cNvSpPr>
+          <p:nvPr>
+            <p:ph type="sldNum" sz="quarter" idx="5"/>
+          </p:nvPr>
+        </p:nvSpPr>
+        <p:spPr>
+          <a:xfrm>
+            <a:off x="3884613" y="8685213"/>
+            <a:ext cx="2971800" cy="458787"/>
+          </a:xfrm>
+          <a:prstGeom prst="rect">
+            <a:avLst/>
+          </a:prstGeom>
+        </p:spPr>
+        <p:txBody>
+          <a:bodyPr vert="horz" lIns="91440" tIns="45720" rIns="91440" bIns="45720" rtlCol="0" anchor="b"/>
+          <a:lstStyle>
+            <a:lvl1pPr algn="r">
+              <a:defRPr sz="1200"/>
+            </a:lvl1pPr>
+          </a:lstStyle>
+          <a:p>
+            <a:fld id="{1AF75CC2-E608-484F-A54C-EB2624F9D54B}" type="slidenum">
+              <a:rPr lang="en-US" smtClean="0"/>
+              <a:t>‹#›</a:t>
+            </a:fld>
+            <a:endParaRPr lang="en-US"/>
+          </a:p>
+        </p:txBody>
+      </p:sp>
+    </p:spTree>
+    <p:extLst>
+      <p:ext uri="{BB962C8B-B14F-4D97-AF65-F5344CB8AC3E}">
+        <p14:creationId xmlns:p14="http://schemas.microsoft.com/office/powerpoint/2010/main" val="2567052971"/>
+      </p:ext>
+    </p:extLst>
+  </p:cSld>
+  <p:clrMap bg1="lt1" tx1="dk1" bg2="lt2" tx2="dk2" accent1="accent1" accent2="accent2" accent3="accent3" accent4="accent4" accent5="accent5" accent6="accent6" hlink="hlink" folHlink="folHlink"/>
+  <p:notesStyle>
+    <a:lvl1pPr marL="0" algn="l" defTabSz="914400" rtl="0" eaLnBrk="1" latinLnBrk="0" hangingPunct="1">
+      <a:defRPr sz="1200" kern="1200">
+        <a:solidFill>
+          <a:schemeClr val="tx1"/>
+        </a:solidFill>
+        <a:latin typeface="+mn-lt"/>
+        <a:ea typeface="+mn-ea"/>
+        <a:cs typeface="+mn-cs"/>
+      </a:defRPr>
+    </a:lvl1pPr>
+    <a:lvl2pPr marL="457200" algn="l" defTabSz="914400" rtl="0" eaLnBrk="1" latinLnBrk="0" hangingPunct="1">
+      <a:defRPr sz="1200" kern="1200">
+        <a:solidFill>
+          <a:schemeClr val="tx1"/>
+        </a:solidFill>
+        <a:latin typeface="+mn-lt"/>
+        <a:ea typeface="+mn-ea"/>
+        <a:cs typeface="+mn-cs"/>
+      </a:defRPr>
+    </a:lvl2pPr>
+    <a:lvl3pPr marL="914400" algn="l" defTabSz="914400" rtl="0" eaLnBrk="1" latinLnBrk="0" hangingPunct="1">
+      <a:defRPr sz="1200" kern="1200">
+        <a:solidFill>
+          <a:schemeClr val="tx1"/>
+        </a:solidFill>
+        <a:latin typeface="+mn-lt"/>
+        <a:ea typeface="+mn-ea"/>
+        <a:cs typeface="+mn-cs"/>
+      </a:defRPr>
+    </a:lvl3pPr>
+    <a:lvl4pPr marL="1371600" algn="l" defTabSz="914400" rtl="0" eaLnBrk="1" latinLnBrk="0" hangingPunct="1">
+      <a:defRPr sz="1200" kern="1200">
+        <a:solidFill>
+          <a:schemeClr val="tx1"/>
+        </a:solidFill>
+        <a:latin typeface="+mn-lt"/>
+        <a:ea typeface="+mn-ea"/>
+        <a:cs typeface="+mn-cs"/>
+      </a:defRPr>
+    </a:lvl4pPr>
+    <a:lvl5pPr marL="1828800" algn="l" defTabSz="914400" rtl="0" eaLnBrk="1" latinLnBrk="0" hangingPunct="1">
+      <a:defRPr sz="1200" kern="1200">
+        <a:solidFill>
+          <a:schemeClr val="tx1"/>
+        </a:solidFill>
+        <a:latin typeface="+mn-lt"/>
+        <a:ea typeface="+mn-ea"/>
+        <a:cs typeface="+mn-cs"/>
+      </a:defRPr>
+    </a:lvl5pPr>
+    <a:lvl6pPr marL="2286000" algn="l" defTabSz="914400" rtl="0" eaLnBrk="1" latinLnBrk="0" hangingPunct="1">
+      <a:defRPr sz="1200" kern="1200">
+        <a:solidFill>
+          <a:schemeClr val="tx1"/>
+        </a:solidFill>
+        <a:latin typeface="+mn-lt"/>
+        <a:ea typeface="+mn-ea"/>
+        <a:cs typeface="+mn-cs"/>
+      </a:defRPr>
+    </a:lvl6pPr>
+    <a:lvl7pPr marL="2743200" algn="l" defTabSz="914400" rtl="0" eaLnBrk="1" latinLnBrk="0" hangingPunct="1">
+      <a:defRPr sz="1200" kern="1200">
+        <a:solidFill>
+          <a:schemeClr val="tx1"/>
+        </a:solidFill>
+        <a:latin typeface="+mn-lt"/>
+        <a:ea typeface="+mn-ea"/>
+        <a:cs typeface="+mn-cs"/>
+      </a:defRPr>
+    </a:lvl7pPr>
+    <a:lvl8pPr marL="3200400" algn="l" defTabSz="914400" rtl="0" eaLnBrk="1" latinLnBrk="0" hangingPunct="1">
+      <a:defRPr sz="1200" kern="1200">
+        <a:solidFill>
+          <a:schemeClr val="tx1"/>
+        </a:solidFill>
+        <a:latin typeface="+mn-lt"/>
+        <a:ea typeface="+mn-ea"/>
+        <a:cs typeface="+mn-cs"/>
+      </a:defRPr>
+    </a:lvl8pPr>
+    <a:lvl9pPr marL="3657600" algn="l" defTabSz="914400" rtl="0" eaLnBrk="1" latinLnBrk="0" hangingPunct="1">
+      <a:defRPr sz="1200" kern="1200">
+        <a:solidFill>
+          <a:schemeClr val="tx1"/>
+        </a:solidFill>
+        <a:latin typeface="+mn-lt"/>
+        <a:ea typeface="+mn-ea"/>
+        <a:cs typeface="+mn-cs"/>
+      </a:defRPr>
+    </a:lvl9pPr>
+  </p:notesStyle>
+</p:notesMaster>
+</file>
+
+<file path=ppt/notesSlides/notesSlide1.xml><?xml version="1.0" encoding="utf-8"?>
+<p:notes xmlns:a="http://schemas.openxmlformats.org/drawingml/2006/main" xmlns:r="http://schemas.openxmlformats.org/officeDocument/2006/relationships" xmlns:p="http://schemas.openxmlformats.org/presentationml/2006/main">
+  <p:cSld>
+    <p:spTree>
+      <p:nvGrpSpPr>
+        <p:cNvPr id="1" name=""/>
+        <p:cNvGrpSpPr/>
+        <p:nvPr/>
+      </p:nvGrpSpPr>
+      <p:grpSpPr>
+        <a:xfrm>
+          <a:off x="0" y="0"/>
+          <a:ext cx="0" cy="0"/>
+          <a:chOff x="0" y="0"/>
+          <a:chExt cx="0" cy="0"/>
+        </a:xfrm>
+      </p:grpSpPr>
+      <p:sp>
+        <p:nvSpPr>
+          <p:cNvPr id="2" name="Slide Image Placeholder 1"/>
+          <p:cNvSpPr>
+            <a:spLocks noGrp="1" noRot="1" noChangeAspect="1"/>
+          </p:cNvSpPr>
+          <p:nvPr>
+            <p:ph type="sldImg"/>
+          </p:nvPr>
+        </p:nvSpPr>
+        <p:spPr/>
+      </p:sp>
+      <p:sp>
+        <p:nvSpPr>
+          <p:cNvPr id="3" name="Notes Placeholder 2"/>
+          <p:cNvSpPr>
+            <a:spLocks noGrp="1"/>
+          </p:cNvSpPr>
+          <p:nvPr>
+            <p:ph type="body" idx="1"/>
+          </p:nvPr>
+        </p:nvSpPr>
+        <p:spPr/>
+        <p:txBody>
+          <a:bodyPr/>
+          <a:lstStyle/>
+          <a:p>
+            <a:r>
+              <a:rPr lang="en-US" dirty="0" err="1" smtClean="0"/>
+              <a:t>columns_to_bin</a:t>
+            </a:r>
+            <a:r>
+              <a:rPr lang="en-US" dirty="0" smtClean="0"/>
+              <a:t>=["Age1stCode", "Age", "</a:t>
+            </a:r>
+            <a:r>
+              <a:rPr lang="en-US" dirty="0" err="1" smtClean="0"/>
+              <a:t>YearsCodePro</a:t>
+            </a:r>
+            <a:r>
+              <a:rPr lang="en-US" dirty="0" smtClean="0"/>
+              <a:t>", "</a:t>
+            </a:r>
+            <a:r>
+              <a:rPr lang="en-US" dirty="0" err="1" smtClean="0"/>
+              <a:t>YearsCode</a:t>
+            </a:r>
+            <a:r>
+              <a:rPr lang="en-US" dirty="0" smtClean="0"/>
+              <a:t>"]</a:t>
+            </a:r>
+            <a:endParaRPr lang="en-US" dirty="0"/>
+          </a:p>
+        </p:txBody>
+      </p:sp>
+      <p:sp>
+        <p:nvSpPr>
+          <p:cNvPr id="4" name="Slide Number Placeholder 3"/>
+          <p:cNvSpPr>
+            <a:spLocks noGrp="1"/>
+          </p:cNvSpPr>
+          <p:nvPr>
+            <p:ph type="sldNum" sz="quarter" idx="10"/>
+          </p:nvPr>
+        </p:nvSpPr>
+        <p:spPr/>
+        <p:txBody>
+          <a:bodyPr/>
+          <a:lstStyle/>
+          <a:p>
+            <a:fld id="{1AF75CC2-E608-484F-A54C-EB2624F9D54B}" type="slidenum">
+              <a:rPr lang="en-US" smtClean="0"/>
+              <a:t>19</a:t>
+            </a:fld>
+            <a:endParaRPr lang="en-US"/>
+          </a:p>
+        </p:txBody>
+      </p:sp>
+    </p:spTree>
+    <p:extLst>
+      <p:ext uri="{BB962C8B-B14F-4D97-AF65-F5344CB8AC3E}">
+        <p14:creationId xmlns:p14="http://schemas.microsoft.com/office/powerpoint/2010/main" val="2359013905"/>
+      </p:ext>
+    </p:extLst>
+  </p:cSld>
+  <p:clrMapOvr>
+    <a:masterClrMapping/>
+  </p:clrMapOvr>
+</p:notes>
 </file>
 
 <file path=ppt/slideLayouts/slideLayout1.xml><?xml version="1.0" encoding="utf-8"?>
@@ -3248,811 +3743,6 @@
         </p:nvSpPr>
         <p:spPr>
           <a:xfrm>
-            <a:off x="838200" y="189636"/>
-            <a:ext cx="10515600" cy="1325563"/>
-          </a:xfrm>
-        </p:spPr>
-        <p:txBody>
-          <a:bodyPr vert="horz" lIns="91440" tIns="45720" rIns="91440" bIns="45720" rtlCol="0" anchor="ctr">
-            <a:normAutofit/>
-          </a:bodyPr>
-          <a:lstStyle/>
-          <a:p>
-            <a:r>
-              <a:rPr lang="tr-TR" sz="3600" b="1" dirty="0" err="1">
-                <a:solidFill>
-                  <a:schemeClr val="tx2"/>
-                </a:solidFill>
-              </a:rPr>
-              <a:t>By</a:t>
-            </a:r>
-            <a:r>
-              <a:rPr lang="tr-TR" sz="3600" b="1" dirty="0">
-                <a:solidFill>
-                  <a:schemeClr val="tx2"/>
-                </a:solidFill>
-              </a:rPr>
-              <a:t> </a:t>
-            </a:r>
-            <a:r>
-              <a:rPr lang="tr-TR" sz="3600" b="1" dirty="0" err="1">
-                <a:solidFill>
-                  <a:schemeClr val="tx2"/>
-                </a:solidFill>
-              </a:rPr>
-              <a:t>technologies</a:t>
-            </a:r>
-            <a:r>
-              <a:rPr lang="tr-TR" sz="3600" b="1" dirty="0">
-                <a:solidFill>
-                  <a:schemeClr val="tx2"/>
-                </a:solidFill>
-              </a:rPr>
-              <a:t> </a:t>
-            </a:r>
-            <a:r>
-              <a:rPr lang="tr-TR" sz="3600" b="1" dirty="0" err="1">
-                <a:solidFill>
-                  <a:schemeClr val="tx2"/>
-                </a:solidFill>
-              </a:rPr>
-              <a:t>WorkedWith</a:t>
-            </a:r>
-            <a:endParaRPr lang="tr-TR" sz="3600" b="1" dirty="0">
-              <a:solidFill>
-                <a:schemeClr val="tx2"/>
-              </a:solidFill>
-            </a:endParaRPr>
-          </a:p>
-        </p:txBody>
-      </p:sp>
-      <p:pic>
-        <p:nvPicPr>
-          <p:cNvPr id="4" name="Picture 3"/>
-          <p:cNvPicPr>
-            <a:picLocks noChangeAspect="1"/>
-          </p:cNvPicPr>
-          <p:nvPr/>
-        </p:nvPicPr>
-        <p:blipFill rotWithShape="1">
-          <a:blip r:embed="rId2"/>
-          <a:srcRect r="41171"/>
-          <a:stretch/>
-        </p:blipFill>
-        <p:spPr>
-          <a:xfrm>
-            <a:off x="8187141" y="2013198"/>
-            <a:ext cx="2968308" cy="1431509"/>
-          </a:xfrm>
-          <a:prstGeom prst="rect">
-            <a:avLst/>
-          </a:prstGeom>
-        </p:spPr>
-      </p:pic>
-      <p:pic>
-        <p:nvPicPr>
-          <p:cNvPr id="13" name="Picture 12"/>
-          <p:cNvPicPr>
-            <a:picLocks noChangeAspect="1"/>
-          </p:cNvPicPr>
-          <p:nvPr/>
-        </p:nvPicPr>
-        <p:blipFill rotWithShape="1">
-          <a:blip r:embed="rId2"/>
-          <a:srcRect l="84179"/>
-          <a:stretch/>
-        </p:blipFill>
-        <p:spPr>
-          <a:xfrm>
-            <a:off x="11155449" y="2013199"/>
-            <a:ext cx="798293" cy="1431509"/>
-          </a:xfrm>
-          <a:prstGeom prst="rect">
-            <a:avLst/>
-          </a:prstGeom>
-        </p:spPr>
-      </p:pic>
-      <p:pic>
-        <p:nvPicPr>
-          <p:cNvPr id="5" name="Picture 4"/>
-          <p:cNvPicPr>
-            <a:picLocks noChangeAspect="1"/>
-          </p:cNvPicPr>
-          <p:nvPr/>
-        </p:nvPicPr>
-        <p:blipFill rotWithShape="1">
-          <a:blip r:embed="rId3"/>
-          <a:srcRect r="48663"/>
-          <a:stretch/>
-        </p:blipFill>
-        <p:spPr>
-          <a:xfrm>
-            <a:off x="8187142" y="3942706"/>
-            <a:ext cx="2590274" cy="1883278"/>
-          </a:xfrm>
-          <a:prstGeom prst="rect">
-            <a:avLst/>
-          </a:prstGeom>
-        </p:spPr>
-      </p:pic>
-      <p:pic>
-        <p:nvPicPr>
-          <p:cNvPr id="14" name="Picture 13"/>
-          <p:cNvPicPr>
-            <a:picLocks noChangeAspect="1"/>
-          </p:cNvPicPr>
-          <p:nvPr/>
-        </p:nvPicPr>
-        <p:blipFill rotWithShape="1">
-          <a:blip r:embed="rId3"/>
-          <a:srcRect l="84541"/>
-          <a:stretch/>
-        </p:blipFill>
-        <p:spPr>
-          <a:xfrm>
-            <a:off x="11155449" y="3942706"/>
-            <a:ext cx="779999" cy="1883278"/>
-          </a:xfrm>
-          <a:prstGeom prst="rect">
-            <a:avLst/>
-          </a:prstGeom>
-        </p:spPr>
-      </p:pic>
-      <p:sp>
-        <p:nvSpPr>
-          <p:cNvPr id="15" name="TextBox 14"/>
-          <p:cNvSpPr txBox="1"/>
-          <p:nvPr/>
-        </p:nvSpPr>
-        <p:spPr>
-          <a:xfrm>
-            <a:off x="8167806" y="1607602"/>
-            <a:ext cx="1503489" cy="369332"/>
-          </a:xfrm>
-          <a:prstGeom prst="rect">
-            <a:avLst/>
-          </a:prstGeom>
-          <a:noFill/>
-        </p:spPr>
-        <p:txBody>
-          <a:bodyPr wrap="none" rtlCol="0">
-            <a:spAutoFit/>
-          </a:bodyPr>
-          <a:lstStyle/>
-          <a:p>
-            <a:r>
-              <a:rPr lang="tr-TR" dirty="0" smtClean="0"/>
-              <a:t>High Leverage</a:t>
-            </a:r>
-            <a:endParaRPr lang="en-US" dirty="0"/>
-          </a:p>
-        </p:txBody>
-      </p:sp>
-      <p:sp>
-        <p:nvSpPr>
-          <p:cNvPr id="16" name="TextBox 15"/>
-          <p:cNvSpPr txBox="1"/>
-          <p:nvPr/>
-        </p:nvSpPr>
-        <p:spPr>
-          <a:xfrm>
-            <a:off x="8187141" y="3573306"/>
-            <a:ext cx="1459310" cy="369332"/>
-          </a:xfrm>
-          <a:prstGeom prst="rect">
-            <a:avLst/>
-          </a:prstGeom>
-          <a:noFill/>
-        </p:spPr>
-        <p:txBody>
-          <a:bodyPr wrap="none" rtlCol="0">
-            <a:spAutoFit/>
-          </a:bodyPr>
-          <a:lstStyle/>
-          <a:p>
-            <a:r>
-              <a:rPr lang="tr-TR" dirty="0" smtClean="0"/>
-              <a:t>Low Leverage</a:t>
-            </a:r>
-            <a:endParaRPr lang="en-US" dirty="0"/>
-          </a:p>
-        </p:txBody>
-      </p:sp>
-      <p:pic>
-        <p:nvPicPr>
-          <p:cNvPr id="17" name="Picture 16"/>
-          <p:cNvPicPr>
-            <a:picLocks noChangeAspect="1"/>
-          </p:cNvPicPr>
-          <p:nvPr/>
-        </p:nvPicPr>
-        <p:blipFill>
-          <a:blip r:embed="rId4"/>
-          <a:stretch>
-            <a:fillRect/>
-          </a:stretch>
-        </p:blipFill>
-        <p:spPr>
-          <a:xfrm>
-            <a:off x="77475" y="1792269"/>
-            <a:ext cx="3765262" cy="3756654"/>
-          </a:xfrm>
-          <a:prstGeom prst="rect">
-            <a:avLst/>
-          </a:prstGeom>
-        </p:spPr>
-      </p:pic>
-      <p:pic>
-        <p:nvPicPr>
-          <p:cNvPr id="18" name="Picture 17"/>
-          <p:cNvPicPr>
-            <a:picLocks noChangeAspect="1"/>
-          </p:cNvPicPr>
-          <p:nvPr/>
-        </p:nvPicPr>
-        <p:blipFill>
-          <a:blip r:embed="rId5"/>
-          <a:stretch>
-            <a:fillRect/>
-          </a:stretch>
-        </p:blipFill>
-        <p:spPr>
-          <a:xfrm>
-            <a:off x="4287003" y="1792268"/>
-            <a:ext cx="3434597" cy="3829043"/>
-          </a:xfrm>
-          <a:prstGeom prst="rect">
-            <a:avLst/>
-          </a:prstGeom>
-        </p:spPr>
-      </p:pic>
-      <p:sp>
-        <p:nvSpPr>
-          <p:cNvPr id="9" name="TextBox 8"/>
-          <p:cNvSpPr txBox="1"/>
-          <p:nvPr/>
-        </p:nvSpPr>
-        <p:spPr>
-          <a:xfrm>
-            <a:off x="445342" y="5251979"/>
-            <a:ext cx="3029528" cy="369332"/>
-          </a:xfrm>
-          <a:prstGeom prst="rect">
-            <a:avLst/>
-          </a:prstGeom>
-          <a:solidFill>
-            <a:schemeClr val="bg1"/>
-          </a:solidFill>
-        </p:spPr>
-        <p:txBody>
-          <a:bodyPr wrap="square" rtlCol="0">
-            <a:spAutoFit/>
-          </a:bodyPr>
-          <a:lstStyle/>
-          <a:p>
-            <a:pPr algn="ctr"/>
-            <a:r>
-              <a:rPr lang="tr-TR" dirty="0" err="1"/>
-              <a:t>Chef</a:t>
-            </a:r>
-            <a:endParaRPr lang="tr-TR" dirty="0"/>
-          </a:p>
-        </p:txBody>
-      </p:sp>
-      <p:sp>
-        <p:nvSpPr>
-          <p:cNvPr id="10" name="TextBox 9"/>
-          <p:cNvSpPr txBox="1"/>
-          <p:nvPr/>
-        </p:nvSpPr>
-        <p:spPr>
-          <a:xfrm>
-            <a:off x="4581236" y="5324375"/>
-            <a:ext cx="3029528" cy="369332"/>
-          </a:xfrm>
-          <a:prstGeom prst="rect">
-            <a:avLst/>
-          </a:prstGeom>
-          <a:solidFill>
-            <a:schemeClr val="bg1"/>
-          </a:solidFill>
-        </p:spPr>
-        <p:txBody>
-          <a:bodyPr wrap="square" rtlCol="0">
-            <a:spAutoFit/>
-          </a:bodyPr>
-          <a:lstStyle/>
-          <a:p>
-            <a:pPr algn="ctr"/>
-            <a:r>
-              <a:rPr lang="tr-TR" dirty="0" err="1"/>
-              <a:t>Scala</a:t>
-            </a:r>
-            <a:endParaRPr lang="tr-TR" dirty="0"/>
-          </a:p>
-        </p:txBody>
-      </p:sp>
-    </p:spTree>
-    <p:extLst>
-      <p:ext uri="{BB962C8B-B14F-4D97-AF65-F5344CB8AC3E}">
-        <p14:creationId xmlns:p14="http://schemas.microsoft.com/office/powerpoint/2010/main" val="1047981653"/>
-      </p:ext>
-    </p:extLst>
-  </p:cSld>
-  <p:clrMapOvr>
-    <a:masterClrMapping/>
-  </p:clrMapOvr>
-</p:sld>
-</file>
-
-<file path=ppt/slides/slide11.xml><?xml version="1.0" encoding="utf-8"?>
-<p:sld xmlns:a="http://schemas.openxmlformats.org/drawingml/2006/main" xmlns:r="http://schemas.openxmlformats.org/officeDocument/2006/relationships" xmlns:p="http://schemas.openxmlformats.org/presentationml/2006/main">
-  <p:cSld>
-    <p:spTree>
-      <p:nvGrpSpPr>
-        <p:cNvPr id="1" name=""/>
-        <p:cNvGrpSpPr/>
-        <p:nvPr/>
-      </p:nvGrpSpPr>
-      <p:grpSpPr>
-        <a:xfrm>
-          <a:off x="0" y="0"/>
-          <a:ext cx="0" cy="0"/>
-          <a:chOff x="0" y="0"/>
-          <a:chExt cx="0" cy="0"/>
-        </a:xfrm>
-      </p:grpSpPr>
-      <p:sp>
-        <p:nvSpPr>
-          <p:cNvPr id="13" name="Title 1"/>
-          <p:cNvSpPr txBox="1">
-            <a:spLocks/>
-          </p:cNvSpPr>
-          <p:nvPr/>
-        </p:nvSpPr>
-        <p:spPr>
-          <a:xfrm>
-            <a:off x="838200" y="189636"/>
-            <a:ext cx="10515600" cy="1325563"/>
-          </a:xfrm>
-          <a:prstGeom prst="rect">
-            <a:avLst/>
-          </a:prstGeom>
-        </p:spPr>
-        <p:txBody>
-          <a:bodyPr vert="horz" lIns="91440" tIns="45720" rIns="91440" bIns="45720" rtlCol="0" anchor="ctr">
-            <a:normAutofit/>
-          </a:bodyPr>
-          <a:lstStyle>
-            <a:lvl1pPr algn="l" defTabSz="914400" rtl="0" eaLnBrk="1" latinLnBrk="0" hangingPunct="1">
-              <a:lnSpc>
-                <a:spcPct val="90000"/>
-              </a:lnSpc>
-              <a:spcBef>
-                <a:spcPct val="0"/>
-              </a:spcBef>
-              <a:buNone/>
-              <a:defRPr sz="4400" kern="1200">
-                <a:solidFill>
-                  <a:schemeClr val="tx1"/>
-                </a:solidFill>
-                <a:latin typeface="+mj-lt"/>
-                <a:ea typeface="+mj-ea"/>
-                <a:cs typeface="+mj-cs"/>
-              </a:defRPr>
-            </a:lvl1pPr>
-          </a:lstStyle>
-          <a:p>
-            <a:r>
-              <a:rPr lang="tr-TR" sz="3600" b="1" dirty="0" err="1">
-                <a:solidFill>
-                  <a:schemeClr val="tx2"/>
-                </a:solidFill>
-              </a:rPr>
-              <a:t>By</a:t>
-            </a:r>
-            <a:r>
-              <a:rPr lang="tr-TR" sz="3600" b="1" dirty="0">
-                <a:solidFill>
-                  <a:schemeClr val="tx2"/>
-                </a:solidFill>
-              </a:rPr>
-              <a:t> </a:t>
-            </a:r>
-            <a:r>
-              <a:rPr lang="tr-TR" sz="3600" b="1" dirty="0" err="1">
-                <a:solidFill>
-                  <a:schemeClr val="tx2"/>
-                </a:solidFill>
-              </a:rPr>
-              <a:t>DevType</a:t>
-            </a:r>
-            <a:endParaRPr lang="tr-TR" sz="3600" b="1" dirty="0">
-              <a:solidFill>
-                <a:schemeClr val="tx2"/>
-              </a:solidFill>
-            </a:endParaRPr>
-          </a:p>
-        </p:txBody>
-      </p:sp>
-      <p:sp>
-        <p:nvSpPr>
-          <p:cNvPr id="16" name="TextBox 15"/>
-          <p:cNvSpPr txBox="1"/>
-          <p:nvPr/>
-        </p:nvSpPr>
-        <p:spPr>
-          <a:xfrm>
-            <a:off x="822428" y="6098443"/>
-            <a:ext cx="2061783" cy="369332"/>
-          </a:xfrm>
-          <a:prstGeom prst="rect">
-            <a:avLst/>
-          </a:prstGeom>
-          <a:noFill/>
-        </p:spPr>
-        <p:txBody>
-          <a:bodyPr wrap="none" rtlCol="0">
-            <a:spAutoFit/>
-          </a:bodyPr>
-          <a:lstStyle/>
-          <a:p>
-            <a:r>
-              <a:rPr lang="tr-TR" dirty="0" smtClean="0"/>
-              <a:t>Data Scientist / MLE</a:t>
-            </a:r>
-            <a:endParaRPr lang="en-US" dirty="0"/>
-          </a:p>
-        </p:txBody>
-      </p:sp>
-      <p:sp>
-        <p:nvSpPr>
-          <p:cNvPr id="23" name="TextBox 22"/>
-          <p:cNvSpPr txBox="1"/>
-          <p:nvPr/>
-        </p:nvSpPr>
-        <p:spPr>
-          <a:xfrm>
-            <a:off x="375480" y="1760257"/>
-            <a:ext cx="1420132" cy="369332"/>
-          </a:xfrm>
-          <a:prstGeom prst="rect">
-            <a:avLst/>
-          </a:prstGeom>
-          <a:noFill/>
-        </p:spPr>
-        <p:txBody>
-          <a:bodyPr wrap="none" rtlCol="0">
-            <a:spAutoFit/>
-          </a:bodyPr>
-          <a:lstStyle/>
-          <a:p>
-            <a:r>
-              <a:rPr lang="tr-TR" dirty="0" smtClean="0"/>
-              <a:t>Leverage: %7</a:t>
-            </a:r>
-            <a:endParaRPr lang="en-US" dirty="0"/>
-          </a:p>
-        </p:txBody>
-      </p:sp>
-      <p:pic>
-        <p:nvPicPr>
-          <p:cNvPr id="17" name="Picture 16"/>
-          <p:cNvPicPr>
-            <a:picLocks noChangeAspect="1"/>
-          </p:cNvPicPr>
-          <p:nvPr/>
-        </p:nvPicPr>
-        <p:blipFill>
-          <a:blip r:embed="rId2"/>
-          <a:stretch>
-            <a:fillRect/>
-          </a:stretch>
-        </p:blipFill>
-        <p:spPr>
-          <a:xfrm>
-            <a:off x="3444104" y="2187699"/>
-            <a:ext cx="2786009" cy="3663621"/>
-          </a:xfrm>
-          <a:prstGeom prst="rect">
-            <a:avLst/>
-          </a:prstGeom>
-        </p:spPr>
-      </p:pic>
-      <p:sp>
-        <p:nvSpPr>
-          <p:cNvPr id="24" name="TextBox 23"/>
-          <p:cNvSpPr txBox="1"/>
-          <p:nvPr/>
-        </p:nvSpPr>
-        <p:spPr>
-          <a:xfrm>
-            <a:off x="3669295" y="1760257"/>
-            <a:ext cx="1420132" cy="369332"/>
-          </a:xfrm>
-          <a:prstGeom prst="rect">
-            <a:avLst/>
-          </a:prstGeom>
-          <a:noFill/>
-        </p:spPr>
-        <p:txBody>
-          <a:bodyPr wrap="none" rtlCol="0">
-            <a:spAutoFit/>
-          </a:bodyPr>
-          <a:lstStyle/>
-          <a:p>
-            <a:r>
-              <a:rPr lang="tr-TR" dirty="0" smtClean="0"/>
-              <a:t>Leverage: %6</a:t>
-            </a:r>
-            <a:endParaRPr lang="en-US" dirty="0"/>
-          </a:p>
-        </p:txBody>
-      </p:sp>
-      <p:sp>
-        <p:nvSpPr>
-          <p:cNvPr id="25" name="TextBox 24"/>
-          <p:cNvSpPr txBox="1"/>
-          <p:nvPr/>
-        </p:nvSpPr>
-        <p:spPr>
-          <a:xfrm>
-            <a:off x="3840489" y="6098443"/>
-            <a:ext cx="1993238" cy="369332"/>
-          </a:xfrm>
-          <a:prstGeom prst="rect">
-            <a:avLst/>
-          </a:prstGeom>
-          <a:noFill/>
-        </p:spPr>
-        <p:txBody>
-          <a:bodyPr wrap="none" rtlCol="0">
-            <a:spAutoFit/>
-          </a:bodyPr>
-          <a:lstStyle/>
-          <a:p>
-            <a:r>
-              <a:rPr lang="tr-TR" dirty="0" smtClean="0"/>
-              <a:t>Backend Developer</a:t>
-            </a:r>
-            <a:endParaRPr lang="en-US" dirty="0"/>
-          </a:p>
-        </p:txBody>
-      </p:sp>
-      <p:sp>
-        <p:nvSpPr>
-          <p:cNvPr id="27" name="TextBox 26"/>
-          <p:cNvSpPr txBox="1"/>
-          <p:nvPr/>
-        </p:nvSpPr>
-        <p:spPr>
-          <a:xfrm>
-            <a:off x="6652514" y="1760257"/>
-            <a:ext cx="1537152" cy="369332"/>
-          </a:xfrm>
-          <a:prstGeom prst="rect">
-            <a:avLst/>
-          </a:prstGeom>
-          <a:noFill/>
-        </p:spPr>
-        <p:txBody>
-          <a:bodyPr wrap="none" rtlCol="0">
-            <a:spAutoFit/>
-          </a:bodyPr>
-          <a:lstStyle/>
-          <a:p>
-            <a:r>
-              <a:rPr lang="tr-TR" dirty="0" smtClean="0"/>
-              <a:t>Leverage: %11</a:t>
-            </a:r>
-            <a:endParaRPr lang="en-US" dirty="0"/>
-          </a:p>
-        </p:txBody>
-      </p:sp>
-      <p:sp>
-        <p:nvSpPr>
-          <p:cNvPr id="28" name="TextBox 27"/>
-          <p:cNvSpPr txBox="1"/>
-          <p:nvPr/>
-        </p:nvSpPr>
-        <p:spPr>
-          <a:xfrm>
-            <a:off x="6984501" y="6098443"/>
-            <a:ext cx="1502206" cy="369332"/>
-          </a:xfrm>
-          <a:prstGeom prst="rect">
-            <a:avLst/>
-          </a:prstGeom>
-          <a:noFill/>
-        </p:spPr>
-        <p:txBody>
-          <a:bodyPr wrap="none" rtlCol="0">
-            <a:spAutoFit/>
-          </a:bodyPr>
-          <a:lstStyle/>
-          <a:p>
-            <a:r>
-              <a:rPr lang="tr-TR" dirty="0" smtClean="0"/>
-              <a:t>Data Engineer</a:t>
-            </a:r>
-            <a:endParaRPr lang="en-US" dirty="0"/>
-          </a:p>
-        </p:txBody>
-      </p:sp>
-      <p:pic>
-        <p:nvPicPr>
-          <p:cNvPr id="18" name="Picture 17"/>
-          <p:cNvPicPr>
-            <a:picLocks noChangeAspect="1"/>
-          </p:cNvPicPr>
-          <p:nvPr/>
-        </p:nvPicPr>
-        <p:blipFill>
-          <a:blip r:embed="rId3"/>
-          <a:stretch>
-            <a:fillRect/>
-          </a:stretch>
-        </p:blipFill>
-        <p:spPr>
-          <a:xfrm>
-            <a:off x="6343622" y="2120066"/>
-            <a:ext cx="2783965" cy="3798885"/>
-          </a:xfrm>
-          <a:prstGeom prst="rect">
-            <a:avLst/>
-          </a:prstGeom>
-        </p:spPr>
-      </p:pic>
-      <p:pic>
-        <p:nvPicPr>
-          <p:cNvPr id="30" name="Picture 29"/>
-          <p:cNvPicPr>
-            <a:picLocks noChangeAspect="1"/>
-          </p:cNvPicPr>
-          <p:nvPr/>
-        </p:nvPicPr>
-        <p:blipFill>
-          <a:blip r:embed="rId4"/>
-          <a:stretch>
-            <a:fillRect/>
-          </a:stretch>
-        </p:blipFill>
-        <p:spPr>
-          <a:xfrm>
-            <a:off x="171935" y="2120067"/>
-            <a:ext cx="2965453" cy="3731253"/>
-          </a:xfrm>
-          <a:prstGeom prst="rect">
-            <a:avLst/>
-          </a:prstGeom>
-        </p:spPr>
-      </p:pic>
-      <p:pic>
-        <p:nvPicPr>
-          <p:cNvPr id="31" name="Picture 30"/>
-          <p:cNvPicPr>
-            <a:picLocks noChangeAspect="1"/>
-          </p:cNvPicPr>
-          <p:nvPr/>
-        </p:nvPicPr>
-        <p:blipFill>
-          <a:blip r:embed="rId5"/>
-          <a:stretch>
-            <a:fillRect/>
-          </a:stretch>
-        </p:blipFill>
-        <p:spPr>
-          <a:xfrm>
-            <a:off x="9241096" y="2120066"/>
-            <a:ext cx="2677366" cy="3731254"/>
-          </a:xfrm>
-          <a:prstGeom prst="rect">
-            <a:avLst/>
-          </a:prstGeom>
-        </p:spPr>
-      </p:pic>
-      <p:sp>
-        <p:nvSpPr>
-          <p:cNvPr id="32" name="TextBox 31"/>
-          <p:cNvSpPr txBox="1"/>
-          <p:nvPr/>
-        </p:nvSpPr>
-        <p:spPr>
-          <a:xfrm>
-            <a:off x="9514633" y="1666783"/>
-            <a:ext cx="1537152" cy="369332"/>
-          </a:xfrm>
-          <a:prstGeom prst="rect">
-            <a:avLst/>
-          </a:prstGeom>
-          <a:noFill/>
-        </p:spPr>
-        <p:txBody>
-          <a:bodyPr wrap="none" rtlCol="0">
-            <a:spAutoFit/>
-          </a:bodyPr>
-          <a:lstStyle/>
-          <a:p>
-            <a:r>
-              <a:rPr lang="tr-TR" dirty="0" smtClean="0"/>
-              <a:t>Leverage: %16</a:t>
-            </a:r>
-            <a:endParaRPr lang="en-US" dirty="0"/>
-          </a:p>
-        </p:txBody>
-      </p:sp>
-      <p:sp>
-        <p:nvSpPr>
-          <p:cNvPr id="33" name="TextBox 32"/>
-          <p:cNvSpPr txBox="1"/>
-          <p:nvPr/>
-        </p:nvSpPr>
-        <p:spPr>
-          <a:xfrm>
-            <a:off x="9692532" y="6098443"/>
-            <a:ext cx="1790170" cy="369332"/>
-          </a:xfrm>
-          <a:prstGeom prst="rect">
-            <a:avLst/>
-          </a:prstGeom>
-          <a:noFill/>
-        </p:spPr>
-        <p:txBody>
-          <a:bodyPr wrap="none" rtlCol="0">
-            <a:spAutoFit/>
-          </a:bodyPr>
-          <a:lstStyle/>
-          <a:p>
-            <a:r>
-              <a:rPr lang="tr-TR" dirty="0" smtClean="0"/>
-              <a:t>DevOps Engineer</a:t>
-            </a:r>
-            <a:endParaRPr lang="en-US" dirty="0"/>
-          </a:p>
-        </p:txBody>
-      </p:sp>
-    </p:spTree>
-    <p:extLst>
-      <p:ext uri="{BB962C8B-B14F-4D97-AF65-F5344CB8AC3E}">
-        <p14:creationId xmlns:p14="http://schemas.microsoft.com/office/powerpoint/2010/main" val="1938250051"/>
-      </p:ext>
-    </p:extLst>
-  </p:cSld>
-  <p:clrMapOvr>
-    <a:masterClrMapping/>
-  </p:clrMapOvr>
-</p:sld>
-</file>
-
-<file path=ppt/slides/slide12.xml><?xml version="1.0" encoding="utf-8"?>
-<p:sld xmlns:a="http://schemas.openxmlformats.org/drawingml/2006/main" xmlns:r="http://schemas.openxmlformats.org/officeDocument/2006/relationships" xmlns:p="http://schemas.openxmlformats.org/presentationml/2006/main">
-  <p:cSld>
-    <p:spTree>
-      <p:nvGrpSpPr>
-        <p:cNvPr id="1" name=""/>
-        <p:cNvGrpSpPr/>
-        <p:nvPr/>
-      </p:nvGrpSpPr>
-      <p:grpSpPr>
-        <a:xfrm>
-          <a:off x="0" y="0"/>
-          <a:ext cx="0" cy="0"/>
-          <a:chOff x="0" y="0"/>
-          <a:chExt cx="0" cy="0"/>
-        </a:xfrm>
-      </p:grpSpPr>
-      <p:sp>
-        <p:nvSpPr>
-          <p:cNvPr id="2" name="Title 1"/>
-          <p:cNvSpPr>
-            <a:spLocks noGrp="1"/>
-          </p:cNvSpPr>
-          <p:nvPr>
-            <p:ph type="title"/>
-          </p:nvPr>
-        </p:nvSpPr>
-        <p:spPr>
-          <a:xfrm>
             <a:off x="0" y="365125"/>
             <a:ext cx="12192000" cy="1325563"/>
           </a:xfrm>
@@ -5173,8 +4863,8 @@
         </p:nvSpPr>
         <p:spPr>
           <a:xfrm>
-            <a:off x="3694966" y="6301828"/>
-            <a:ext cx="1233030" cy="261610"/>
+            <a:off x="2982037" y="6233222"/>
+            <a:ext cx="1662535" cy="307777"/>
           </a:xfrm>
           <a:prstGeom prst="rect">
             <a:avLst/>
@@ -5182,16 +4872,16 @@
           <a:noFill/>
         </p:spPr>
         <p:txBody>
-          <a:bodyPr wrap="none" rtlCol="0">
+          <a:bodyPr wrap="square" rtlCol="0">
             <a:spAutoFit/>
           </a:bodyPr>
           <a:lstStyle/>
           <a:p>
             <a:r>
-              <a:rPr lang="tr-TR" sz="1100" i="1" dirty="0" smtClean="0"/>
+              <a:rPr lang="tr-TR" sz="1400" i="1" dirty="0" smtClean="0"/>
               <a:t>* Only in train set!</a:t>
             </a:r>
-            <a:endParaRPr lang="en-US" sz="1100" i="1" dirty="0"/>
+            <a:endParaRPr lang="en-US" sz="1400" i="1" dirty="0"/>
           </a:p>
         </p:txBody>
       </p:sp>
@@ -5395,41 +5085,31 @@
               <a:t>61 </a:t>
             </a:r>
             <a:r>
-              <a:rPr lang="tr-TR" sz="1800" b="1" dirty="0" err="1">
+              <a:rPr lang="en-US" sz="1800" b="1" dirty="0" smtClean="0">
                 <a:solidFill>
                   <a:schemeClr val="tx2"/>
                 </a:solidFill>
               </a:rPr>
               <a:t>columns</a:t>
             </a:r>
-            <a:endParaRPr lang="tr-TR" sz="1800" b="1" dirty="0">
-              <a:solidFill>
-                <a:schemeClr val="tx2"/>
-              </a:solidFill>
-            </a:endParaRPr>
-          </a:p>
-          <a:p>
+          </a:p>
+          <a:p>
+            <a:r>
+              <a:rPr lang="tr-TR" sz="1800" b="1" dirty="0" smtClean="0">
+                <a:solidFill>
+                  <a:schemeClr val="tx2"/>
+                </a:solidFill>
+              </a:rPr>
+              <a:t>64,461  </a:t>
+            </a:r>
             <a:r>
               <a:rPr lang="tr-TR" sz="1800" b="1" dirty="0">
                 <a:solidFill>
                   <a:schemeClr val="tx2"/>
                 </a:solidFill>
               </a:rPr>
-              <a:t>64,461  </a:t>
-            </a:r>
-            <a:r>
-              <a:rPr lang="tr-TR" sz="1800" b="1" dirty="0" err="1">
-                <a:solidFill>
-                  <a:schemeClr val="tx2"/>
-                </a:solidFill>
-              </a:rPr>
               <a:t>rows</a:t>
             </a:r>
-            <a:endParaRPr lang="tr-TR" sz="1800" b="1" dirty="0">
-              <a:solidFill>
-                <a:schemeClr val="tx2"/>
-              </a:solidFill>
-            </a:endParaRPr>
           </a:p>
         </p:txBody>
       </p:sp>
@@ -5779,7 +5459,7 @@
                   <a:schemeClr val="tx2"/>
                 </a:solidFill>
               </a:rPr>
-              <a:t>Processing multi-choice</a:t>
+              <a:t>Processing multi-choice columns</a:t>
             </a:r>
             <a:endParaRPr lang="tr-TR" dirty="0">
               <a:solidFill>
@@ -6388,7 +6068,7 @@
 </p:sld>
 </file>
 
-<file path=ppt/slides/slide13.xml><?xml version="1.0" encoding="utf-8"?>
+<file path=ppt/slides/slide11.xml><?xml version="1.0" encoding="utf-8"?>
 <p:sld xmlns:a="http://schemas.openxmlformats.org/drawingml/2006/main" xmlns:r="http://schemas.openxmlformats.org/officeDocument/2006/relationships" xmlns:p="http://schemas.openxmlformats.org/presentationml/2006/main">
   <p:cSld>
     <p:spTree>
@@ -7289,7 +6969,7 @@
 </p:sld>
 </file>
 
-<file path=ppt/slides/slide14.xml><?xml version="1.0" encoding="utf-8"?>
+<file path=ppt/slides/slide12.xml><?xml version="1.0" encoding="utf-8"?>
 <p:sld xmlns:a="http://schemas.openxmlformats.org/drawingml/2006/main" xmlns:r="http://schemas.openxmlformats.org/officeDocument/2006/relationships" xmlns:p="http://schemas.openxmlformats.org/presentationml/2006/main">
   <p:cSld>
     <p:spTree>
@@ -7499,7 +7179,7 @@
         </p:nvSpPr>
         <p:spPr>
           <a:xfrm>
-            <a:off x="3621628" y="2331129"/>
+            <a:off x="3621628" y="2260488"/>
             <a:ext cx="2798142" cy="1126323"/>
           </a:xfrm>
           <a:prstGeom prst="roundRect">
@@ -7751,7 +7431,7 @@
 </p:sld>
 </file>
 
-<file path=ppt/slides/slide15.xml><?xml version="1.0" encoding="utf-8"?>
+<file path=ppt/slides/slide13.xml><?xml version="1.0" encoding="utf-8"?>
 <p:sld xmlns:a="http://schemas.openxmlformats.org/drawingml/2006/main" xmlns:r="http://schemas.openxmlformats.org/officeDocument/2006/relationships" xmlns:p="http://schemas.openxmlformats.org/presentationml/2006/main">
   <p:cSld>
     <p:spTree>
@@ -9794,10 +9474,1128 @@
           </a:p>
         </p:txBody>
       </p:sp>
+      <p:sp>
+        <p:nvSpPr>
+          <p:cNvPr id="14" name="TextBox 13"/>
+          <p:cNvSpPr txBox="1"/>
+          <p:nvPr/>
+        </p:nvSpPr>
+        <p:spPr>
+          <a:xfrm>
+            <a:off x="1559636" y="2908562"/>
+            <a:ext cx="2293906" cy="307777"/>
+          </a:xfrm>
+          <a:prstGeom prst="rect">
+            <a:avLst/>
+          </a:prstGeom>
+          <a:noFill/>
+        </p:spPr>
+        <p:txBody>
+          <a:bodyPr wrap="square" rtlCol="0">
+            <a:spAutoFit/>
+          </a:bodyPr>
+          <a:lstStyle/>
+          <a:p>
+            <a:r>
+              <a:rPr lang="tr-TR" sz="1400" i="1" dirty="0" smtClean="0"/>
+              <a:t>* calculated in train set!</a:t>
+            </a:r>
+            <a:endParaRPr lang="en-US" sz="1400" i="1" dirty="0"/>
+          </a:p>
+        </p:txBody>
+      </p:sp>
     </p:spTree>
     <p:extLst>
       <p:ext uri="{BB962C8B-B14F-4D97-AF65-F5344CB8AC3E}">
         <p14:creationId xmlns:p14="http://schemas.microsoft.com/office/powerpoint/2010/main" val="650812794"/>
+      </p:ext>
+    </p:extLst>
+  </p:cSld>
+  <p:clrMapOvr>
+    <a:masterClrMapping/>
+  </p:clrMapOvr>
+</p:sld>
+</file>
+
+<file path=ppt/slides/slide14.xml><?xml version="1.0" encoding="utf-8"?>
+<p:sld xmlns:a="http://schemas.openxmlformats.org/drawingml/2006/main" xmlns:r="http://schemas.openxmlformats.org/officeDocument/2006/relationships" xmlns:p="http://schemas.openxmlformats.org/presentationml/2006/main">
+  <p:cSld>
+    <p:spTree>
+      <p:nvGrpSpPr>
+        <p:cNvPr id="1" name=""/>
+        <p:cNvGrpSpPr/>
+        <p:nvPr/>
+      </p:nvGrpSpPr>
+      <p:grpSpPr>
+        <a:xfrm>
+          <a:off x="0" y="0"/>
+          <a:ext cx="0" cy="0"/>
+          <a:chOff x="0" y="0"/>
+          <a:chExt cx="0" cy="0"/>
+        </a:xfrm>
+      </p:grpSpPr>
+      <p:sp>
+        <p:nvSpPr>
+          <p:cNvPr id="2" name="Title 1"/>
+          <p:cNvSpPr>
+            <a:spLocks noGrp="1"/>
+          </p:cNvSpPr>
+          <p:nvPr>
+            <p:ph type="title"/>
+          </p:nvPr>
+        </p:nvSpPr>
+        <p:spPr/>
+        <p:txBody>
+          <a:bodyPr vert="horz" lIns="91440" tIns="45720" rIns="91440" bIns="45720" rtlCol="0" anchor="ctr">
+            <a:normAutofit/>
+          </a:bodyPr>
+          <a:lstStyle/>
+          <a:p>
+            <a:r>
+              <a:rPr lang="tr-TR" sz="3600" b="1" dirty="0" err="1">
+                <a:solidFill>
+                  <a:schemeClr val="tx2"/>
+                </a:solidFill>
+              </a:rPr>
+              <a:t>Aggregations</a:t>
+            </a:r>
+            <a:r>
+              <a:rPr lang="tr-TR" sz="3600" b="1" dirty="0">
+                <a:solidFill>
+                  <a:schemeClr val="tx2"/>
+                </a:solidFill>
+              </a:rPr>
+              <a:t> : </a:t>
+            </a:r>
+            <a:r>
+              <a:rPr lang="tr-TR" sz="3600" b="1" dirty="0" err="1">
+                <a:solidFill>
+                  <a:schemeClr val="tx2"/>
+                </a:solidFill>
+              </a:rPr>
+              <a:t>DesireNextYear</a:t>
+            </a:r>
+            <a:r>
+              <a:rPr lang="tr-TR" sz="3600" b="1" dirty="0">
+                <a:solidFill>
+                  <a:schemeClr val="tx2"/>
+                </a:solidFill>
+              </a:rPr>
+              <a:t/>
+            </a:r>
+            <a:br>
+              <a:rPr lang="tr-TR" sz="3600" b="1" dirty="0">
+                <a:solidFill>
+                  <a:schemeClr val="tx2"/>
+                </a:solidFill>
+              </a:rPr>
+            </a:br>
+            <a:r>
+              <a:rPr lang="tr-TR" sz="3600" b="1" dirty="0">
+                <a:solidFill>
+                  <a:schemeClr val="tx2"/>
+                </a:solidFill>
+              </a:rPr>
+              <a:t>			</a:t>
+            </a:r>
+            <a:r>
+              <a:rPr lang="tr-TR" sz="3600" b="1" dirty="0" err="1">
+                <a:solidFill>
+                  <a:schemeClr val="tx2"/>
+                </a:solidFill>
+              </a:rPr>
+              <a:t>WorkedWith</a:t>
+            </a:r>
+            <a:endParaRPr lang="tr-TR" sz="3600" b="1" dirty="0">
+              <a:solidFill>
+                <a:schemeClr val="tx2"/>
+              </a:solidFill>
+            </a:endParaRPr>
+          </a:p>
+        </p:txBody>
+      </p:sp>
+      <p:sp>
+        <p:nvSpPr>
+          <p:cNvPr id="7" name="Rectangle 6"/>
+          <p:cNvSpPr/>
+          <p:nvPr/>
+        </p:nvSpPr>
+        <p:spPr>
+          <a:xfrm>
+            <a:off x="838200" y="3962683"/>
+            <a:ext cx="2606226" cy="1477328"/>
+          </a:xfrm>
+          <a:prstGeom prst="rect">
+            <a:avLst/>
+          </a:prstGeom>
+        </p:spPr>
+        <p:txBody>
+          <a:bodyPr wrap="none">
+            <a:spAutoFit/>
+          </a:bodyPr>
+          <a:lstStyle/>
+          <a:p>
+            <a:r>
+              <a:rPr lang="en-US" dirty="0" err="1" smtClean="0"/>
+              <a:t>DesireNextYear</a:t>
+            </a:r>
+            <a:endParaRPr lang="tr-TR" dirty="0" smtClean="0"/>
+          </a:p>
+          <a:p>
+            <a:r>
+              <a:rPr lang="en-US" dirty="0" err="1" smtClean="0"/>
+              <a:t>LanguageDesireNextYear</a:t>
+            </a:r>
+            <a:endParaRPr lang="tr-TR" dirty="0" smtClean="0"/>
+          </a:p>
+          <a:p>
+            <a:r>
+              <a:rPr lang="en-US" dirty="0" err="1" smtClean="0"/>
+              <a:t>PlatformDesireNextYear</a:t>
+            </a:r>
+            <a:endParaRPr lang="tr-TR" dirty="0" smtClean="0"/>
+          </a:p>
+          <a:p>
+            <a:r>
+              <a:rPr lang="en-US" dirty="0" err="1" smtClean="0"/>
+              <a:t>WebframeDesireNextYear</a:t>
+            </a:r>
+            <a:endParaRPr lang="tr-TR" dirty="0" smtClean="0"/>
+          </a:p>
+          <a:p>
+            <a:r>
+              <a:rPr lang="en-US" dirty="0" err="1"/>
+              <a:t>DatabaseDesireNextYear</a:t>
+            </a:r>
+            <a:endParaRPr lang="en-US" dirty="0"/>
+          </a:p>
+        </p:txBody>
+      </p:sp>
+      <p:sp>
+        <p:nvSpPr>
+          <p:cNvPr id="8" name="Rectangle 7"/>
+          <p:cNvSpPr/>
+          <p:nvPr/>
+        </p:nvSpPr>
+        <p:spPr>
+          <a:xfrm>
+            <a:off x="838200" y="2407865"/>
+            <a:ext cx="2606226" cy="1477328"/>
+          </a:xfrm>
+          <a:prstGeom prst="rect">
+            <a:avLst/>
+          </a:prstGeom>
+        </p:spPr>
+        <p:txBody>
+          <a:bodyPr wrap="none">
+            <a:spAutoFit/>
+          </a:bodyPr>
+          <a:lstStyle/>
+          <a:p>
+            <a:r>
+              <a:rPr lang="en-US" dirty="0" err="1" smtClean="0"/>
+              <a:t>WorkedWith</a:t>
+            </a:r>
+            <a:endParaRPr lang="tr-TR" dirty="0" smtClean="0"/>
+          </a:p>
+          <a:p>
+            <a:r>
+              <a:rPr lang="en-US" dirty="0" err="1" smtClean="0"/>
+              <a:t>LanguageWorkedWith</a:t>
+            </a:r>
+            <a:endParaRPr lang="tr-TR" dirty="0" smtClean="0"/>
+          </a:p>
+          <a:p>
+            <a:r>
+              <a:rPr lang="en-US" dirty="0" err="1" smtClean="0"/>
+              <a:t>PlatformDesireNextYear</a:t>
+            </a:r>
+            <a:endParaRPr lang="tr-TR" dirty="0" smtClean="0"/>
+          </a:p>
+          <a:p>
+            <a:r>
+              <a:rPr lang="en-US" dirty="0" err="1" smtClean="0"/>
+              <a:t>WebframeDesireNextYear</a:t>
+            </a:r>
+            <a:endParaRPr lang="tr-TR" dirty="0" smtClean="0"/>
+          </a:p>
+          <a:p>
+            <a:r>
+              <a:rPr lang="en-US" dirty="0" err="1"/>
+              <a:t>DatabaseDesireNextYear</a:t>
+            </a:r>
+            <a:endParaRPr lang="en-US" dirty="0"/>
+          </a:p>
+        </p:txBody>
+      </p:sp>
+      <p:sp>
+        <p:nvSpPr>
+          <p:cNvPr id="9" name="Rounded Rectangle 8"/>
+          <p:cNvSpPr/>
+          <p:nvPr/>
+        </p:nvSpPr>
+        <p:spPr>
+          <a:xfrm>
+            <a:off x="4919374" y="1850237"/>
+            <a:ext cx="3294595" cy="1843481"/>
+          </a:xfrm>
+          <a:prstGeom prst="roundRect">
+            <a:avLst>
+              <a:gd name="adj" fmla="val 4535"/>
+            </a:avLst>
+          </a:prstGeom>
+          <a:ln>
+            <a:noFill/>
+          </a:ln>
+        </p:spPr>
+        <p:style>
+          <a:lnRef idx="2">
+            <a:schemeClr val="accent1">
+              <a:shade val="50000"/>
+            </a:schemeClr>
+          </a:lnRef>
+          <a:fillRef idx="1">
+            <a:schemeClr val="accent1"/>
+          </a:fillRef>
+          <a:effectRef idx="0">
+            <a:schemeClr val="accent1"/>
+          </a:effectRef>
+          <a:fontRef idx="minor">
+            <a:schemeClr val="lt1"/>
+          </a:fontRef>
+        </p:style>
+        <p:txBody>
+          <a:bodyPr rtlCol="0" anchor="ctr"/>
+          <a:lstStyle/>
+          <a:p>
+            <a:pPr algn="ctr"/>
+            <a:r>
+              <a:rPr lang="tr-TR" dirty="0" smtClean="0"/>
+              <a:t>Features</a:t>
+            </a:r>
+            <a:endParaRPr lang="en-US" dirty="0" smtClean="0"/>
+          </a:p>
+          <a:p>
+            <a:pPr algn="ctr"/>
+            <a:r>
+              <a:rPr lang="tr-TR" sz="1200" dirty="0" smtClean="0"/>
+              <a:t>How many of the possible options are chosen by developer?</a:t>
+            </a:r>
+            <a:endParaRPr lang="en-US" sz="1200" dirty="0" smtClean="0"/>
+          </a:p>
+        </p:txBody>
+      </p:sp>
+      <p:pic>
+        <p:nvPicPr>
+          <p:cNvPr id="10" name="Picture 9"/>
+          <p:cNvPicPr>
+            <a:picLocks noChangeAspect="1"/>
+          </p:cNvPicPr>
+          <p:nvPr/>
+        </p:nvPicPr>
+        <p:blipFill>
+          <a:blip r:embed="rId2"/>
+          <a:stretch>
+            <a:fillRect/>
+          </a:stretch>
+        </p:blipFill>
+        <p:spPr>
+          <a:xfrm>
+            <a:off x="4686140" y="3885193"/>
+            <a:ext cx="6950710" cy="1861506"/>
+          </a:xfrm>
+          <a:prstGeom prst="rect">
+            <a:avLst/>
+          </a:prstGeom>
+        </p:spPr>
+      </p:pic>
+    </p:spTree>
+    <p:extLst>
+      <p:ext uri="{BB962C8B-B14F-4D97-AF65-F5344CB8AC3E}">
+        <p14:creationId xmlns:p14="http://schemas.microsoft.com/office/powerpoint/2010/main" val="2681086356"/>
+      </p:ext>
+    </p:extLst>
+  </p:cSld>
+  <p:clrMapOvr>
+    <a:masterClrMapping/>
+  </p:clrMapOvr>
+</p:sld>
+</file>
+
+<file path=ppt/slides/slide15.xml><?xml version="1.0" encoding="utf-8"?>
+<p:sld xmlns:a="http://schemas.openxmlformats.org/drawingml/2006/main" xmlns:r="http://schemas.openxmlformats.org/officeDocument/2006/relationships" xmlns:p="http://schemas.openxmlformats.org/presentationml/2006/main">
+  <p:cSld>
+    <p:spTree>
+      <p:nvGrpSpPr>
+        <p:cNvPr id="1" name=""/>
+        <p:cNvGrpSpPr/>
+        <p:nvPr/>
+      </p:nvGrpSpPr>
+      <p:grpSpPr>
+        <a:xfrm>
+          <a:off x="0" y="0"/>
+          <a:ext cx="0" cy="0"/>
+          <a:chOff x="0" y="0"/>
+          <a:chExt cx="0" cy="0"/>
+        </a:xfrm>
+      </p:grpSpPr>
+      <p:sp>
+        <p:nvSpPr>
+          <p:cNvPr id="5" name="Title 1"/>
+          <p:cNvSpPr txBox="1">
+            <a:spLocks/>
+          </p:cNvSpPr>
+          <p:nvPr/>
+        </p:nvSpPr>
+        <p:spPr>
+          <a:xfrm>
+            <a:off x="0" y="507943"/>
+            <a:ext cx="12192000" cy="1325563"/>
+          </a:xfrm>
+          <a:prstGeom prst="rect">
+            <a:avLst/>
+          </a:prstGeom>
+          <a:solidFill>
+            <a:schemeClr val="tx2"/>
+          </a:solidFill>
+        </p:spPr>
+        <p:txBody>
+          <a:bodyPr vert="horz" lIns="91440" tIns="45720" rIns="91440" bIns="45720" rtlCol="0" anchor="ctr">
+            <a:normAutofit/>
+          </a:bodyPr>
+          <a:lstStyle>
+            <a:lvl1pPr algn="l" defTabSz="914400" rtl="0" eaLnBrk="1" latinLnBrk="0" hangingPunct="1">
+              <a:lnSpc>
+                <a:spcPct val="90000"/>
+              </a:lnSpc>
+              <a:spcBef>
+                <a:spcPct val="0"/>
+              </a:spcBef>
+              <a:buNone/>
+              <a:defRPr sz="4400" kern="1200">
+                <a:solidFill>
+                  <a:schemeClr val="tx1"/>
+                </a:solidFill>
+                <a:latin typeface="+mj-lt"/>
+                <a:ea typeface="+mj-ea"/>
+                <a:cs typeface="+mj-cs"/>
+              </a:defRPr>
+            </a:lvl1pPr>
+          </a:lstStyle>
+          <a:p>
+            <a:pPr algn="ctr"/>
+            <a:r>
+              <a:rPr lang="tr-TR" sz="3600" b="1" dirty="0">
+                <a:solidFill>
+                  <a:schemeClr val="bg1"/>
+                </a:solidFill>
+              </a:rPr>
+              <a:t>Model</a:t>
+            </a:r>
+          </a:p>
+        </p:txBody>
+      </p:sp>
+      <p:sp>
+        <p:nvSpPr>
+          <p:cNvPr id="3" name="Content Placeholder 2"/>
+          <p:cNvSpPr>
+            <a:spLocks noGrp="1"/>
+          </p:cNvSpPr>
+          <p:nvPr>
+            <p:ph idx="1"/>
+          </p:nvPr>
+        </p:nvSpPr>
+        <p:spPr>
+          <a:xfrm>
+            <a:off x="9328727" y="3483760"/>
+            <a:ext cx="2126468" cy="2760020"/>
+          </a:xfrm>
+          <a:solidFill>
+            <a:schemeClr val="tx2"/>
+          </a:solidFill>
+        </p:spPr>
+        <p:txBody>
+          <a:bodyPr>
+            <a:noAutofit/>
+          </a:bodyPr>
+          <a:lstStyle/>
+          <a:p>
+            <a:pPr fontAlgn="ctr"/>
+            <a:r>
+              <a:rPr lang="tr-TR" sz="1600" b="1" dirty="0" err="1">
+                <a:solidFill>
+                  <a:schemeClr val="bg1"/>
+                </a:solidFill>
+                <a:latin typeface="+mj-lt"/>
+              </a:rPr>
+              <a:t>RidgeCV</a:t>
+            </a:r>
+            <a:r>
+              <a:rPr lang="tr-TR" sz="1600" b="1" dirty="0">
+                <a:solidFill>
+                  <a:schemeClr val="bg1"/>
+                </a:solidFill>
+                <a:latin typeface="+mj-lt"/>
+              </a:rPr>
+              <a:t> </a:t>
+            </a:r>
+          </a:p>
+          <a:p>
+            <a:pPr fontAlgn="ctr"/>
+            <a:r>
+              <a:rPr lang="tr-TR" sz="1600" b="1" dirty="0" err="1" smtClean="0">
+                <a:solidFill>
+                  <a:schemeClr val="bg1"/>
+                </a:solidFill>
+                <a:latin typeface="+mj-lt"/>
+              </a:rPr>
+              <a:t>LassoCV</a:t>
+            </a:r>
+            <a:r>
+              <a:rPr lang="tr-TR" sz="1600" b="1" dirty="0" smtClean="0">
+                <a:solidFill>
+                  <a:schemeClr val="bg1"/>
+                </a:solidFill>
+                <a:latin typeface="+mj-lt"/>
+              </a:rPr>
+              <a:t> </a:t>
+            </a:r>
+          </a:p>
+          <a:p>
+            <a:pPr fontAlgn="ctr"/>
+            <a:r>
+              <a:rPr lang="tr-TR" sz="1600" b="1" dirty="0" err="1" smtClean="0">
+                <a:solidFill>
+                  <a:schemeClr val="bg1"/>
+                </a:solidFill>
+                <a:latin typeface="+mj-lt"/>
+              </a:rPr>
+              <a:t>LinearSVR</a:t>
+            </a:r>
+            <a:r>
+              <a:rPr lang="tr-TR" sz="1600" b="1" dirty="0" smtClean="0">
+                <a:solidFill>
+                  <a:schemeClr val="bg1"/>
+                </a:solidFill>
+                <a:latin typeface="+mj-lt"/>
+              </a:rPr>
+              <a:t> </a:t>
+            </a:r>
+          </a:p>
+          <a:p>
+            <a:pPr fontAlgn="ctr"/>
+            <a:r>
+              <a:rPr lang="tr-TR" sz="1600" b="1" dirty="0" err="1" smtClean="0">
+                <a:solidFill>
+                  <a:schemeClr val="bg1"/>
+                </a:solidFill>
+                <a:latin typeface="+mj-lt"/>
+              </a:rPr>
+              <a:t>LinearSVR</a:t>
+            </a:r>
+            <a:r>
+              <a:rPr lang="tr-TR" sz="1600" b="1" dirty="0" smtClean="0">
+                <a:solidFill>
+                  <a:schemeClr val="bg1"/>
+                </a:solidFill>
+                <a:latin typeface="+mj-lt"/>
+              </a:rPr>
+              <a:t> </a:t>
+            </a:r>
+            <a:r>
+              <a:rPr lang="tr-TR" sz="1600" b="1" dirty="0">
+                <a:solidFill>
+                  <a:schemeClr val="bg1"/>
+                </a:solidFill>
+                <a:latin typeface="+mj-lt"/>
+              </a:rPr>
+              <a:t>(C=0.1) </a:t>
+            </a:r>
+          </a:p>
+          <a:p>
+            <a:pPr fontAlgn="ctr"/>
+            <a:r>
+              <a:rPr lang="tr-TR" sz="1600" b="1" dirty="0" err="1" smtClean="0">
+                <a:solidFill>
+                  <a:schemeClr val="bg1"/>
+                </a:solidFill>
+                <a:latin typeface="+mj-lt"/>
+              </a:rPr>
+              <a:t>LinearSVR</a:t>
+            </a:r>
+            <a:r>
+              <a:rPr lang="tr-TR" sz="1600" b="1" dirty="0" smtClean="0">
+                <a:solidFill>
+                  <a:schemeClr val="bg1"/>
+                </a:solidFill>
+                <a:latin typeface="+mj-lt"/>
+              </a:rPr>
+              <a:t> </a:t>
+            </a:r>
+            <a:r>
+              <a:rPr lang="tr-TR" sz="1600" b="1" dirty="0">
+                <a:solidFill>
+                  <a:schemeClr val="bg1"/>
+                </a:solidFill>
+                <a:latin typeface="+mj-lt"/>
+              </a:rPr>
+              <a:t>(C=10) </a:t>
+            </a:r>
+          </a:p>
+          <a:p>
+            <a:pPr fontAlgn="ctr"/>
+            <a:r>
+              <a:rPr lang="tr-TR" sz="1600" b="1" dirty="0" smtClean="0">
+                <a:solidFill>
+                  <a:schemeClr val="bg1"/>
+                </a:solidFill>
+                <a:latin typeface="+mj-lt"/>
+              </a:rPr>
+              <a:t>SVR </a:t>
+            </a:r>
+            <a:r>
+              <a:rPr lang="tr-TR" sz="1600" b="1" dirty="0">
+                <a:solidFill>
+                  <a:schemeClr val="bg1"/>
+                </a:solidFill>
+                <a:latin typeface="+mj-lt"/>
+              </a:rPr>
+              <a:t>(</a:t>
+            </a:r>
+            <a:r>
+              <a:rPr lang="tr-TR" sz="1600" b="1" dirty="0" err="1">
+                <a:solidFill>
+                  <a:schemeClr val="bg1"/>
+                </a:solidFill>
+                <a:latin typeface="+mj-lt"/>
+              </a:rPr>
+              <a:t>Kernel</a:t>
+            </a:r>
+            <a:r>
+              <a:rPr lang="tr-TR" sz="1600" b="1" dirty="0">
+                <a:solidFill>
+                  <a:schemeClr val="bg1"/>
+                </a:solidFill>
+                <a:latin typeface="+mj-lt"/>
+              </a:rPr>
+              <a:t> = ‘</a:t>
+            </a:r>
+            <a:r>
+              <a:rPr lang="tr-TR" sz="1600" b="1" dirty="0" err="1">
+                <a:solidFill>
+                  <a:schemeClr val="bg1"/>
+                </a:solidFill>
+                <a:latin typeface="+mj-lt"/>
+              </a:rPr>
+              <a:t>rbf</a:t>
+            </a:r>
+            <a:r>
+              <a:rPr lang="tr-TR" sz="1600" b="1" dirty="0">
+                <a:solidFill>
+                  <a:schemeClr val="bg1"/>
+                </a:solidFill>
+                <a:latin typeface="+mj-lt"/>
+              </a:rPr>
+              <a:t>’) </a:t>
+            </a:r>
+          </a:p>
+          <a:p>
+            <a:pPr fontAlgn="ctr"/>
+            <a:r>
+              <a:rPr lang="tr-TR" sz="1600" b="1" dirty="0" smtClean="0">
+                <a:solidFill>
+                  <a:schemeClr val="bg1"/>
+                </a:solidFill>
+                <a:latin typeface="+mj-lt"/>
+              </a:rPr>
+              <a:t>DecisionTree</a:t>
+            </a:r>
+            <a:endParaRPr lang="tr-TR" sz="1600" b="1" dirty="0" smtClean="0">
+              <a:solidFill>
+                <a:schemeClr val="bg1"/>
+              </a:solidFill>
+              <a:latin typeface="+mj-lt"/>
+            </a:endParaRPr>
+          </a:p>
+          <a:p>
+            <a:pPr fontAlgn="ctr"/>
+            <a:r>
+              <a:rPr lang="tr-TR" sz="1600" b="1" dirty="0" err="1" smtClean="0">
+                <a:solidFill>
+                  <a:schemeClr val="bg1"/>
+                </a:solidFill>
+                <a:latin typeface="+mj-lt"/>
+              </a:rPr>
+              <a:t>RandomForest</a:t>
+            </a:r>
+            <a:r>
+              <a:rPr lang="tr-TR" sz="1600" b="1" dirty="0" smtClean="0">
+                <a:solidFill>
+                  <a:schemeClr val="bg1"/>
+                </a:solidFill>
+                <a:latin typeface="+mj-lt"/>
+              </a:rPr>
+              <a:t> </a:t>
+            </a:r>
+            <a:endParaRPr lang="tr-TR" sz="1600" b="1" baseline="0" dirty="0">
+              <a:solidFill>
+                <a:schemeClr val="bg1"/>
+              </a:solidFill>
+              <a:effectLst/>
+              <a:latin typeface="+mj-lt"/>
+            </a:endParaRPr>
+          </a:p>
+        </p:txBody>
+      </p:sp>
+      <p:pic>
+        <p:nvPicPr>
+          <p:cNvPr id="4" name="Picture 3"/>
+          <p:cNvPicPr>
+            <a:picLocks noChangeAspect="1"/>
+          </p:cNvPicPr>
+          <p:nvPr/>
+        </p:nvPicPr>
+        <p:blipFill>
+          <a:blip r:embed="rId2"/>
+          <a:stretch>
+            <a:fillRect/>
+          </a:stretch>
+        </p:blipFill>
+        <p:spPr>
+          <a:xfrm>
+            <a:off x="736805" y="2054068"/>
+            <a:ext cx="10718390" cy="1053941"/>
+          </a:xfrm>
+          <a:prstGeom prst="rect">
+            <a:avLst/>
+          </a:prstGeom>
+        </p:spPr>
+      </p:pic>
+      <p:sp>
+        <p:nvSpPr>
+          <p:cNvPr id="6" name="Content Placeholder 2"/>
+          <p:cNvSpPr txBox="1">
+            <a:spLocks/>
+          </p:cNvSpPr>
+          <p:nvPr/>
+        </p:nvSpPr>
+        <p:spPr>
+          <a:xfrm>
+            <a:off x="736805" y="3289798"/>
+            <a:ext cx="7557450" cy="3212602"/>
+          </a:xfrm>
+          <a:prstGeom prst="rect">
+            <a:avLst/>
+          </a:prstGeom>
+        </p:spPr>
+        <p:txBody>
+          <a:bodyPr vert="horz" lIns="91440" tIns="45720" rIns="91440" bIns="45720" rtlCol="0">
+            <a:normAutofit/>
+          </a:bodyPr>
+          <a:lstStyle>
+            <a:lvl1pPr marL="228600" indent="-228600" algn="l" defTabSz="914400" rtl="0" eaLnBrk="1" latinLnBrk="0" hangingPunct="1">
+              <a:lnSpc>
+                <a:spcPct val="90000"/>
+              </a:lnSpc>
+              <a:spcBef>
+                <a:spcPts val="1000"/>
+              </a:spcBef>
+              <a:buFont typeface="Arial" panose="020B0604020202020204" pitchFamily="34" charset="0"/>
+              <a:buChar char="•"/>
+              <a:defRPr sz="2800" kern="1200">
+                <a:solidFill>
+                  <a:schemeClr val="tx1"/>
+                </a:solidFill>
+                <a:latin typeface="+mn-lt"/>
+                <a:ea typeface="+mn-ea"/>
+                <a:cs typeface="+mn-cs"/>
+              </a:defRPr>
+            </a:lvl1pPr>
+            <a:lvl2pPr marL="685800" indent="-228600" algn="l" defTabSz="914400" rtl="0" eaLnBrk="1" latinLnBrk="0" hangingPunct="1">
+              <a:lnSpc>
+                <a:spcPct val="90000"/>
+              </a:lnSpc>
+              <a:spcBef>
+                <a:spcPts val="500"/>
+              </a:spcBef>
+              <a:buFont typeface="Arial" panose="020B0604020202020204" pitchFamily="34" charset="0"/>
+              <a:buChar char="•"/>
+              <a:defRPr sz="2400" kern="1200">
+                <a:solidFill>
+                  <a:schemeClr val="tx1"/>
+                </a:solidFill>
+                <a:latin typeface="+mn-lt"/>
+                <a:ea typeface="+mn-ea"/>
+                <a:cs typeface="+mn-cs"/>
+              </a:defRPr>
+            </a:lvl2pPr>
+            <a:lvl3pPr marL="1143000" indent="-228600" algn="l" defTabSz="914400" rtl="0" eaLnBrk="1" latinLnBrk="0" hangingPunct="1">
+              <a:lnSpc>
+                <a:spcPct val="90000"/>
+              </a:lnSpc>
+              <a:spcBef>
+                <a:spcPts val="500"/>
+              </a:spcBef>
+              <a:buFont typeface="Arial" panose="020B0604020202020204" pitchFamily="34" charset="0"/>
+              <a:buChar char="•"/>
+              <a:defRPr sz="2000" kern="1200">
+                <a:solidFill>
+                  <a:schemeClr val="tx1"/>
+                </a:solidFill>
+                <a:latin typeface="+mn-lt"/>
+                <a:ea typeface="+mn-ea"/>
+                <a:cs typeface="+mn-cs"/>
+              </a:defRPr>
+            </a:lvl3pPr>
+            <a:lvl4pPr marL="1600200" indent="-228600" algn="l" defTabSz="914400" rtl="0" eaLnBrk="1" latinLnBrk="0" hangingPunct="1">
+              <a:lnSpc>
+                <a:spcPct val="90000"/>
+              </a:lnSpc>
+              <a:spcBef>
+                <a:spcPts val="500"/>
+              </a:spcBef>
+              <a:buFont typeface="Arial" panose="020B0604020202020204" pitchFamily="34" charset="0"/>
+              <a:buChar char="•"/>
+              <a:defRPr sz="1800" kern="1200">
+                <a:solidFill>
+                  <a:schemeClr val="tx1"/>
+                </a:solidFill>
+                <a:latin typeface="+mn-lt"/>
+                <a:ea typeface="+mn-ea"/>
+                <a:cs typeface="+mn-cs"/>
+              </a:defRPr>
+            </a:lvl4pPr>
+            <a:lvl5pPr marL="2057400" indent="-228600" algn="l" defTabSz="914400" rtl="0" eaLnBrk="1" latinLnBrk="0" hangingPunct="1">
+              <a:lnSpc>
+                <a:spcPct val="90000"/>
+              </a:lnSpc>
+              <a:spcBef>
+                <a:spcPts val="500"/>
+              </a:spcBef>
+              <a:buFont typeface="Arial" panose="020B0604020202020204" pitchFamily="34" charset="0"/>
+              <a:buChar char="•"/>
+              <a:defRPr sz="1800" kern="1200">
+                <a:solidFill>
+                  <a:schemeClr val="tx1"/>
+                </a:solidFill>
+                <a:latin typeface="+mn-lt"/>
+                <a:ea typeface="+mn-ea"/>
+                <a:cs typeface="+mn-cs"/>
+              </a:defRPr>
+            </a:lvl5pPr>
+            <a:lvl6pPr marL="2514600" indent="-228600" algn="l" defTabSz="914400" rtl="0" eaLnBrk="1" latinLnBrk="0" hangingPunct="1">
+              <a:lnSpc>
+                <a:spcPct val="90000"/>
+              </a:lnSpc>
+              <a:spcBef>
+                <a:spcPts val="500"/>
+              </a:spcBef>
+              <a:buFont typeface="Arial" panose="020B0604020202020204" pitchFamily="34" charset="0"/>
+              <a:buChar char="•"/>
+              <a:defRPr sz="1800" kern="1200">
+                <a:solidFill>
+                  <a:schemeClr val="tx1"/>
+                </a:solidFill>
+                <a:latin typeface="+mn-lt"/>
+                <a:ea typeface="+mn-ea"/>
+                <a:cs typeface="+mn-cs"/>
+              </a:defRPr>
+            </a:lvl6pPr>
+            <a:lvl7pPr marL="2971800" indent="-228600" algn="l" defTabSz="914400" rtl="0" eaLnBrk="1" latinLnBrk="0" hangingPunct="1">
+              <a:lnSpc>
+                <a:spcPct val="90000"/>
+              </a:lnSpc>
+              <a:spcBef>
+                <a:spcPts val="500"/>
+              </a:spcBef>
+              <a:buFont typeface="Arial" panose="020B0604020202020204" pitchFamily="34" charset="0"/>
+              <a:buChar char="•"/>
+              <a:defRPr sz="1800" kern="1200">
+                <a:solidFill>
+                  <a:schemeClr val="tx1"/>
+                </a:solidFill>
+                <a:latin typeface="+mn-lt"/>
+                <a:ea typeface="+mn-ea"/>
+                <a:cs typeface="+mn-cs"/>
+              </a:defRPr>
+            </a:lvl7pPr>
+            <a:lvl8pPr marL="3429000" indent="-228600" algn="l" defTabSz="914400" rtl="0" eaLnBrk="1" latinLnBrk="0" hangingPunct="1">
+              <a:lnSpc>
+                <a:spcPct val="90000"/>
+              </a:lnSpc>
+              <a:spcBef>
+                <a:spcPts val="500"/>
+              </a:spcBef>
+              <a:buFont typeface="Arial" panose="020B0604020202020204" pitchFamily="34" charset="0"/>
+              <a:buChar char="•"/>
+              <a:defRPr sz="1800" kern="1200">
+                <a:solidFill>
+                  <a:schemeClr val="tx1"/>
+                </a:solidFill>
+                <a:latin typeface="+mn-lt"/>
+                <a:ea typeface="+mn-ea"/>
+                <a:cs typeface="+mn-cs"/>
+              </a:defRPr>
+            </a:lvl8pPr>
+            <a:lvl9pPr marL="3886200" indent="-228600" algn="l" defTabSz="914400" rtl="0" eaLnBrk="1" latinLnBrk="0" hangingPunct="1">
+              <a:lnSpc>
+                <a:spcPct val="90000"/>
+              </a:lnSpc>
+              <a:spcBef>
+                <a:spcPts val="500"/>
+              </a:spcBef>
+              <a:buFont typeface="Arial" panose="020B0604020202020204" pitchFamily="34" charset="0"/>
+              <a:buChar char="•"/>
+              <a:defRPr sz="1800" kern="1200">
+                <a:solidFill>
+                  <a:schemeClr val="tx1"/>
+                </a:solidFill>
+                <a:latin typeface="+mn-lt"/>
+                <a:ea typeface="+mn-ea"/>
+                <a:cs typeface="+mn-cs"/>
+              </a:defRPr>
+            </a:lvl9pPr>
+          </a:lstStyle>
+          <a:p>
+            <a:r>
+              <a:rPr lang="tr-TR" sz="2400" dirty="0" smtClean="0">
+                <a:latin typeface="+mj-lt"/>
+              </a:rPr>
+              <a:t>D</a:t>
+            </a:r>
+            <a:r>
+              <a:rPr lang="en-US" sz="2400" dirty="0" err="1" smtClean="0">
+                <a:latin typeface="+mj-lt"/>
+              </a:rPr>
+              <a:t>ata</a:t>
+            </a:r>
+            <a:r>
+              <a:rPr lang="en-US" sz="2400" dirty="0" smtClean="0">
+                <a:latin typeface="+mj-lt"/>
+              </a:rPr>
+              <a:t> transformed with </a:t>
+            </a:r>
+            <a:r>
+              <a:rPr lang="en-US" sz="2400" dirty="0" err="1" smtClean="0">
+                <a:latin typeface="+mj-lt"/>
+              </a:rPr>
+              <a:t>StandardScaler</a:t>
+            </a:r>
+            <a:r>
+              <a:rPr lang="en-US" sz="2400" dirty="0" smtClean="0">
+                <a:latin typeface="+mj-lt"/>
+              </a:rPr>
+              <a:t> </a:t>
+            </a:r>
+            <a:endParaRPr lang="tr-TR" sz="2400" dirty="0" smtClean="0">
+              <a:latin typeface="+mj-lt"/>
+            </a:endParaRPr>
+          </a:p>
+          <a:p>
+            <a:r>
+              <a:rPr lang="tr-TR" sz="2400" dirty="0" smtClean="0">
+                <a:latin typeface="+mj-lt"/>
+              </a:rPr>
+              <a:t>D</a:t>
+            </a:r>
+            <a:r>
+              <a:rPr lang="en-US" sz="2400" dirty="0" err="1" smtClean="0">
+                <a:latin typeface="+mj-lt"/>
+              </a:rPr>
+              <a:t>efined</a:t>
+            </a:r>
+            <a:r>
+              <a:rPr lang="en-US" sz="2400" dirty="0" smtClean="0">
+                <a:latin typeface="+mj-lt"/>
+              </a:rPr>
+              <a:t> metrics to evaluate model performance. </a:t>
+            </a:r>
+            <a:endParaRPr lang="tr-TR" sz="2400" dirty="0" smtClean="0">
+              <a:latin typeface="+mj-lt"/>
+            </a:endParaRPr>
+          </a:p>
+          <a:p>
+            <a:pPr marL="971550" lvl="1" indent="-514350">
+              <a:buFont typeface="+mj-lt"/>
+              <a:buAutoNum type="arabicPeriod"/>
+            </a:pPr>
+            <a:r>
+              <a:rPr lang="en-US" sz="2000" dirty="0" smtClean="0">
+                <a:latin typeface="+mj-lt"/>
+              </a:rPr>
+              <a:t>Mean Absolute Percentage Error (</a:t>
+            </a:r>
+            <a:r>
+              <a:rPr lang="en-US" sz="2000" dirty="0" err="1" smtClean="0">
+                <a:latin typeface="+mj-lt"/>
+              </a:rPr>
+              <a:t>mape</a:t>
+            </a:r>
+            <a:r>
+              <a:rPr lang="en-US" sz="2000" dirty="0" smtClean="0">
+                <a:latin typeface="+mj-lt"/>
+              </a:rPr>
+              <a:t>), </a:t>
+            </a:r>
+            <a:endParaRPr lang="tr-TR" sz="2000" dirty="0" smtClean="0">
+              <a:latin typeface="+mj-lt"/>
+            </a:endParaRPr>
+          </a:p>
+          <a:p>
+            <a:pPr marL="971550" lvl="1" indent="-514350">
+              <a:buFont typeface="+mj-lt"/>
+              <a:buAutoNum type="arabicPeriod"/>
+            </a:pPr>
+            <a:r>
+              <a:rPr lang="en-US" sz="2000" dirty="0" smtClean="0">
+                <a:latin typeface="+mj-lt"/>
+              </a:rPr>
+              <a:t>Mean absolute error </a:t>
+            </a:r>
+            <a:r>
+              <a:rPr lang="tr-TR" sz="2000" dirty="0" err="1" smtClean="0">
+                <a:latin typeface="+mj-lt"/>
+              </a:rPr>
+              <a:t>etc</a:t>
+            </a:r>
+            <a:r>
+              <a:rPr lang="tr-TR" sz="2000" dirty="0" smtClean="0">
+                <a:latin typeface="+mj-lt"/>
+              </a:rPr>
+              <a:t>.</a:t>
+            </a:r>
+            <a:r>
+              <a:rPr lang="en-US" sz="2000" dirty="0" smtClean="0">
+                <a:latin typeface="+mj-lt"/>
+              </a:rPr>
+              <a:t> </a:t>
+            </a:r>
+            <a:endParaRPr lang="tr-TR" sz="2000" dirty="0" smtClean="0">
+              <a:latin typeface="+mj-lt"/>
+            </a:endParaRPr>
+          </a:p>
+          <a:p>
+            <a:r>
+              <a:rPr lang="en-US" sz="2400" dirty="0" err="1" smtClean="0">
+                <a:latin typeface="+mj-lt"/>
+              </a:rPr>
+              <a:t>run_models</a:t>
+            </a:r>
+            <a:r>
+              <a:rPr lang="en-US" sz="2400" dirty="0" smtClean="0">
+                <a:latin typeface="+mj-lt"/>
+              </a:rPr>
+              <a:t> function </a:t>
+            </a:r>
+            <a:endParaRPr lang="tr-TR" sz="2400" dirty="0" smtClean="0">
+              <a:latin typeface="+mj-lt"/>
+            </a:endParaRPr>
+          </a:p>
+          <a:p>
+            <a:pPr marL="971550" lvl="1" indent="-514350">
+              <a:buFont typeface="+mj-lt"/>
+              <a:buAutoNum type="arabicPeriod"/>
+            </a:pPr>
+            <a:r>
+              <a:rPr lang="tr-TR" sz="2000" dirty="0">
+                <a:latin typeface="+mj-lt"/>
+              </a:rPr>
+              <a:t>N</a:t>
+            </a:r>
+            <a:r>
+              <a:rPr lang="en-US" sz="2000" dirty="0" err="1" smtClean="0">
+                <a:latin typeface="+mj-lt"/>
+              </a:rPr>
+              <a:t>ecessary</a:t>
+            </a:r>
+            <a:r>
+              <a:rPr lang="en-US" sz="2000" dirty="0" smtClean="0">
+                <a:latin typeface="+mj-lt"/>
+              </a:rPr>
+              <a:t> models implemented </a:t>
+            </a:r>
+            <a:endParaRPr lang="tr-TR" sz="2000" dirty="0" smtClean="0">
+              <a:latin typeface="+mj-lt"/>
+            </a:endParaRPr>
+          </a:p>
+          <a:p>
+            <a:pPr marL="971550" lvl="1" indent="-514350">
+              <a:buFont typeface="+mj-lt"/>
+              <a:buAutoNum type="arabicPeriod"/>
+            </a:pPr>
+            <a:r>
+              <a:rPr lang="tr-TR" sz="2000" dirty="0">
+                <a:latin typeface="+mj-lt"/>
+              </a:rPr>
+              <a:t>F</a:t>
+            </a:r>
+            <a:r>
+              <a:rPr lang="en-US" sz="2000" dirty="0" err="1" smtClean="0">
+                <a:latin typeface="+mj-lt"/>
+              </a:rPr>
+              <a:t>eature</a:t>
+            </a:r>
+            <a:r>
+              <a:rPr lang="en-US" sz="2000" dirty="0" smtClean="0">
+                <a:latin typeface="+mj-lt"/>
+              </a:rPr>
+              <a:t> elimination conducted</a:t>
+            </a:r>
+            <a:endParaRPr lang="tr-TR" sz="2000" dirty="0" smtClean="0">
+              <a:latin typeface="+mj-lt"/>
+            </a:endParaRPr>
+          </a:p>
+          <a:p>
+            <a:pPr marL="971550" lvl="1" indent="-514350">
+              <a:buFont typeface="+mj-lt"/>
+              <a:buAutoNum type="arabicPeriod"/>
+            </a:pPr>
+            <a:r>
+              <a:rPr lang="tr-TR" sz="2000" dirty="0">
+                <a:latin typeface="+mj-lt"/>
+              </a:rPr>
+              <a:t>R</a:t>
+            </a:r>
+            <a:r>
+              <a:rPr lang="en-US" sz="2000" dirty="0" err="1" smtClean="0">
+                <a:latin typeface="+mj-lt"/>
+              </a:rPr>
+              <a:t>eturn</a:t>
+            </a:r>
+            <a:r>
+              <a:rPr lang="en-US" sz="2000" dirty="0" smtClean="0">
+                <a:latin typeface="+mj-lt"/>
+              </a:rPr>
+              <a:t> our index value</a:t>
+            </a:r>
+            <a:r>
+              <a:rPr lang="tr-TR" sz="2000" dirty="0" smtClean="0">
+                <a:latin typeface="+mj-lt"/>
+              </a:rPr>
+              <a:t> </a:t>
+            </a:r>
+            <a:r>
+              <a:rPr lang="tr-TR" sz="2000" dirty="0" err="1" smtClean="0">
+                <a:latin typeface="+mj-lt"/>
+              </a:rPr>
+              <a:t>prediction</a:t>
+            </a:r>
+            <a:r>
+              <a:rPr lang="en-US" sz="2000" dirty="0" smtClean="0">
+                <a:latin typeface="+mj-lt"/>
+              </a:rPr>
+              <a:t> to original absolute value </a:t>
+            </a:r>
+            <a:endParaRPr lang="tr-TR" sz="2000" dirty="0" smtClean="0">
+              <a:latin typeface="+mj-lt"/>
+            </a:endParaRPr>
+          </a:p>
+        </p:txBody>
+      </p:sp>
+    </p:spTree>
+    <p:extLst>
+      <p:ext uri="{BB962C8B-B14F-4D97-AF65-F5344CB8AC3E}">
+        <p14:creationId xmlns:p14="http://schemas.microsoft.com/office/powerpoint/2010/main" val="1429566174"/>
       </p:ext>
     </p:extLst>
   </p:cSld>
@@ -9834,7 +10632,12 @@
             <p:ph type="title"/>
           </p:nvPr>
         </p:nvSpPr>
-        <p:spPr/>
+        <p:spPr>
+          <a:xfrm>
+            <a:off x="838200" y="383598"/>
+            <a:ext cx="10515600" cy="974148"/>
+          </a:xfrm>
+        </p:spPr>
         <p:txBody>
           <a:bodyPr vert="horz" lIns="91440" tIns="45720" rIns="91440" bIns="45720" rtlCol="0" anchor="ctr">
             <a:normAutofit/>
@@ -9842,615 +10645,25 @@
           <a:lstStyle/>
           <a:p>
             <a:r>
-              <a:rPr lang="tr-TR" sz="3600" b="1" dirty="0" err="1">
+              <a:rPr lang="tr-TR" sz="3600" b="1" dirty="0" smtClean="0">
                 <a:solidFill>
                   <a:schemeClr val="tx2"/>
                 </a:solidFill>
               </a:rPr>
-              <a:t>Aggregations</a:t>
-            </a:r>
-            <a:r>
-              <a:rPr lang="tr-TR" sz="3600" b="1" dirty="0">
+              <a:t>Residual </a:t>
+            </a:r>
+            <a:r>
+              <a:rPr lang="tr-TR" sz="3600" b="1" dirty="0" smtClean="0">
                 <a:solidFill>
                   <a:schemeClr val="tx2"/>
                 </a:solidFill>
               </a:rPr>
-              <a:t> : </a:t>
-            </a:r>
-            <a:r>
-              <a:rPr lang="tr-TR" sz="3600" b="1" dirty="0" err="1">
-                <a:solidFill>
-                  <a:schemeClr val="tx2"/>
-                </a:solidFill>
-              </a:rPr>
-              <a:t>DesireNextYear</a:t>
-            </a:r>
-            <a:r>
-              <a:rPr lang="tr-TR" sz="3600" b="1" dirty="0">
-                <a:solidFill>
-                  <a:schemeClr val="tx2"/>
-                </a:solidFill>
-              </a:rPr>
-              <a:t/>
-            </a:r>
-            <a:br>
-              <a:rPr lang="tr-TR" sz="3600" b="1" dirty="0">
-                <a:solidFill>
-                  <a:schemeClr val="tx2"/>
-                </a:solidFill>
-              </a:rPr>
-            </a:br>
-            <a:r>
-              <a:rPr lang="tr-TR" sz="3600" b="1" dirty="0">
-                <a:solidFill>
-                  <a:schemeClr val="tx2"/>
-                </a:solidFill>
-              </a:rPr>
-              <a:t>			</a:t>
-            </a:r>
-            <a:r>
-              <a:rPr lang="tr-TR" sz="3600" b="1" dirty="0" err="1">
-                <a:solidFill>
-                  <a:schemeClr val="tx2"/>
-                </a:solidFill>
-              </a:rPr>
-              <a:t>WorkedWith</a:t>
+              <a:t>Analysis</a:t>
             </a:r>
             <a:endParaRPr lang="tr-TR" sz="3600" b="1" dirty="0">
               <a:solidFill>
                 <a:schemeClr val="tx2"/>
               </a:solidFill>
-            </a:endParaRPr>
-          </a:p>
-        </p:txBody>
-      </p:sp>
-      <p:sp>
-        <p:nvSpPr>
-          <p:cNvPr id="7" name="Rectangle 6"/>
-          <p:cNvSpPr/>
-          <p:nvPr/>
-        </p:nvSpPr>
-        <p:spPr>
-          <a:xfrm>
-            <a:off x="838200" y="3962683"/>
-            <a:ext cx="2606226" cy="1477328"/>
-          </a:xfrm>
-          <a:prstGeom prst="rect">
-            <a:avLst/>
-          </a:prstGeom>
-        </p:spPr>
-        <p:txBody>
-          <a:bodyPr wrap="none">
-            <a:spAutoFit/>
-          </a:bodyPr>
-          <a:lstStyle/>
-          <a:p>
-            <a:r>
-              <a:rPr lang="en-US" dirty="0" err="1" smtClean="0"/>
-              <a:t>DesireNextYear</a:t>
-            </a:r>
-            <a:endParaRPr lang="tr-TR" dirty="0" smtClean="0"/>
-          </a:p>
-          <a:p>
-            <a:r>
-              <a:rPr lang="en-US" dirty="0" err="1" smtClean="0"/>
-              <a:t>LanguageDesireNextYear</a:t>
-            </a:r>
-            <a:endParaRPr lang="tr-TR" dirty="0" smtClean="0"/>
-          </a:p>
-          <a:p>
-            <a:r>
-              <a:rPr lang="en-US" dirty="0" err="1" smtClean="0"/>
-              <a:t>PlatformDesireNextYear</a:t>
-            </a:r>
-            <a:endParaRPr lang="tr-TR" dirty="0" smtClean="0"/>
-          </a:p>
-          <a:p>
-            <a:r>
-              <a:rPr lang="en-US" dirty="0" err="1" smtClean="0"/>
-              <a:t>WebframeDesireNextYear</a:t>
-            </a:r>
-            <a:endParaRPr lang="tr-TR" dirty="0" smtClean="0"/>
-          </a:p>
-          <a:p>
-            <a:r>
-              <a:rPr lang="en-US" dirty="0" err="1"/>
-              <a:t>DatabaseDesireNextYear</a:t>
-            </a:r>
-            <a:endParaRPr lang="en-US" dirty="0"/>
-          </a:p>
-        </p:txBody>
-      </p:sp>
-      <p:sp>
-        <p:nvSpPr>
-          <p:cNvPr id="8" name="Rectangle 7"/>
-          <p:cNvSpPr/>
-          <p:nvPr/>
-        </p:nvSpPr>
-        <p:spPr>
-          <a:xfrm>
-            <a:off x="838200" y="2407865"/>
-            <a:ext cx="2606226" cy="1477328"/>
-          </a:xfrm>
-          <a:prstGeom prst="rect">
-            <a:avLst/>
-          </a:prstGeom>
-        </p:spPr>
-        <p:txBody>
-          <a:bodyPr wrap="none">
-            <a:spAutoFit/>
-          </a:bodyPr>
-          <a:lstStyle/>
-          <a:p>
-            <a:r>
-              <a:rPr lang="en-US" dirty="0" err="1" smtClean="0"/>
-              <a:t>WorkedWith</a:t>
-            </a:r>
-            <a:endParaRPr lang="tr-TR" dirty="0" smtClean="0"/>
-          </a:p>
-          <a:p>
-            <a:r>
-              <a:rPr lang="en-US" dirty="0" err="1" smtClean="0"/>
-              <a:t>LanguageWorkedWith</a:t>
-            </a:r>
-            <a:endParaRPr lang="tr-TR" dirty="0" smtClean="0"/>
-          </a:p>
-          <a:p>
-            <a:r>
-              <a:rPr lang="en-US" dirty="0" err="1" smtClean="0"/>
-              <a:t>PlatformDesireNextYear</a:t>
-            </a:r>
-            <a:endParaRPr lang="tr-TR" dirty="0" smtClean="0"/>
-          </a:p>
-          <a:p>
-            <a:r>
-              <a:rPr lang="en-US" dirty="0" err="1" smtClean="0"/>
-              <a:t>WebframeDesireNextYear</a:t>
-            </a:r>
-            <a:endParaRPr lang="tr-TR" dirty="0" smtClean="0"/>
-          </a:p>
-          <a:p>
-            <a:r>
-              <a:rPr lang="en-US" dirty="0" err="1"/>
-              <a:t>DatabaseDesireNextYear</a:t>
-            </a:r>
-            <a:endParaRPr lang="en-US" dirty="0"/>
-          </a:p>
-        </p:txBody>
-      </p:sp>
-      <p:sp>
-        <p:nvSpPr>
-          <p:cNvPr id="9" name="Rounded Rectangle 8"/>
-          <p:cNvSpPr/>
-          <p:nvPr/>
-        </p:nvSpPr>
-        <p:spPr>
-          <a:xfrm>
-            <a:off x="4919374" y="1850237"/>
-            <a:ext cx="3294595" cy="1843481"/>
-          </a:xfrm>
-          <a:prstGeom prst="roundRect">
-            <a:avLst>
-              <a:gd name="adj" fmla="val 4535"/>
-            </a:avLst>
-          </a:prstGeom>
-          <a:ln>
-            <a:noFill/>
-          </a:ln>
-        </p:spPr>
-        <p:style>
-          <a:lnRef idx="2">
-            <a:schemeClr val="accent1">
-              <a:shade val="50000"/>
-            </a:schemeClr>
-          </a:lnRef>
-          <a:fillRef idx="1">
-            <a:schemeClr val="accent1"/>
-          </a:fillRef>
-          <a:effectRef idx="0">
-            <a:schemeClr val="accent1"/>
-          </a:effectRef>
-          <a:fontRef idx="minor">
-            <a:schemeClr val="lt1"/>
-          </a:fontRef>
-        </p:style>
-        <p:txBody>
-          <a:bodyPr rtlCol="0" anchor="ctr"/>
-          <a:lstStyle/>
-          <a:p>
-            <a:pPr algn="ctr"/>
-            <a:r>
-              <a:rPr lang="tr-TR" dirty="0" smtClean="0"/>
-              <a:t>Features</a:t>
-            </a:r>
-            <a:endParaRPr lang="en-US" dirty="0" smtClean="0"/>
-          </a:p>
-          <a:p>
-            <a:pPr algn="ctr"/>
-            <a:r>
-              <a:rPr lang="tr-TR" sz="1200" dirty="0" smtClean="0"/>
-              <a:t>How many of the possible options are chosen by developer?</a:t>
-            </a:r>
-            <a:endParaRPr lang="en-US" sz="1200" dirty="0" smtClean="0"/>
-          </a:p>
-        </p:txBody>
-      </p:sp>
-      <p:pic>
-        <p:nvPicPr>
-          <p:cNvPr id="10" name="Picture 9"/>
-          <p:cNvPicPr>
-            <a:picLocks noChangeAspect="1"/>
-          </p:cNvPicPr>
-          <p:nvPr/>
-        </p:nvPicPr>
-        <p:blipFill>
-          <a:blip r:embed="rId2"/>
-          <a:stretch>
-            <a:fillRect/>
-          </a:stretch>
-        </p:blipFill>
-        <p:spPr>
-          <a:xfrm>
-            <a:off x="4613568" y="4263686"/>
-            <a:ext cx="6950710" cy="1861506"/>
-          </a:xfrm>
-          <a:prstGeom prst="rect">
-            <a:avLst/>
-          </a:prstGeom>
-        </p:spPr>
-      </p:pic>
-    </p:spTree>
-    <p:extLst>
-      <p:ext uri="{BB962C8B-B14F-4D97-AF65-F5344CB8AC3E}">
-        <p14:creationId xmlns:p14="http://schemas.microsoft.com/office/powerpoint/2010/main" val="2681086356"/>
-      </p:ext>
-    </p:extLst>
-  </p:cSld>
-  <p:clrMapOvr>
-    <a:masterClrMapping/>
-  </p:clrMapOvr>
-</p:sld>
-</file>
-
-<file path=ppt/slides/slide17.xml><?xml version="1.0" encoding="utf-8"?>
-<p:sld xmlns:a="http://schemas.openxmlformats.org/drawingml/2006/main" xmlns:r="http://schemas.openxmlformats.org/officeDocument/2006/relationships" xmlns:p="http://schemas.openxmlformats.org/presentationml/2006/main">
-  <p:cSld>
-    <p:spTree>
-      <p:nvGrpSpPr>
-        <p:cNvPr id="1" name=""/>
-        <p:cNvGrpSpPr/>
-        <p:nvPr/>
-      </p:nvGrpSpPr>
-      <p:grpSpPr>
-        <a:xfrm>
-          <a:off x="0" y="0"/>
-          <a:ext cx="0" cy="0"/>
-          <a:chOff x="0" y="0"/>
-          <a:chExt cx="0" cy="0"/>
-        </a:xfrm>
-      </p:grpSpPr>
-      <p:sp>
-        <p:nvSpPr>
-          <p:cNvPr id="5" name="Title 1"/>
-          <p:cNvSpPr txBox="1">
-            <a:spLocks/>
-          </p:cNvSpPr>
-          <p:nvPr/>
-        </p:nvSpPr>
-        <p:spPr>
-          <a:xfrm>
-            <a:off x="0" y="507943"/>
-            <a:ext cx="12192000" cy="1325563"/>
-          </a:xfrm>
-          <a:prstGeom prst="rect">
-            <a:avLst/>
-          </a:prstGeom>
-          <a:solidFill>
-            <a:schemeClr val="tx2"/>
-          </a:solidFill>
-        </p:spPr>
-        <p:txBody>
-          <a:bodyPr vert="horz" lIns="91440" tIns="45720" rIns="91440" bIns="45720" rtlCol="0" anchor="ctr">
-            <a:normAutofit/>
-          </a:bodyPr>
-          <a:lstStyle>
-            <a:lvl1pPr algn="l" defTabSz="914400" rtl="0" eaLnBrk="1" latinLnBrk="0" hangingPunct="1">
-              <a:lnSpc>
-                <a:spcPct val="90000"/>
-              </a:lnSpc>
-              <a:spcBef>
-                <a:spcPct val="0"/>
-              </a:spcBef>
-              <a:buNone/>
-              <a:defRPr sz="4400" kern="1200">
-                <a:solidFill>
-                  <a:schemeClr val="tx1"/>
-                </a:solidFill>
-                <a:latin typeface="+mj-lt"/>
-                <a:ea typeface="+mj-ea"/>
-                <a:cs typeface="+mj-cs"/>
-              </a:defRPr>
-            </a:lvl1pPr>
-          </a:lstStyle>
-          <a:p>
-            <a:pPr algn="ctr"/>
-            <a:r>
-              <a:rPr lang="tr-TR" sz="3600" b="1" dirty="0">
-                <a:solidFill>
-                  <a:schemeClr val="bg1"/>
-                </a:solidFill>
-              </a:rPr>
-              <a:t>Model</a:t>
-            </a:r>
-          </a:p>
-        </p:txBody>
-      </p:sp>
-      <p:sp>
-        <p:nvSpPr>
-          <p:cNvPr id="3" name="Content Placeholder 2"/>
-          <p:cNvSpPr>
-            <a:spLocks noGrp="1"/>
-          </p:cNvSpPr>
-          <p:nvPr>
-            <p:ph idx="1"/>
-          </p:nvPr>
-        </p:nvSpPr>
-        <p:spPr>
-          <a:xfrm>
-            <a:off x="9328727" y="3483760"/>
-            <a:ext cx="2126468" cy="2760020"/>
-          </a:xfrm>
-          <a:solidFill>
-            <a:schemeClr val="tx2"/>
-          </a:solidFill>
-        </p:spPr>
-        <p:txBody>
-          <a:bodyPr>
-            <a:noAutofit/>
-          </a:bodyPr>
-          <a:lstStyle/>
-          <a:p>
-            <a:pPr fontAlgn="ctr"/>
-            <a:r>
-              <a:rPr lang="tr-TR" sz="1600" b="1" dirty="0" err="1">
-                <a:solidFill>
-                  <a:schemeClr val="bg1"/>
-                </a:solidFill>
-                <a:latin typeface="+mj-lt"/>
-              </a:rPr>
-              <a:t>RidgeCV</a:t>
-            </a:r>
-            <a:r>
-              <a:rPr lang="tr-TR" sz="1600" b="1" dirty="0">
-                <a:solidFill>
-                  <a:schemeClr val="bg1"/>
-                </a:solidFill>
-                <a:latin typeface="+mj-lt"/>
-              </a:rPr>
-              <a:t> </a:t>
-            </a:r>
-          </a:p>
-          <a:p>
-            <a:pPr fontAlgn="ctr"/>
-            <a:r>
-              <a:rPr lang="tr-TR" sz="1600" b="1" dirty="0" err="1" smtClean="0">
-                <a:solidFill>
-                  <a:schemeClr val="bg1"/>
-                </a:solidFill>
-                <a:latin typeface="+mj-lt"/>
-              </a:rPr>
-              <a:t>LassoCV</a:t>
-            </a:r>
-            <a:r>
-              <a:rPr lang="tr-TR" sz="1600" b="1" dirty="0" smtClean="0">
-                <a:solidFill>
-                  <a:schemeClr val="bg1"/>
-                </a:solidFill>
-                <a:latin typeface="+mj-lt"/>
-              </a:rPr>
-              <a:t> </a:t>
-            </a:r>
-          </a:p>
-          <a:p>
-            <a:pPr fontAlgn="ctr"/>
-            <a:r>
-              <a:rPr lang="tr-TR" sz="1600" b="1" dirty="0" err="1" smtClean="0">
-                <a:solidFill>
-                  <a:schemeClr val="bg1"/>
-                </a:solidFill>
-                <a:latin typeface="+mj-lt"/>
-              </a:rPr>
-              <a:t>LinearSVR</a:t>
-            </a:r>
-            <a:r>
-              <a:rPr lang="tr-TR" sz="1600" b="1" dirty="0" smtClean="0">
-                <a:solidFill>
-                  <a:schemeClr val="bg1"/>
-                </a:solidFill>
-                <a:latin typeface="+mj-lt"/>
-              </a:rPr>
-              <a:t> </a:t>
-            </a:r>
-          </a:p>
-          <a:p>
-            <a:pPr fontAlgn="ctr"/>
-            <a:r>
-              <a:rPr lang="tr-TR" sz="1600" b="1" dirty="0" err="1" smtClean="0">
-                <a:solidFill>
-                  <a:schemeClr val="bg1"/>
-                </a:solidFill>
-                <a:latin typeface="+mj-lt"/>
-              </a:rPr>
-              <a:t>LinearSVR</a:t>
-            </a:r>
-            <a:r>
-              <a:rPr lang="tr-TR" sz="1600" b="1" dirty="0" smtClean="0">
-                <a:solidFill>
-                  <a:schemeClr val="bg1"/>
-                </a:solidFill>
-                <a:latin typeface="+mj-lt"/>
-              </a:rPr>
-              <a:t> </a:t>
-            </a:r>
-            <a:r>
-              <a:rPr lang="tr-TR" sz="1600" b="1" dirty="0">
-                <a:solidFill>
-                  <a:schemeClr val="bg1"/>
-                </a:solidFill>
-                <a:latin typeface="+mj-lt"/>
-              </a:rPr>
-              <a:t>(C=0.1) </a:t>
-            </a:r>
-          </a:p>
-          <a:p>
-            <a:pPr fontAlgn="ctr"/>
-            <a:r>
-              <a:rPr lang="tr-TR" sz="1600" b="1" dirty="0" err="1" smtClean="0">
-                <a:solidFill>
-                  <a:schemeClr val="bg1"/>
-                </a:solidFill>
-                <a:latin typeface="+mj-lt"/>
-              </a:rPr>
-              <a:t>LinearSVR</a:t>
-            </a:r>
-            <a:r>
-              <a:rPr lang="tr-TR" sz="1600" b="1" dirty="0" smtClean="0">
-                <a:solidFill>
-                  <a:schemeClr val="bg1"/>
-                </a:solidFill>
-                <a:latin typeface="+mj-lt"/>
-              </a:rPr>
-              <a:t> </a:t>
-            </a:r>
-            <a:r>
-              <a:rPr lang="tr-TR" sz="1600" b="1" dirty="0">
-                <a:solidFill>
-                  <a:schemeClr val="bg1"/>
-                </a:solidFill>
-                <a:latin typeface="+mj-lt"/>
-              </a:rPr>
-              <a:t>(C=10) </a:t>
-            </a:r>
-          </a:p>
-          <a:p>
-            <a:pPr fontAlgn="ctr"/>
-            <a:r>
-              <a:rPr lang="tr-TR" sz="1600" b="1" dirty="0" smtClean="0">
-                <a:solidFill>
-                  <a:schemeClr val="bg1"/>
-                </a:solidFill>
-                <a:latin typeface="+mj-lt"/>
-              </a:rPr>
-              <a:t>SVR </a:t>
-            </a:r>
-            <a:r>
-              <a:rPr lang="tr-TR" sz="1600" b="1" dirty="0">
-                <a:solidFill>
-                  <a:schemeClr val="bg1"/>
-                </a:solidFill>
-                <a:latin typeface="+mj-lt"/>
-              </a:rPr>
-              <a:t>(</a:t>
-            </a:r>
-            <a:r>
-              <a:rPr lang="tr-TR" sz="1600" b="1" dirty="0" err="1">
-                <a:solidFill>
-                  <a:schemeClr val="bg1"/>
-                </a:solidFill>
-                <a:latin typeface="+mj-lt"/>
-              </a:rPr>
-              <a:t>Kernel</a:t>
-            </a:r>
-            <a:r>
-              <a:rPr lang="tr-TR" sz="1600" b="1" dirty="0">
-                <a:solidFill>
-                  <a:schemeClr val="bg1"/>
-                </a:solidFill>
-                <a:latin typeface="+mj-lt"/>
-              </a:rPr>
-              <a:t> = ‘</a:t>
-            </a:r>
-            <a:r>
-              <a:rPr lang="tr-TR" sz="1600" b="1" dirty="0" err="1">
-                <a:solidFill>
-                  <a:schemeClr val="bg1"/>
-                </a:solidFill>
-                <a:latin typeface="+mj-lt"/>
-              </a:rPr>
-              <a:t>rbf</a:t>
-            </a:r>
-            <a:r>
-              <a:rPr lang="tr-TR" sz="1600" b="1" dirty="0">
-                <a:solidFill>
-                  <a:schemeClr val="bg1"/>
-                </a:solidFill>
-                <a:latin typeface="+mj-lt"/>
-              </a:rPr>
-              <a:t>’) </a:t>
-            </a:r>
-          </a:p>
-          <a:p>
-            <a:pPr fontAlgn="ctr"/>
-            <a:r>
-              <a:rPr lang="tr-TR" sz="1600" b="1" dirty="0" err="1" smtClean="0">
-                <a:solidFill>
-                  <a:schemeClr val="bg1"/>
-                </a:solidFill>
-                <a:latin typeface="+mj-lt"/>
-              </a:rPr>
-              <a:t>DecisionTree</a:t>
-            </a:r>
-            <a:r>
-              <a:rPr lang="tr-TR" sz="1600" b="1" dirty="0" smtClean="0">
-                <a:solidFill>
-                  <a:schemeClr val="bg1"/>
-                </a:solidFill>
-                <a:latin typeface="+mj-lt"/>
-              </a:rPr>
-              <a:t> </a:t>
-            </a:r>
-            <a:r>
-              <a:rPr lang="tr-TR" sz="1600" b="1" dirty="0">
-                <a:solidFill>
-                  <a:schemeClr val="bg1"/>
-                </a:solidFill>
-                <a:latin typeface="+mj-lt"/>
-              </a:rPr>
-              <a:t>• </a:t>
-            </a:r>
-            <a:endParaRPr lang="tr-TR" sz="1600" b="1" dirty="0" smtClean="0">
-              <a:solidFill>
-                <a:schemeClr val="bg1"/>
-              </a:solidFill>
-              <a:latin typeface="+mj-lt"/>
-            </a:endParaRPr>
-          </a:p>
-          <a:p>
-            <a:pPr fontAlgn="ctr"/>
-            <a:r>
-              <a:rPr lang="tr-TR" sz="1600" b="1" dirty="0" err="1" smtClean="0">
-                <a:solidFill>
-                  <a:schemeClr val="bg1"/>
-                </a:solidFill>
-                <a:latin typeface="+mj-lt"/>
-              </a:rPr>
-              <a:t>RandomForest</a:t>
-            </a:r>
-            <a:r>
-              <a:rPr lang="tr-TR" sz="1600" b="1" dirty="0" smtClean="0">
-                <a:solidFill>
-                  <a:schemeClr val="bg1"/>
-                </a:solidFill>
-                <a:latin typeface="+mj-lt"/>
-              </a:rPr>
-              <a:t> </a:t>
-            </a:r>
-            <a:endParaRPr lang="tr-TR" sz="1600" b="1" baseline="0" dirty="0">
-              <a:solidFill>
-                <a:schemeClr val="bg1"/>
-              </a:solidFill>
-              <a:effectLst/>
-              <a:latin typeface="+mj-lt"/>
             </a:endParaRPr>
           </a:p>
         </p:txBody>
@@ -10471,761 +10684,7 @@
         </p:blipFill>
         <p:spPr>
           <a:xfrm>
-            <a:off x="736805" y="2054068"/>
-            <a:ext cx="10718390" cy="1053941"/>
-          </a:xfrm>
-          <a:prstGeom prst="rect">
-            <a:avLst/>
-          </a:prstGeom>
-        </p:spPr>
-      </p:pic>
-      <p:sp>
-        <p:nvSpPr>
-          <p:cNvPr id="6" name="Content Placeholder 2"/>
-          <p:cNvSpPr txBox="1">
-            <a:spLocks/>
-          </p:cNvSpPr>
-          <p:nvPr/>
-        </p:nvSpPr>
-        <p:spPr>
-          <a:xfrm>
-            <a:off x="736805" y="3289798"/>
-            <a:ext cx="7557450" cy="3212602"/>
-          </a:xfrm>
-          <a:prstGeom prst="rect">
-            <a:avLst/>
-          </a:prstGeom>
-        </p:spPr>
-        <p:txBody>
-          <a:bodyPr vert="horz" lIns="91440" tIns="45720" rIns="91440" bIns="45720" rtlCol="0">
-            <a:normAutofit/>
-          </a:bodyPr>
-          <a:lstStyle>
-            <a:lvl1pPr marL="228600" indent="-228600" algn="l" defTabSz="914400" rtl="0" eaLnBrk="1" latinLnBrk="0" hangingPunct="1">
-              <a:lnSpc>
-                <a:spcPct val="90000"/>
-              </a:lnSpc>
-              <a:spcBef>
-                <a:spcPts val="1000"/>
-              </a:spcBef>
-              <a:buFont typeface="Arial" panose="020B0604020202020204" pitchFamily="34" charset="0"/>
-              <a:buChar char="•"/>
-              <a:defRPr sz="2800" kern="1200">
-                <a:solidFill>
-                  <a:schemeClr val="tx1"/>
-                </a:solidFill>
-                <a:latin typeface="+mn-lt"/>
-                <a:ea typeface="+mn-ea"/>
-                <a:cs typeface="+mn-cs"/>
-              </a:defRPr>
-            </a:lvl1pPr>
-            <a:lvl2pPr marL="685800" indent="-228600" algn="l" defTabSz="914400" rtl="0" eaLnBrk="1" latinLnBrk="0" hangingPunct="1">
-              <a:lnSpc>
-                <a:spcPct val="90000"/>
-              </a:lnSpc>
-              <a:spcBef>
-                <a:spcPts val="500"/>
-              </a:spcBef>
-              <a:buFont typeface="Arial" panose="020B0604020202020204" pitchFamily="34" charset="0"/>
-              <a:buChar char="•"/>
-              <a:defRPr sz="2400" kern="1200">
-                <a:solidFill>
-                  <a:schemeClr val="tx1"/>
-                </a:solidFill>
-                <a:latin typeface="+mn-lt"/>
-                <a:ea typeface="+mn-ea"/>
-                <a:cs typeface="+mn-cs"/>
-              </a:defRPr>
-            </a:lvl2pPr>
-            <a:lvl3pPr marL="1143000" indent="-228600" algn="l" defTabSz="914400" rtl="0" eaLnBrk="1" latinLnBrk="0" hangingPunct="1">
-              <a:lnSpc>
-                <a:spcPct val="90000"/>
-              </a:lnSpc>
-              <a:spcBef>
-                <a:spcPts val="500"/>
-              </a:spcBef>
-              <a:buFont typeface="Arial" panose="020B0604020202020204" pitchFamily="34" charset="0"/>
-              <a:buChar char="•"/>
-              <a:defRPr sz="2000" kern="1200">
-                <a:solidFill>
-                  <a:schemeClr val="tx1"/>
-                </a:solidFill>
-                <a:latin typeface="+mn-lt"/>
-                <a:ea typeface="+mn-ea"/>
-                <a:cs typeface="+mn-cs"/>
-              </a:defRPr>
-            </a:lvl3pPr>
-            <a:lvl4pPr marL="1600200" indent="-228600" algn="l" defTabSz="914400" rtl="0" eaLnBrk="1" latinLnBrk="0" hangingPunct="1">
-              <a:lnSpc>
-                <a:spcPct val="90000"/>
-              </a:lnSpc>
-              <a:spcBef>
-                <a:spcPts val="500"/>
-              </a:spcBef>
-              <a:buFont typeface="Arial" panose="020B0604020202020204" pitchFamily="34" charset="0"/>
-              <a:buChar char="•"/>
-              <a:defRPr sz="1800" kern="1200">
-                <a:solidFill>
-                  <a:schemeClr val="tx1"/>
-                </a:solidFill>
-                <a:latin typeface="+mn-lt"/>
-                <a:ea typeface="+mn-ea"/>
-                <a:cs typeface="+mn-cs"/>
-              </a:defRPr>
-            </a:lvl4pPr>
-            <a:lvl5pPr marL="2057400" indent="-228600" algn="l" defTabSz="914400" rtl="0" eaLnBrk="1" latinLnBrk="0" hangingPunct="1">
-              <a:lnSpc>
-                <a:spcPct val="90000"/>
-              </a:lnSpc>
-              <a:spcBef>
-                <a:spcPts val="500"/>
-              </a:spcBef>
-              <a:buFont typeface="Arial" panose="020B0604020202020204" pitchFamily="34" charset="0"/>
-              <a:buChar char="•"/>
-              <a:defRPr sz="1800" kern="1200">
-                <a:solidFill>
-                  <a:schemeClr val="tx1"/>
-                </a:solidFill>
-                <a:latin typeface="+mn-lt"/>
-                <a:ea typeface="+mn-ea"/>
-                <a:cs typeface="+mn-cs"/>
-              </a:defRPr>
-            </a:lvl5pPr>
-            <a:lvl6pPr marL="2514600" indent="-228600" algn="l" defTabSz="914400" rtl="0" eaLnBrk="1" latinLnBrk="0" hangingPunct="1">
-              <a:lnSpc>
-                <a:spcPct val="90000"/>
-              </a:lnSpc>
-              <a:spcBef>
-                <a:spcPts val="500"/>
-              </a:spcBef>
-              <a:buFont typeface="Arial" panose="020B0604020202020204" pitchFamily="34" charset="0"/>
-              <a:buChar char="•"/>
-              <a:defRPr sz="1800" kern="1200">
-                <a:solidFill>
-                  <a:schemeClr val="tx1"/>
-                </a:solidFill>
-                <a:latin typeface="+mn-lt"/>
-                <a:ea typeface="+mn-ea"/>
-                <a:cs typeface="+mn-cs"/>
-              </a:defRPr>
-            </a:lvl6pPr>
-            <a:lvl7pPr marL="2971800" indent="-228600" algn="l" defTabSz="914400" rtl="0" eaLnBrk="1" latinLnBrk="0" hangingPunct="1">
-              <a:lnSpc>
-                <a:spcPct val="90000"/>
-              </a:lnSpc>
-              <a:spcBef>
-                <a:spcPts val="500"/>
-              </a:spcBef>
-              <a:buFont typeface="Arial" panose="020B0604020202020204" pitchFamily="34" charset="0"/>
-              <a:buChar char="•"/>
-              <a:defRPr sz="1800" kern="1200">
-                <a:solidFill>
-                  <a:schemeClr val="tx1"/>
-                </a:solidFill>
-                <a:latin typeface="+mn-lt"/>
-                <a:ea typeface="+mn-ea"/>
-                <a:cs typeface="+mn-cs"/>
-              </a:defRPr>
-            </a:lvl7pPr>
-            <a:lvl8pPr marL="3429000" indent="-228600" algn="l" defTabSz="914400" rtl="0" eaLnBrk="1" latinLnBrk="0" hangingPunct="1">
-              <a:lnSpc>
-                <a:spcPct val="90000"/>
-              </a:lnSpc>
-              <a:spcBef>
-                <a:spcPts val="500"/>
-              </a:spcBef>
-              <a:buFont typeface="Arial" panose="020B0604020202020204" pitchFamily="34" charset="0"/>
-              <a:buChar char="•"/>
-              <a:defRPr sz="1800" kern="1200">
-                <a:solidFill>
-                  <a:schemeClr val="tx1"/>
-                </a:solidFill>
-                <a:latin typeface="+mn-lt"/>
-                <a:ea typeface="+mn-ea"/>
-                <a:cs typeface="+mn-cs"/>
-              </a:defRPr>
-            </a:lvl8pPr>
-            <a:lvl9pPr marL="3886200" indent="-228600" algn="l" defTabSz="914400" rtl="0" eaLnBrk="1" latinLnBrk="0" hangingPunct="1">
-              <a:lnSpc>
-                <a:spcPct val="90000"/>
-              </a:lnSpc>
-              <a:spcBef>
-                <a:spcPts val="500"/>
-              </a:spcBef>
-              <a:buFont typeface="Arial" panose="020B0604020202020204" pitchFamily="34" charset="0"/>
-              <a:buChar char="•"/>
-              <a:defRPr sz="1800" kern="1200">
-                <a:solidFill>
-                  <a:schemeClr val="tx1"/>
-                </a:solidFill>
-                <a:latin typeface="+mn-lt"/>
-                <a:ea typeface="+mn-ea"/>
-                <a:cs typeface="+mn-cs"/>
-              </a:defRPr>
-            </a:lvl9pPr>
-          </a:lstStyle>
-          <a:p>
-            <a:r>
-              <a:rPr lang="tr-TR" sz="2400" dirty="0" smtClean="0">
-                <a:latin typeface="+mj-lt"/>
-              </a:rPr>
-              <a:t>D</a:t>
-            </a:r>
-            <a:r>
-              <a:rPr lang="en-US" sz="2400" dirty="0" err="1" smtClean="0">
-                <a:latin typeface="+mj-lt"/>
-              </a:rPr>
-              <a:t>ata</a:t>
-            </a:r>
-            <a:r>
-              <a:rPr lang="en-US" sz="2400" dirty="0" smtClean="0">
-                <a:latin typeface="+mj-lt"/>
-              </a:rPr>
-              <a:t> transformed with </a:t>
-            </a:r>
-            <a:r>
-              <a:rPr lang="en-US" sz="2400" dirty="0" err="1" smtClean="0">
-                <a:latin typeface="+mj-lt"/>
-              </a:rPr>
-              <a:t>StandardScaler</a:t>
-            </a:r>
-            <a:r>
-              <a:rPr lang="en-US" sz="2400" dirty="0" smtClean="0">
-                <a:latin typeface="+mj-lt"/>
-              </a:rPr>
-              <a:t> </a:t>
-            </a:r>
-            <a:endParaRPr lang="tr-TR" sz="2400" dirty="0" smtClean="0">
-              <a:latin typeface="+mj-lt"/>
-            </a:endParaRPr>
-          </a:p>
-          <a:p>
-            <a:r>
-              <a:rPr lang="tr-TR" sz="2400" dirty="0" smtClean="0">
-                <a:latin typeface="+mj-lt"/>
-              </a:rPr>
-              <a:t>D</a:t>
-            </a:r>
-            <a:r>
-              <a:rPr lang="en-US" sz="2400" dirty="0" err="1" smtClean="0">
-                <a:latin typeface="+mj-lt"/>
-              </a:rPr>
-              <a:t>efined</a:t>
-            </a:r>
-            <a:r>
-              <a:rPr lang="en-US" sz="2400" dirty="0" smtClean="0">
-                <a:latin typeface="+mj-lt"/>
-              </a:rPr>
-              <a:t> metrics to evaluate model performance. </a:t>
-            </a:r>
-            <a:endParaRPr lang="tr-TR" sz="2400" dirty="0" smtClean="0">
-              <a:latin typeface="+mj-lt"/>
-            </a:endParaRPr>
-          </a:p>
-          <a:p>
-            <a:pPr marL="971550" lvl="1" indent="-514350">
-              <a:buFont typeface="+mj-lt"/>
-              <a:buAutoNum type="arabicPeriod"/>
-            </a:pPr>
-            <a:r>
-              <a:rPr lang="en-US" sz="2000" dirty="0" smtClean="0">
-                <a:latin typeface="+mj-lt"/>
-              </a:rPr>
-              <a:t>Mean Absolute Percentage Error (</a:t>
-            </a:r>
-            <a:r>
-              <a:rPr lang="en-US" sz="2000" dirty="0" err="1" smtClean="0">
-                <a:latin typeface="+mj-lt"/>
-              </a:rPr>
-              <a:t>mape</a:t>
-            </a:r>
-            <a:r>
-              <a:rPr lang="en-US" sz="2000" dirty="0" smtClean="0">
-                <a:latin typeface="+mj-lt"/>
-              </a:rPr>
-              <a:t>), </a:t>
-            </a:r>
-            <a:endParaRPr lang="tr-TR" sz="2000" dirty="0" smtClean="0">
-              <a:latin typeface="+mj-lt"/>
-            </a:endParaRPr>
-          </a:p>
-          <a:p>
-            <a:pPr marL="971550" lvl="1" indent="-514350">
-              <a:buFont typeface="+mj-lt"/>
-              <a:buAutoNum type="arabicPeriod"/>
-            </a:pPr>
-            <a:r>
-              <a:rPr lang="en-US" sz="2000" dirty="0" smtClean="0">
-                <a:latin typeface="+mj-lt"/>
-              </a:rPr>
-              <a:t>Mean absolute error </a:t>
-            </a:r>
-            <a:r>
-              <a:rPr lang="tr-TR" sz="2000" dirty="0" err="1" smtClean="0">
-                <a:latin typeface="+mj-lt"/>
-              </a:rPr>
-              <a:t>etc</a:t>
-            </a:r>
-            <a:r>
-              <a:rPr lang="tr-TR" sz="2000" dirty="0" smtClean="0">
-                <a:latin typeface="+mj-lt"/>
-              </a:rPr>
-              <a:t>.</a:t>
-            </a:r>
-            <a:r>
-              <a:rPr lang="en-US" sz="2000" dirty="0" smtClean="0">
-                <a:latin typeface="+mj-lt"/>
-              </a:rPr>
-              <a:t> </a:t>
-            </a:r>
-            <a:endParaRPr lang="tr-TR" sz="2000" dirty="0" smtClean="0">
-              <a:latin typeface="+mj-lt"/>
-            </a:endParaRPr>
-          </a:p>
-          <a:p>
-            <a:r>
-              <a:rPr lang="en-US" sz="2400" dirty="0" err="1" smtClean="0">
-                <a:latin typeface="+mj-lt"/>
-              </a:rPr>
-              <a:t>run_models</a:t>
-            </a:r>
-            <a:r>
-              <a:rPr lang="en-US" sz="2400" dirty="0" smtClean="0">
-                <a:latin typeface="+mj-lt"/>
-              </a:rPr>
-              <a:t> function </a:t>
-            </a:r>
-            <a:endParaRPr lang="tr-TR" sz="2400" dirty="0" smtClean="0">
-              <a:latin typeface="+mj-lt"/>
-            </a:endParaRPr>
-          </a:p>
-          <a:p>
-            <a:pPr marL="971550" lvl="1" indent="-514350">
-              <a:buFont typeface="+mj-lt"/>
-              <a:buAutoNum type="arabicPeriod"/>
-            </a:pPr>
-            <a:r>
-              <a:rPr lang="tr-TR" sz="2000" dirty="0">
-                <a:latin typeface="+mj-lt"/>
-              </a:rPr>
-              <a:t>N</a:t>
-            </a:r>
-            <a:r>
-              <a:rPr lang="en-US" sz="2000" dirty="0" err="1" smtClean="0">
-                <a:latin typeface="+mj-lt"/>
-              </a:rPr>
-              <a:t>ecessary</a:t>
-            </a:r>
-            <a:r>
-              <a:rPr lang="en-US" sz="2000" dirty="0" smtClean="0">
-                <a:latin typeface="+mj-lt"/>
-              </a:rPr>
-              <a:t> models implemented </a:t>
-            </a:r>
-            <a:endParaRPr lang="tr-TR" sz="2000" dirty="0" smtClean="0">
-              <a:latin typeface="+mj-lt"/>
-            </a:endParaRPr>
-          </a:p>
-          <a:p>
-            <a:pPr marL="971550" lvl="1" indent="-514350">
-              <a:buFont typeface="+mj-lt"/>
-              <a:buAutoNum type="arabicPeriod"/>
-            </a:pPr>
-            <a:r>
-              <a:rPr lang="tr-TR" sz="2000" dirty="0">
-                <a:latin typeface="+mj-lt"/>
-              </a:rPr>
-              <a:t>F</a:t>
-            </a:r>
-            <a:r>
-              <a:rPr lang="en-US" sz="2000" dirty="0" err="1" smtClean="0">
-                <a:latin typeface="+mj-lt"/>
-              </a:rPr>
-              <a:t>eature</a:t>
-            </a:r>
-            <a:r>
-              <a:rPr lang="en-US" sz="2000" dirty="0" smtClean="0">
-                <a:latin typeface="+mj-lt"/>
-              </a:rPr>
-              <a:t> elimination conducted</a:t>
-            </a:r>
-            <a:endParaRPr lang="tr-TR" sz="2000" dirty="0" smtClean="0">
-              <a:latin typeface="+mj-lt"/>
-            </a:endParaRPr>
-          </a:p>
-          <a:p>
-            <a:pPr marL="971550" lvl="1" indent="-514350">
-              <a:buFont typeface="+mj-lt"/>
-              <a:buAutoNum type="arabicPeriod"/>
-            </a:pPr>
-            <a:r>
-              <a:rPr lang="tr-TR" sz="2000" dirty="0">
-                <a:latin typeface="+mj-lt"/>
-              </a:rPr>
-              <a:t>R</a:t>
-            </a:r>
-            <a:r>
-              <a:rPr lang="en-US" sz="2000" dirty="0" err="1" smtClean="0">
-                <a:latin typeface="+mj-lt"/>
-              </a:rPr>
-              <a:t>eturn</a:t>
-            </a:r>
-            <a:r>
-              <a:rPr lang="en-US" sz="2000" dirty="0" smtClean="0">
-                <a:latin typeface="+mj-lt"/>
-              </a:rPr>
-              <a:t> our index value</a:t>
-            </a:r>
-            <a:r>
-              <a:rPr lang="tr-TR" sz="2000" dirty="0" smtClean="0">
-                <a:latin typeface="+mj-lt"/>
-              </a:rPr>
-              <a:t> </a:t>
-            </a:r>
-            <a:r>
-              <a:rPr lang="tr-TR" sz="2000" dirty="0" err="1" smtClean="0">
-                <a:latin typeface="+mj-lt"/>
-              </a:rPr>
-              <a:t>prediction</a:t>
-            </a:r>
-            <a:r>
-              <a:rPr lang="en-US" sz="2000" dirty="0" smtClean="0">
-                <a:latin typeface="+mj-lt"/>
-              </a:rPr>
-              <a:t> to original absolute value </a:t>
-            </a:r>
-            <a:endParaRPr lang="tr-TR" sz="2000" dirty="0" smtClean="0">
-              <a:latin typeface="+mj-lt"/>
-            </a:endParaRPr>
-          </a:p>
-        </p:txBody>
-      </p:sp>
-    </p:spTree>
-    <p:extLst>
-      <p:ext uri="{BB962C8B-B14F-4D97-AF65-F5344CB8AC3E}">
-        <p14:creationId xmlns:p14="http://schemas.microsoft.com/office/powerpoint/2010/main" val="1429566174"/>
-      </p:ext>
-    </p:extLst>
-  </p:cSld>
-  <p:clrMapOvr>
-    <a:masterClrMapping/>
-  </p:clrMapOvr>
-</p:sld>
-</file>
-
-<file path=ppt/slides/slide18.xml><?xml version="1.0" encoding="utf-8"?>
-<p:sld xmlns:a="http://schemas.openxmlformats.org/drawingml/2006/main" xmlns:r="http://schemas.openxmlformats.org/officeDocument/2006/relationships" xmlns:p="http://schemas.openxmlformats.org/presentationml/2006/main">
-  <p:cSld>
-    <p:spTree>
-      <p:nvGrpSpPr>
-        <p:cNvPr id="1" name=""/>
-        <p:cNvGrpSpPr/>
-        <p:nvPr/>
-      </p:nvGrpSpPr>
-      <p:grpSpPr>
-        <a:xfrm>
-          <a:off x="0" y="0"/>
-          <a:ext cx="0" cy="0"/>
-          <a:chOff x="0" y="0"/>
-          <a:chExt cx="0" cy="0"/>
-        </a:xfrm>
-      </p:grpSpPr>
-      <p:sp>
-        <p:nvSpPr>
-          <p:cNvPr id="2" name="Title 1"/>
-          <p:cNvSpPr>
-            <a:spLocks noGrp="1"/>
-          </p:cNvSpPr>
-          <p:nvPr>
-            <p:ph type="title"/>
-          </p:nvPr>
-        </p:nvSpPr>
-        <p:spPr>
-          <a:xfrm>
-            <a:off x="838200" y="212439"/>
-            <a:ext cx="10515600" cy="859415"/>
-          </a:xfrm>
-        </p:spPr>
-        <p:txBody>
-          <a:bodyPr>
-            <a:normAutofit/>
-          </a:bodyPr>
-          <a:lstStyle/>
-          <a:p>
-            <a:r>
-              <a:rPr lang="en-US" sz="3600" b="1" dirty="0">
-                <a:solidFill>
-                  <a:schemeClr val="tx2"/>
-                </a:solidFill>
-              </a:rPr>
-              <a:t>Experimenting </a:t>
-            </a:r>
-            <a:r>
-              <a:rPr lang="en-US" sz="3600" b="1" dirty="0" smtClean="0">
-                <a:solidFill>
-                  <a:schemeClr val="tx2"/>
-                </a:solidFill>
-              </a:rPr>
-              <a:t>with </a:t>
-            </a:r>
-            <a:r>
-              <a:rPr lang="en-US" sz="3600" b="1" dirty="0">
-                <a:solidFill>
-                  <a:schemeClr val="tx2"/>
-                </a:solidFill>
-              </a:rPr>
-              <a:t>target transformation and binning</a:t>
-            </a:r>
-            <a:endParaRPr lang="tr-TR" sz="3600" b="1" dirty="0">
-              <a:solidFill>
-                <a:schemeClr val="tx2"/>
-              </a:solidFill>
-            </a:endParaRPr>
-          </a:p>
-        </p:txBody>
-      </p:sp>
-      <p:pic>
-        <p:nvPicPr>
-          <p:cNvPr id="4" name="Picture 3"/>
-          <p:cNvPicPr>
-            <a:picLocks noChangeAspect="1"/>
-          </p:cNvPicPr>
-          <p:nvPr/>
-        </p:nvPicPr>
-        <p:blipFill>
-          <a:blip r:embed="rId2"/>
-          <a:stretch>
-            <a:fillRect/>
-          </a:stretch>
-        </p:blipFill>
-        <p:spPr>
-          <a:xfrm>
-            <a:off x="937493" y="1071854"/>
-            <a:ext cx="8746836" cy="5554369"/>
-          </a:xfrm>
-          <a:prstGeom prst="rect">
-            <a:avLst/>
-          </a:prstGeom>
-          <a:ln w="28575">
-            <a:solidFill>
-              <a:schemeClr val="accent4"/>
-            </a:solidFill>
-          </a:ln>
-        </p:spPr>
-      </p:pic>
-      <p:sp>
-        <p:nvSpPr>
-          <p:cNvPr id="3" name="Content Placeholder 2"/>
-          <p:cNvSpPr>
-            <a:spLocks noGrp="1"/>
-          </p:cNvSpPr>
-          <p:nvPr>
-            <p:ph idx="1"/>
-          </p:nvPr>
-        </p:nvSpPr>
-        <p:spPr>
-          <a:xfrm>
-            <a:off x="9414166" y="3118717"/>
-            <a:ext cx="2449944" cy="1213138"/>
-          </a:xfrm>
-          <a:solidFill>
-            <a:schemeClr val="tx2"/>
-          </a:solidFill>
-        </p:spPr>
-        <p:txBody>
-          <a:bodyPr>
-            <a:noAutofit/>
-          </a:bodyPr>
-          <a:lstStyle/>
-          <a:p>
-            <a:r>
-              <a:rPr lang="tr-TR" sz="1600" b="1" dirty="0" smtClean="0">
-                <a:solidFill>
-                  <a:schemeClr val="bg1"/>
-                </a:solidFill>
-              </a:rPr>
-              <a:t>T</a:t>
-            </a:r>
-            <a:r>
-              <a:rPr lang="en-US" sz="1600" b="1" dirty="0" err="1" smtClean="0">
-                <a:solidFill>
-                  <a:schemeClr val="bg1"/>
-                </a:solidFill>
-              </a:rPr>
-              <a:t>arget</a:t>
-            </a:r>
-            <a:r>
-              <a:rPr lang="en-US" sz="1600" b="1" dirty="0" smtClean="0">
-                <a:solidFill>
-                  <a:schemeClr val="bg1"/>
-                </a:solidFill>
-              </a:rPr>
-              <a:t> </a:t>
-            </a:r>
-            <a:r>
-              <a:rPr lang="en-US" sz="1600" b="1" dirty="0">
-                <a:solidFill>
-                  <a:schemeClr val="bg1"/>
-                </a:solidFill>
-              </a:rPr>
-              <a:t>transformation and binning is helpful </a:t>
-            </a:r>
-            <a:endParaRPr lang="tr-TR" sz="1600" b="1" dirty="0" smtClean="0">
-              <a:solidFill>
-                <a:schemeClr val="bg1"/>
-              </a:solidFill>
-            </a:endParaRPr>
-          </a:p>
-          <a:p>
-            <a:r>
-              <a:rPr lang="tr-TR" sz="1600" b="1" dirty="0" smtClean="0">
-                <a:solidFill>
-                  <a:schemeClr val="bg1"/>
-                </a:solidFill>
-              </a:rPr>
-              <a:t>I</a:t>
-            </a:r>
-            <a:r>
-              <a:rPr lang="en-US" sz="1600" b="1" dirty="0" err="1" smtClean="0">
-                <a:solidFill>
-                  <a:schemeClr val="bg1"/>
-                </a:solidFill>
-              </a:rPr>
-              <a:t>ncluded</a:t>
-            </a:r>
-            <a:r>
-              <a:rPr lang="en-US" sz="1600" b="1" dirty="0" smtClean="0">
-                <a:solidFill>
-                  <a:schemeClr val="bg1"/>
-                </a:solidFill>
-              </a:rPr>
-              <a:t> </a:t>
-            </a:r>
-            <a:r>
-              <a:rPr lang="en-US" sz="1600" b="1" dirty="0">
-                <a:solidFill>
-                  <a:schemeClr val="bg1"/>
-                </a:solidFill>
-              </a:rPr>
-              <a:t>to the initial </a:t>
-            </a:r>
-            <a:r>
-              <a:rPr lang="en-US" sz="1600" b="1" dirty="0" err="1" smtClean="0">
-                <a:solidFill>
-                  <a:schemeClr val="bg1"/>
-                </a:solidFill>
-              </a:rPr>
-              <a:t>ru</a:t>
-            </a:r>
-            <a:r>
-              <a:rPr lang="tr-TR" sz="1600" b="1" dirty="0" smtClean="0">
-                <a:solidFill>
-                  <a:schemeClr val="bg1"/>
-                </a:solidFill>
-              </a:rPr>
-              <a:t>n.</a:t>
-            </a:r>
-            <a:endParaRPr lang="tr-TR" sz="1600" b="1" dirty="0">
-              <a:solidFill>
-                <a:schemeClr val="bg1"/>
-              </a:solidFill>
-            </a:endParaRPr>
-          </a:p>
-        </p:txBody>
-      </p:sp>
-    </p:spTree>
-    <p:extLst>
-      <p:ext uri="{BB962C8B-B14F-4D97-AF65-F5344CB8AC3E}">
-        <p14:creationId xmlns:p14="http://schemas.microsoft.com/office/powerpoint/2010/main" val="845161524"/>
-      </p:ext>
-    </p:extLst>
-  </p:cSld>
-  <p:clrMapOvr>
-    <a:masterClrMapping/>
-  </p:clrMapOvr>
-</p:sld>
-</file>
-
-<file path=ppt/slides/slide19.xml><?xml version="1.0" encoding="utf-8"?>
-<p:sld xmlns:a="http://schemas.openxmlformats.org/drawingml/2006/main" xmlns:r="http://schemas.openxmlformats.org/officeDocument/2006/relationships" xmlns:p="http://schemas.openxmlformats.org/presentationml/2006/main">
-  <p:cSld>
-    <p:spTree>
-      <p:nvGrpSpPr>
-        <p:cNvPr id="1" name=""/>
-        <p:cNvGrpSpPr/>
-        <p:nvPr/>
-      </p:nvGrpSpPr>
-      <p:grpSpPr>
-        <a:xfrm>
-          <a:off x="0" y="0"/>
-          <a:ext cx="0" cy="0"/>
-          <a:chOff x="0" y="0"/>
-          <a:chExt cx="0" cy="0"/>
-        </a:xfrm>
-      </p:grpSpPr>
-      <p:sp>
-        <p:nvSpPr>
-          <p:cNvPr id="2" name="Title 1"/>
-          <p:cNvSpPr>
-            <a:spLocks noGrp="1"/>
-          </p:cNvSpPr>
-          <p:nvPr>
-            <p:ph type="title"/>
-          </p:nvPr>
-        </p:nvSpPr>
-        <p:spPr>
-          <a:xfrm>
-            <a:off x="838200" y="383598"/>
-            <a:ext cx="10515600" cy="974148"/>
-          </a:xfrm>
-        </p:spPr>
-        <p:txBody>
-          <a:bodyPr vert="horz" lIns="91440" tIns="45720" rIns="91440" bIns="45720" rtlCol="0" anchor="ctr">
-            <a:normAutofit/>
-          </a:bodyPr>
-          <a:lstStyle/>
-          <a:p>
-            <a:r>
-              <a:rPr lang="tr-TR" sz="3600" b="1" dirty="0" err="1" smtClean="0">
-                <a:solidFill>
-                  <a:schemeClr val="tx2"/>
-                </a:solidFill>
-              </a:rPr>
-              <a:t>Residual</a:t>
-            </a:r>
-            <a:r>
-              <a:rPr lang="tr-TR" sz="3600" b="1" dirty="0" smtClean="0">
-                <a:solidFill>
-                  <a:schemeClr val="tx2"/>
-                </a:solidFill>
-              </a:rPr>
-              <a:t> Rate</a:t>
-            </a:r>
-            <a:endParaRPr lang="tr-TR" sz="3600" b="1" dirty="0">
-              <a:solidFill>
-                <a:schemeClr val="tx2"/>
-              </a:solidFill>
-            </a:endParaRPr>
-          </a:p>
-        </p:txBody>
-      </p:sp>
-      <p:pic>
-        <p:nvPicPr>
-          <p:cNvPr id="4" name="Picture 3"/>
-          <p:cNvPicPr>
-            <a:picLocks noChangeAspect="1"/>
-          </p:cNvPicPr>
-          <p:nvPr/>
-        </p:nvPicPr>
-        <p:blipFill>
-          <a:blip r:embed="rId2"/>
-          <a:stretch>
-            <a:fillRect/>
-          </a:stretch>
-        </p:blipFill>
-        <p:spPr>
-          <a:xfrm>
-            <a:off x="683490" y="1690688"/>
+            <a:off x="4036290" y="1395098"/>
             <a:ext cx="7893194" cy="4645864"/>
           </a:xfrm>
           <a:prstGeom prst="rect">
@@ -11246,8 +10705,8 @@
         </p:nvSpPr>
         <p:spPr>
           <a:xfrm>
-            <a:off x="8907879" y="3392114"/>
-            <a:ext cx="2711467" cy="967449"/>
+            <a:off x="374845" y="1395098"/>
+            <a:ext cx="3137612" cy="4724348"/>
           </a:xfrm>
           <a:prstGeom prst="rect">
             <a:avLst/>
@@ -11273,12 +10732,12 @@
               <a:buChar char="•"/>
             </a:pPr>
             <a:r>
-              <a:rPr lang="tr-TR" sz="1600" b="1" dirty="0">
+              <a:rPr lang="tr-TR" sz="1600" b="1" dirty="0" smtClean="0">
                 <a:solidFill>
                   <a:schemeClr val="bg1"/>
                 </a:solidFill>
               </a:rPr>
-              <a:t>T</a:t>
+              <a:t>To understand which features </a:t>
             </a:r>
             <a:r>
               <a:rPr lang="en-US" sz="1600" b="1" dirty="0" smtClean="0">
@@ -11286,7 +10745,7 @@
                   <a:schemeClr val="bg1"/>
                 </a:solidFill>
               </a:rPr>
-              <a:t>o </a:t>
+              <a:t> </a:t>
             </a:r>
             <a:r>
               <a:rPr lang="en-US" sz="1600" b="1" dirty="0">
@@ -11294,8 +10753,141 @@
                   <a:schemeClr val="bg1"/>
                 </a:solidFill>
               </a:rPr>
-              <a:t>decide which values increase the error rate of model </a:t>
-            </a:r>
+              <a:t>increase the error rate of model </a:t>
+            </a:r>
+            <a:endParaRPr lang="tr-TR" sz="1600" b="1" dirty="0" smtClean="0">
+              <a:solidFill>
+                <a:schemeClr val="bg1"/>
+              </a:solidFill>
+            </a:endParaRPr>
+          </a:p>
+          <a:p>
+            <a:pPr marL="228600" indent="-228600">
+              <a:lnSpc>
+                <a:spcPct val="90000"/>
+              </a:lnSpc>
+              <a:spcBef>
+                <a:spcPts val="1000"/>
+              </a:spcBef>
+              <a:buFont typeface="Arial" panose="020B0604020202020204" pitchFamily="34" charset="0"/>
+              <a:buChar char="•"/>
+            </a:pPr>
+            <a:r>
+              <a:rPr lang="tr-TR" sz="1600" b="1" dirty="0" smtClean="0">
+                <a:solidFill>
+                  <a:schemeClr val="bg1"/>
+                </a:solidFill>
+              </a:rPr>
+              <a:t>According to this analysis some of the misleading feature are dropped.</a:t>
+            </a:r>
+          </a:p>
+          <a:p>
+            <a:pPr marL="228600" indent="-228600">
+              <a:lnSpc>
+                <a:spcPct val="90000"/>
+              </a:lnSpc>
+              <a:spcBef>
+                <a:spcPts val="1000"/>
+              </a:spcBef>
+              <a:buFont typeface="Arial" panose="020B0604020202020204" pitchFamily="34" charset="0"/>
+              <a:buChar char="•"/>
+            </a:pPr>
+            <a:r>
+              <a:rPr lang="tr-TR" sz="1600" b="1" dirty="0" smtClean="0">
+                <a:solidFill>
+                  <a:schemeClr val="bg1"/>
+                </a:solidFill>
+              </a:rPr>
+              <a:t>Residuals calculated for each value of each feature.</a:t>
+            </a:r>
+          </a:p>
+          <a:p>
+            <a:pPr marL="685800" lvl="1" indent="-228600">
+              <a:lnSpc>
+                <a:spcPct val="90000"/>
+              </a:lnSpc>
+              <a:buFont typeface="Arial" panose="020B0604020202020204" pitchFamily="34" charset="0"/>
+              <a:buChar char="•"/>
+            </a:pPr>
+            <a:r>
+              <a:rPr lang="tr-TR" sz="1600" b="1" dirty="0" smtClean="0">
+                <a:solidFill>
+                  <a:schemeClr val="bg1"/>
+                </a:solidFill>
+              </a:rPr>
+              <a:t>Mean Abs. Error</a:t>
+            </a:r>
+          </a:p>
+          <a:p>
+            <a:pPr marL="685800" lvl="1" indent="-228600">
+              <a:lnSpc>
+                <a:spcPct val="90000"/>
+              </a:lnSpc>
+              <a:buFont typeface="Arial" panose="020B0604020202020204" pitchFamily="34" charset="0"/>
+              <a:buChar char="•"/>
+            </a:pPr>
+            <a:r>
+              <a:rPr lang="tr-TR" sz="1600" b="1" dirty="0" smtClean="0">
+                <a:solidFill>
+                  <a:schemeClr val="bg1"/>
+                </a:solidFill>
+              </a:rPr>
+              <a:t>Mean Abs. Percent Error</a:t>
+            </a:r>
+          </a:p>
+          <a:p>
+            <a:pPr marL="685800" lvl="1" indent="-228600">
+              <a:lnSpc>
+                <a:spcPct val="90000"/>
+              </a:lnSpc>
+              <a:buFont typeface="Arial" panose="020B0604020202020204" pitchFamily="34" charset="0"/>
+              <a:buChar char="•"/>
+            </a:pPr>
+            <a:r>
+              <a:rPr lang="tr-TR" sz="1600" b="1" dirty="0" smtClean="0">
+                <a:solidFill>
+                  <a:schemeClr val="bg1"/>
+                </a:solidFill>
+              </a:rPr>
+              <a:t>Mean Error</a:t>
+            </a:r>
+          </a:p>
+          <a:p>
+            <a:pPr marL="685800" lvl="1" indent="-228600">
+              <a:lnSpc>
+                <a:spcPct val="90000"/>
+              </a:lnSpc>
+              <a:buFont typeface="Arial" panose="020B0604020202020204" pitchFamily="34" charset="0"/>
+              <a:buChar char="•"/>
+            </a:pPr>
+            <a:r>
+              <a:rPr lang="tr-TR" sz="1600" b="1" dirty="0" smtClean="0">
+                <a:solidFill>
+                  <a:schemeClr val="bg1"/>
+                </a:solidFill>
+              </a:rPr>
+              <a:t>Mean Percent Error</a:t>
+            </a:r>
+            <a:r>
+              <a:rPr lang="tr-TR" sz="1600" b="1" dirty="0" smtClean="0">
+                <a:solidFill>
+                  <a:schemeClr val="bg1"/>
+                </a:solidFill>
+              </a:rPr>
+              <a:t> </a:t>
+            </a:r>
+          </a:p>
+          <a:p>
+            <a:pPr marL="228600" indent="-228600">
+              <a:lnSpc>
+                <a:spcPct val="90000"/>
+              </a:lnSpc>
+              <a:spcBef>
+                <a:spcPts val="1000"/>
+              </a:spcBef>
+              <a:buFont typeface="Arial" panose="020B0604020202020204" pitchFamily="34" charset="0"/>
+              <a:buChar char="•"/>
+            </a:pPr>
             <a:endParaRPr lang="tr-TR" sz="1600" b="1" dirty="0">
               <a:solidFill>
                 <a:schemeClr val="bg1"/>
@@ -11317,176 +10909,7 @@
 </p:sld>
 </file>
 
-<file path=ppt/slides/slide2.xml><?xml version="1.0" encoding="utf-8"?>
-<p:sld xmlns:a="http://schemas.openxmlformats.org/drawingml/2006/main" xmlns:r="http://schemas.openxmlformats.org/officeDocument/2006/relationships" xmlns:p="http://schemas.openxmlformats.org/presentationml/2006/main">
-  <p:cSld>
-    <p:spTree>
-      <p:nvGrpSpPr>
-        <p:cNvPr id="1" name=""/>
-        <p:cNvGrpSpPr/>
-        <p:nvPr/>
-      </p:nvGrpSpPr>
-      <p:grpSpPr>
-        <a:xfrm>
-          <a:off x="0" y="0"/>
-          <a:ext cx="0" cy="0"/>
-          <a:chOff x="0" y="0"/>
-          <a:chExt cx="0" cy="0"/>
-        </a:xfrm>
-      </p:grpSpPr>
-      <p:sp>
-        <p:nvSpPr>
-          <p:cNvPr id="2" name="Title 1"/>
-          <p:cNvSpPr>
-            <a:spLocks noGrp="1"/>
-          </p:cNvSpPr>
-          <p:nvPr>
-            <p:ph type="title"/>
-          </p:nvPr>
-        </p:nvSpPr>
-        <p:spPr>
-          <a:xfrm>
-            <a:off x="0" y="402067"/>
-            <a:ext cx="12192000" cy="1325563"/>
-          </a:xfrm>
-          <a:solidFill>
-            <a:schemeClr val="tx2"/>
-          </a:solidFill>
-        </p:spPr>
-        <p:txBody>
-          <a:bodyPr vert="horz" lIns="91440" tIns="45720" rIns="91440" bIns="45720" rtlCol="0" anchor="ctr">
-            <a:normAutofit/>
-          </a:bodyPr>
-          <a:lstStyle/>
-          <a:p>
-            <a:pPr algn="ctr"/>
-            <a:r>
-              <a:rPr lang="tr-TR" sz="4000" b="1" dirty="0">
-                <a:solidFill>
-                  <a:schemeClr val="bg1"/>
-                </a:solidFill>
-              </a:rPr>
-              <a:t>What is </a:t>
-            </a:r>
-            <a:r>
-              <a:rPr lang="tr-TR" sz="4000" b="1" dirty="0" smtClean="0">
-                <a:solidFill>
-                  <a:schemeClr val="bg1"/>
-                </a:solidFill>
-              </a:rPr>
-              <a:t>our aim?</a:t>
-            </a:r>
-            <a:endParaRPr lang="tr-TR" sz="4000" b="1" dirty="0">
-              <a:solidFill>
-                <a:schemeClr val="bg1"/>
-              </a:solidFill>
-            </a:endParaRPr>
-          </a:p>
-        </p:txBody>
-      </p:sp>
-      <p:sp>
-        <p:nvSpPr>
-          <p:cNvPr id="3" name="Content Placeholder 2"/>
-          <p:cNvSpPr>
-            <a:spLocks noGrp="1"/>
-          </p:cNvSpPr>
-          <p:nvPr>
-            <p:ph idx="1"/>
-          </p:nvPr>
-        </p:nvSpPr>
-        <p:spPr>
-          <a:xfrm>
-            <a:off x="1571062" y="2299852"/>
-            <a:ext cx="10186829" cy="2764517"/>
-          </a:xfrm>
-        </p:spPr>
-        <p:txBody>
-          <a:bodyPr>
-            <a:noAutofit/>
-          </a:bodyPr>
-          <a:lstStyle/>
-          <a:p>
-            <a:r>
-              <a:rPr lang="en-US" dirty="0" smtClean="0"/>
-              <a:t>Predicting the annual compensation of professional</a:t>
-            </a:r>
-            <a:r>
-              <a:rPr lang="tr-TR" dirty="0" smtClean="0"/>
-              <a:t> developers based on stackoverflow annual developer survey</a:t>
-            </a:r>
-            <a:r>
-              <a:rPr lang="en-US" dirty="0" smtClean="0"/>
-              <a:t>.</a:t>
-            </a:r>
-            <a:endParaRPr lang="tr-TR" dirty="0" smtClean="0"/>
-          </a:p>
-          <a:p>
-            <a:endParaRPr lang="tr-TR" dirty="0" smtClean="0"/>
-          </a:p>
-          <a:p>
-            <a:r>
-              <a:rPr lang="tr-TR" dirty="0" smtClean="0"/>
-              <a:t>Understranding factors related to compansation of a developer.</a:t>
-            </a:r>
-            <a:endParaRPr lang="en-US" dirty="0"/>
-          </a:p>
-        </p:txBody>
-      </p:sp>
-      <p:pic>
-        <p:nvPicPr>
-          <p:cNvPr id="17410" name="Picture 2" descr="Stack Overflow - Where Developers Learn, Share, &amp; Build Careers"/>
-          <p:cNvPicPr>
-            <a:picLocks noChangeAspect="1" noChangeArrowheads="1"/>
-          </p:cNvPicPr>
-          <p:nvPr/>
-        </p:nvPicPr>
-        <p:blipFill>
-          <a:blip r:embed="rId2" cstate="print">
-            <a:extLst>
-              <a:ext uri="{28A0092B-C50C-407E-A947-70E740481C1C}">
-                <a14:useLocalDpi xmlns:a14="http://schemas.microsoft.com/office/drawing/2010/main" val="0"/>
-              </a:ext>
-            </a:extLst>
-          </a:blip>
-          <a:srcRect/>
-          <a:stretch>
-            <a:fillRect/>
-          </a:stretch>
-        </p:blipFill>
-        <p:spPr bwMode="auto">
-          <a:xfrm>
-            <a:off x="337741" y="2081009"/>
-            <a:ext cx="1035546" cy="1035547"/>
-          </a:xfrm>
-          <a:prstGeom prst="rect">
-            <a:avLst/>
-          </a:prstGeom>
-          <a:noFill/>
-          <a:extLst>
-            <a:ext uri="{909E8E84-426E-40DD-AFC4-6F175D3DCCD1}">
-              <a14:hiddenFill xmlns:a14="http://schemas.microsoft.com/office/drawing/2010/main">
-                <a:solidFill>
-                  <a:srgbClr val="FFFFFF"/>
-                </a:solidFill>
-              </a14:hiddenFill>
-            </a:ext>
-          </a:extLst>
-        </p:spPr>
-      </p:pic>
-    </p:spTree>
-    <p:extLst>
-      <p:ext uri="{BB962C8B-B14F-4D97-AF65-F5344CB8AC3E}">
-        <p14:creationId xmlns:p14="http://schemas.microsoft.com/office/powerpoint/2010/main" val="2592434609"/>
-      </p:ext>
-    </p:extLst>
-  </p:cSld>
-  <p:clrMapOvr>
-    <a:masterClrMapping/>
-  </p:clrMapOvr>
-</p:sld>
-</file>
-
-<file path=ppt/slides/slide20.xml><?xml version="1.0" encoding="utf-8"?>
+<file path=ppt/slides/slide17.xml><?xml version="1.0" encoding="utf-8"?>
 <p:sld xmlns:a="http://schemas.openxmlformats.org/drawingml/2006/main" xmlns:r="http://schemas.openxmlformats.org/officeDocument/2006/relationships" xmlns:p="http://schemas.openxmlformats.org/presentationml/2006/main">
   <p:cSld>
     <p:spTree>
@@ -11535,7 +10958,7 @@
         </p:nvSpPr>
         <p:spPr>
           <a:xfrm>
-            <a:off x="720437" y="5652654"/>
+            <a:off x="703118" y="4636654"/>
             <a:ext cx="9725889" cy="341746"/>
           </a:xfrm>
           <a:prstGeom prst="rect">
@@ -11581,7 +11004,7 @@
         </p:nvSpPr>
         <p:spPr>
           <a:xfrm>
-            <a:off x="9850580" y="3480629"/>
+            <a:off x="9923151" y="2541142"/>
             <a:ext cx="2115127" cy="856473"/>
           </a:xfrm>
           <a:prstGeom prst="rect">
@@ -11608,28 +11031,12 @@
               <a:buChar char="•"/>
             </a:pPr>
             <a:r>
-              <a:rPr lang="tr-TR" sz="1600" b="1" dirty="0" smtClean="0">
+              <a:rPr lang="en-US" sz="1600" b="1" dirty="0" smtClean="0">
                 <a:solidFill>
                   <a:schemeClr val="bg1"/>
                 </a:solidFill>
               </a:rPr>
-              <a:t>I</a:t>
-            </a:r>
-            <a:r>
-              <a:rPr lang="en-US" sz="1600" b="1" dirty="0" err="1" smtClean="0">
-                <a:solidFill>
-                  <a:schemeClr val="bg1"/>
-                </a:solidFill>
-              </a:rPr>
-              <a:t>ncorrect</a:t>
-            </a:r>
-            <a:r>
-              <a:rPr lang="en-US" sz="1600" b="1" dirty="0" smtClean="0">
-                <a:solidFill>
-                  <a:schemeClr val="bg1"/>
-                </a:solidFill>
-              </a:rPr>
-              <a:t> </a:t>
+              <a:t>incorrect </a:t>
             </a:r>
             <a:r>
               <a:rPr lang="en-US" sz="1600" b="1" dirty="0">
@@ -11671,8 +11078,8 @@
         </p:nvGrpSpPr>
         <p:grpSpPr>
           <a:xfrm>
-            <a:off x="10270836" y="4636654"/>
-            <a:ext cx="822037" cy="1173018"/>
+            <a:off x="10429007" y="3596243"/>
+            <a:ext cx="662049" cy="1173018"/>
             <a:chOff x="10270836" y="4636654"/>
             <a:chExt cx="822037" cy="1173018"/>
           </a:xfrm>
@@ -11749,6 +11156,138 @@
           </p:style>
         </p:cxnSp>
       </p:grpSp>
+      <p:sp>
+        <p:nvSpPr>
+          <p:cNvPr id="9" name="Rectangle 8"/>
+          <p:cNvSpPr/>
+          <p:nvPr/>
+        </p:nvSpPr>
+        <p:spPr>
+          <a:xfrm>
+            <a:off x="645061" y="5638140"/>
+            <a:ext cx="9725889" cy="341746"/>
+          </a:xfrm>
+          <a:prstGeom prst="rect">
+            <a:avLst/>
+          </a:prstGeom>
+          <a:noFill/>
+          <a:ln w="38100">
+            <a:solidFill>
+              <a:srgbClr val="FF0000"/>
+            </a:solidFill>
+          </a:ln>
+        </p:spPr>
+        <p:style>
+          <a:lnRef idx="2">
+            <a:schemeClr val="accent1">
+              <a:shade val="50000"/>
+            </a:schemeClr>
+          </a:lnRef>
+          <a:fillRef idx="1">
+            <a:schemeClr val="accent1"/>
+          </a:fillRef>
+          <a:effectRef idx="0">
+            <a:schemeClr val="accent1"/>
+          </a:effectRef>
+          <a:fontRef idx="minor">
+            <a:schemeClr val="lt1"/>
+          </a:fontRef>
+        </p:style>
+        <p:txBody>
+          <a:bodyPr rtlCol="0" anchor="ctr"/>
+          <a:lstStyle/>
+          <a:p>
+            <a:pPr algn="ctr"/>
+            <a:endParaRPr lang="tr-TR"/>
+          </a:p>
+        </p:txBody>
+      </p:sp>
+      <p:grpSp>
+        <p:nvGrpSpPr>
+          <p:cNvPr id="12" name="Group 11"/>
+          <p:cNvGrpSpPr/>
+          <p:nvPr/>
+        </p:nvGrpSpPr>
+        <p:grpSpPr>
+          <a:xfrm>
+            <a:off x="10370950" y="3596244"/>
+            <a:ext cx="812306" cy="2216728"/>
+            <a:chOff x="10270836" y="4636654"/>
+            <a:chExt cx="822037" cy="1173018"/>
+          </a:xfrm>
+        </p:grpSpPr>
+        <p:cxnSp>
+          <p:nvCxnSpPr>
+            <p:cNvPr id="13" name="Straight Arrow Connector 12"/>
+            <p:cNvCxnSpPr/>
+            <p:nvPr/>
+          </p:nvCxnSpPr>
+          <p:spPr>
+            <a:xfrm flipV="1">
+              <a:off x="11083636" y="4636654"/>
+              <a:ext cx="0" cy="1173018"/>
+            </a:xfrm>
+            <a:prstGeom prst="straightConnector1">
+              <a:avLst/>
+            </a:prstGeom>
+            <a:ln w="19050">
+              <a:solidFill>
+                <a:srgbClr val="FF0000"/>
+              </a:solidFill>
+              <a:tailEnd type="triangle"/>
+            </a:ln>
+          </p:spPr>
+          <p:style>
+            <a:lnRef idx="1">
+              <a:schemeClr val="accent1"/>
+            </a:lnRef>
+            <a:fillRef idx="0">
+              <a:schemeClr val="accent1"/>
+            </a:fillRef>
+            <a:effectRef idx="0">
+              <a:schemeClr val="accent1"/>
+            </a:effectRef>
+            <a:fontRef idx="minor">
+              <a:schemeClr val="tx1"/>
+            </a:fontRef>
+          </p:style>
+        </p:cxnSp>
+        <p:cxnSp>
+          <p:nvCxnSpPr>
+            <p:cNvPr id="14" name="Straight Connector 13"/>
+            <p:cNvCxnSpPr/>
+            <p:nvPr/>
+          </p:nvCxnSpPr>
+          <p:spPr>
+            <a:xfrm flipH="1">
+              <a:off x="10270836" y="5800434"/>
+              <a:ext cx="822037" cy="0"/>
+            </a:xfrm>
+            <a:prstGeom prst="line">
+              <a:avLst/>
+            </a:prstGeom>
+            <a:ln w="19050">
+              <a:solidFill>
+                <a:srgbClr val="FF0000"/>
+              </a:solidFill>
+            </a:ln>
+          </p:spPr>
+          <p:style>
+            <a:lnRef idx="1">
+              <a:schemeClr val="accent1"/>
+            </a:lnRef>
+            <a:fillRef idx="0">
+              <a:schemeClr val="accent1"/>
+            </a:fillRef>
+            <a:effectRef idx="0">
+              <a:schemeClr val="accent1"/>
+            </a:effectRef>
+            <a:fontRef idx="minor">
+              <a:schemeClr val="tx1"/>
+            </a:fontRef>
+          </p:style>
+        </p:cxnSp>
+      </p:grpSp>
     </p:spTree>
     <p:extLst>
       <p:ext uri="{BB962C8B-B14F-4D97-AF65-F5344CB8AC3E}">
@@ -11762,7 +11301,7 @@
 </p:sld>
 </file>
 
-<file path=ppt/slides/slide21.xml><?xml version="1.0" encoding="utf-8"?>
+<file path=ppt/slides/slide18.xml><?xml version="1.0" encoding="utf-8"?>
 <p:sld xmlns:a="http://schemas.openxmlformats.org/drawingml/2006/main" xmlns:r="http://schemas.openxmlformats.org/officeDocument/2006/relationships" xmlns:p="http://schemas.openxmlformats.org/presentationml/2006/main">
   <p:cSld>
     <p:spTree>
@@ -11863,20 +11402,52 @@
           </a:p>
           <a:p>
             <a:r>
-              <a:rPr lang="tr-TR" sz="1600" b="1" dirty="0">
+              <a:rPr lang="tr-TR" sz="1600" b="1" dirty="0" smtClean="0">
                 <a:solidFill>
                   <a:schemeClr val="bg1"/>
                 </a:solidFill>
               </a:rPr>
-              <a:t>U</a:t>
-            </a:r>
-            <a:r>
-              <a:rPr lang="en-US" sz="1600" b="1" dirty="0" err="1">
+              <a:t>Under</a:t>
+            </a:r>
+            <a:r>
+              <a:rPr lang="en-US" sz="1600" b="1" dirty="0" smtClean="0">
                 <a:solidFill>
                   <a:schemeClr val="bg1"/>
                 </a:solidFill>
               </a:rPr>
-              <a:t>ntil</a:t>
+              <a:t> </a:t>
+            </a:r>
+            <a:r>
+              <a:rPr lang="tr-TR" sz="1600" b="1" dirty="0" smtClean="0">
+                <a:solidFill>
+                  <a:schemeClr val="bg1"/>
+                </a:solidFill>
+              </a:rPr>
+              <a:t>$</a:t>
+            </a:r>
+            <a:r>
+              <a:rPr lang="en-US" sz="1600" b="1" dirty="0" smtClean="0">
+                <a:solidFill>
+                  <a:schemeClr val="bg1"/>
+                </a:solidFill>
+              </a:rPr>
+              <a:t>200</a:t>
+            </a:r>
+            <a:r>
+              <a:rPr lang="tr-TR" sz="1600" b="1" dirty="0" smtClean="0">
+                <a:solidFill>
+                  <a:schemeClr val="bg1"/>
+                </a:solidFill>
+              </a:rPr>
+              <a:t>K, </a:t>
+            </a:r>
+            <a:r>
+              <a:rPr lang="en-US" sz="1600" b="1" dirty="0" smtClean="0">
+                <a:solidFill>
+                  <a:schemeClr val="bg1"/>
+                </a:solidFill>
+              </a:rPr>
+              <a:t>model </a:t>
             </a:r>
             <a:r>
               <a:rPr lang="en-US" sz="1600" b="1" dirty="0">
@@ -11884,13 +11455,89 @@
                   <a:schemeClr val="bg1"/>
                 </a:solidFill>
               </a:rPr>
-              <a:t> 200k US dollars per annum model predicts accurately </a:t>
+              <a:t>predicts </a:t>
+            </a:r>
+            <a:r>
+              <a:rPr lang="en-US" sz="1600" b="1" dirty="0" smtClean="0">
+                <a:solidFill>
+                  <a:schemeClr val="bg1"/>
+                </a:solidFill>
+              </a:rPr>
+              <a:t>accurately</a:t>
+            </a:r>
+            <a:r>
+              <a:rPr lang="tr-TR" sz="1600" b="1" dirty="0" smtClean="0">
+                <a:solidFill>
+                  <a:schemeClr val="bg1"/>
+                </a:solidFill>
+              </a:rPr>
+              <a:t>.</a:t>
             </a:r>
             <a:endParaRPr lang="tr-TR" sz="1600" b="1" dirty="0">
               <a:solidFill>
                 <a:schemeClr val="bg1"/>
               </a:solidFill>
             </a:endParaRPr>
+          </a:p>
+        </p:txBody>
+      </p:sp>
+      <p:sp>
+        <p:nvSpPr>
+          <p:cNvPr id="2" name="TextBox 1"/>
+          <p:cNvSpPr txBox="1"/>
+          <p:nvPr/>
+        </p:nvSpPr>
+        <p:spPr>
+          <a:xfrm>
+            <a:off x="5617029" y="6400800"/>
+            <a:ext cx="1886857" cy="369332"/>
+          </a:xfrm>
+          <a:prstGeom prst="rect">
+            <a:avLst/>
+          </a:prstGeom>
+          <a:noFill/>
+        </p:spPr>
+        <p:txBody>
+          <a:bodyPr wrap="square" rtlCol="0">
+            <a:spAutoFit/>
+          </a:bodyPr>
+          <a:lstStyle/>
+          <a:p>
+            <a:r>
+              <a:rPr lang="tr-TR" dirty="0" smtClean="0"/>
+              <a:t>Actual</a:t>
+            </a:r>
+            <a:endParaRPr lang="en-US" dirty="0"/>
+          </a:p>
+        </p:txBody>
+      </p:sp>
+      <p:sp>
+        <p:nvSpPr>
+          <p:cNvPr id="5" name="TextBox 4"/>
+          <p:cNvSpPr txBox="1"/>
+          <p:nvPr/>
+        </p:nvSpPr>
+        <p:spPr>
+          <a:xfrm rot="16200000">
+            <a:off x="-457198" y="3018974"/>
+            <a:ext cx="1886857" cy="369332"/>
+          </a:xfrm>
+          <a:prstGeom prst="rect">
+            <a:avLst/>
+          </a:prstGeom>
+          <a:noFill/>
+        </p:spPr>
+        <p:txBody>
+          <a:bodyPr wrap="square" rtlCol="0">
+            <a:spAutoFit/>
+          </a:bodyPr>
+          <a:lstStyle/>
+          <a:p>
+            <a:r>
+              <a:rPr lang="tr-TR" dirty="0" smtClean="0"/>
+              <a:t>Predicted</a:t>
+            </a:r>
+            <a:endParaRPr lang="en-US" dirty="0"/>
           </a:p>
         </p:txBody>
       </p:sp>
@@ -11907,7 +11554,7 @@
 </p:sld>
 </file>
 
-<file path=ppt/slides/slide22.xml><?xml version="1.0" encoding="utf-8"?>
+<file path=ppt/slides/slide19.xml><?xml version="1.0" encoding="utf-8"?>
 <p:sld xmlns:a="http://schemas.openxmlformats.org/drawingml/2006/main" xmlns:r="http://schemas.openxmlformats.org/officeDocument/2006/relationships" xmlns:p="http://schemas.openxmlformats.org/presentationml/2006/main">
   <p:cSld>
     <p:spTree>
@@ -11926,123 +11573,6 @@
       </p:grpSpPr>
       <p:sp>
         <p:nvSpPr>
-          <p:cNvPr id="2" name="Title 1"/>
-          <p:cNvSpPr>
-            <a:spLocks noGrp="1"/>
-          </p:cNvSpPr>
-          <p:nvPr>
-            <p:ph type="title"/>
-          </p:nvPr>
-        </p:nvSpPr>
-        <p:spPr>
-          <a:xfrm>
-            <a:off x="838200" y="295565"/>
-            <a:ext cx="10515600" cy="859415"/>
-          </a:xfrm>
-        </p:spPr>
-        <p:txBody>
-          <a:bodyPr>
-            <a:noAutofit/>
-          </a:bodyPr>
-          <a:lstStyle/>
-          <a:p>
-            <a:r>
-              <a:rPr lang="en-US" sz="3600" b="1" dirty="0">
-                <a:solidFill>
-                  <a:schemeClr val="tx2"/>
-                </a:solidFill>
-              </a:rPr>
-              <a:t>Experiment with target transformation and binning + feature aggregation</a:t>
-            </a:r>
-            <a:endParaRPr lang="tr-TR" sz="3600" b="1" dirty="0">
-              <a:solidFill>
-                <a:schemeClr val="tx2"/>
-              </a:solidFill>
-            </a:endParaRPr>
-          </a:p>
-        </p:txBody>
-      </p:sp>
-      <p:grpSp>
-        <p:nvGrpSpPr>
-          <p:cNvPr id="8" name="Group 7"/>
-          <p:cNvGrpSpPr/>
-          <p:nvPr/>
-        </p:nvGrpSpPr>
-        <p:grpSpPr>
-          <a:xfrm>
-            <a:off x="731200" y="1424976"/>
-            <a:ext cx="9015150" cy="5132136"/>
-            <a:chOff x="731200" y="1314141"/>
-            <a:chExt cx="9015150" cy="5132136"/>
-          </a:xfrm>
-        </p:grpSpPr>
-        <p:pic>
-          <p:nvPicPr>
-            <p:cNvPr id="5" name="Picture 4"/>
-            <p:cNvPicPr>
-              <a:picLocks noChangeAspect="1"/>
-            </p:cNvPicPr>
-            <p:nvPr/>
-          </p:nvPicPr>
-          <p:blipFill>
-            <a:blip r:embed="rId2"/>
-            <a:stretch>
-              <a:fillRect/>
-            </a:stretch>
-          </p:blipFill>
-          <p:spPr>
-            <a:xfrm>
-              <a:off x="731200" y="1314141"/>
-              <a:ext cx="9015150" cy="5132136"/>
-            </a:xfrm>
-            <a:prstGeom prst="rect">
-              <a:avLst/>
-            </a:prstGeom>
-            <a:ln w="28575">
-              <a:solidFill>
-                <a:schemeClr val="accent4"/>
-              </a:solidFill>
-            </a:ln>
-          </p:spPr>
-        </p:pic>
-        <p:cxnSp>
-          <p:nvCxnSpPr>
-            <p:cNvPr id="7" name="Straight Connector 6"/>
-            <p:cNvCxnSpPr/>
-            <p:nvPr/>
-          </p:nvCxnSpPr>
-          <p:spPr>
-            <a:xfrm>
-              <a:off x="6354618" y="1847273"/>
-              <a:ext cx="498764" cy="0"/>
-            </a:xfrm>
-            <a:prstGeom prst="line">
-              <a:avLst/>
-            </a:prstGeom>
-            <a:ln w="28575">
-              <a:solidFill>
-                <a:srgbClr val="FF0000"/>
-              </a:solidFill>
-            </a:ln>
-          </p:spPr>
-          <p:style>
-            <a:lnRef idx="1">
-              <a:schemeClr val="accent1"/>
-            </a:lnRef>
-            <a:fillRef idx="0">
-              <a:schemeClr val="accent1"/>
-            </a:fillRef>
-            <a:effectRef idx="0">
-              <a:schemeClr val="accent1"/>
-            </a:effectRef>
-            <a:fontRef idx="minor">
-              <a:schemeClr val="tx1"/>
-            </a:fontRef>
-          </p:style>
-        </p:cxnSp>
-      </p:grpSp>
-      <p:sp>
-        <p:nvSpPr>
           <p:cNvPr id="3" name="Content Placeholder 2"/>
           <p:cNvSpPr>
             <a:spLocks noGrp="1"/>
@@ -12053,490 +11583,6 @@
         </p:nvSpPr>
         <p:spPr>
           <a:xfrm>
-            <a:off x="9414165" y="3118716"/>
-            <a:ext cx="2537689" cy="1813501"/>
-          </a:xfrm>
-          <a:solidFill>
-            <a:schemeClr val="tx2"/>
-          </a:solidFill>
-        </p:spPr>
-        <p:txBody>
-          <a:bodyPr anchor="ctr">
-            <a:noAutofit/>
-          </a:bodyPr>
-          <a:lstStyle/>
-          <a:p>
-            <a:r>
-              <a:rPr lang="tr-TR" sz="1600" b="1" dirty="0" err="1">
-                <a:solidFill>
-                  <a:schemeClr val="bg1"/>
-                </a:solidFill>
-              </a:rPr>
-              <a:t>M</a:t>
-            </a:r>
-            <a:r>
-              <a:rPr lang="en-US" sz="1600" b="1" dirty="0" smtClean="0">
-                <a:solidFill>
-                  <a:schemeClr val="bg1"/>
-                </a:solidFill>
-              </a:rPr>
-              <a:t>ape </a:t>
-            </a:r>
-            <a:r>
-              <a:rPr lang="en-US" sz="1600" b="1" dirty="0">
-                <a:solidFill>
-                  <a:schemeClr val="bg1"/>
-                </a:solidFill>
-              </a:rPr>
-              <a:t>result of </a:t>
-            </a:r>
-            <a:r>
-              <a:rPr lang="en-US" sz="1600" b="1" dirty="0" err="1">
-                <a:solidFill>
-                  <a:schemeClr val="bg1"/>
-                </a:solidFill>
-              </a:rPr>
-              <a:t>LinearSVR</a:t>
-            </a:r>
-            <a:r>
-              <a:rPr lang="en-US" sz="1600" b="1" dirty="0">
-                <a:solidFill>
-                  <a:schemeClr val="bg1"/>
-                </a:solidFill>
-              </a:rPr>
-              <a:t> decrease from 0,52 to 0,50. </a:t>
-            </a:r>
-            <a:endParaRPr lang="tr-TR" sz="1600" b="1" dirty="0" smtClean="0">
-              <a:solidFill>
-                <a:schemeClr val="bg1"/>
-              </a:solidFill>
-            </a:endParaRPr>
-          </a:p>
-          <a:p>
-            <a:r>
-              <a:rPr lang="en-US" sz="1600" b="1" dirty="0" smtClean="0">
-                <a:solidFill>
-                  <a:schemeClr val="bg1"/>
-                </a:solidFill>
-              </a:rPr>
-              <a:t>It </a:t>
-            </a:r>
-            <a:r>
-              <a:rPr lang="en-US" sz="1600" b="1" dirty="0">
-                <a:solidFill>
-                  <a:schemeClr val="bg1"/>
-                </a:solidFill>
-              </a:rPr>
-              <a:t>can be concluded that model performs better with </a:t>
-            </a:r>
-            <a:r>
-              <a:rPr lang="en-US" sz="1600" b="1" dirty="0" smtClean="0">
-                <a:solidFill>
-                  <a:schemeClr val="bg1"/>
-                </a:solidFill>
-              </a:rPr>
-              <a:t>feature</a:t>
-            </a:r>
-            <a:r>
-              <a:rPr lang="tr-TR" sz="1600" b="1" dirty="0" smtClean="0">
-                <a:solidFill>
-                  <a:schemeClr val="bg1"/>
-                </a:solidFill>
-              </a:rPr>
-              <a:t> </a:t>
-            </a:r>
-            <a:r>
-              <a:rPr lang="en-US" sz="1600" b="1" dirty="0" smtClean="0">
-                <a:solidFill>
-                  <a:schemeClr val="bg1"/>
-                </a:solidFill>
-              </a:rPr>
-              <a:t>aggregation</a:t>
-            </a:r>
-            <a:r>
-              <a:rPr lang="en-US" sz="1600" b="1" dirty="0">
-                <a:solidFill>
-                  <a:schemeClr val="bg1"/>
-                </a:solidFill>
-              </a:rPr>
-              <a:t>. </a:t>
-            </a:r>
-            <a:endParaRPr lang="tr-TR" sz="1600" b="1" dirty="0">
-              <a:solidFill>
-                <a:schemeClr val="bg1"/>
-              </a:solidFill>
-            </a:endParaRPr>
-          </a:p>
-        </p:txBody>
-      </p:sp>
-    </p:spTree>
-    <p:extLst>
-      <p:ext uri="{BB962C8B-B14F-4D97-AF65-F5344CB8AC3E}">
-        <p14:creationId xmlns:p14="http://schemas.microsoft.com/office/powerpoint/2010/main" val="4014020039"/>
-      </p:ext>
-    </p:extLst>
-  </p:cSld>
-  <p:clrMapOvr>
-    <a:masterClrMapping/>
-  </p:clrMapOvr>
-</p:sld>
-</file>
-
-<file path=ppt/slides/slide23.xml><?xml version="1.0" encoding="utf-8"?>
-<p:sld xmlns:a="http://schemas.openxmlformats.org/drawingml/2006/main" xmlns:r="http://schemas.openxmlformats.org/officeDocument/2006/relationships" xmlns:p="http://schemas.openxmlformats.org/presentationml/2006/main">
-  <p:cSld>
-    <p:spTree>
-      <p:nvGrpSpPr>
-        <p:cNvPr id="1" name=""/>
-        <p:cNvGrpSpPr/>
-        <p:nvPr/>
-      </p:nvGrpSpPr>
-      <p:grpSpPr>
-        <a:xfrm>
-          <a:off x="0" y="0"/>
-          <a:ext cx="0" cy="0"/>
-          <a:chOff x="0" y="0"/>
-          <a:chExt cx="0" cy="0"/>
-        </a:xfrm>
-      </p:grpSpPr>
-      <p:pic>
-        <p:nvPicPr>
-          <p:cNvPr id="4" name="Picture 3"/>
-          <p:cNvPicPr>
-            <a:picLocks noChangeAspect="1"/>
-          </p:cNvPicPr>
-          <p:nvPr/>
-        </p:nvPicPr>
-        <p:blipFill>
-          <a:blip r:embed="rId2"/>
-          <a:stretch>
-            <a:fillRect/>
-          </a:stretch>
-        </p:blipFill>
-        <p:spPr>
-          <a:xfrm>
-            <a:off x="1191140" y="1108364"/>
-            <a:ext cx="9188147" cy="4861600"/>
-          </a:xfrm>
-          <a:prstGeom prst="rect">
-            <a:avLst/>
-          </a:prstGeom>
-        </p:spPr>
-      </p:pic>
-    </p:spTree>
-    <p:extLst>
-      <p:ext uri="{BB962C8B-B14F-4D97-AF65-F5344CB8AC3E}">
-        <p14:creationId xmlns:p14="http://schemas.microsoft.com/office/powerpoint/2010/main" val="4040235743"/>
-      </p:ext>
-    </p:extLst>
-  </p:cSld>
-  <p:clrMapOvr>
-    <a:masterClrMapping/>
-  </p:clrMapOvr>
-</p:sld>
-</file>
-
-<file path=ppt/slides/slide24.xml><?xml version="1.0" encoding="utf-8"?>
-<p:sld xmlns:a="http://schemas.openxmlformats.org/drawingml/2006/main" xmlns:r="http://schemas.openxmlformats.org/officeDocument/2006/relationships" xmlns:p="http://schemas.openxmlformats.org/presentationml/2006/main">
-  <p:cSld>
-    <p:spTree>
-      <p:nvGrpSpPr>
-        <p:cNvPr id="1" name=""/>
-        <p:cNvGrpSpPr/>
-        <p:nvPr/>
-      </p:nvGrpSpPr>
-      <p:grpSpPr>
-        <a:xfrm>
-          <a:off x="0" y="0"/>
-          <a:ext cx="0" cy="0"/>
-          <a:chOff x="0" y="0"/>
-          <a:chExt cx="0" cy="0"/>
-        </a:xfrm>
-      </p:grpSpPr>
-      <p:sp>
-        <p:nvSpPr>
-          <p:cNvPr id="2" name="Title 1"/>
-          <p:cNvSpPr>
-            <a:spLocks noGrp="1"/>
-          </p:cNvSpPr>
-          <p:nvPr>
-            <p:ph type="title"/>
-          </p:nvPr>
-        </p:nvSpPr>
-        <p:spPr>
-          <a:xfrm>
-            <a:off x="838200" y="134213"/>
-            <a:ext cx="10515600" cy="1325563"/>
-          </a:xfrm>
-        </p:spPr>
-        <p:txBody>
-          <a:bodyPr>
-            <a:noAutofit/>
-          </a:bodyPr>
-          <a:lstStyle/>
-          <a:p>
-            <a:r>
-              <a:rPr lang="en-US" sz="3600" b="1" dirty="0">
-                <a:solidFill>
-                  <a:schemeClr val="tx2"/>
-                </a:solidFill>
-              </a:rPr>
-              <a:t>Experiment with target transformation and binning + feature aggregation + aggregation of relevant tech </a:t>
-            </a:r>
-            <a:r>
-              <a:rPr lang="en-US" sz="3600" b="1" dirty="0" smtClean="0">
-                <a:solidFill>
-                  <a:schemeClr val="tx2"/>
-                </a:solidFill>
-              </a:rPr>
-              <a:t>group </a:t>
-            </a:r>
-            <a:endParaRPr lang="tr-TR" sz="3600" b="1" dirty="0">
-              <a:solidFill>
-                <a:schemeClr val="tx2"/>
-              </a:solidFill>
-            </a:endParaRPr>
-          </a:p>
-        </p:txBody>
-      </p:sp>
-      <p:pic>
-        <p:nvPicPr>
-          <p:cNvPr id="4" name="Picture 3"/>
-          <p:cNvPicPr>
-            <a:picLocks noChangeAspect="1"/>
-          </p:cNvPicPr>
-          <p:nvPr/>
-        </p:nvPicPr>
-        <p:blipFill>
-          <a:blip r:embed="rId2"/>
-          <a:stretch>
-            <a:fillRect/>
-          </a:stretch>
-        </p:blipFill>
-        <p:spPr>
-          <a:xfrm>
-            <a:off x="949033" y="1477817"/>
-            <a:ext cx="8850423" cy="5163127"/>
-          </a:xfrm>
-          <a:prstGeom prst="rect">
-            <a:avLst/>
-          </a:prstGeom>
-        </p:spPr>
-      </p:pic>
-      <p:sp>
-        <p:nvSpPr>
-          <p:cNvPr id="5" name="Content Placeholder 2"/>
-          <p:cNvSpPr>
-            <a:spLocks noGrp="1"/>
-          </p:cNvSpPr>
-          <p:nvPr>
-            <p:ph idx="1"/>
-          </p:nvPr>
-        </p:nvSpPr>
-        <p:spPr>
-          <a:xfrm>
-            <a:off x="9414165" y="3118717"/>
-            <a:ext cx="2537689" cy="1721138"/>
-          </a:xfrm>
-          <a:solidFill>
-            <a:schemeClr val="tx2"/>
-          </a:solidFill>
-        </p:spPr>
-        <p:txBody>
-          <a:bodyPr anchor="ctr">
-            <a:noAutofit/>
-          </a:bodyPr>
-          <a:lstStyle/>
-          <a:p>
-            <a:r>
-              <a:rPr lang="tr-TR" sz="1600" b="1" dirty="0" smtClean="0">
-                <a:solidFill>
-                  <a:schemeClr val="bg1"/>
-                </a:solidFill>
-              </a:rPr>
-              <a:t>B</a:t>
-            </a:r>
-            <a:r>
-              <a:rPr lang="en-US" sz="1600" b="1" dirty="0" err="1" smtClean="0">
-                <a:solidFill>
-                  <a:schemeClr val="bg1"/>
-                </a:solidFill>
-              </a:rPr>
-              <a:t>etter</a:t>
-            </a:r>
-            <a:r>
-              <a:rPr lang="en-US" sz="1600" b="1" dirty="0" smtClean="0">
-                <a:solidFill>
-                  <a:schemeClr val="bg1"/>
-                </a:solidFill>
-              </a:rPr>
-              <a:t> </a:t>
-            </a:r>
-            <a:r>
-              <a:rPr lang="en-US" sz="1600" b="1" dirty="0">
-                <a:solidFill>
-                  <a:schemeClr val="bg1"/>
-                </a:solidFill>
-              </a:rPr>
-              <a:t>results than initial run </a:t>
-            </a:r>
-            <a:endParaRPr lang="tr-TR" sz="1600" b="1" dirty="0" smtClean="0">
-              <a:solidFill>
-                <a:schemeClr val="bg1"/>
-              </a:solidFill>
-            </a:endParaRPr>
-          </a:p>
-          <a:p>
-            <a:r>
-              <a:rPr lang="tr-TR" sz="1600" b="1" dirty="0" smtClean="0">
-                <a:solidFill>
-                  <a:schemeClr val="bg1"/>
-                </a:solidFill>
-              </a:rPr>
-              <a:t>C</a:t>
-            </a:r>
-            <a:r>
-              <a:rPr lang="en-US" sz="1600" b="1" dirty="0" err="1" smtClean="0">
-                <a:solidFill>
-                  <a:schemeClr val="bg1"/>
-                </a:solidFill>
-              </a:rPr>
-              <a:t>annot</a:t>
-            </a:r>
-            <a:r>
-              <a:rPr lang="en-US" sz="1600" b="1" dirty="0" smtClean="0">
-                <a:solidFill>
-                  <a:schemeClr val="bg1"/>
-                </a:solidFill>
-              </a:rPr>
-              <a:t> </a:t>
-            </a:r>
-            <a:r>
-              <a:rPr lang="en-US" sz="1600" b="1" dirty="0">
-                <a:solidFill>
-                  <a:schemeClr val="bg1"/>
-                </a:solidFill>
-              </a:rPr>
-              <a:t>beat result of only feature aggregation results </a:t>
-            </a:r>
-            <a:endParaRPr lang="tr-TR" sz="1600" b="1" dirty="0">
-              <a:solidFill>
-                <a:schemeClr val="bg1"/>
-              </a:solidFill>
-            </a:endParaRPr>
-          </a:p>
-        </p:txBody>
-      </p:sp>
-    </p:spTree>
-    <p:extLst>
-      <p:ext uri="{BB962C8B-B14F-4D97-AF65-F5344CB8AC3E}">
-        <p14:creationId xmlns:p14="http://schemas.microsoft.com/office/powerpoint/2010/main" val="3345706396"/>
-      </p:ext>
-    </p:extLst>
-  </p:cSld>
-  <p:clrMapOvr>
-    <a:masterClrMapping/>
-  </p:clrMapOvr>
-  <p:timing>
-    <p:tnLst>
-      <p:par>
-        <p:cTn id="1" dur="indefinite" restart="never" nodeType="tmRoot"/>
-      </p:par>
-    </p:tnLst>
-  </p:timing>
-</p:sld>
-</file>
-
-<file path=ppt/slides/slide25.xml><?xml version="1.0" encoding="utf-8"?>
-<p:sld xmlns:a="http://schemas.openxmlformats.org/drawingml/2006/main" xmlns:r="http://schemas.openxmlformats.org/officeDocument/2006/relationships" xmlns:p="http://schemas.openxmlformats.org/presentationml/2006/main">
-  <p:cSld>
-    <p:spTree>
-      <p:nvGrpSpPr>
-        <p:cNvPr id="1" name=""/>
-        <p:cNvGrpSpPr/>
-        <p:nvPr/>
-      </p:nvGrpSpPr>
-      <p:grpSpPr>
-        <a:xfrm>
-          <a:off x="0" y="0"/>
-          <a:ext cx="0" cy="0"/>
-          <a:chOff x="0" y="0"/>
-          <a:chExt cx="0" cy="0"/>
-        </a:xfrm>
-      </p:grpSpPr>
-      <p:pic>
-        <p:nvPicPr>
-          <p:cNvPr id="4" name="Picture 3"/>
-          <p:cNvPicPr>
-            <a:picLocks noChangeAspect="1"/>
-          </p:cNvPicPr>
-          <p:nvPr/>
-        </p:nvPicPr>
-        <p:blipFill>
-          <a:blip r:embed="rId2"/>
-          <a:stretch>
-            <a:fillRect/>
-          </a:stretch>
-        </p:blipFill>
-        <p:spPr>
-          <a:xfrm>
-            <a:off x="1269686" y="951346"/>
-            <a:ext cx="9652627" cy="5068599"/>
-          </a:xfrm>
-          <a:prstGeom prst="rect">
-            <a:avLst/>
-          </a:prstGeom>
-        </p:spPr>
-      </p:pic>
-    </p:spTree>
-    <p:extLst>
-      <p:ext uri="{BB962C8B-B14F-4D97-AF65-F5344CB8AC3E}">
-        <p14:creationId xmlns:p14="http://schemas.microsoft.com/office/powerpoint/2010/main" val="331297468"/>
-      </p:ext>
-    </p:extLst>
-  </p:cSld>
-  <p:clrMapOvr>
-    <a:masterClrMapping/>
-  </p:clrMapOvr>
-  <p:timing>
-    <p:tnLst>
-      <p:par>
-        <p:cTn id="1" dur="indefinite" restart="never" nodeType="tmRoot"/>
-      </p:par>
-    </p:tnLst>
-  </p:timing>
-</p:sld>
-</file>
-
-<file path=ppt/slides/slide26.xml><?xml version="1.0" encoding="utf-8"?>
-<p:sld xmlns:a="http://schemas.openxmlformats.org/drawingml/2006/main" xmlns:r="http://schemas.openxmlformats.org/officeDocument/2006/relationships" xmlns:p="http://schemas.openxmlformats.org/presentationml/2006/main">
-  <p:cSld>
-    <p:spTree>
-      <p:nvGrpSpPr>
-        <p:cNvPr id="1" name=""/>
-        <p:cNvGrpSpPr/>
-        <p:nvPr/>
-      </p:nvGrpSpPr>
-      <p:grpSpPr>
-        <a:xfrm>
-          <a:off x="0" y="0"/>
-          <a:ext cx="0" cy="0"/>
-          <a:chOff x="0" y="0"/>
-          <a:chExt cx="0" cy="0"/>
-        </a:xfrm>
-      </p:grpSpPr>
-      <p:sp>
-        <p:nvSpPr>
-          <p:cNvPr id="3" name="Content Placeholder 2"/>
-          <p:cNvSpPr>
-            <a:spLocks noGrp="1"/>
-          </p:cNvSpPr>
-          <p:nvPr>
-            <p:ph idx="1"/>
-          </p:nvPr>
-        </p:nvSpPr>
-        <p:spPr>
-          <a:xfrm>
             <a:off x="838200" y="504825"/>
             <a:ext cx="10515600" cy="668193"/>
           </a:xfrm>
@@ -12604,35 +11650,6 @@
           </a:p>
         </p:txBody>
       </p:sp>
-      <p:pic>
-        <p:nvPicPr>
-          <p:cNvPr id="4" name="Picture 3"/>
-          <p:cNvPicPr>
-            <a:picLocks noChangeAspect="1"/>
-          </p:cNvPicPr>
-          <p:nvPr/>
-        </p:nvPicPr>
-        <p:blipFill>
-          <a:blip r:embed="rId2"/>
-          <a:stretch>
-            <a:fillRect/>
-          </a:stretch>
-        </p:blipFill>
-        <p:spPr>
-          <a:xfrm>
-            <a:off x="407687" y="2860510"/>
-            <a:ext cx="11228846" cy="3663824"/>
-          </a:xfrm>
-          <a:prstGeom prst="rect">
-            <a:avLst/>
-          </a:prstGeom>
-          <a:ln w="28575">
-            <a:solidFill>
-              <a:schemeClr val="accent4"/>
-            </a:solidFill>
-          </a:ln>
-        </p:spPr>
-      </p:pic>
       <p:sp>
         <p:nvSpPr>
           <p:cNvPr id="5" name="Rectangle 4"/>
@@ -12641,8 +11658,8 @@
         </p:nvSpPr>
         <p:spPr>
           <a:xfrm>
-            <a:off x="3352801" y="1200726"/>
-            <a:ext cx="5338618" cy="1477328"/>
+            <a:off x="2068288" y="1293675"/>
+            <a:ext cx="6400798" cy="1200329"/>
           </a:xfrm>
           <a:prstGeom prst="rect">
             <a:avLst/>
@@ -12709,7 +11726,16 @@
                 </a:solidFill>
                 <a:latin typeface="+mj-lt"/>
               </a:rPr>
-              <a:t> error perspective</a:t>
+              <a:t> </a:t>
+            </a:r>
+            <a:r>
+              <a:rPr lang="en-US" b="1" dirty="0" smtClean="0">
+                <a:solidFill>
+                  <a:schemeClr val="tx2"/>
+                </a:solidFill>
+                <a:latin typeface="+mj-lt"/>
+              </a:rPr>
+              <a:t>perspective</a:t>
             </a:r>
             <a:r>
               <a:rPr lang="tr-TR" b="1" dirty="0">
@@ -12759,7 +11785,7 @@
                 </a:solidFill>
                 <a:latin typeface="+mj-lt"/>
               </a:rPr>
-              <a:t> aggregation </a:t>
+              <a:t> </a:t>
             </a:r>
             <a:r>
               <a:rPr lang="en-US" b="1" dirty="0" smtClean="0">
@@ -12768,7 +11794,25 @@
                 </a:solidFill>
                 <a:latin typeface="+mj-lt"/>
               </a:rPr>
-              <a:t>only</a:t>
+              <a:t>aggregation</a:t>
+            </a:r>
+            <a:r>
+              <a:rPr lang="tr-TR" b="1" dirty="0">
+                <a:solidFill>
+                  <a:schemeClr val="tx2"/>
+                </a:solidFill>
+                <a:latin typeface="+mj-lt"/>
+              </a:rPr>
+              <a:t>,</a:t>
+            </a:r>
+            <a:r>
+              <a:rPr lang="tr-TR" b="1" dirty="0" smtClean="0">
+                <a:solidFill>
+                  <a:schemeClr val="tx2"/>
+                </a:solidFill>
+                <a:latin typeface="+mj-lt"/>
+              </a:rPr>
+              <a:t> Target Transformation &amp; Binning</a:t>
             </a:r>
             <a:endParaRPr lang="tr-TR" b="1" dirty="0" smtClean="0">
               <a:solidFill>
@@ -12816,38 +11860,804 @@
               <a:latin typeface="+mj-lt"/>
             </a:endParaRPr>
           </a:p>
-          <a:p>
-            <a:pPr marL="285750" indent="-285750">
+        </p:txBody>
+      </p:sp>
+      <p:pic>
+        <p:nvPicPr>
+          <p:cNvPr id="2" name="Picture 1"/>
+          <p:cNvPicPr>
+            <a:picLocks noChangeAspect="1"/>
+          </p:cNvPicPr>
+          <p:nvPr/>
+        </p:nvPicPr>
+        <p:blipFill rotWithShape="1">
+          <a:blip r:embed="rId3"/>
+          <a:srcRect t="-1" b="91485"/>
+          <a:stretch/>
+        </p:blipFill>
+        <p:spPr>
+          <a:xfrm>
+            <a:off x="553177" y="2965334"/>
+            <a:ext cx="6863622" cy="294797"/>
+          </a:xfrm>
+          <a:prstGeom prst="rect">
+            <a:avLst/>
+          </a:prstGeom>
+        </p:spPr>
+      </p:pic>
+      <p:pic>
+        <p:nvPicPr>
+          <p:cNvPr id="6" name="Picture 5"/>
+          <p:cNvPicPr>
+            <a:picLocks noChangeAspect="1"/>
+          </p:cNvPicPr>
+          <p:nvPr/>
+        </p:nvPicPr>
+        <p:blipFill rotWithShape="1">
+          <a:blip r:embed="rId3"/>
+          <a:srcRect t="80224"/>
+          <a:stretch/>
+        </p:blipFill>
+        <p:spPr>
+          <a:xfrm>
+            <a:off x="553177" y="3294743"/>
+            <a:ext cx="6863622" cy="684590"/>
+          </a:xfrm>
+          <a:prstGeom prst="rect">
+            <a:avLst/>
+          </a:prstGeom>
+        </p:spPr>
+      </p:pic>
+      <p:pic>
+        <p:nvPicPr>
+          <p:cNvPr id="7" name="Picture 6"/>
+          <p:cNvPicPr>
+            <a:picLocks noChangeAspect="1"/>
+          </p:cNvPicPr>
+          <p:nvPr/>
+        </p:nvPicPr>
+        <p:blipFill rotWithShape="1">
+          <a:blip r:embed="rId3"/>
+          <a:srcRect t="-1" b="91485"/>
+          <a:stretch/>
+        </p:blipFill>
+        <p:spPr>
+          <a:xfrm>
+            <a:off x="553177" y="4440178"/>
+            <a:ext cx="6863622" cy="294797"/>
+          </a:xfrm>
+          <a:prstGeom prst="rect">
+            <a:avLst/>
+          </a:prstGeom>
+        </p:spPr>
+      </p:pic>
+      <p:pic>
+        <p:nvPicPr>
+          <p:cNvPr id="8" name="Picture 7"/>
+          <p:cNvPicPr>
+            <a:picLocks noChangeAspect="1"/>
+          </p:cNvPicPr>
+          <p:nvPr/>
+        </p:nvPicPr>
+        <p:blipFill rotWithShape="1">
+          <a:blip r:embed="rId3"/>
+          <a:srcRect t="62196" b="22710"/>
+          <a:stretch/>
+        </p:blipFill>
+        <p:spPr>
+          <a:xfrm>
+            <a:off x="553177" y="4664374"/>
+            <a:ext cx="6863622" cy="522514"/>
+          </a:xfrm>
+          <a:prstGeom prst="rect">
+            <a:avLst/>
+          </a:prstGeom>
+        </p:spPr>
+      </p:pic>
+      <p:sp>
+        <p:nvSpPr>
+          <p:cNvPr id="9" name="Content Placeholder 2"/>
+          <p:cNvSpPr txBox="1">
+            <a:spLocks/>
+          </p:cNvSpPr>
+          <p:nvPr/>
+        </p:nvSpPr>
+        <p:spPr>
+          <a:xfrm>
+            <a:off x="8131298" y="3598752"/>
+            <a:ext cx="2126468" cy="1065622"/>
+          </a:xfrm>
+          <a:prstGeom prst="rect">
+            <a:avLst/>
+          </a:prstGeom>
+          <a:solidFill>
+            <a:schemeClr val="tx2"/>
+          </a:solidFill>
+        </p:spPr>
+        <p:txBody>
+          <a:bodyPr vert="horz" lIns="91440" tIns="45720" rIns="91440" bIns="45720" rtlCol="0">
+            <a:noAutofit/>
+          </a:bodyPr>
+          <a:lstStyle>
+            <a:lvl1pPr marL="228600" indent="-228600" algn="l" defTabSz="914400" rtl="0" eaLnBrk="1" latinLnBrk="0" hangingPunct="1">
+              <a:lnSpc>
+                <a:spcPct val="90000"/>
+              </a:lnSpc>
+              <a:spcBef>
+                <a:spcPts val="1000"/>
+              </a:spcBef>
               <a:buFont typeface="Arial" panose="020B0604020202020204" pitchFamily="34" charset="0"/>
               <a:buChar char="•"/>
+              <a:defRPr sz="2800" kern="1200">
+                <a:solidFill>
+                  <a:schemeClr val="tx1"/>
+                </a:solidFill>
+                <a:latin typeface="+mn-lt"/>
+                <a:ea typeface="+mn-ea"/>
+                <a:cs typeface="+mn-cs"/>
+              </a:defRPr>
+            </a:lvl1pPr>
+            <a:lvl2pPr marL="685800" indent="-228600" algn="l" defTabSz="914400" rtl="0" eaLnBrk="1" latinLnBrk="0" hangingPunct="1">
+              <a:lnSpc>
+                <a:spcPct val="90000"/>
+              </a:lnSpc>
+              <a:spcBef>
+                <a:spcPts val="500"/>
+              </a:spcBef>
+              <a:buFont typeface="Arial" panose="020B0604020202020204" pitchFamily="34" charset="0"/>
+              <a:buChar char="•"/>
+              <a:defRPr sz="2400" kern="1200">
+                <a:solidFill>
+                  <a:schemeClr val="tx1"/>
+                </a:solidFill>
+                <a:latin typeface="+mn-lt"/>
+                <a:ea typeface="+mn-ea"/>
+                <a:cs typeface="+mn-cs"/>
+              </a:defRPr>
+            </a:lvl2pPr>
+            <a:lvl3pPr marL="1143000" indent="-228600" algn="l" defTabSz="914400" rtl="0" eaLnBrk="1" latinLnBrk="0" hangingPunct="1">
+              <a:lnSpc>
+                <a:spcPct val="90000"/>
+              </a:lnSpc>
+              <a:spcBef>
+                <a:spcPts val="500"/>
+              </a:spcBef>
+              <a:buFont typeface="Arial" panose="020B0604020202020204" pitchFamily="34" charset="0"/>
+              <a:buChar char="•"/>
+              <a:defRPr sz="2000" kern="1200">
+                <a:solidFill>
+                  <a:schemeClr val="tx1"/>
+                </a:solidFill>
+                <a:latin typeface="+mn-lt"/>
+                <a:ea typeface="+mn-ea"/>
+                <a:cs typeface="+mn-cs"/>
+              </a:defRPr>
+            </a:lvl3pPr>
+            <a:lvl4pPr marL="1600200" indent="-228600" algn="l" defTabSz="914400" rtl="0" eaLnBrk="1" latinLnBrk="0" hangingPunct="1">
+              <a:lnSpc>
+                <a:spcPct val="90000"/>
+              </a:lnSpc>
+              <a:spcBef>
+                <a:spcPts val="500"/>
+              </a:spcBef>
+              <a:buFont typeface="Arial" panose="020B0604020202020204" pitchFamily="34" charset="0"/>
+              <a:buChar char="•"/>
+              <a:defRPr sz="1800" kern="1200">
+                <a:solidFill>
+                  <a:schemeClr val="tx1"/>
+                </a:solidFill>
+                <a:latin typeface="+mn-lt"/>
+                <a:ea typeface="+mn-ea"/>
+                <a:cs typeface="+mn-cs"/>
+              </a:defRPr>
+            </a:lvl4pPr>
+            <a:lvl5pPr marL="2057400" indent="-228600" algn="l" defTabSz="914400" rtl="0" eaLnBrk="1" latinLnBrk="0" hangingPunct="1">
+              <a:lnSpc>
+                <a:spcPct val="90000"/>
+              </a:lnSpc>
+              <a:spcBef>
+                <a:spcPts val="500"/>
+              </a:spcBef>
+              <a:buFont typeface="Arial" panose="020B0604020202020204" pitchFamily="34" charset="0"/>
+              <a:buChar char="•"/>
+              <a:defRPr sz="1800" kern="1200">
+                <a:solidFill>
+                  <a:schemeClr val="tx1"/>
+                </a:solidFill>
+                <a:latin typeface="+mn-lt"/>
+                <a:ea typeface="+mn-ea"/>
+                <a:cs typeface="+mn-cs"/>
+              </a:defRPr>
+            </a:lvl5pPr>
+            <a:lvl6pPr marL="2514600" indent="-228600" algn="l" defTabSz="914400" rtl="0" eaLnBrk="1" latinLnBrk="0" hangingPunct="1">
+              <a:lnSpc>
+                <a:spcPct val="90000"/>
+              </a:lnSpc>
+              <a:spcBef>
+                <a:spcPts val="500"/>
+              </a:spcBef>
+              <a:buFont typeface="Arial" panose="020B0604020202020204" pitchFamily="34" charset="0"/>
+              <a:buChar char="•"/>
+              <a:defRPr sz="1800" kern="1200">
+                <a:solidFill>
+                  <a:schemeClr val="tx1"/>
+                </a:solidFill>
+                <a:latin typeface="+mn-lt"/>
+                <a:ea typeface="+mn-ea"/>
+                <a:cs typeface="+mn-cs"/>
+              </a:defRPr>
+            </a:lvl6pPr>
+            <a:lvl7pPr marL="2971800" indent="-228600" algn="l" defTabSz="914400" rtl="0" eaLnBrk="1" latinLnBrk="0" hangingPunct="1">
+              <a:lnSpc>
+                <a:spcPct val="90000"/>
+              </a:lnSpc>
+              <a:spcBef>
+                <a:spcPts val="500"/>
+              </a:spcBef>
+              <a:buFont typeface="Arial" panose="020B0604020202020204" pitchFamily="34" charset="0"/>
+              <a:buChar char="•"/>
+              <a:defRPr sz="1800" kern="1200">
+                <a:solidFill>
+                  <a:schemeClr val="tx1"/>
+                </a:solidFill>
+                <a:latin typeface="+mn-lt"/>
+                <a:ea typeface="+mn-ea"/>
+                <a:cs typeface="+mn-cs"/>
+              </a:defRPr>
+            </a:lvl7pPr>
+            <a:lvl8pPr marL="3429000" indent="-228600" algn="l" defTabSz="914400" rtl="0" eaLnBrk="1" latinLnBrk="0" hangingPunct="1">
+              <a:lnSpc>
+                <a:spcPct val="90000"/>
+              </a:lnSpc>
+              <a:spcBef>
+                <a:spcPts val="500"/>
+              </a:spcBef>
+              <a:buFont typeface="Arial" panose="020B0604020202020204" pitchFamily="34" charset="0"/>
+              <a:buChar char="•"/>
+              <a:defRPr sz="1800" kern="1200">
+                <a:solidFill>
+                  <a:schemeClr val="tx1"/>
+                </a:solidFill>
+                <a:latin typeface="+mn-lt"/>
+                <a:ea typeface="+mn-ea"/>
+                <a:cs typeface="+mn-cs"/>
+              </a:defRPr>
+            </a:lvl8pPr>
+            <a:lvl9pPr marL="3886200" indent="-228600" algn="l" defTabSz="914400" rtl="0" eaLnBrk="1" latinLnBrk="0" hangingPunct="1">
+              <a:lnSpc>
+                <a:spcPct val="90000"/>
+              </a:lnSpc>
+              <a:spcBef>
+                <a:spcPts val="500"/>
+              </a:spcBef>
+              <a:buFont typeface="Arial" panose="020B0604020202020204" pitchFamily="34" charset="0"/>
+              <a:buChar char="•"/>
+              <a:defRPr sz="1800" kern="1200">
+                <a:solidFill>
+                  <a:schemeClr val="tx1"/>
+                </a:solidFill>
+                <a:latin typeface="+mn-lt"/>
+                <a:ea typeface="+mn-ea"/>
+                <a:cs typeface="+mn-cs"/>
+              </a:defRPr>
+            </a:lvl9pPr>
+          </a:lstStyle>
+          <a:p>
+            <a:pPr marL="0" indent="0" fontAlgn="ctr">
+              <a:spcBef>
+                <a:spcPts val="0"/>
+              </a:spcBef>
+              <a:buNone/>
             </a:pPr>
             <a:r>
-              <a:rPr lang="tr-TR" b="1" dirty="0" smtClean="0">
-                <a:solidFill>
-                  <a:schemeClr val="tx2"/>
+              <a:rPr lang="tr-TR" sz="3200" b="1" dirty="0" smtClean="0">
+                <a:solidFill>
+                  <a:schemeClr val="bg1"/>
                 </a:solidFill>
                 <a:latin typeface="+mj-lt"/>
               </a:rPr>
-              <a:t>B</a:t>
-            </a:r>
-            <a:r>
-              <a:rPr lang="en-US" b="1" dirty="0">
-                <a:solidFill>
-                  <a:schemeClr val="tx2"/>
+              <a:t>35%</a:t>
+            </a:r>
+          </a:p>
+          <a:p>
+            <a:pPr marL="0" indent="0" fontAlgn="ctr">
+              <a:spcBef>
+                <a:spcPts val="0"/>
+              </a:spcBef>
+              <a:buNone/>
+            </a:pPr>
+            <a:r>
+              <a:rPr lang="tr-TR" sz="1200" dirty="0">
+                <a:solidFill>
+                  <a:schemeClr val="bg1"/>
+                </a:solidFill>
+              </a:rPr>
+              <a:t>MAPE </a:t>
+            </a:r>
+            <a:r>
+              <a:rPr lang="tr-TR" sz="1200" dirty="0" smtClean="0">
+                <a:solidFill>
+                  <a:schemeClr val="bg1"/>
+                </a:solidFill>
+              </a:rPr>
+              <a:t>improvement with</a:t>
+            </a:r>
+            <a:endParaRPr lang="tr-TR" sz="3200" b="1" dirty="0" smtClean="0">
+              <a:solidFill>
+                <a:schemeClr val="bg1"/>
+              </a:solidFill>
+              <a:latin typeface="+mj-lt"/>
+            </a:endParaRPr>
+          </a:p>
+          <a:p>
+            <a:pPr marL="0" indent="0" fontAlgn="ctr">
+              <a:spcBef>
+                <a:spcPts val="0"/>
+              </a:spcBef>
+              <a:buNone/>
+            </a:pPr>
+            <a:r>
+              <a:rPr lang="tr-TR" sz="1400" dirty="0">
+                <a:solidFill>
+                  <a:schemeClr val="bg1"/>
+                </a:solidFill>
+              </a:rPr>
+              <a:t>Target transformation </a:t>
+            </a:r>
+          </a:p>
+          <a:p>
+            <a:pPr marL="0" indent="0" fontAlgn="ctr">
+              <a:spcBef>
+                <a:spcPts val="0"/>
+              </a:spcBef>
+              <a:buNone/>
+            </a:pPr>
+            <a:r>
+              <a:rPr lang="tr-TR" sz="1400" dirty="0">
+                <a:solidFill>
+                  <a:schemeClr val="bg1"/>
+                </a:solidFill>
+              </a:rPr>
+              <a:t>&amp; </a:t>
+            </a:r>
+            <a:r>
+              <a:rPr lang="tr-TR" sz="1400" dirty="0" smtClean="0">
+                <a:solidFill>
+                  <a:schemeClr val="bg1"/>
+                </a:solidFill>
+              </a:rPr>
+              <a:t>Binning</a:t>
+            </a:r>
+            <a:endParaRPr lang="tr-TR" sz="1400" dirty="0">
+              <a:solidFill>
+                <a:schemeClr val="bg1"/>
+              </a:solidFill>
+            </a:endParaRPr>
+          </a:p>
+        </p:txBody>
+      </p:sp>
+      <p:sp>
+        <p:nvSpPr>
+          <p:cNvPr id="10" name="Curved Down Arrow 9"/>
+          <p:cNvSpPr/>
+          <p:nvPr/>
+        </p:nvSpPr>
+        <p:spPr>
+          <a:xfrm rot="5400000">
+            <a:off x="6887057" y="4129057"/>
+            <a:ext cx="1458622" cy="348345"/>
+          </a:xfrm>
+          <a:prstGeom prst="curvedDownArrow">
+            <a:avLst>
+              <a:gd name="adj1" fmla="val 25000"/>
+              <a:gd name="adj2" fmla="val 50000"/>
+              <a:gd name="adj3" fmla="val 19595"/>
+            </a:avLst>
+          </a:prstGeom>
+        </p:spPr>
+        <p:style>
+          <a:lnRef idx="2">
+            <a:schemeClr val="accent1">
+              <a:shade val="50000"/>
+            </a:schemeClr>
+          </a:lnRef>
+          <a:fillRef idx="1">
+            <a:schemeClr val="accent1"/>
+          </a:fillRef>
+          <a:effectRef idx="0">
+            <a:schemeClr val="accent1"/>
+          </a:effectRef>
+          <a:fontRef idx="minor">
+            <a:schemeClr val="lt1"/>
+          </a:fontRef>
+        </p:style>
+        <p:txBody>
+          <a:bodyPr rtlCol="0" anchor="ctr"/>
+          <a:lstStyle/>
+          <a:p>
+            <a:pPr algn="ctr"/>
+            <a:endParaRPr lang="en-US">
+              <a:solidFill>
+                <a:schemeClr val="tx1"/>
+              </a:solidFill>
+            </a:endParaRPr>
+          </a:p>
+        </p:txBody>
+      </p:sp>
+      <p:pic>
+        <p:nvPicPr>
+          <p:cNvPr id="11" name="Picture 10"/>
+          <p:cNvPicPr>
+            <a:picLocks noChangeAspect="1"/>
+          </p:cNvPicPr>
+          <p:nvPr/>
+        </p:nvPicPr>
+        <p:blipFill rotWithShape="1">
+          <a:blip r:embed="rId3"/>
+          <a:srcRect t="-1" b="91485"/>
+          <a:stretch/>
+        </p:blipFill>
+        <p:spPr>
+          <a:xfrm>
+            <a:off x="553177" y="5690343"/>
+            <a:ext cx="6863622" cy="294797"/>
+          </a:xfrm>
+          <a:prstGeom prst="rect">
+            <a:avLst/>
+          </a:prstGeom>
+        </p:spPr>
+      </p:pic>
+      <p:pic>
+        <p:nvPicPr>
+          <p:cNvPr id="12" name="Picture 11"/>
+          <p:cNvPicPr>
+            <a:picLocks noChangeAspect="1"/>
+          </p:cNvPicPr>
+          <p:nvPr/>
+        </p:nvPicPr>
+        <p:blipFill rotWithShape="1">
+          <a:blip r:embed="rId3"/>
+          <a:srcRect l="-211" t="9367" r="211" b="75539"/>
+          <a:stretch/>
+        </p:blipFill>
+        <p:spPr>
+          <a:xfrm>
+            <a:off x="553177" y="5951570"/>
+            <a:ext cx="6863622" cy="522514"/>
+          </a:xfrm>
+          <a:prstGeom prst="rect">
+            <a:avLst/>
+          </a:prstGeom>
+        </p:spPr>
+      </p:pic>
+      <p:sp>
+        <p:nvSpPr>
+          <p:cNvPr id="13" name="Curved Down Arrow 12"/>
+          <p:cNvSpPr/>
+          <p:nvPr/>
+        </p:nvSpPr>
+        <p:spPr>
+          <a:xfrm rot="5400000">
+            <a:off x="6968065" y="5421533"/>
+            <a:ext cx="1323654" cy="375395"/>
+          </a:xfrm>
+          <a:prstGeom prst="curvedDownArrow">
+            <a:avLst>
+              <a:gd name="adj1" fmla="val 25000"/>
+              <a:gd name="adj2" fmla="val 50000"/>
+              <a:gd name="adj3" fmla="val 19595"/>
+            </a:avLst>
+          </a:prstGeom>
+        </p:spPr>
+        <p:style>
+          <a:lnRef idx="2">
+            <a:schemeClr val="accent1">
+              <a:shade val="50000"/>
+            </a:schemeClr>
+          </a:lnRef>
+          <a:fillRef idx="1">
+            <a:schemeClr val="accent1"/>
+          </a:fillRef>
+          <a:effectRef idx="0">
+            <a:schemeClr val="accent1"/>
+          </a:effectRef>
+          <a:fontRef idx="minor">
+            <a:schemeClr val="lt1"/>
+          </a:fontRef>
+        </p:style>
+        <p:txBody>
+          <a:bodyPr rtlCol="0" anchor="ctr"/>
+          <a:lstStyle/>
+          <a:p>
+            <a:pPr algn="ctr"/>
+            <a:endParaRPr lang="en-US">
+              <a:solidFill>
+                <a:schemeClr val="tx1"/>
+              </a:solidFill>
+            </a:endParaRPr>
+          </a:p>
+        </p:txBody>
+      </p:sp>
+      <p:sp>
+        <p:nvSpPr>
+          <p:cNvPr id="14" name="Content Placeholder 2"/>
+          <p:cNvSpPr txBox="1">
+            <a:spLocks/>
+          </p:cNvSpPr>
+          <p:nvPr/>
+        </p:nvSpPr>
+        <p:spPr>
+          <a:xfrm>
+            <a:off x="8131298" y="5225239"/>
+            <a:ext cx="2126468" cy="1110247"/>
+          </a:xfrm>
+          <a:prstGeom prst="rect">
+            <a:avLst/>
+          </a:prstGeom>
+          <a:solidFill>
+            <a:schemeClr val="tx2"/>
+          </a:solidFill>
+        </p:spPr>
+        <p:txBody>
+          <a:bodyPr vert="horz" lIns="91440" tIns="45720" rIns="91440" bIns="45720" rtlCol="0">
+            <a:noAutofit/>
+          </a:bodyPr>
+          <a:lstStyle>
+            <a:lvl1pPr marL="228600" indent="-228600" algn="l" defTabSz="914400" rtl="0" eaLnBrk="1" latinLnBrk="0" hangingPunct="1">
+              <a:lnSpc>
+                <a:spcPct val="90000"/>
+              </a:lnSpc>
+              <a:spcBef>
+                <a:spcPts val="1000"/>
+              </a:spcBef>
+              <a:buFont typeface="Arial" panose="020B0604020202020204" pitchFamily="34" charset="0"/>
+              <a:buChar char="•"/>
+              <a:defRPr sz="2800" kern="1200">
+                <a:solidFill>
+                  <a:schemeClr val="tx1"/>
+                </a:solidFill>
+                <a:latin typeface="+mn-lt"/>
+                <a:ea typeface="+mn-ea"/>
+                <a:cs typeface="+mn-cs"/>
+              </a:defRPr>
+            </a:lvl1pPr>
+            <a:lvl2pPr marL="685800" indent="-228600" algn="l" defTabSz="914400" rtl="0" eaLnBrk="1" latinLnBrk="0" hangingPunct="1">
+              <a:lnSpc>
+                <a:spcPct val="90000"/>
+              </a:lnSpc>
+              <a:spcBef>
+                <a:spcPts val="500"/>
+              </a:spcBef>
+              <a:buFont typeface="Arial" panose="020B0604020202020204" pitchFamily="34" charset="0"/>
+              <a:buChar char="•"/>
+              <a:defRPr sz="2400" kern="1200">
+                <a:solidFill>
+                  <a:schemeClr val="tx1"/>
+                </a:solidFill>
+                <a:latin typeface="+mn-lt"/>
+                <a:ea typeface="+mn-ea"/>
+                <a:cs typeface="+mn-cs"/>
+              </a:defRPr>
+            </a:lvl2pPr>
+            <a:lvl3pPr marL="1143000" indent="-228600" algn="l" defTabSz="914400" rtl="0" eaLnBrk="1" latinLnBrk="0" hangingPunct="1">
+              <a:lnSpc>
+                <a:spcPct val="90000"/>
+              </a:lnSpc>
+              <a:spcBef>
+                <a:spcPts val="500"/>
+              </a:spcBef>
+              <a:buFont typeface="Arial" panose="020B0604020202020204" pitchFamily="34" charset="0"/>
+              <a:buChar char="•"/>
+              <a:defRPr sz="2000" kern="1200">
+                <a:solidFill>
+                  <a:schemeClr val="tx1"/>
+                </a:solidFill>
+                <a:latin typeface="+mn-lt"/>
+                <a:ea typeface="+mn-ea"/>
+                <a:cs typeface="+mn-cs"/>
+              </a:defRPr>
+            </a:lvl3pPr>
+            <a:lvl4pPr marL="1600200" indent="-228600" algn="l" defTabSz="914400" rtl="0" eaLnBrk="1" latinLnBrk="0" hangingPunct="1">
+              <a:lnSpc>
+                <a:spcPct val="90000"/>
+              </a:lnSpc>
+              <a:spcBef>
+                <a:spcPts val="500"/>
+              </a:spcBef>
+              <a:buFont typeface="Arial" panose="020B0604020202020204" pitchFamily="34" charset="0"/>
+              <a:buChar char="•"/>
+              <a:defRPr sz="1800" kern="1200">
+                <a:solidFill>
+                  <a:schemeClr val="tx1"/>
+                </a:solidFill>
+                <a:latin typeface="+mn-lt"/>
+                <a:ea typeface="+mn-ea"/>
+                <a:cs typeface="+mn-cs"/>
+              </a:defRPr>
+            </a:lvl4pPr>
+            <a:lvl5pPr marL="2057400" indent="-228600" algn="l" defTabSz="914400" rtl="0" eaLnBrk="1" latinLnBrk="0" hangingPunct="1">
+              <a:lnSpc>
+                <a:spcPct val="90000"/>
+              </a:lnSpc>
+              <a:spcBef>
+                <a:spcPts val="500"/>
+              </a:spcBef>
+              <a:buFont typeface="Arial" panose="020B0604020202020204" pitchFamily="34" charset="0"/>
+              <a:buChar char="•"/>
+              <a:defRPr sz="1800" kern="1200">
+                <a:solidFill>
+                  <a:schemeClr val="tx1"/>
+                </a:solidFill>
+                <a:latin typeface="+mn-lt"/>
+                <a:ea typeface="+mn-ea"/>
+                <a:cs typeface="+mn-cs"/>
+              </a:defRPr>
+            </a:lvl5pPr>
+            <a:lvl6pPr marL="2514600" indent="-228600" algn="l" defTabSz="914400" rtl="0" eaLnBrk="1" latinLnBrk="0" hangingPunct="1">
+              <a:lnSpc>
+                <a:spcPct val="90000"/>
+              </a:lnSpc>
+              <a:spcBef>
+                <a:spcPts val="500"/>
+              </a:spcBef>
+              <a:buFont typeface="Arial" panose="020B0604020202020204" pitchFamily="34" charset="0"/>
+              <a:buChar char="•"/>
+              <a:defRPr sz="1800" kern="1200">
+                <a:solidFill>
+                  <a:schemeClr val="tx1"/>
+                </a:solidFill>
+                <a:latin typeface="+mn-lt"/>
+                <a:ea typeface="+mn-ea"/>
+                <a:cs typeface="+mn-cs"/>
+              </a:defRPr>
+            </a:lvl6pPr>
+            <a:lvl7pPr marL="2971800" indent="-228600" algn="l" defTabSz="914400" rtl="0" eaLnBrk="1" latinLnBrk="0" hangingPunct="1">
+              <a:lnSpc>
+                <a:spcPct val="90000"/>
+              </a:lnSpc>
+              <a:spcBef>
+                <a:spcPts val="500"/>
+              </a:spcBef>
+              <a:buFont typeface="Arial" panose="020B0604020202020204" pitchFamily="34" charset="0"/>
+              <a:buChar char="•"/>
+              <a:defRPr sz="1800" kern="1200">
+                <a:solidFill>
+                  <a:schemeClr val="tx1"/>
+                </a:solidFill>
+                <a:latin typeface="+mn-lt"/>
+                <a:ea typeface="+mn-ea"/>
+                <a:cs typeface="+mn-cs"/>
+              </a:defRPr>
+            </a:lvl7pPr>
+            <a:lvl8pPr marL="3429000" indent="-228600" algn="l" defTabSz="914400" rtl="0" eaLnBrk="1" latinLnBrk="0" hangingPunct="1">
+              <a:lnSpc>
+                <a:spcPct val="90000"/>
+              </a:lnSpc>
+              <a:spcBef>
+                <a:spcPts val="500"/>
+              </a:spcBef>
+              <a:buFont typeface="Arial" panose="020B0604020202020204" pitchFamily="34" charset="0"/>
+              <a:buChar char="•"/>
+              <a:defRPr sz="1800" kern="1200">
+                <a:solidFill>
+                  <a:schemeClr val="tx1"/>
+                </a:solidFill>
+                <a:latin typeface="+mn-lt"/>
+                <a:ea typeface="+mn-ea"/>
+                <a:cs typeface="+mn-cs"/>
+              </a:defRPr>
+            </a:lvl8pPr>
+            <a:lvl9pPr marL="3886200" indent="-228600" algn="l" defTabSz="914400" rtl="0" eaLnBrk="1" latinLnBrk="0" hangingPunct="1">
+              <a:lnSpc>
+                <a:spcPct val="90000"/>
+              </a:lnSpc>
+              <a:spcBef>
+                <a:spcPts val="500"/>
+              </a:spcBef>
+              <a:buFont typeface="Arial" panose="020B0604020202020204" pitchFamily="34" charset="0"/>
+              <a:buChar char="•"/>
+              <a:defRPr sz="1800" kern="1200">
+                <a:solidFill>
+                  <a:schemeClr val="tx1"/>
+                </a:solidFill>
+                <a:latin typeface="+mn-lt"/>
+                <a:ea typeface="+mn-ea"/>
+                <a:cs typeface="+mn-cs"/>
+              </a:defRPr>
+            </a:lvl9pPr>
+          </a:lstStyle>
+          <a:p>
+            <a:pPr marL="0" indent="0" fontAlgn="ctr">
+              <a:spcBef>
+                <a:spcPts val="0"/>
+              </a:spcBef>
+              <a:buNone/>
+            </a:pPr>
+            <a:r>
+              <a:rPr lang="tr-TR" sz="3200" b="1" dirty="0">
+                <a:solidFill>
+                  <a:schemeClr val="bg1"/>
                 </a:solidFill>
                 <a:latin typeface="+mj-lt"/>
               </a:rPr>
-              <a:t>inning and target transformation creates big impact</a:t>
-            </a:r>
-            <a:r>
-              <a:rPr lang="tr-TR" b="1" dirty="0">
-                <a:solidFill>
-                  <a:schemeClr val="tx2"/>
+              <a:t>4</a:t>
+            </a:r>
+            <a:r>
+              <a:rPr lang="tr-TR" sz="3200" b="1" dirty="0" smtClean="0">
+                <a:solidFill>
+                  <a:schemeClr val="bg1"/>
                 </a:solidFill>
                 <a:latin typeface="+mj-lt"/>
               </a:rPr>
-              <a:t>.</a:t>
-            </a:r>
+              <a:t>%</a:t>
+            </a:r>
+          </a:p>
+          <a:p>
+            <a:pPr marL="0" indent="0" fontAlgn="ctr">
+              <a:spcBef>
+                <a:spcPts val="0"/>
+              </a:spcBef>
+              <a:buNone/>
+            </a:pPr>
+            <a:r>
+              <a:rPr lang="tr-TR" sz="1200" dirty="0">
+                <a:solidFill>
+                  <a:schemeClr val="bg1"/>
+                </a:solidFill>
+              </a:rPr>
+              <a:t>MAPE </a:t>
+            </a:r>
+            <a:r>
+              <a:rPr lang="tr-TR" sz="1200" dirty="0" smtClean="0">
+                <a:solidFill>
+                  <a:schemeClr val="bg1"/>
+                </a:solidFill>
+              </a:rPr>
+              <a:t>improvement with</a:t>
+            </a:r>
+            <a:endParaRPr lang="tr-TR" sz="3200" b="1" dirty="0" smtClean="0">
+              <a:solidFill>
+                <a:schemeClr val="bg1"/>
+              </a:solidFill>
+              <a:latin typeface="+mj-lt"/>
+            </a:endParaRPr>
+          </a:p>
+          <a:p>
+            <a:pPr marL="0" indent="0" fontAlgn="ctr">
+              <a:spcBef>
+                <a:spcPts val="0"/>
+              </a:spcBef>
+              <a:buNone/>
+            </a:pPr>
+            <a:r>
+              <a:rPr lang="tr-TR" sz="1400" dirty="0" smtClean="0">
+                <a:solidFill>
+                  <a:schemeClr val="bg1"/>
+                </a:solidFill>
+              </a:rPr>
+              <a:t>Feature Aggregation</a:t>
+            </a:r>
+          </a:p>
+          <a:p>
+            <a:pPr marL="0" indent="0" fontAlgn="ctr">
+              <a:spcBef>
+                <a:spcPts val="0"/>
+              </a:spcBef>
+              <a:buNone/>
+            </a:pPr>
+            <a:r>
+              <a:rPr lang="tr-TR" sz="1050" dirty="0" smtClean="0">
+                <a:solidFill>
+                  <a:schemeClr val="bg1"/>
+                </a:solidFill>
+              </a:rPr>
+              <a:t>*Number of feat decreased by 210</a:t>
+            </a:r>
+            <a:endParaRPr lang="tr-TR" sz="1050" dirty="0">
+              <a:solidFill>
+                <a:schemeClr val="bg1"/>
+              </a:solidFill>
+            </a:endParaRPr>
           </a:p>
         </p:txBody>
       </p:sp>
@@ -12871,7 +12681,7 @@
 </p:sld>
 </file>
 
-<file path=ppt/slides/slide27.xml><?xml version="1.0" encoding="utf-8"?>
+<file path=ppt/slides/slide2.xml><?xml version="1.0" encoding="utf-8"?>
 <p:sld xmlns:a="http://schemas.openxmlformats.org/drawingml/2006/main" xmlns:r="http://schemas.openxmlformats.org/officeDocument/2006/relationships" xmlns:p="http://schemas.openxmlformats.org/presentationml/2006/main">
   <p:cSld>
     <p:spTree>
@@ -12890,6 +12700,56 @@
       </p:grpSpPr>
       <p:sp>
         <p:nvSpPr>
+          <p:cNvPr id="2" name="Title 1"/>
+          <p:cNvSpPr>
+            <a:spLocks noGrp="1"/>
+          </p:cNvSpPr>
+          <p:nvPr>
+            <p:ph type="title"/>
+          </p:nvPr>
+        </p:nvSpPr>
+        <p:spPr>
+          <a:xfrm>
+            <a:off x="0" y="402067"/>
+            <a:ext cx="12192000" cy="1325563"/>
+          </a:xfrm>
+          <a:solidFill>
+            <a:schemeClr val="tx2"/>
+          </a:solidFill>
+        </p:spPr>
+        <p:txBody>
+          <a:bodyPr vert="horz" lIns="91440" tIns="45720" rIns="91440" bIns="45720" rtlCol="0" anchor="ctr">
+            <a:normAutofit/>
+          </a:bodyPr>
+          <a:lstStyle/>
+          <a:p>
+            <a:pPr algn="ctr"/>
+            <a:r>
+              <a:rPr lang="tr-TR" sz="4000" b="1" dirty="0">
+                <a:solidFill>
+                  <a:schemeClr val="bg1"/>
+                </a:solidFill>
+              </a:rPr>
+              <a:t>What is </a:t>
+            </a:r>
+            <a:r>
+              <a:rPr lang="tr-TR" sz="4000" b="1" dirty="0" smtClean="0">
+                <a:solidFill>
+                  <a:schemeClr val="bg1"/>
+                </a:solidFill>
+              </a:rPr>
+              <a:t>our aim?</a:t>
+            </a:r>
+            <a:endParaRPr lang="tr-TR" sz="4000" b="1" dirty="0">
+              <a:solidFill>
+                <a:schemeClr val="bg1"/>
+              </a:solidFill>
+            </a:endParaRPr>
+          </a:p>
+        </p:txBody>
+      </p:sp>
+      <p:sp>
+        <p:nvSpPr>
           <p:cNvPr id="3" name="Content Placeholder 2"/>
           <p:cNvSpPr>
             <a:spLocks noGrp="1"/>
@@ -12900,6 +12760,125 @@
         </p:nvSpPr>
         <p:spPr>
           <a:xfrm>
+            <a:off x="1571062" y="2299852"/>
+            <a:ext cx="10186829" cy="2764517"/>
+          </a:xfrm>
+        </p:spPr>
+        <p:txBody>
+          <a:bodyPr>
+            <a:noAutofit/>
+          </a:bodyPr>
+          <a:lstStyle/>
+          <a:p>
+            <a:r>
+              <a:rPr lang="en-US" dirty="0" smtClean="0"/>
+              <a:t>Predicting the annual compensation of professional</a:t>
+            </a:r>
+            <a:r>
+              <a:rPr lang="tr-TR" dirty="0" smtClean="0"/>
+              <a:t> developers based on stackoverflow annual developer survey</a:t>
+            </a:r>
+            <a:r>
+              <a:rPr lang="en-US" dirty="0" smtClean="0"/>
+              <a:t>.</a:t>
+            </a:r>
+            <a:endParaRPr lang="tr-TR" dirty="0" smtClean="0"/>
+          </a:p>
+          <a:p>
+            <a:endParaRPr lang="tr-TR" dirty="0" smtClean="0"/>
+          </a:p>
+          <a:p>
+            <a:r>
+              <a:rPr lang="tr-TR" dirty="0" smtClean="0"/>
+              <a:t>Understranding factors related to compansation of a developer.</a:t>
+            </a:r>
+            <a:endParaRPr lang="en-US" dirty="0"/>
+          </a:p>
+        </p:txBody>
+      </p:sp>
+      <p:pic>
+        <p:nvPicPr>
+          <p:cNvPr id="17410" name="Picture 2" descr="Stack Overflow - Where Developers Learn, Share, &amp; Build Careers"/>
+          <p:cNvPicPr>
+            <a:picLocks noChangeAspect="1" noChangeArrowheads="1"/>
+          </p:cNvPicPr>
+          <p:nvPr/>
+        </p:nvPicPr>
+        <p:blipFill>
+          <a:blip r:embed="rId2" cstate="print">
+            <a:extLst>
+              <a:ext uri="{28A0092B-C50C-407E-A947-70E740481C1C}">
+                <a14:useLocalDpi xmlns:a14="http://schemas.microsoft.com/office/drawing/2010/main" val="0"/>
+              </a:ext>
+            </a:extLst>
+          </a:blip>
+          <a:srcRect/>
+          <a:stretch>
+            <a:fillRect/>
+          </a:stretch>
+        </p:blipFill>
+        <p:spPr bwMode="auto">
+          <a:xfrm>
+            <a:off x="337741" y="2081009"/>
+            <a:ext cx="1035546" cy="1035547"/>
+          </a:xfrm>
+          <a:prstGeom prst="rect">
+            <a:avLst/>
+          </a:prstGeom>
+          <a:noFill/>
+          <a:extLst>
+            <a:ext uri="{909E8E84-426E-40DD-AFC4-6F175D3DCCD1}">
+              <a14:hiddenFill xmlns:a14="http://schemas.microsoft.com/office/drawing/2010/main">
+                <a:solidFill>
+                  <a:srgbClr val="FFFFFF"/>
+                </a:solidFill>
+              </a14:hiddenFill>
+            </a:ext>
+          </a:extLst>
+        </p:spPr>
+      </p:pic>
+    </p:spTree>
+    <p:extLst>
+      <p:ext uri="{BB962C8B-B14F-4D97-AF65-F5344CB8AC3E}">
+        <p14:creationId xmlns:p14="http://schemas.microsoft.com/office/powerpoint/2010/main" val="2592434609"/>
+      </p:ext>
+    </p:extLst>
+  </p:cSld>
+  <p:clrMapOvr>
+    <a:masterClrMapping/>
+  </p:clrMapOvr>
+</p:sld>
+</file>
+
+<file path=ppt/slides/slide20.xml><?xml version="1.0" encoding="utf-8"?>
+<p:sld xmlns:a="http://schemas.openxmlformats.org/drawingml/2006/main" xmlns:r="http://schemas.openxmlformats.org/officeDocument/2006/relationships" xmlns:p="http://schemas.openxmlformats.org/presentationml/2006/main">
+  <p:cSld>
+    <p:spTree>
+      <p:nvGrpSpPr>
+        <p:cNvPr id="1" name=""/>
+        <p:cNvGrpSpPr/>
+        <p:nvPr/>
+      </p:nvGrpSpPr>
+      <p:grpSpPr>
+        <a:xfrm>
+          <a:off x="0" y="0"/>
+          <a:ext cx="0" cy="0"/>
+          <a:chOff x="0" y="0"/>
+          <a:chExt cx="0" cy="0"/>
+        </a:xfrm>
+      </p:grpSpPr>
+      <p:sp>
+        <p:nvSpPr>
+          <p:cNvPr id="3" name="Content Placeholder 2"/>
+          <p:cNvSpPr>
+            <a:spLocks noGrp="1"/>
+          </p:cNvSpPr>
+          <p:nvPr>
+            <p:ph idx="1"/>
+          </p:nvPr>
+        </p:nvSpPr>
+        <p:spPr>
+          <a:xfrm>
             <a:off x="847437" y="689552"/>
             <a:ext cx="10515600" cy="760557"/>
           </a:xfrm>
@@ -13014,7 +12993,7 @@
       </p:sp>
       <p:pic>
         <p:nvPicPr>
-          <p:cNvPr id="4" name="Picture 3"/>
+          <p:cNvPr id="2" name="Picture 1"/>
           <p:cNvPicPr>
             <a:picLocks noChangeAspect="1"/>
           </p:cNvPicPr>
@@ -13028,17 +13007,104 @@
         </p:blipFill>
         <p:spPr>
           <a:xfrm>
-            <a:off x="794328" y="2333674"/>
-            <a:ext cx="10884529" cy="2931219"/>
+            <a:off x="646727" y="1509485"/>
+            <a:ext cx="4856273" cy="4814273"/>
           </a:xfrm>
           <a:prstGeom prst="rect">
             <a:avLst/>
           </a:prstGeom>
-          <a:ln w="28575">
-            <a:solidFill>
-              <a:schemeClr val="accent4"/>
-            </a:solidFill>
-          </a:ln>
+        </p:spPr>
+      </p:pic>
+      <p:pic>
+        <p:nvPicPr>
+          <p:cNvPr id="5" name="Picture 4"/>
+          <p:cNvPicPr>
+            <a:picLocks noChangeAspect="1"/>
+          </p:cNvPicPr>
+          <p:nvPr/>
+        </p:nvPicPr>
+        <p:blipFill>
+          <a:blip r:embed="rId3"/>
+          <a:stretch>
+            <a:fillRect/>
+          </a:stretch>
+        </p:blipFill>
+        <p:spPr>
+          <a:xfrm>
+            <a:off x="5914571" y="1573479"/>
+            <a:ext cx="4709886" cy="2502127"/>
+          </a:xfrm>
+          <a:prstGeom prst="rect">
+            <a:avLst/>
+          </a:prstGeom>
+        </p:spPr>
+      </p:pic>
+      <p:sp>
+        <p:nvSpPr>
+          <p:cNvPr id="9" name="Left-Right Arrow 8"/>
+          <p:cNvSpPr/>
+          <p:nvPr/>
+        </p:nvSpPr>
+        <p:spPr>
+          <a:xfrm>
+            <a:off x="7035799" y="3585028"/>
+            <a:ext cx="2467429" cy="246743"/>
+          </a:xfrm>
+          <a:prstGeom prst="leftRightArrow">
+            <a:avLst/>
+          </a:prstGeom>
+        </p:spPr>
+        <p:style>
+          <a:lnRef idx="2">
+            <a:schemeClr val="accent1">
+              <a:shade val="50000"/>
+            </a:schemeClr>
+          </a:lnRef>
+          <a:fillRef idx="1">
+            <a:schemeClr val="accent1"/>
+          </a:fillRef>
+          <a:effectRef idx="0">
+            <a:schemeClr val="accent1"/>
+          </a:effectRef>
+          <a:fontRef idx="minor">
+            <a:schemeClr val="lt1"/>
+          </a:fontRef>
+        </p:style>
+        <p:txBody>
+          <a:bodyPr rtlCol="0" anchor="ctr"/>
+          <a:lstStyle/>
+          <a:p>
+            <a:pPr algn="ctr"/>
+            <a:r>
+              <a:rPr lang="tr-TR" sz="1200" dirty="0"/>
+              <a:t>What makes this difference?</a:t>
+            </a:r>
+            <a:endParaRPr lang="en-US" sz="1200" dirty="0"/>
+          </a:p>
+        </p:txBody>
+      </p:sp>
+      <p:pic>
+        <p:nvPicPr>
+          <p:cNvPr id="11" name="Picture 10"/>
+          <p:cNvPicPr>
+            <a:picLocks noChangeAspect="1"/>
+          </p:cNvPicPr>
+          <p:nvPr/>
+        </p:nvPicPr>
+        <p:blipFill>
+          <a:blip r:embed="rId4"/>
+          <a:stretch>
+            <a:fillRect/>
+          </a:stretch>
+        </p:blipFill>
+        <p:spPr>
+          <a:xfrm>
+            <a:off x="6291941" y="4257033"/>
+            <a:ext cx="4107543" cy="2428770"/>
+          </a:xfrm>
+          <a:prstGeom prst="rect">
+            <a:avLst/>
+          </a:prstGeom>
         </p:spPr>
       </p:pic>
     </p:spTree>
@@ -13061,7 +13127,7 @@
 </p:sld>
 </file>
 
-<file path=ppt/slides/slide28.xml><?xml version="1.0" encoding="utf-8"?>
+<file path=ppt/slides/slide21.xml><?xml version="1.0" encoding="utf-8"?>
 <p:sld xmlns:a="http://schemas.openxmlformats.org/drawingml/2006/main" xmlns:r="http://schemas.openxmlformats.org/officeDocument/2006/relationships" xmlns:p="http://schemas.openxmlformats.org/presentationml/2006/main">
   <p:cSld>
     <p:spTree>
@@ -13835,146 +13901,94 @@
           </a:p>
         </p:txBody>
       </p:sp>
-      <p:grpSp>
-        <p:nvGrpSpPr>
-          <p:cNvPr id="6" name="Group 5"/>
-          <p:cNvGrpSpPr/>
+      <p:sp>
+        <p:nvSpPr>
+          <p:cNvPr id="24" name="Rectangle 23"/>
+          <p:cNvSpPr/>
           <p:nvPr/>
-        </p:nvGrpSpPr>
-        <p:grpSpPr>
-          <a:xfrm>
-            <a:off x="9616637" y="1535087"/>
-            <a:ext cx="2683164" cy="711200"/>
-            <a:chOff x="9765673" y="1666415"/>
-            <a:chExt cx="2683164" cy="711200"/>
-          </a:xfrm>
-        </p:grpSpPr>
-        <p:sp>
-          <p:nvSpPr>
-            <p:cNvPr id="24" name="Rectangle 23"/>
-            <p:cNvSpPr/>
-            <p:nvPr/>
-          </p:nvSpPr>
-          <p:spPr>
-            <a:xfrm>
-              <a:off x="9765673" y="1677229"/>
-              <a:ext cx="711200" cy="692727"/>
-            </a:xfrm>
-            <a:prstGeom prst="rect">
-              <a:avLst/>
-            </a:prstGeom>
+        </p:nvSpPr>
+        <p:spPr>
+          <a:xfrm>
+            <a:off x="9616637" y="1545901"/>
+            <a:ext cx="711200" cy="692727"/>
+          </a:xfrm>
+          <a:prstGeom prst="rect">
+            <a:avLst/>
+          </a:prstGeom>
+          <a:solidFill>
+            <a:schemeClr val="bg1"/>
+          </a:solidFill>
+          <a:ln w="28575">
             <a:solidFill>
-              <a:schemeClr val="bg1"/>
+              <a:schemeClr val="accent4"/>
             </a:solidFill>
-            <a:ln w="28575">
+          </a:ln>
+        </p:spPr>
+        <p:style>
+          <a:lnRef idx="1">
+            <a:schemeClr val="accent2"/>
+          </a:lnRef>
+          <a:fillRef idx="3">
+            <a:schemeClr val="accent2"/>
+          </a:fillRef>
+          <a:effectRef idx="2">
+            <a:schemeClr val="accent2"/>
+          </a:effectRef>
+          <a:fontRef idx="minor">
+            <a:schemeClr val="lt1"/>
+          </a:fontRef>
+        </p:style>
+        <p:txBody>
+          <a:bodyPr rtlCol="0" anchor="ctr"/>
+          <a:lstStyle/>
+          <a:p>
+            <a:pPr algn="ctr"/>
+            <a:endParaRPr lang="en-US" dirty="0">
               <a:solidFill>
-                <a:schemeClr val="accent4"/>
+                <a:srgbClr val="5F5F5F"/>
               </a:solidFill>
-            </a:ln>
-          </p:spPr>
-          <p:style>
-            <a:lnRef idx="1">
-              <a:schemeClr val="accent2"/>
-            </a:lnRef>
-            <a:fillRef idx="3">
-              <a:schemeClr val="accent2"/>
-            </a:fillRef>
-            <a:effectRef idx="2">
-              <a:schemeClr val="accent2"/>
-            </a:effectRef>
-            <a:fontRef idx="minor">
-              <a:schemeClr val="lt1"/>
-            </a:fontRef>
-          </p:style>
-          <p:txBody>
-            <a:bodyPr rtlCol="0" anchor="ctr"/>
-            <a:lstStyle/>
-            <a:p>
-              <a:pPr algn="ctr"/>
-              <a:endParaRPr lang="en-US" dirty="0"/>
-            </a:p>
-          </p:txBody>
-        </p:sp>
-        <p:sp>
-          <p:nvSpPr>
-            <p:cNvPr id="27" name="TextBox 26"/>
-            <p:cNvSpPr txBox="1"/>
-            <p:nvPr/>
-          </p:nvSpPr>
-          <p:spPr>
-            <a:xfrm>
-              <a:off x="10476873" y="1704998"/>
-              <a:ext cx="1971964" cy="369332"/>
-            </a:xfrm>
-            <a:prstGeom prst="rect">
-              <a:avLst/>
-            </a:prstGeom>
-            <a:noFill/>
-          </p:spPr>
-          <p:txBody>
-            <a:bodyPr wrap="square" rtlCol="0">
-              <a:spAutoFit/>
-            </a:bodyPr>
-            <a:lstStyle/>
-            <a:p>
-              <a:r>
-                <a:rPr lang="en-US" b="1" dirty="0" smtClean="0">
-                  <a:solidFill>
-                    <a:schemeClr val="tx2"/>
-                  </a:solidFill>
-                </a:rPr>
-                <a:t>Continues</a:t>
-              </a:r>
-              <a:endParaRPr lang="en-US" b="1" dirty="0">
+            </a:endParaRPr>
+          </a:p>
+        </p:txBody>
+      </p:sp>
+      <p:sp>
+        <p:nvSpPr>
+          <p:cNvPr id="27" name="TextBox 26"/>
+          <p:cNvSpPr txBox="1"/>
+          <p:nvPr/>
+        </p:nvSpPr>
+        <p:spPr>
+          <a:xfrm>
+            <a:off x="10327837" y="1573670"/>
+            <a:ext cx="1971964" cy="369332"/>
+          </a:xfrm>
+          <a:prstGeom prst="rect">
+            <a:avLst/>
+          </a:prstGeom>
+          <a:noFill/>
+        </p:spPr>
+        <p:txBody>
+          <a:bodyPr wrap="square" rtlCol="0">
+            <a:spAutoFit/>
+          </a:bodyPr>
+          <a:lstStyle/>
+          <a:p>
+            <a:r>
+              <a:rPr lang="en-US" b="1" dirty="0" smtClean="0">
                 <a:solidFill>
                   <a:schemeClr val="tx2"/>
                 </a:solidFill>
-              </a:endParaRPr>
-            </a:p>
-          </p:txBody>
-        </p:sp>
-        <p:pic>
-          <p:nvPicPr>
-            <p:cNvPr id="28" name="Picture 2" descr="Multiple Choice Icon #409237 - Free Icons Library"/>
-            <p:cNvPicPr>
-              <a:picLocks noChangeAspect="1" noChangeArrowheads="1"/>
-            </p:cNvPicPr>
-            <p:nvPr/>
-          </p:nvPicPr>
-          <p:blipFill>
-            <a:blip r:embed="rId2" cstate="print">
-              <a:extLst>
-                <a:ext uri="{28A0092B-C50C-407E-A947-70E740481C1C}">
-                  <a14:useLocalDpi xmlns:a14="http://schemas.microsoft.com/office/drawing/2010/main" val="0"/>
-                </a:ext>
-              </a:extLst>
-            </a:blip>
-            <a:srcRect/>
-            <a:stretch>
-              <a:fillRect/>
-            </a:stretch>
-          </p:blipFill>
-          <p:spPr bwMode="auto">
-            <a:xfrm>
-              <a:off x="9765673" y="1666415"/>
-              <a:ext cx="711200" cy="711200"/>
-            </a:xfrm>
-            <a:prstGeom prst="rect">
-              <a:avLst/>
-            </a:prstGeom>
-            <a:noFill/>
-            <a:extLst>
-              <a:ext uri="{909E8E84-426E-40DD-AFC4-6F175D3DCCD1}">
-                <a14:hiddenFill xmlns:a14="http://schemas.microsoft.com/office/drawing/2010/main">
-                  <a:solidFill>
-                    <a:srgbClr val="FFFFFF"/>
-                  </a:solidFill>
-                </a14:hiddenFill>
-              </a:ext>
-            </a:extLst>
-          </p:spPr>
-        </p:pic>
-      </p:grpSp>
+              </a:rPr>
+              <a:t>Continues</a:t>
+            </a:r>
+            <a:endParaRPr lang="en-US" b="1" dirty="0">
+              <a:solidFill>
+                <a:schemeClr val="tx2"/>
+              </a:solidFill>
+            </a:endParaRPr>
+          </a:p>
+        </p:txBody>
+      </p:sp>
       <p:pic>
         <p:nvPicPr>
           <p:cNvPr id="7" name="Picture 6"/>
@@ -13983,30 +13997,19 @@
           </p:cNvPicPr>
           <p:nvPr/>
         </p:nvPicPr>
-        <p:blipFill>
+        <p:blipFill rotWithShape="1">
           <a:blip r:embed="rId4"/>
-          <a:stretch>
-            <a:fillRect/>
-          </a:stretch>
+          <a:srcRect b="56317"/>
+          <a:stretch/>
         </p:blipFill>
         <p:spPr>
           <a:xfrm>
-            <a:off x="355089" y="2570252"/>
-            <a:ext cx="4573578" cy="2251983"/>
+            <a:off x="327976" y="2601286"/>
+            <a:ext cx="4573578" cy="983743"/>
           </a:xfrm>
           <a:prstGeom prst="rect">
             <a:avLst/>
           </a:prstGeom>
-          <a:ln>
-            <a:noFill/>
-          </a:ln>
-          <a:effectLst>
-            <a:outerShdw blurRad="292100" dist="139700" dir="2700000" algn="tl" rotWithShape="0">
-              <a:srgbClr val="333333">
-                <a:alpha val="65000"/>
-              </a:srgbClr>
-            </a:outerShdw>
-          </a:effectLst>
         </p:spPr>
       </p:pic>
       <p:pic>
@@ -14025,7 +14028,7 @@
         </p:blipFill>
         <p:spPr>
           <a:xfrm>
-            <a:off x="7360231" y="3157085"/>
+            <a:off x="7244544" y="2786970"/>
             <a:ext cx="4744185" cy="2944413"/>
           </a:xfrm>
           <a:prstGeom prst="rect">
@@ -14059,8 +14062,8 @@
         </p:blipFill>
         <p:spPr>
           <a:xfrm>
-            <a:off x="355089" y="5248700"/>
-            <a:ext cx="6847293" cy="1431509"/>
+            <a:off x="327976" y="5125620"/>
+            <a:ext cx="6399395" cy="1431509"/>
           </a:xfrm>
           <a:prstGeom prst="rect">
             <a:avLst/>
@@ -14075,6 +14078,87 @@
               </a:srgbClr>
             </a:outerShdw>
           </a:effectLst>
+        </p:spPr>
+      </p:pic>
+      <p:sp>
+        <p:nvSpPr>
+          <p:cNvPr id="36" name="Rectangle 35"/>
+          <p:cNvSpPr/>
+          <p:nvPr/>
+        </p:nvSpPr>
+        <p:spPr>
+          <a:xfrm>
+            <a:off x="9814771" y="1712685"/>
+            <a:ext cx="256096" cy="320761"/>
+          </a:xfrm>
+          <a:prstGeom prst="rect">
+            <a:avLst/>
+          </a:prstGeom>
+          <a:solidFill>
+            <a:schemeClr val="bg1"/>
+          </a:solidFill>
+          <a:ln w="28575">
+            <a:solidFill>
+              <a:schemeClr val="accent4"/>
+            </a:solidFill>
+          </a:ln>
+        </p:spPr>
+        <p:style>
+          <a:lnRef idx="1">
+            <a:schemeClr val="accent2"/>
+          </a:lnRef>
+          <a:fillRef idx="3">
+            <a:schemeClr val="accent2"/>
+          </a:fillRef>
+          <a:effectRef idx="2">
+            <a:schemeClr val="accent2"/>
+          </a:effectRef>
+          <a:fontRef idx="minor">
+            <a:schemeClr val="lt1"/>
+          </a:fontRef>
+        </p:style>
+        <p:txBody>
+          <a:bodyPr rtlCol="0" anchor="ctr"/>
+          <a:lstStyle/>
+          <a:p>
+            <a:pPr algn="ctr"/>
+            <a:r>
+              <a:rPr lang="tr-TR" sz="2400" dirty="0" smtClean="0">
+                <a:solidFill>
+                  <a:srgbClr val="5F5F5F"/>
+                </a:solidFill>
+              </a:rPr>
+              <a:t>5</a:t>
+            </a:r>
+            <a:endParaRPr lang="en-US" dirty="0">
+              <a:solidFill>
+                <a:srgbClr val="5F5F5F"/>
+              </a:solidFill>
+            </a:endParaRPr>
+          </a:p>
+        </p:txBody>
+      </p:sp>
+      <p:pic>
+        <p:nvPicPr>
+          <p:cNvPr id="37" name="Picture 36"/>
+          <p:cNvPicPr>
+            <a:picLocks noChangeAspect="1"/>
+          </p:cNvPicPr>
+          <p:nvPr/>
+        </p:nvPicPr>
+        <p:blipFill rotWithShape="1">
+          <a:blip r:embed="rId4"/>
+          <a:srcRect t="67728"/>
+          <a:stretch/>
+        </p:blipFill>
+        <p:spPr>
+          <a:xfrm>
+            <a:off x="327976" y="3464567"/>
+            <a:ext cx="4735721" cy="726753"/>
+          </a:xfrm>
+          <a:prstGeom prst="rect">
+            <a:avLst/>
+          </a:prstGeom>
         </p:spPr>
       </p:pic>
     </p:spTree>
@@ -14180,7 +14264,7 @@
         <p:spPr>
           <a:xfrm>
             <a:off x="2198255" y="2576946"/>
-            <a:ext cx="6825672" cy="3354765"/>
+            <a:ext cx="6825672" cy="2616101"/>
           </a:xfrm>
           <a:prstGeom prst="rect">
             <a:avLst/>
@@ -14264,12 +14348,12 @@
               <a:buChar char="•"/>
             </a:pPr>
             <a:r>
-              <a:rPr lang="tr-TR" sz="2400" dirty="0" err="1">
+              <a:rPr lang="tr-TR" sz="2400" dirty="0" smtClean="0">
                 <a:solidFill>
                   <a:schemeClr val="tx2"/>
                 </a:solidFill>
               </a:rPr>
-              <a:t>Job</a:t>
+              <a:t>Technologies </a:t>
             </a:r>
             <a:r>
               <a:rPr lang="tr-TR" sz="2400" dirty="0">
@@ -14277,83 +14361,8 @@
                   <a:schemeClr val="tx2"/>
                 </a:solidFill>
               </a:rPr>
-              <a:t> </a:t>
-            </a:r>
-            <a:r>
-              <a:rPr lang="tr-TR" sz="2400" dirty="0" err="1">
-                <a:solidFill>
-                  <a:schemeClr val="tx2"/>
-                </a:solidFill>
-              </a:rPr>
-              <a:t>search</a:t>
-            </a:r>
-            <a:endParaRPr lang="tr-TR" sz="2400" dirty="0">
-              <a:solidFill>
-                <a:schemeClr val="tx2"/>
-              </a:solidFill>
-            </a:endParaRPr>
-          </a:p>
-          <a:p>
-            <a:pPr marL="742950" lvl="1" indent="-285750">
-              <a:buFont typeface="Arial" panose="020B0604020202020204" pitchFamily="34" charset="0"/>
-              <a:buChar char="•"/>
-            </a:pPr>
-            <a:r>
-              <a:rPr lang="tr-TR" sz="2400" dirty="0" err="1">
-                <a:solidFill>
-                  <a:schemeClr val="tx2"/>
-                </a:solidFill>
-              </a:rPr>
-              <a:t>Job</a:t>
-            </a:r>
-            <a:r>
-              <a:rPr lang="tr-TR" sz="2400" dirty="0">
-                <a:solidFill>
-                  <a:schemeClr val="tx2"/>
-                </a:solidFill>
-              </a:rPr>
-              <a:t> </a:t>
-            </a:r>
-            <a:r>
-              <a:rPr lang="tr-TR" sz="2400" dirty="0" err="1">
-                <a:solidFill>
-                  <a:schemeClr val="tx2"/>
-                </a:solidFill>
-              </a:rPr>
-              <a:t>satisfaction</a:t>
-            </a:r>
-            <a:endParaRPr lang="tr-TR" sz="2400" dirty="0">
-              <a:solidFill>
-                <a:schemeClr val="tx2"/>
-              </a:solidFill>
-            </a:endParaRPr>
-          </a:p>
-          <a:p>
-            <a:pPr marL="742950" lvl="1" indent="-285750">
-              <a:buFont typeface="Arial" panose="020B0604020202020204" pitchFamily="34" charset="0"/>
-              <a:buChar char="•"/>
-            </a:pPr>
-            <a:r>
-              <a:rPr lang="tr-TR" sz="2400" dirty="0">
-                <a:solidFill>
-                  <a:schemeClr val="tx2"/>
-                </a:solidFill>
-              </a:rPr>
-              <a:t>Technologies </a:t>
-            </a:r>
-            <a:r>
-              <a:rPr lang="tr-TR" sz="2400" dirty="0" err="1">
-                <a:solidFill>
-                  <a:schemeClr val="tx2"/>
-                </a:solidFill>
-              </a:rPr>
               <a:t>WorkedWith</a:t>
             </a:r>
-            <a:endParaRPr lang="tr-TR" sz="2400" dirty="0">
-              <a:solidFill>
-                <a:schemeClr val="tx2"/>
-              </a:solidFill>
-            </a:endParaRPr>
           </a:p>
           <a:p>
             <a:pPr marL="742950" lvl="1" indent="-285750">
@@ -14443,12 +14452,12 @@
               <a:t>Professional Developer </a:t>
             </a:r>
             <a:r>
-              <a:rPr lang="en-US" sz="3600" b="1" dirty="0" err="1">
+              <a:rPr lang="en-US" sz="3600" b="1" dirty="0" smtClean="0">
                 <a:solidFill>
                   <a:schemeClr val="tx2"/>
                 </a:solidFill>
               </a:rPr>
-              <a:t>Compantsations</a:t>
+              <a:t>Compensations </a:t>
             </a:r>
             <a:r>
               <a:rPr lang="en-US" sz="3600" b="1" dirty="0">
@@ -14456,7 +14465,7 @@
                   <a:schemeClr val="tx2"/>
                 </a:solidFill>
               </a:rPr>
-              <a:t> by Country</a:t>
+              <a:t>by Country</a:t>
             </a:r>
             <a:br>
               <a:rPr lang="en-US" sz="3600" b="1" dirty="0">
@@ -14545,105 +14554,15 @@
           <a:lstStyle/>
           <a:p>
             <a:r>
-              <a:rPr lang="tr-TR" sz="1800" b="1" dirty="0" err="1">
+              <a:rPr lang="en-US" sz="1800" b="1" dirty="0" smtClean="0">
                 <a:solidFill>
                   <a:schemeClr val="tx2"/>
                 </a:solidFill>
                 <a:latin typeface="+mj-lt"/>
               </a:rPr>
-              <a:t>Median</a:t>
-            </a:r>
-            <a:r>
-              <a:rPr lang="tr-TR" sz="1800" b="1" dirty="0">
-                <a:solidFill>
-                  <a:schemeClr val="tx2"/>
-                </a:solidFill>
-                <a:latin typeface="+mj-lt"/>
-              </a:rPr>
-              <a:t> </a:t>
-            </a:r>
-            <a:r>
-              <a:rPr lang="tr-TR" sz="1800" b="1" dirty="0" err="1">
-                <a:solidFill>
-                  <a:schemeClr val="tx2"/>
-                </a:solidFill>
-                <a:latin typeface="+mj-lt"/>
-              </a:rPr>
-              <a:t>salary</a:t>
-            </a:r>
-            <a:r>
-              <a:rPr lang="tr-TR" sz="1800" b="1" dirty="0">
-                <a:solidFill>
-                  <a:schemeClr val="tx2"/>
-                </a:solidFill>
-                <a:latin typeface="+mj-lt"/>
-              </a:rPr>
-              <a:t> in United </a:t>
-            </a:r>
-            <a:r>
-              <a:rPr lang="tr-TR" sz="1800" b="1" dirty="0" err="1">
-                <a:solidFill>
-                  <a:schemeClr val="tx2"/>
-                </a:solidFill>
-                <a:latin typeface="+mj-lt"/>
-              </a:rPr>
-              <a:t>States</a:t>
-            </a:r>
-            <a:r>
-              <a:rPr lang="tr-TR" sz="1800" b="1" dirty="0">
-                <a:solidFill>
-                  <a:schemeClr val="tx2"/>
-                </a:solidFill>
-                <a:latin typeface="+mj-lt"/>
-              </a:rPr>
-              <a:t> is +50% </a:t>
-            </a:r>
-            <a:r>
-              <a:rPr lang="tr-TR" sz="1800" b="1" dirty="0" err="1">
-                <a:solidFill>
-                  <a:schemeClr val="tx2"/>
-                </a:solidFill>
-                <a:latin typeface="+mj-lt"/>
-              </a:rPr>
-              <a:t>than</a:t>
-            </a:r>
-            <a:r>
-              <a:rPr lang="tr-TR" sz="1800" b="1" dirty="0">
-                <a:solidFill>
-                  <a:schemeClr val="tx2"/>
-                </a:solidFill>
-                <a:latin typeface="+mj-lt"/>
-              </a:rPr>
-              <a:t> </a:t>
-            </a:r>
-            <a:r>
-              <a:rPr lang="tr-TR" sz="1800" b="1" dirty="0" err="1">
-                <a:solidFill>
-                  <a:schemeClr val="tx2"/>
-                </a:solidFill>
-                <a:latin typeface="+mj-lt"/>
-              </a:rPr>
-              <a:t>other</a:t>
-            </a:r>
-            <a:r>
-              <a:rPr lang="tr-TR" sz="1800" b="1" dirty="0">
-                <a:solidFill>
-                  <a:schemeClr val="tx2"/>
-                </a:solidFill>
-                <a:latin typeface="+mj-lt"/>
-              </a:rPr>
-              <a:t> </a:t>
-            </a:r>
-            <a:r>
-              <a:rPr lang="tr-TR" sz="1800" b="1" dirty="0" err="1">
-                <a:solidFill>
-                  <a:schemeClr val="tx2"/>
-                </a:solidFill>
-                <a:latin typeface="+mj-lt"/>
-              </a:rPr>
-              <a:t>countries</a:t>
-            </a:r>
-            <a:endParaRPr lang="tr-TR" sz="1800" b="1" dirty="0">
+              <a:t>Median salary in United States is +50% than other countries</a:t>
+            </a:r>
+            <a:endParaRPr lang="en-US" sz="1800" b="1" dirty="0">
               <a:solidFill>
                 <a:schemeClr val="tx2"/>
               </a:solidFill>
@@ -14737,12 +14656,12 @@
               <a:t>Professional Developer </a:t>
             </a:r>
             <a:r>
-              <a:rPr lang="en-US" sz="3600" b="1" dirty="0" err="1">
+              <a:rPr lang="en-US" sz="3600" b="1" dirty="0" smtClean="0">
                 <a:solidFill>
                   <a:schemeClr val="tx2"/>
                 </a:solidFill>
               </a:rPr>
-              <a:t>Compantsations</a:t>
+              <a:t>Compensations </a:t>
             </a:r>
             <a:r>
               <a:rPr lang="en-US" sz="3600" b="1" dirty="0">
@@ -14750,7 +14669,7 @@
                   <a:schemeClr val="tx2"/>
                 </a:solidFill>
               </a:rPr>
-              <a:t> by </a:t>
+              <a:t>by </a:t>
             </a:r>
             <a:r>
               <a:rPr lang="en-US" sz="3600" b="1" dirty="0" err="1">
@@ -14816,149 +14735,20 @@
           <a:lstStyle/>
           <a:p>
             <a:r>
-              <a:rPr lang="tr-TR" sz="1800" b="1" dirty="0" err="1">
+              <a:rPr lang="en-US" sz="1800" b="1" dirty="0" smtClean="0">
                 <a:solidFill>
                   <a:schemeClr val="tx2"/>
                 </a:solidFill>
                 <a:latin typeface="+mj-lt"/>
               </a:rPr>
-              <a:t>Compensation</a:t>
-            </a:r>
-            <a:r>
-              <a:rPr lang="tr-TR" sz="1800" b="1" dirty="0">
-                <a:solidFill>
-                  <a:schemeClr val="tx2"/>
-                </a:solidFill>
-                <a:latin typeface="+mj-lt"/>
-              </a:rPr>
-              <a:t> </a:t>
-            </a:r>
-            <a:r>
-              <a:rPr lang="tr-TR" sz="1800" b="1" dirty="0" err="1">
-                <a:solidFill>
-                  <a:schemeClr val="tx2"/>
-                </a:solidFill>
-                <a:latin typeface="+mj-lt"/>
-              </a:rPr>
-              <a:t>increase</a:t>
-            </a:r>
-            <a:r>
-              <a:rPr lang="tr-TR" sz="1800" b="1" dirty="0">
-                <a:solidFill>
-                  <a:schemeClr val="tx2"/>
-                </a:solidFill>
-                <a:latin typeface="+mj-lt"/>
-              </a:rPr>
-              <a:t> </a:t>
-            </a:r>
-            <a:r>
-              <a:rPr lang="tr-TR" sz="1800" b="1" dirty="0" err="1">
-                <a:solidFill>
-                  <a:schemeClr val="tx2"/>
-                </a:solidFill>
-                <a:latin typeface="+mj-lt"/>
-              </a:rPr>
-              <a:t>reach</a:t>
-            </a:r>
-            <a:r>
-              <a:rPr lang="tr-TR" sz="1800" b="1" dirty="0">
-                <a:solidFill>
-                  <a:schemeClr val="tx2"/>
-                </a:solidFill>
-                <a:latin typeface="+mj-lt"/>
-              </a:rPr>
-              <a:t> </a:t>
-            </a:r>
-            <a:r>
-              <a:rPr lang="tr-TR" sz="1800" b="1" dirty="0" err="1">
-                <a:solidFill>
-                  <a:schemeClr val="tx2"/>
-                </a:solidFill>
-                <a:latin typeface="+mj-lt"/>
-              </a:rPr>
-              <a:t>its</a:t>
-            </a:r>
-            <a:r>
-              <a:rPr lang="tr-TR" sz="1800" b="1" dirty="0">
-                <a:solidFill>
-                  <a:schemeClr val="tx2"/>
-                </a:solidFill>
-                <a:latin typeface="+mj-lt"/>
-              </a:rPr>
-              <a:t> </a:t>
-            </a:r>
-            <a:r>
-              <a:rPr lang="tr-TR" sz="1800" b="1" dirty="0" err="1">
-                <a:solidFill>
-                  <a:schemeClr val="tx2"/>
-                </a:solidFill>
-                <a:latin typeface="+mj-lt"/>
-              </a:rPr>
-              <a:t>steady</a:t>
-            </a:r>
-            <a:r>
-              <a:rPr lang="tr-TR" sz="1800" b="1" dirty="0">
-                <a:solidFill>
-                  <a:schemeClr val="tx2"/>
-                </a:solidFill>
-                <a:latin typeface="+mj-lt"/>
-              </a:rPr>
-              <a:t> </a:t>
-            </a:r>
-            <a:r>
-              <a:rPr lang="tr-TR" sz="1800" b="1" dirty="0" err="1">
-                <a:solidFill>
-                  <a:schemeClr val="tx2"/>
-                </a:solidFill>
-                <a:latin typeface="+mj-lt"/>
-              </a:rPr>
-              <a:t>state</a:t>
-            </a:r>
-            <a:r>
-              <a:rPr lang="tr-TR" sz="1800" b="1" dirty="0">
-                <a:solidFill>
-                  <a:schemeClr val="tx2"/>
-                </a:solidFill>
-                <a:latin typeface="+mj-lt"/>
-              </a:rPr>
-              <a:t> </a:t>
-            </a:r>
-            <a:r>
-              <a:rPr lang="tr-TR" sz="1800" b="1" dirty="0" err="1">
-                <a:solidFill>
-                  <a:schemeClr val="tx2"/>
-                </a:solidFill>
-                <a:latin typeface="+mj-lt"/>
-              </a:rPr>
-              <a:t>after</a:t>
-            </a:r>
-            <a:r>
-              <a:rPr lang="tr-TR" sz="1800" b="1" dirty="0">
-                <a:solidFill>
-                  <a:schemeClr val="tx2"/>
-                </a:solidFill>
-                <a:latin typeface="+mj-lt"/>
-              </a:rPr>
-              <a:t> 12 </a:t>
-            </a:r>
-            <a:r>
-              <a:rPr lang="tr-TR" sz="1800" b="1" dirty="0" err="1">
-                <a:solidFill>
-                  <a:schemeClr val="tx2"/>
-                </a:solidFill>
-                <a:latin typeface="+mj-lt"/>
-              </a:rPr>
-              <a:t>years</a:t>
-            </a:r>
-            <a:r>
-              <a:rPr lang="tr-TR" sz="1800" b="1" dirty="0">
-                <a:solidFill>
-                  <a:schemeClr val="tx2"/>
-                </a:solidFill>
-                <a:latin typeface="+mj-lt"/>
-              </a:rPr>
-              <a:t>.</a:t>
-            </a:r>
+              <a:t>Compensation increase reach its steady state after 12 years.</a:t>
+            </a:r>
+            <a:endParaRPr lang="en-US" sz="1800" b="1" dirty="0">
+              <a:solidFill>
+                <a:schemeClr val="tx2"/>
+              </a:solidFill>
+              <a:latin typeface="+mj-lt"/>
+            </a:endParaRPr>
           </a:p>
         </p:txBody>
       </p:sp>
@@ -15068,12 +14858,12 @@
               <a:t>Professional Developer </a:t>
             </a:r>
             <a:r>
-              <a:rPr lang="en-US" sz="3200" b="1" dirty="0" err="1">
+              <a:rPr lang="en-US" sz="3200" b="1" dirty="0" smtClean="0">
                 <a:solidFill>
                   <a:schemeClr val="tx2"/>
                 </a:solidFill>
               </a:rPr>
-              <a:t>Compantsations</a:t>
+              <a:t>Compensations </a:t>
             </a:r>
             <a:r>
               <a:rPr lang="en-US" sz="3200" b="1" dirty="0">
@@ -15081,7 +14871,7 @@
                   <a:schemeClr val="tx2"/>
                 </a:solidFill>
               </a:rPr>
-              <a:t> by Education Level</a:t>
+              <a:t>by Education Level</a:t>
             </a:r>
             <a:endParaRPr lang="tr-TR" sz="3200" b="1" dirty="0">
               <a:solidFill>
@@ -15163,128 +14953,218 @@
           <a:lstStyle/>
           <a:p>
             <a:r>
-              <a:rPr lang="tr-TR" sz="1800" b="1" dirty="0" err="1">
+              <a:rPr lang="en-US" sz="1800" b="1" dirty="0" smtClean="0">
                 <a:solidFill>
                   <a:schemeClr val="tx2"/>
                 </a:solidFill>
                 <a:latin typeface="+mj-lt"/>
               </a:rPr>
-              <a:t>Education</a:t>
-            </a:r>
-            <a:r>
-              <a:rPr lang="tr-TR" sz="1800" b="1" dirty="0">
-                <a:solidFill>
-                  <a:schemeClr val="tx2"/>
-                </a:solidFill>
-                <a:latin typeface="+mj-lt"/>
-              </a:rPr>
-              <a:t> </a:t>
-            </a:r>
-            <a:r>
-              <a:rPr lang="tr-TR" sz="1800" b="1" dirty="0" err="1">
-                <a:solidFill>
-                  <a:schemeClr val="tx2"/>
-                </a:solidFill>
-                <a:latin typeface="+mj-lt"/>
-              </a:rPr>
-              <a:t>level</a:t>
-            </a:r>
-            <a:r>
-              <a:rPr lang="tr-TR" sz="1800" b="1" dirty="0">
-                <a:solidFill>
-                  <a:schemeClr val="tx2"/>
-                </a:solidFill>
-                <a:latin typeface="+mj-lt"/>
-              </a:rPr>
-              <a:t> </a:t>
-            </a:r>
-            <a:r>
-              <a:rPr lang="tr-TR" sz="1800" b="1" dirty="0" err="1">
-                <a:solidFill>
-                  <a:schemeClr val="tx2"/>
-                </a:solidFill>
-                <a:latin typeface="+mj-lt"/>
-              </a:rPr>
-              <a:t>increase</a:t>
-            </a:r>
-            <a:r>
-              <a:rPr lang="tr-TR" sz="1800" b="1" dirty="0">
-                <a:solidFill>
-                  <a:schemeClr val="tx2"/>
-                </a:solidFill>
-                <a:latin typeface="+mj-lt"/>
-              </a:rPr>
-              <a:t> is </a:t>
-            </a:r>
-            <a:r>
-              <a:rPr lang="tr-TR" sz="1800" b="1" dirty="0" err="1">
-                <a:solidFill>
-                  <a:schemeClr val="tx2"/>
-                </a:solidFill>
-                <a:latin typeface="+mj-lt"/>
-              </a:rPr>
-              <a:t>propotional</a:t>
-            </a:r>
-            <a:r>
-              <a:rPr lang="tr-TR" sz="1800" b="1" dirty="0">
-                <a:solidFill>
-                  <a:schemeClr val="tx2"/>
-                </a:solidFill>
-                <a:latin typeface="+mj-lt"/>
-              </a:rPr>
-              <a:t> </a:t>
-            </a:r>
-            <a:r>
-              <a:rPr lang="tr-TR" sz="1800" b="1" dirty="0" err="1">
-                <a:solidFill>
-                  <a:schemeClr val="tx2"/>
-                </a:solidFill>
-                <a:latin typeface="+mj-lt"/>
-              </a:rPr>
-              <a:t>to</a:t>
-            </a:r>
-            <a:r>
-              <a:rPr lang="tr-TR" sz="1800" b="1" dirty="0">
-                <a:solidFill>
-                  <a:schemeClr val="tx2"/>
-                </a:solidFill>
-                <a:latin typeface="+mj-lt"/>
-              </a:rPr>
-              <a:t> </a:t>
-            </a:r>
-            <a:r>
-              <a:rPr lang="tr-TR" sz="1800" b="1" dirty="0" err="1">
-                <a:solidFill>
-                  <a:schemeClr val="tx2"/>
-                </a:solidFill>
-                <a:latin typeface="+mj-lt"/>
-              </a:rPr>
-              <a:t>increase</a:t>
-            </a:r>
-            <a:r>
-              <a:rPr lang="tr-TR" sz="1800" b="1" dirty="0">
-                <a:solidFill>
-                  <a:schemeClr val="tx2"/>
-                </a:solidFill>
-                <a:latin typeface="+mj-lt"/>
-              </a:rPr>
-              <a:t> in </a:t>
-            </a:r>
-            <a:r>
-              <a:rPr lang="tr-TR" sz="1800" b="1" dirty="0" err="1">
-                <a:solidFill>
-                  <a:schemeClr val="tx2"/>
-                </a:solidFill>
-                <a:latin typeface="+mj-lt"/>
-              </a:rPr>
-              <a:t>compensation</a:t>
-            </a:r>
-            <a:endParaRPr lang="tr-TR" sz="1800" b="1" dirty="0">
+              <a:t>Education level increase is proportional to increase in compensation</a:t>
+            </a:r>
+            <a:endParaRPr lang="en-US" sz="1800" b="1" dirty="0">
               <a:solidFill>
                 <a:schemeClr val="tx2"/>
               </a:solidFill>
               <a:latin typeface="+mj-lt"/>
             </a:endParaRPr>
+          </a:p>
+        </p:txBody>
+      </p:sp>
+      <p:cxnSp>
+        <p:nvCxnSpPr>
+          <p:cNvPr id="10" name="Straight Arrow Connector 9"/>
+          <p:cNvCxnSpPr/>
+          <p:nvPr/>
+        </p:nvCxnSpPr>
+        <p:spPr>
+          <a:xfrm flipV="1">
+            <a:off x="3083168" y="4367012"/>
+            <a:ext cx="312616" cy="158096"/>
+          </a:xfrm>
+          <a:prstGeom prst="straightConnector1">
+            <a:avLst/>
+          </a:prstGeom>
+          <a:ln w="38100">
+            <a:solidFill>
+              <a:srgbClr val="002060"/>
+            </a:solidFill>
+            <a:tailEnd type="triangle"/>
+          </a:ln>
+        </p:spPr>
+        <p:style>
+          <a:lnRef idx="1">
+            <a:schemeClr val="accent1"/>
+          </a:lnRef>
+          <a:fillRef idx="0">
+            <a:schemeClr val="accent1"/>
+          </a:fillRef>
+          <a:effectRef idx="0">
+            <a:schemeClr val="accent1"/>
+          </a:effectRef>
+          <a:fontRef idx="minor">
+            <a:schemeClr val="tx1"/>
+          </a:fontRef>
+        </p:style>
+      </p:cxnSp>
+      <p:sp>
+        <p:nvSpPr>
+          <p:cNvPr id="12" name="TextBox 11"/>
+          <p:cNvSpPr txBox="1"/>
+          <p:nvPr/>
+        </p:nvSpPr>
+        <p:spPr>
+          <a:xfrm>
+            <a:off x="2947569" y="3997680"/>
+            <a:ext cx="583814" cy="369332"/>
+          </a:xfrm>
+          <a:prstGeom prst="rect">
+            <a:avLst/>
+          </a:prstGeom>
+          <a:noFill/>
+        </p:spPr>
+        <p:txBody>
+          <a:bodyPr wrap="none" rtlCol="0">
+            <a:spAutoFit/>
+          </a:bodyPr>
+          <a:lstStyle/>
+          <a:p>
+            <a:r>
+              <a:rPr lang="tr-TR" dirty="0" smtClean="0"/>
+              <a:t>17%</a:t>
+            </a:r>
+            <a:endParaRPr lang="en-US" dirty="0"/>
+          </a:p>
+        </p:txBody>
+      </p:sp>
+      <p:cxnSp>
+        <p:nvCxnSpPr>
+          <p:cNvPr id="13" name="Straight Arrow Connector 12"/>
+          <p:cNvCxnSpPr/>
+          <p:nvPr/>
+        </p:nvCxnSpPr>
+        <p:spPr>
+          <a:xfrm flipV="1">
+            <a:off x="5302213" y="4182346"/>
+            <a:ext cx="350521" cy="61629"/>
+          </a:xfrm>
+          <a:prstGeom prst="straightConnector1">
+            <a:avLst/>
+          </a:prstGeom>
+          <a:ln w="38100">
+            <a:solidFill>
+              <a:srgbClr val="002060"/>
+            </a:solidFill>
+            <a:tailEnd type="triangle"/>
+          </a:ln>
+        </p:spPr>
+        <p:style>
+          <a:lnRef idx="1">
+            <a:schemeClr val="accent1"/>
+          </a:lnRef>
+          <a:fillRef idx="0">
+            <a:schemeClr val="accent1"/>
+          </a:fillRef>
+          <a:effectRef idx="0">
+            <a:schemeClr val="accent1"/>
+          </a:effectRef>
+          <a:fontRef idx="minor">
+            <a:schemeClr val="tx1"/>
+          </a:fontRef>
+        </p:style>
+      </p:cxnSp>
+      <p:sp>
+        <p:nvSpPr>
+          <p:cNvPr id="14" name="TextBox 13"/>
+          <p:cNvSpPr txBox="1"/>
+          <p:nvPr/>
+        </p:nvSpPr>
+        <p:spPr>
+          <a:xfrm>
+            <a:off x="5177519" y="3820830"/>
+            <a:ext cx="583814" cy="369332"/>
+          </a:xfrm>
+          <a:prstGeom prst="rect">
+            <a:avLst/>
+          </a:prstGeom>
+          <a:noFill/>
+        </p:spPr>
+        <p:txBody>
+          <a:bodyPr wrap="none" rtlCol="0">
+            <a:spAutoFit/>
+          </a:bodyPr>
+          <a:lstStyle/>
+          <a:p>
+            <a:r>
+              <a:rPr lang="tr-TR" dirty="0" smtClean="0"/>
+              <a:t>13%</a:t>
+            </a:r>
+            <a:endParaRPr lang="en-US" dirty="0"/>
+          </a:p>
+        </p:txBody>
+      </p:sp>
+      <p:cxnSp>
+        <p:nvCxnSpPr>
+          <p:cNvPr id="15" name="Straight Arrow Connector 14"/>
+          <p:cNvCxnSpPr/>
+          <p:nvPr/>
+        </p:nvCxnSpPr>
+        <p:spPr>
+          <a:xfrm flipV="1">
+            <a:off x="7596554" y="3874422"/>
+            <a:ext cx="257908" cy="157456"/>
+          </a:xfrm>
+          <a:prstGeom prst="straightConnector1">
+            <a:avLst/>
+          </a:prstGeom>
+          <a:ln w="38100">
+            <a:solidFill>
+              <a:srgbClr val="002060"/>
+            </a:solidFill>
+            <a:tailEnd type="triangle"/>
+          </a:ln>
+        </p:spPr>
+        <p:style>
+          <a:lnRef idx="1">
+            <a:schemeClr val="accent1"/>
+          </a:lnRef>
+          <a:fillRef idx="0">
+            <a:schemeClr val="accent1"/>
+          </a:fillRef>
+          <a:effectRef idx="0">
+            <a:schemeClr val="accent1"/>
+          </a:effectRef>
+          <a:fontRef idx="minor">
+            <a:schemeClr val="tx1"/>
+          </a:fontRef>
+        </p:style>
+      </p:cxnSp>
+      <p:sp>
+        <p:nvSpPr>
+          <p:cNvPr id="16" name="TextBox 15"/>
+          <p:cNvSpPr txBox="1"/>
+          <p:nvPr/>
+        </p:nvSpPr>
+        <p:spPr>
+          <a:xfrm>
+            <a:off x="7433601" y="3505090"/>
+            <a:ext cx="583814" cy="369332"/>
+          </a:xfrm>
+          <a:prstGeom prst="rect">
+            <a:avLst/>
+          </a:prstGeom>
+          <a:noFill/>
+        </p:spPr>
+        <p:txBody>
+          <a:bodyPr wrap="square" rtlCol="0">
+            <a:spAutoFit/>
+          </a:bodyPr>
+          <a:lstStyle/>
+          <a:p>
+            <a:r>
+              <a:rPr lang="tr-TR" dirty="0" smtClean="0"/>
+              <a:t>10%</a:t>
+            </a:r>
+            <a:endParaRPr lang="en-US" dirty="0"/>
           </a:p>
         </p:txBody>
       </p:sp>
@@ -15330,7 +15210,7 @@
         </p:nvSpPr>
         <p:spPr>
           <a:xfrm>
-            <a:off x="838200" y="208109"/>
+            <a:off x="838200" y="189636"/>
             <a:ext cx="10515600" cy="1325563"/>
           </a:xfrm>
         </p:spPr>
@@ -15346,7 +15226,7 @@
                   <a:schemeClr val="tx2"/>
                 </a:solidFill>
               </a:rPr>
-              <a:t>Job</a:t>
+              <a:t>By</a:t>
             </a:r>
             <a:r>
               <a:rPr lang="tr-TR" sz="3600" b="1" dirty="0">
@@ -15362,7 +15242,23 @@
                   <a:schemeClr val="tx2"/>
                 </a:solidFill>
               </a:rPr>
-              <a:t>Search</a:t>
+              <a:t>technologies</a:t>
+            </a:r>
+            <a:r>
+              <a:rPr lang="tr-TR" sz="3600" b="1" dirty="0">
+                <a:solidFill>
+                  <a:schemeClr val="tx2"/>
+                </a:solidFill>
+              </a:rPr>
+              <a:t> </a:t>
+            </a:r>
+            <a:r>
+              <a:rPr lang="tr-TR" sz="3600" b="1" dirty="0" err="1">
+                <a:solidFill>
+                  <a:schemeClr val="tx2"/>
+                </a:solidFill>
+              </a:rPr>
+              <a:t>WorkedWith</a:t>
             </a:r>
             <a:endParaRPr lang="tr-TR" sz="3600" b="1" dirty="0">
               <a:solidFill>
@@ -15372,6 +15268,52 @@
           </a:p>
         </p:txBody>
       </p:sp>
+      <p:pic>
+        <p:nvPicPr>
+          <p:cNvPr id="4" name="Picture 3"/>
+          <p:cNvPicPr>
+            <a:picLocks noChangeAspect="1"/>
+          </p:cNvPicPr>
+          <p:nvPr/>
+        </p:nvPicPr>
+        <p:blipFill rotWithShape="1">
+          <a:blip r:embed="rId2"/>
+          <a:srcRect r="41171"/>
+          <a:stretch/>
+        </p:blipFill>
+        <p:spPr>
+          <a:xfrm>
+            <a:off x="8187141" y="2013198"/>
+            <a:ext cx="2968308" cy="1431509"/>
+          </a:xfrm>
+          <a:prstGeom prst="rect">
+            <a:avLst/>
+          </a:prstGeom>
+        </p:spPr>
+      </p:pic>
+      <p:pic>
+        <p:nvPicPr>
+          <p:cNvPr id="13" name="Picture 12"/>
+          <p:cNvPicPr>
+            <a:picLocks noChangeAspect="1"/>
+          </p:cNvPicPr>
+          <p:nvPr/>
+        </p:nvPicPr>
+        <p:blipFill rotWithShape="1">
+          <a:blip r:embed="rId2"/>
+          <a:srcRect l="84179"/>
+          <a:stretch/>
+        </p:blipFill>
+        <p:spPr>
+          <a:xfrm>
+            <a:off x="11155449" y="2013199"/>
+            <a:ext cx="798293" cy="1431509"/>
+          </a:xfrm>
+          <a:prstGeom prst="rect">
+            <a:avLst/>
+          </a:prstGeom>
+        </p:spPr>
+      </p:pic>
       <p:pic>
         <p:nvPicPr>
           <p:cNvPr id="5" name="Picture 4"/>
@@ -15380,235 +15322,222 @@
           </p:cNvPicPr>
           <p:nvPr/>
         </p:nvPicPr>
+        <p:blipFill rotWithShape="1">
+          <a:blip r:embed="rId3"/>
+          <a:srcRect r="48663"/>
+          <a:stretch/>
+        </p:blipFill>
+        <p:spPr>
+          <a:xfrm>
+            <a:off x="8187142" y="3942706"/>
+            <a:ext cx="2590274" cy="1883278"/>
+          </a:xfrm>
+          <a:prstGeom prst="rect">
+            <a:avLst/>
+          </a:prstGeom>
+        </p:spPr>
+      </p:pic>
+      <p:pic>
+        <p:nvPicPr>
+          <p:cNvPr id="14" name="Picture 13"/>
+          <p:cNvPicPr>
+            <a:picLocks noChangeAspect="1"/>
+          </p:cNvPicPr>
+          <p:nvPr/>
+        </p:nvPicPr>
+        <p:blipFill rotWithShape="1">
+          <a:blip r:embed="rId3"/>
+          <a:srcRect l="84541"/>
+          <a:stretch/>
+        </p:blipFill>
+        <p:spPr>
+          <a:xfrm>
+            <a:off x="11155449" y="3942706"/>
+            <a:ext cx="779999" cy="1883278"/>
+          </a:xfrm>
+          <a:prstGeom prst="rect">
+            <a:avLst/>
+          </a:prstGeom>
+        </p:spPr>
+      </p:pic>
+      <p:sp>
+        <p:nvSpPr>
+          <p:cNvPr id="15" name="TextBox 14"/>
+          <p:cNvSpPr txBox="1"/>
+          <p:nvPr/>
+        </p:nvSpPr>
+        <p:spPr>
+          <a:xfrm>
+            <a:off x="8167806" y="1607602"/>
+            <a:ext cx="1503489" cy="369332"/>
+          </a:xfrm>
+          <a:prstGeom prst="rect">
+            <a:avLst/>
+          </a:prstGeom>
+          <a:noFill/>
+        </p:spPr>
+        <p:txBody>
+          <a:bodyPr wrap="none" rtlCol="0">
+            <a:spAutoFit/>
+          </a:bodyPr>
+          <a:lstStyle/>
+          <a:p>
+            <a:r>
+              <a:rPr lang="tr-TR" dirty="0" smtClean="0"/>
+              <a:t>High Leverage</a:t>
+            </a:r>
+            <a:endParaRPr lang="en-US" dirty="0"/>
+          </a:p>
+        </p:txBody>
+      </p:sp>
+      <p:sp>
+        <p:nvSpPr>
+          <p:cNvPr id="16" name="TextBox 15"/>
+          <p:cNvSpPr txBox="1"/>
+          <p:nvPr/>
+        </p:nvSpPr>
+        <p:spPr>
+          <a:xfrm>
+            <a:off x="8187141" y="3573306"/>
+            <a:ext cx="1459310" cy="369332"/>
+          </a:xfrm>
+          <a:prstGeom prst="rect">
+            <a:avLst/>
+          </a:prstGeom>
+          <a:noFill/>
+        </p:spPr>
+        <p:txBody>
+          <a:bodyPr wrap="none" rtlCol="0">
+            <a:spAutoFit/>
+          </a:bodyPr>
+          <a:lstStyle/>
+          <a:p>
+            <a:r>
+              <a:rPr lang="tr-TR" dirty="0" smtClean="0"/>
+              <a:t>Low Leverage</a:t>
+            </a:r>
+            <a:endParaRPr lang="en-US" dirty="0"/>
+          </a:p>
+        </p:txBody>
+      </p:sp>
+      <p:pic>
+        <p:nvPicPr>
+          <p:cNvPr id="17" name="Picture 16"/>
+          <p:cNvPicPr>
+            <a:picLocks noChangeAspect="1"/>
+          </p:cNvPicPr>
+          <p:nvPr/>
+        </p:nvPicPr>
         <p:blipFill>
-          <a:blip r:embed="rId2"/>
+          <a:blip r:embed="rId4"/>
           <a:stretch>
             <a:fillRect/>
           </a:stretch>
         </p:blipFill>
         <p:spPr>
           <a:xfrm>
-            <a:off x="2050474" y="1323698"/>
-            <a:ext cx="9670472" cy="5334976"/>
+            <a:off x="77475" y="1792269"/>
+            <a:ext cx="3765262" cy="3756654"/>
           </a:xfrm>
           <a:prstGeom prst="rect">
             <a:avLst/>
           </a:prstGeom>
         </p:spPr>
       </p:pic>
-      <p:sp>
-        <p:nvSpPr>
-          <p:cNvPr id="4" name="AutoShape 2" descr="data:image/png;base64,iVBORw0KGgoAAAANSUhEUgAAA8cAAAIZCAYAAACLTE2xAAAABHNCSVQICAgIfAhkiAAAAAlwSFlzAAALEgAACxIB0t1+/AAAADh0RVh0U29mdHdhcmUAbWF0cGxvdGxpYiB2ZXJzaW9uMy4yLjIsIGh0dHA6Ly9tYXRwbG90bGliLm9yZy+WH4yJAAAgAElEQVR4nOzdfZyXZZ0v8M8AA1rgjCCIYmJZ6XlppS1tmcScfJmAoKyUbgrqoVPmQ6V1lj08mByUkY5PebS07eyu56Ru5apBS6h1jkGhZj5s7sm11tQZH1AeBmZ4UGBg5vzBMmkWDszDPTP3+/16+Rp/1/yu+/rel79h/HBd931XtLa2tgYAAABKrF/RBQAAAEDRhGMAAABKTzgGAACg9IRjAAAASk84BgAAoPSEYwAAAEpPOAYAAKD0BhRdQE+zfv3mtLR49DMAAEBf0q9fRfbf/+1/8vvC8R9oaWkVjgEAAErGtmoAAABKTzgGAACg9IRjAAAASk84BgAAoPSEYwAAAEpPOAYAAKD0hGMAAABKTzgGAACg9IRjAAAASk84BgAAoPSEYwAAAEpPOAYAAKD0hGMAAABKTzgGAACg9IRjAAAASk84BgAAoPSEYwAAAEpPOAYAAKD0BhRdQJmsWLE8y5ffv9f9m5oakyRVVdV7fYyamhMydmzNXvcHAADoi4TjXqSxsePhGAAAgDeraG1tbS26iJ6koWFTWlp65pTU1s5LksydO7/gSgAAAHqXfv0qMmzY4D/9/W6sBQAAAHok4RgAAIDSE44BAAAoPeEYAACA0hOOAQAAKD3hGAAAgNITjgEAACg94RgAAIDSE44BAAAoPeEYAACA0hOOAQAAKD3hGAAAgNITjgEAACg94RgAAIDSE44BAAAoPeEYAACA0hOOAQAAKD3hGAAAgNITjgEAACg94RgAAIDSE44BAAAoPeEYAACA0hOOAQAAKD3hGAAAgNITjgEAACg94RgAAIDSE44BAAAoPeEYAACA0hOOAQAAKD3hGAAAgNITjgEAACg94RgAAIDSE44BAAAoPeEYAACA0hOOAQAAKD3hGAAAgNITjgEAACg94RgAAIDSE44BAAAoPeEYAACA0hOOAQAAKD3hGAAAgNITjgEAACg94RgAAIDSE44BAAAoPeEYAACA0hOOAQAAKD3hGAAAgNITjgEAACg94RgAAIDSE44BAAAoPeEYAACA0hOOAQAAKD3hGAAAgNITjgEAACg94RgAAIDSE44BAAAoPeEYAACA0hOOAQAAKD3hGAAAgNITjgEAACg94RgAAIDSE44BAAAoPeEYAACA0uvScPyNb3wjkyZNyqRJk3LVVVclSR588MGccsopOemkk/L1r3+97b1PPfVUpk6dmvHjx2fu3LnZvn17kmTlypWZNm1aJkyYkAsuuCCbN29OkmzYsCHnnXdeJk6cmGnTpmXNmjVJkm3btmXmzJmZOHFiTjvttDzzzDNdeYoAAAD0AV0Wjh988MGsWLEiP/jBD7Jo0aI8+eSTWbJkSebMmZObbropS5cuza9//essX748STJz5sxcdtllue+++9La2po77rgjSTJ//vycddZZuffee3P00UfnpptuSpJcf/31GTNmTO65556cfvrpqa2tTZLceuut2XfffXPPPfdkzpw5mT17dledIgAAAH1El4Xj4cOHZ9asWRk4cGAqKytz+OGHp66uLqNHj8473vGODBgwIKecckruvffevPTSS9myZUuOOeaYJMnUqVNz7733prm5OY888kjGjx//hvYkWbZsWU455ZQkyeTJk/Ozn/0szc3NWbZsWU499dQkyYc+9KGsW7cuK1eu7KrTBAAAoA/osnD8nve8py3s1tXV5Z577klFRUWGDx/e9p4RI0Zk1apVWb169Rvahw8fnlWrVmX9+vUZPHhwBgwY8Ib2JG/oM2DAgAwePDjr1q37o8d65ZVXuuo0AQAA6AMGdPUATz/9dD7/+c/nr//6r9O/f//U1dW1fa+1tTUVFRVpaWlJRUXFm9p3fX29P3z9+j79+vV7U59d7e01bNjgdr+3u1VW9k+SDB8+pOBKAAAA+pYuDcePPfZYvvSlL2XOnDmZNGlSfvnLX7bdOCtJ1qxZkxEjRmTkyJFvaF+7dm1GjBiRoUOHZuPGjdmxY0f69+/f9v5k56rz2rVrM3LkyGzfvj2bN29OdXV1DjzwwKxevTqHHnroG47VXg0Nm9LS0tpJM9C5mpt3JEnWrNlYcCUAAAC9S79+FbtdDO2ybdUvv/xyLrroolxzzTWZNGlSkuQDH/hAnnvuudTX12fHjh1ZsmRJxo0bl1GjRmXQoEF57LHHkiSLFy/OuHHjUllZmTFjxmTp0qVJkkWLFmXcuHFJkpqamixatChJsnTp0owZMyaVlZWpqanJ4sWLkySPPvpoBg0alIMPPrirThMAAIA+oKK1tbVLlkkXLFiQu+66q20FN0k+/elP57DDDsvChQuzdevW1NTUZPbs2amoqMhvfvObXHrppdm0aVOOOuqoLFy4MAMHDsxLL72UWbNmpaGhIQcddFCuu+66VFVVpbGxMbNmzcoLL7yQIUOG5JprrskhhxySrVu35rLLLsuvf/3rDBw4MAsWLMhRRx3V7rp78spxbe28JMncufMLrgQAAKB3eauV4y4Lx72VcAwAAND3FLatGgAAAHoL4RgAAIDSE44BAAAoPeEYAACA0hOOAQAAKD3hGAAAgNITjgEAACg94RgAAIDSE44BAAAoPeEYAACA0hOOAQAAKD3hGAAAgNITjgEAACg94RgAAIDSE44BAAAoPeEYAACA0hOOAQAAKD3hGAAAgNITjgEAACg94RgAAIDSE44BAAAoPeEYAACA0hOOAQAAKD3hGAAAgNITjgEAACg94RgAAIDSE44BAAAoPeEYAACA0hOOAQAAKD3hGAAAgNITjgEAACg94RgAAIDSE44BAAAoPeEYAACA0hOOAQAAKD3hGAAAgNITjgEAACg94RgAAIDSE44BAAAoPeEYAACA0hOOAQAAKD3hGAAAgNITjgEAACg94RgAAIDSE44BAAAoPeEYAACA0hOOAQAAKD3hGAAAgNITjgEAACg94RgAAIDSE44BAAAoPeEYAACA0hOOAQAAKD3hGAAAgNITjgEAACg94RgAAIDSE44BAAAoPeEYAACA0hOOAQAAKD3hGAAAgNITjgEAACg94RgAAIDSE44BAAAoPeEYAACA0hOOAQAAKD3hGAAAgNITjgEAACg94RgAAIDSE44BAAAoPeEYAACA0hOOAQAAKD3hGAAAgNITjgEAACg94RgAAIDSE44BAAAoPeEYAACA0hOOAQAAKD3hGAAAgNITjgEAACg94RgAAIDSE44BAAAoPeEYAACA0hOOAQAAKD3hGAAAgNITjgEAACi9Lg3HmzZtyuTJk/Piiy8mSWbPnp2TTjopU6ZMyZQpU/KTn/wkSfLUU09l6tSpGT9+fObOnZvt27cnSVauXJlp06ZlwoQJueCCC7J58+YkyYYNG3Leeedl4sSJmTZtWtasWZMk2bZtW2bOnJmJEyfmtNNOyzPPPNOVpwcAAEAf0WXh+IknnsiZZ56Zurq6trZf//rXue2227J48eIsXrw4n/jEJ5IkM2fOzGWXXZb77rsvra2tueOOO5Ik8+fPz1lnnZV77703Rx99dG666aYkyfXXX58xY8bknnvuyemnn57a2tokya233pp9990399xzT+bMmZPZs2d31ekBAADQhwzoqgPfcccdmTdvXv76r/86SfLaa69l5cqVmTNnTlatWpVPfOIT+cIXvpCXX345W7ZsyTHHHJMkmTp1am644YacfvrpeeSRR/LNb36zrX369OmZOXNmli1blttvvz1JMnny5Fx++eVpbm7OsmXLcvHFFydJPvShD2XdunVZuXJlDj744K46TbrZihXLs3z5/Xvdv6mpMUlSVVW918eoqTkhY8fW7HV/AACg5+mycLxrNXeXtWvX5iMf+UjmzZuXIUOG5POf/3zuvPPOvOc978nw4cPb3jd8+PCsWrUq69evz+DBgzNgwIA3tCfJ6tWr2/oMGDAggwcPzrp1697QvqvPK6+8IhzTprGx4+EYAADoe7osHP+hd7zjHW2rwEly9tlnZ9GiRTn88MNTUVHR1t7a2pqKioq2r6/3h69f36dfv35v6rOrfU8MGzZ4j97fnSor+ydJhg8fUnAlxTnttMk57bTJe91/5syZSZKrr766s0oCAAD6gG4Lx7/97W9TV1eX8ePHJ9kZXAcMGJCRI0e23VAr2bnCPGLEiAwdOjQbN27Mjh070r9//6xZsyYjRoxIkowYMSJr167NyJEjs3379mzevDnV1dU58MADs3r16hx66KFvONaeaGjYlJaW1k46687V3LwjSbJmzcaCK+m9zCEAAJRTv34Vu10M7bZHObW2tubKK69MU1NTmpub8/3vfz+f+MQnMmrUqAwaNCiPPfZYkmTx4sUZN25cKisrM2bMmCxdujRJsmjRoowbNy5JUlNTk0WLFiVJli5dmjFjxqSysjI1NTVZvHhxkuTRRx/NoEGDbKkGAADgLXXbyvGRRx6Z8847L2eeeWa2b9+ek046KZMn79wee8011+TSSy/Npk2bctRRR+Wcc85JksybNy+zZs3KzTffnIMOOijXXXddkuTiiy/OrFmzMmnSpAwZMiTXXHNNkp1btS+77LJMmjQpAwcOzFVXXdVdpwcAAEAvVtHa2toz9xAXpCdvq66tnZckmTt3fsGV9F7mEAAAyqnHbKsGAACAnqrbtlUD9BUdfd524pnbAAA9jXAMUADP3AYA6FmE4z1w2223pL6+rrDxd42967rZoowefVimT59RaA1QpLFjazq8Yuv6dwCAnkU43gP19XV5/ndP59Cq/QsZv7p//53/smZtIeMnyfNN6wsbGwAAoKsIx3vo0Kr9M3fsSUWXUZjaFT8uugQAAIBO527VAAAAlJ5wDAAAQOkJxwAAAJSecAwAAEDpCccAAACUnnAMAABA6bXrUU47duzI9773vaxYsSL9+/fPxz/+8Xzyk5/s6tqALrBixfIsX37/XvdvampMklRVVXeojpqaEzJ2bE2HjgEAAJ2lXeF4wYIF+d3vfpcpU6aktbU1d911V55//vl8+ctf7ur6gB6msbFzwjEAAPQk7QrHDzzwQH70ox+lsrIySXLqqafm1FNPFY6hFxo7tqZDK7a1tfOSJHPnzu+skgAAoHDtuuZ46NCh2bFjR9vrioqK7Lfffl1WFAAAAHSndq0cH3nkkTnrrLMyderU9O/fP0uXLs3++++fW265JUkyY8aMLi0SAAAAulK7wvHWrVtzxBFH5Mknn0ySHHLIIUmSf/u3f+u6ygAAAKCbtCscL1y4sKvrAAAAgMK0Kxw//PDD+fa3v52mpqY3tN95551dUhQAAAB0p3aF40svvTRnn312Dj300K6uBwAAALpdu8LxsGHDcs4553R1LQAAAFCIdoXjE044Ibfffns+9rGPZcCA33c5+OCDu6wwAAAA6C7tCsfr16/Pddddl3333betraKiIo8//niXFQYAAADdpV3h+Kc//WlWrFiRAw44oKvrAQAAgG7Xrz1vGjZsWIYOHdrVtQAAAEAh2rVy/N73vjdnnXVWPv7xj2fgwIFt7TNmzOiywgAAAKC7tCscb9myJe985ztTV1fXxeUAAABA92tXOF64cGGS5KWXXsr27dszevToLi0KAAAAulO7wnF9fX0uvPDCrF69Oi0tLdl///3zN3/zNzn88MO7uj4AAADocu26Idfll1+ez372s3nkkUfy2GOP5YILLsj8+fO7ujYAAADoFu0Kxw0NDTnttNPaXn/yk5/M+vXru6woAAAA6E7tCsc7duxIY2Nj2+t169Z1WUEAAADQ3dp1zfH06dPzl3/5l5k4cWIqKiqydOnSnHvuuV1dGwAAAHSLdoXjv/zLv8yhhx6aFStWpKWlJfPmzctHP/rRrq4NAAAAusVbhuP169enpaUlxx13XI477rg89NBDOeKII7qjNgAAAOgWu73m+Omnn87EiRPz+OOPt7X95Cc/yamnnppnn322y4sDAACA7rDbcHzttddm7ty5+cQnPtHWdtlll+UrX/lKrr766i4vDgAAALrDbsPxypUrc8opp7ypferUqXnhhRe6rCgAAADoTrsNx/379/+T36usrOz0YgAAAKAIuw3Hw4YNy1NPPfWm9n/913/Nvvvu22VFAQAAQHfa7d2qL7zwwlx44YW56KKLcuyxx6a1tTX//M//nJtuuikLFizorhoBAACgS+02HH/wgx/MVVddlRtvvDFXXnll+vXrl2OOOSZXX311xowZ0101AgAAQJd6y+ccf+hDH8p3vvOd7qgFAAAACrHbcPyNb3xjt52/8IUvdGoxAAAAUITdhuP169cnSZ599tk899xzOfHEEzNgwID83//7f3PEEUd0S4EAAADQ1XYbjr/61a8mSc4555zcfffdGTp0aJLkggsuyIUXXtj11QEAf9KKFcuzfPn9e92/qakxSVJVVb3Xx6ipOSFjx9bsdX8A6Cne8prjJFmzZk1bME6S/fbbLw0NDV1WFADQ9RobOx6OAaCvaFc4PuKIIzJ79uxMmTIlra2tufPOO/OBD3ygq2sDAHZj7NiaDq3a1tbOS5LMnTu/s0oCgF6rXeF4wYIFueGGG1JbW5skGTduXL74xS92aWEAAADQXdoVjgcPHpyvfOUrqaury3vf+95s3bo1++yzT1fXBgAAAN2iX3ve9Ktf/Sonnnhizj///KxevTr/8T/+xzz++ONdXRsAAAB0i3aF46uuuir/63/9r1RXV2fkyJG56qqr2rZYAwAAQG/XrnC8ZcuWvPvd7257XVNTkx07dnRZUQAAANCd2hWOBwwYkKamplRUVCRJnn322S4tCgAAALpTu27Idf7552f69OlZu3ZtvvKVr+SBBx7I5Zdf3tW1AQAAQLdoVzg+4YQTcvjhh+eBBx5IS0tLLrroohx++OFdXRsAfdiKFcuzfPn9e92/qakxSVJVVb3Xx6ipOaFDzwkGAPqOdm2rnjNnTkaPHp2zzjor06dPz+GHH54vfelLXV0bAPxJjY2NaWxsLLoMAKCP2O3K8bx587Jq1ao89thjWbduXVv79u3b88ILL3R5cQD0XWPH1nRo1ba2dl6SZO7c+Z1VEgBQYrsNx5/61Kfy9NNP57e//W3Gjx/f1t6/f/8cc8wxXV4cAAAAdIfdhuP3ve99ed/73pfHH388p512WnfVBAAAAN2qXdccP/HEE11dBwAAABSmXXerPuSQQ/KZz3wmH/zgB/P2t7+9rX3GjBldVhgAAAB0l3aF4+rqnY/JeOmll7q0GAAAAChCu8LxwoULkyQbNmzIfvvt16UFAQAAQHdr1zXHzz33XE4++eRMmjQpq1atysSJE/PMM890dW0AAADQLdoVjq+44orMnTs3w4YNy4EHHpjp06fnsssu6+raAAAAoFu0Kxw3Njbm+OOPb3s9bdq0bNq0qcuKAgAAgO7UrnCcJFu3bk1FRUWSZM2aNWlpaemyogAAAKA7teuGXGeeeWb+83/+z2loaMi1116bH/3oR/nsZz/b1bX1OE1NjWlsWp/aFT8uupTC1DetT/XAdn1sAAAAeo12pZzTTz89hx12WJYtW5bt27fniiuueMM2awAAAOjN2hWOr7322pxxxhmZOXNmV9fTo1VVVadq2/bMHXtS0aUUpnbFj5Oq6qLLAAAA6FTtuua4tbU106ZNy7nnnpslS5Zk27ZtXV0XAAAAdJt2heO/+qu/yrJly/KZz3wmP/nJT3LiiSfmyiuv7OraAAAAoFu0+85K/fr1y9FHH53nnnsudXV1efTRR7uyLgAAAOg27QrHP/nJT3LXXXflV7/6VSZMmJArr7wyRx11VFfXBgAAAN2iXeH47/7u73LGGWfk+uuvzz777NPVNQEAAEC3alc4/t73vpdt27bltddey5YtW9raq6vdtRgAAIDer93h+Morr0xzc3NaW1uTJBUVFXnqqae6tDgAAADoDu0Kx3/7t3+b7373u64zBgAAoE9q16OcDjjgAMEYAACAPqtd4Xjs2LH5h3/4h6xatSqNjY1t/wAAAEBf0K5t1d/+9rezbdu2XH755W1trjkGAACgr2hXOP6Xf/mXrq4DAAAACtOucNzS0pK/+7u/y89+9rNs3749xx9/fM4///wMGNCu7gAAANCjteua42uvvTa/+MUvcu6552bGjBn553/+5/z3//7f37Lfpk2bMnny5Lz44otJkgcffDCnnHJKTjrppHz9619ve99TTz2VqVOnZvz48Zk7d262b9+eJFm5cmWmTZuWCRMm5IILLsjmzZuTJBs2bMh5552XiRMnZtq0aVmzZk2SZNu2bZk5c2YmTpyY0047Lc8888yezQYAAACl1K5w/POf/zzf+ta3cuKJJ+akk07KzTffnJ///Oe77fPEE0/kzDPPTF1dXZJky5YtmTNnTm666aYsXbo0v/71r7N8+fIkycyZM3PZZZflvvvuS2tra+64444kyfz583PWWWfl3nvvzdFHH52bbropSXL99ddnzJgxueeee3L66aentrY2SXLrrbdm3333zT333JM5c+Zk9uzZezUpAAAAlEu7wnFra2sqKyvbXg8cOPANr/+YO+64I/PmzcuIESOS7LxuefTo0XnHO96RAQMG5JRTTsm9996bl156KVu2bMkxxxyTJJk6dWruvffeNDc355FHHsn48ePf0J4ky5YtyymnnJIkmTx5cn72s5+lubk5y5Yty6mnnpok+dCHPpR169Zl5cqVezIfAAAAlFC7Lho+8sgjc+WVV2b69OmpqKjIrbfemve+97277bNrNXeX1atXZ/jw4W2vR4wYkVWrVr2pffjw4Vm1alXWr1+fwYMHt13XvKv9D481YMCADB48OOvWrfujx3rllVdy8MEHt+c0kyTDhg3+k9+rrOyf5nYfqe+qrOyf4cOHFF3GXqms7J8kvbb+nsAcdg7z2HHmsOPMIQD8XrvC8bx587JgwYJ8+tOfTktLSz72sY/lq1/96h4N1NLSkoqKirbXra2tqaio+JPtu76+3h++fn2ffv36vanPrvY90dCwKS0trX/0e83NO/boWH1Vc/OOrFmzsegy9squ/4a9tf6ewBx2DvPYceaw48whAGXSr1/FbhdDd5sct23blv/6X/9rHnrooXzta1/Lgw8+mPe///3p379/Bg/+0wf9Y0aOHNl246wkWbNmTUaMGPGm9rVr12bEiBEZOnRoNm7cmB07drzh/cnOVee1a9cmSbZv357Nmzenuro6Bx54YFavXv2mYwEAAMDu7DYc33DDDdm0aVM++MEPtrVdccUV2bBhQ2688cY9GugDH/hAnnvuudTX12fHjh1ZsmRJxo0bl1GjRmXQoEF57LHHkiSLFy/OuHHjUllZmTFjxmTp0qVJkkWLFmXcuHFJkpqamixatChJsnTp0owZMyaVlZWpqanJ4sWLkySPPvpoBg0atEdbqgEAACin3YbjZcuW5dprr82wYcPa2g488MBcddVV+T//5//s0UCDBg3K1772tXzxi1/MySefnHe9612ZMGFCkuSaa67JwoULM2HChLz66qs555xzkuzczn3HHXfk5JNPzqOPPppLLrkkSXLxxRfnV7/6VSZNmpR/+Id/yGWXXZYkOfvss7Nt27ZMmjQptbW1ueqqq/aoRgAAAMppt9ccV1ZWZp999nlT++DBgzNw4MB2DXD//fe3/ftxxx2XH/7wh296z5FHHpk777zzTe2jRo3Krbfe+qb26urqfOtb33pT+6BBg9r1/GUAAAB4vd2uHPfr1y+bNm16U/umTZuyffv2LisKAAAAutNuw/HkyZNz6aWX5tVXX21re/XVV3PppZfmpJNO6vLiAAAAoDvsNhyfe+65GTJkSI4//vicccYZ+dSnPpXjjz8+++23Xy666KLuqhEAAAC61G6vOe7Xr1+uuOKKnH/++XnyySfTr1+/vP/97/d4JAAAAPqU3YbjXUaNGpVRo0Z1dS0AAABQiHaFYwCAvmjFiuVZvvz+t37jn9DU1Jgkqaqq3utj1NSckLFja/a6PwCdQzimW9122y2pr68rbPxdY9fWziushiQZPfqwTJ8+o9AaAOi4xsaOh2MAegbhmG5VX1+X+t/9aw7Zr6KQ8ffr15ok2bH6qULGT5IXN7QWNjYAbzR2bE2HVm13/WXr3LnzO6skAAoiHNPtDtmvIpccN7DoMgpz/UPbii4BAAD4A7t9lBMAAACUgXAMAABA6QnHAAAAlJ5wDAAAQOkJxwAAAJSecAwAAEDpCccAAACUnuccQy9z2223pL6+rrDxd41dWzuvsBqSZPTowzJ9+oxCawAgWbFieZYvv3+v+zc1NSZJqqqq9/oYNTUnZOzYmr3uD5AIx9Dr1NfX5dln/jUH7P3/Q3TIoH//U2NDw78WU0CStY2FDQ1AJ2ts7Hg4BugMwjH0QgdUJ1M/XlF0GYW5+6etRZcAwL8bO7amQ6u2u3YizZ07v7NKAtgrwjFQOkVvTU96xvZ0W9MBAH5POAZKp76+Lr975skMGVpcDRWVO7+uWv9kIeNvXFfIsAAAPZZwDJTSkKHJn48vuori/PK+oisAAOhZPMoJAACA0hOOAQAAKD3hGAAAgNITjgEAACg94RgAAIDSc7fqPfR80/rUrvhxIWM3bX0tSVI1aN9Cxk92nv+hww8obHwAAICuIBzvgdGjDyt0/Mb6uiRJVYHh9NDhBxQ+DwAAAJ1NON4D06fPKHT82tp5SZK5c+cXWgcAAEBf45pjAAAASk84BgAAoPSEYwAAAEpPOAYAAKD0hGMAAABKTzgGAACg9IRjAAAASk84BgAAoPSEYwAAAEpvQNEFAND73HbbLamvryu0hl3j19bOK6yG0aMPy/TpM/aqrzncqSNzCACdSTgGYI/V19flN88+lRwwsLgiBu1IkvxmwzPFjL92W4e675zDp5NhVZ1U0F4YuHMD2W+aVhczfkNTMeMCwB8hHAOwdw4YmIopBxVdRWFaFw7SADAAACAASURBVL/c8YMMq0r/yR/r+HF6qR1Lfl50CQDQxjXHAAAAlJ6VY7pVU1NjGje05vqHOrYdsTd7cUNrqgc1Fl0GAADwOlaOAQAAKD0rx3SrqqrqDN76ci45rsCb+BTs+oe2pX9VddFlAAAAr2PlGAAAgNITjgEAACg94RgAAIDSE44BAAAoPeEYAACA0hOOAQAAKD3hGAAAgNITjgEAACg94RgAAIDSE44BAAAoPeEYAACA0hOOAQAAKD3hGAAAgNIbUHQBwJ5pampMQ2Ny909biy6lMGsbk9YBjUWXAQBAHyIcA6XT1NSYjeuSX95XdCXF2bgu2aefv2AAANhFOIZepqqqOhXbV2bqxyuKLqUwd/+0NftVVRddBgAAfYhwDJROVVV1trS8lD8fX3QlxfnlfTvnAQCAndyQCwAAgNITjgEAACg926oB2GNNTY1Jw7a0Ln656FKKs3Zbmlrd1AwA+gorxwAAAJSelWMA9lhVVXVermhIxZSDii6lMK2LX07Vfm5qBgB9hZVjAAAASk84BgAAoPRsqwYAeq3bbrsl9fV1hY2/a+za2nmF1ZAko0cflunTZxRaA0BvJxwDAL1WfX1dfvPs71Ix9IBCxm8dODBJ8tvG4u5c3rpubWFjA/QlwjEA0KtVDD0glZOnFF1GYZqXLC66BIA+wTXHAAAAlJ6VYwAoQFNTY9LQmB1Lfl50KcVpaExTBhZdBQAksXIMAAAAVo4BoAhVVdV5OdvSf/LHii6lMDuW/DxVVdVFlwEASawcAwAAgJVjAAAo0ooVy7N8+f173b+paeejxDq6E6Om5oSMHVvToWNAbyYc0+1e3NCa6x/aVsjYG7a2Jkn2G1RRyPjJzvMfPaKw4QGAPqaxsXPCMZSdcEy3Gj36sELH31BflyTZf0RxdYweUfw8AAA9x9ixNR1asa2tnZckmTt3fmeVBKUkHNOtpk+fUej4fnkAAPQ9Hd2annTO9nRb03s34RgAACg929MRjgEAgF6to1vTEzsM8SgnAAAAKGbl+Oyzz866desyYMDO4S+//PJs3rw5CxcuzNatWzNx4sR8+ctfTpI89dRTmTt3bjZv3pwxY8Zk/vz5GTBgQFauXJmZM2emoaEh73znO3PNNdfk7W9/ezZs2JC/+qu/ygsvvJChQ4fm+uuvz/Dhw4s4TegyaxuTu3/aWsjYr27Z+fVt+xQyfJKd57/fsOLGBwCg7+n2cNza2pq6urr89Kc/bQvHW7ZsyYQJE3LrrbfmoIMOyuc///ksX748NTU1mTlzZhYsWJBjjjkmc+bMyR133JGzzjor8+fPz1lnnZVJkyblm9/8Zm666abMnDkz119/fcaMGZNvf/vbWbRoUWpra3P99dd392lClyn6Ttfr//2O3yOHFVfHfsOKnwcAAPqWbg/Hzz77bJLkM5/5TBobG3PGGWfkve99b0aPHp13vOMdSZJTTjkl9957b9797ndny5YtOeaYY5IkU6dOzQ033JDTTz89jzzySL75zW+2tU+fPj0zZ87MsmXLcvvttydJJk+enMsvvzzNzc2prKzs7lOFLuGO3wAA0Pm6PRxv2LAhxx13XL761a+mubk555xzTj772c++YevziBEjsmrVqqxevfoN7cOHD8+qVauyfv36DB48uG3leVd7kjf0GTBgQAYPHpx169blwAMPbFd9w4YN7qxT7XSVlf2TJMOHDym4kt7LHHZcX5jDXedQdpWV/ff6v6M53MkcdlxH5nBXfzo+j0XqC79XimYOO4d5pNvD8bHHHptjjz227fWnPvWp3HDDDfmzP/uztrbW1tZUVFSkpaUlFRUVb2rf9fX1/vD16/v069f++441NGxKS0sx13K+lebmHUmSNWs2FlxJ72UOO64vzOGucyi75uYde/3f0RzuZA47riNzuKs/HZ/HIvWF3ytFM4edwzz2ff36Vex2MbTbw/Gjjz6a5ubmHHfccUl2htdRo0ZlzZo1be9Zs2ZNRowYkZEjR76hfe3atRkxYkSGDh2ajRs3ZseOHenfv3/b+5Odq85r167NyJEjs3379mzevDnV1Z5VBgDwx9x22y2p//f7SRRh19i7LtspyujRhxV+6RJQrG4Pxxs3bswNN9yQ733ve2lubs4PfvCDzJ8/P5dccknq6+tzyCGHZMmSJfnkJz+ZUaNGZdCgQXnsscfyZ3/2Z1m8eHHGjRuXysrKjBkzJkuXLs0pp5ySRYsWZdy4cUmSmpqaLFq0KOeff36WLl2aMWPGuN4YoCus3ZbWxS8XN/6r/75i+LaCttWu3ZbsV8zQ0Jnq6+vym2efTf9hBxcyfsvAtydJnm7aUsj4SbKjYWVhYwM9R7eH449//ON54okn8hd/8RdpaWnJWWedlWOPPTZf+9rX8sUvfjFbt25NTU1NJkyYkCS55pprcumll2bTpk056qijcs455yRJ5s2bl1mzZuXmm2/OQQcdlOuuuy5JcvHFF2fWrFmZNGlShgwZkmuuuaa7TxGgz+sJdwuvX1+XJBk98rBiCtivZ8wDdIb+ww7O2yZfWHQZhXl1yU1FlwD0AIU85/iSSy7JJZdc8oa24447Lj/84Q/f9N4jjzwyd95555vaR40alVtvvfVN7dXV1fnWt77VecUC8CY9YeuhO6cDAJ2p/XeqAgAAgD5KOAYAAKD0CtlWDVC0jeuSX95X3PhbX9v5ddC+xYy/cV1y4P7FjA2dqampMa0Na9O8ZHHRpRSmtWFtmv74Ey0B2APCMVA6PeEmSvUb6pIkBx58WCHjH7h/z5gHAICeQjgGSsfNpKDvqKqqziutSeXkKUWXUpjmJYtTVVVddBkAvZ5rjgEAACg94RgAAIDSs60aAIrS0JQdS35e3Pivbtn59W37FDN+Q1NSNaKYsQHgDwjHAFCAnnBDtPrGuiTJ6IMKCqhVI3rEPABAIhwDQCHcGA4AehbXHAMAAFB6Vo4BAABKbsWK5Vm+/P4OHaOpqTFJOvR4uZqaEzJ2bE2H6thbwjEAAAAd1tjY8XBcJOEYAACg5MaOrenwim1vv5eFa44BAAAoPeEYAACA0hOOAQAAKD3hGAAAgNITjgEAACg9d6sGAHq11nVr07xkcTFjv/ZqkqRi37cVMn6y8/xT3TsfmwLQkwjHAECvNXr0YYWOX9+085meow86uLgiqqsLnweAvkA4BgB6renTZxQ6fm9/picAv+eaYwAAAEpPOAYAAKD0bKsGACixpqbG7GhYl1eX3FR0KYXZ0bAyTRladBlAwawcAwAAUHpWjgEASqyqqjqrs0/eNvnCokspzKtLbkpV1T5FlwEUzMoxAAAApSccAwAAUHrCMQAAAKUnHAMAAFB6wjEAAACl527VAADQAbfddkvq6+sKG3/X2LW18wqrIUlGjz4s06fPKLQG6AjhGAAAOqC+vi7PPluXocMOLWT8gQOrkiSNTS2FjJ8k6xqeL2xs6CzCMQAAdNDQYYfm5MmXFl1GYZYuWVB0CdBhrjkGAACg9KwcAwAAhSr6uu2kZ1y77brtYgnHAABAoerr61L3u7qMqirmuu0kGdJ/57XbzWuKuXb7pSbXbRdNOAYAAAo3qurQfPH42UWXUZgbH1hYdAml55pjAAAASk84BgAAoPSEYwAAAEpPOAYAAKD0hGMAAABKTzgGAACg9IRjAAAASs9zjgEASm5Hw8q8uuSmQsZueXVjkqTf24YUMn6y8/xT9a7Cxgd6BuEYAKDERo8+rNDx6xtf2VnHQcOLK6LqXYXPA1A84RgAoMSmT59R6Pi1tfOSJHPnzi+0DgDXHAMAAFB6Vo4BAAB6udtuuyX19XWF1rBr/F07QoowevRhe70jRjgGAADo5err6/L8757NoUNGFlZDdcXbdv7LqlcLGf/5ja90qL9wDAAA0AccOmRkZn/4M0WXUZiFD/99h/oLxwAA0AFNTY1paFifpUsWFF1KYRoa6lOR/YsuAzrEDbkAAAAoPSvHAADQAVVV1WnNfjl58qVFl1KYpUsWpKpq79fdmpoas75pfW58YGEnVtW7vNRUn/0HWn0vkpVjAAAASs/KMQAAUKiqquq8bdt++eLxs4supTA3PrAwlR1YfafjzD4AAAClJxwDAABQesIxAAAApSccAwAAUHrCMQAAAKUnHAMAAFB6wjEAAACl5znHAADQQesans/SJQsKGfu1V5uSJPu+raqQ8ZOd519ddVhh40NnEI4BAKADRo8+rNDxmxp3huODDtq/sBqqqw4rfB6go4RjAADogOnTZxQ6fm3tvCTJ3LnzC60DejvhmF5lxYrlWb78/r3uX19fl+T3v0T2Rk3NCRk7tmav+wMAQGdrampM48aGLHz474supTD1G19O9T7D9rq/cEypVFdXF10CAAB/xEtNz+fGBxYWNv7GrTu3pw8ZVMy12y81PZ/Dhh9WyNjsJBzTq4wdW2PVFgCgj+kJ1ytvrN8ZjocOL+ba7cOGd+y67aqq6lRtGZjZH/5M5xXVyyx8+O+TqrftdX/hGAAAKFTR120nrt3Gc44BAADAyjEAxXCDPQCgJxGOAeiV3GAPAOhMwjEAhXCDPQCgJ3HNMQAAAKVn5RgAAKAPeH7jKzsfZ1SQpq2bkiRVgwYXMv7zG1/JoQe+a6/7C8cAAAC9XE94VnRj/eokSdWBIwoZ/9AD39WheRCOAQAAejnPiu441xwDAABQesIxAAAApWdbNQBQWitWLM/y5ffvdf/6+rokv99KuDdqak7wWDOAHkA4BgDYS9XV1UWXAEAn6ZPh+J/+6Z9y8803Z/v27Tn33HMzbdq0oksCAHqgsWNrrNoCkKQPhuNVq1bl61//eu6+++4MHDgwn/70p/PhD3847373u4suDQCgz7E1Hegr+lw4fvDBB/ORj3ykbZvT+PHjc++99+YLX/hCwZUBAPCHbE3vGX/BkPhLBqhobW1tLbqIzvQ3f/M3efXVV/PlL385SfKP//iP+Zd/+ZdcccUV7erf0LApLS1dMyWd9QdfRx5s7Q89esLnMOndn8WOzmHi55nO0RN+nn0OoeM6+rPc1NSYJKmq6thfNPTmn2e/mzuuDHPYr19Fhg0b/Ce/3+dWjltaWlJRUdH2urW19Q2v38ruJqujhgzZJ5WV/fe6/7BhQ5OkQ8cYMmSfDB8+ZK/70/v1hM/hrjp662exo3OY+Hmmc/SEn2efQ+i4006bnNNOm1x0Gb2a380dZw774MrxD37wgzz66KOpra1Nknzzm99Ma2tru7dVd+XKMQAAAMV4q5Xjft1YS7f46Ec/moceeijr1q3La6+9lh//+McZN25c0WUBAADQg/W5bdUHHnhgvvzlL+ecc85Jc3NzPvWpT+X9739/0WUBAADQg/W5bdUdZVs1AABA31O6bdUAAACwp4RjAAAASk84BgAAoPSEYwAAAEpPOAYAAKD0hGMAAABKTzgGAACg9IRjAAAASk84BgAAoPSEYwAAAEpPOAYAAKD0hGMAAABKTzgGAACg9IRjAAAASk84BgAAoPSEYwAAAEpvQNEF9DT9+lUUXQIAAACd7K2yXkVra2trN9UCAAAAPZJt1QAAAJSecAwAAEDpCccAAACUnnAMAABA6QnHAAAAlJ5wDAAAQOkJxwAAAJSecAwAAEDpCccAAACUnnC8B1588cWccMIJb2o/4ogjdtvv//2//5e5c+cmSe64444sWbJkj8Y94YQT8uKLL76p/fbbb8+UKVNy6qmnZsqUKVm0aFHb92bPnp2XXnppt8fdm1qK9G//9m854ogjct999+1V/xdeeCFz5szZoz533313Zs2alST53Oc+l1WrVu3V2D3Jpk2bMn/+/EyePDlTpkzJ2WefnSeffLLLxnv44Ydz9tlnd9nxd6cn/cy+/rOUJKtWrcr48ePzne98J6tWrcrnPve5PRrjTzn77LPz8MMPd8qxOtv27dtz8803Z+LEiTn55JMzfvz4fOtb30pra2vRpfUYL774Yo444og88MADb2j/U78Hdnn9z9hbfb7fSkf77zJr1qzcfffdnXKsrvbiiy/m6KOPzpQpU97wz8svv1x0ab3G6+fwL/7iLzJp0qTMmDEjr7zyyp/s01l/Xv3hn6+91fz58zNlypScfPLJb/g83nXXXe3q31k/u33Fww8/nGOPPbbt/5UnTpyY//2//3eHj/vd73433/3ud5OUa8739FxvvPHG3HjjjUmSKVOmdEVJXWJA0QWUwfve9768733vS5I8/vjj+fM///MOH/OJJ57IP/7jP+b73/9+9tlnnzQ0NOSTn/xkjjzyyBx55JF5+OGHc9FFF+32GJ1VS3e56667MmHChHz/+9/P+PHj97j/ypUr88ILL+z1+P/zf/7Pve7bU7S0tORzn/tcPvzhD2fRokUZMGBAfvGLX+Rzn/tcfvSjH2X//fcvusQeoSt+Zl9vzZo1+U//6T/lnHPOybRp05L0jc/XW5k/f37Wrl2b73//+9lvv/2yadOmXHTRRRkyZEjbPJBUVlbmq1/9an74wx9m8ODB7erzy1/+sour6vtGjBiRxYsXF11Gr/aHc/i1r30tV111Va677roCq+o95s2bl2TnXzScc845Po+d4Oijj86tt96aZOfiwKRJk3L88cfn3e9+914f88wzz+ys8kqjN32WheNOdPfdd+fnP/95mpqa8sILL+T444/Pf/tv/y0PP/xwvvGNb+SCCy7I/fffn1/84hcZPnx4/sN/+A+57LLL8sorr6SioiL/5b/8l3z0ox9NY2NjZs6cmVdeeSWHH354tm7d+qax1qxZk9bW1rz22mvZZ599MmzYsNxwww3Zf//98+1vfzurV6/Oeeedl9tvvz2/+MUvcsstt2TLli3Ztm1brrzyymzZsqVdtTz00EO5+uqrkyRVVVW59tprM3To0O6e2jQ3N+ef/umfcvvtt+fTn/50nn/++Rx66KE54YQT8p3vfCeHHHJI2zzfeuutueWWW/KDH/wg/fr1y/vf//5cfvnlWbBgQV588cXMnz8/EyZMyNVXX52Wlpa85z3vyVe+8pXMmTMnGzduzOrVq3Paaafl4osvfkMNu8aqrq7OnDlzsmrVqqxevTrHHXdcamtrU1FR0e3zsqcefvjhvPzyy/nSl76Ufv12bhz5yEc+koULF6alpSWXXnppnn766axduzZHHHFErrvuuqxduzZf+MIX8p73vCdPPfVUhg0blv/xP/5Hqqurc9ttt2Xx4sV57bXXUllZmWuvvTbvete7smLFiixcuDCDBg3KO9/5zrbxf/nLX+brX/96tmzZkg0bNmT27Nk58cQTi5qObv2Z3aWhoSEzZszIjBkzcsYZZyT5/f8I3X///Zk1a1YG///27j6u5rv/A/jrOOmK68hdQljWTHLTNDfdS1c9VJwaTu5PspmxR+E3K2WSI7nYUFvEdZFtaK4NUTPictej3LQ21sLCKUWMzF1OpVPne96/P3r0vaQyWal4Px+PHo8653v3eX++n+/n+/l+Pt9PMhkuXLiAwsJCBAQEQKFQQKPRYOHChbh27Rp69eqFW7duYf369TA1NcXixYtx/vx59OjRA/fv3xf39a9//Qvff/89pFIpHB0dERwcjJs3byIgIAAWFhbIyclB//79YWNjg71796KoqAixsbF44403GjzWt27dwvfff4/U1FQYGxsDAGQyGcLDw5GTk4M7d+7UGtt169YhMzMTN2/ehFKpRHJyMvr3748zZ85Aq9UiKCgI27ZtQ25uLmbMmIEZM2agsLCw1vJcV34HBwdj2LBhYn74+fkhKCgIb731VoPH4VmYmprCwcEBn376KZYvX17tu02bNiE5ORmCIMDJyQnBwcFYsWIFAGDChAnYtWsXACA8PByZmZkAKp/em5ubIysrCytXrkRZWRk6duyIZcuWoVevXvDz80P79u2hVqvx+eefi/uqbxyJCKtWrUJKSgpMTU0hCAKGDx+O4uJiLFiwAHfu3AEABAQEwM3N7UWE8i8LDQ3FgwcPcPXqVQQHB0Or1daoT99++234+flh0KBBOHPmDO7du4ewsDC4uLjgxo0bWLRoEe7duwcjIyNERkaiX79+SExMxNatW6HX6zFgwAAsXboUf/vb35o6uQ3O1tYWUVFRyMzMxIoVK6DVatGxY0dERETA3NxcXE6n00GlUtWr/klMTMTGjRshk8nQo0cPtG3btglT2rjqutepq+yePXsWoaGh2Lx5M0xMTBAREQG1Wg1BEDBr1izI5XJMnToVAQEBcHR0BBHBw8MD27dvR9euXZswpY1Lq9VCKpWiXbt2+Mc//gFra2tkZ2djx44d2LZtG06fPo2ioiKYmpoiOjoa165dw7Jly8T1L1++jOjoaKjVagDA3LlzmyopTerHH3/Ev//9bxgZGSE3NxeWlpZYs2YNDA0NERcXh507d6Jjx44wNjaGtbU1gMpe50uXLtVZrzQrxJ5ZQUEBubq61vi8b9++RESUkJBALi4upNFoqLS0lEaMGEEXL16k9PR0UiqVREQUEhJCCQkJRET0f//3f3TkyBEiIiosLCQ3NzfSaDS0bNkyioqKIiKijIwM6tu3LxUUFFTbp1arpQ8//JAGDBhA06ZNo5iYGLp69ar4vaurKxUUFJAgCDR9+nS6e/cuERHt2rWLZs+e/czHolQq6ddffyUiok2bNlFaWloDRLL+Dh8+TAqFgoiIPvnkE/rss8+I6H/pJCIxzjqdjmxtbam8vJwEQaDQ0FC6detWtXxIT0+nIUOG0MOHD4mIKC4ujvbs2UNERA8fPiQbGxu6e/cuJSQkUEhISLV97du3jzZs2EBElfng7u5O586de3HB+Avi4uLE/H9SRkYGqVQqIiISBIGUSiUdPHiQCgoKyNLSki5cuEBERIGBgbRt2zbSaDTk7+9Pjx49IiKizz//nCIiIkir1ZKjoyPl5OQQUWV+VcV97ty54uenTp0iuVzeqOltTmU2ISGBZs2aRXK5nEaNGkVarbbW4wwJCaGAgADS6/V08eJFGj58OBERrVy5kj799FMiIsrKyiIrKysqKCiguLg4CgoKIiKivLw8GjRoEKWnp1NKSgpNmDCBSktLqaKigubMmUPx8fHV8lMQBHJ3d6c1a9YQEdG6detoxYoVDRD5mg4dOkTjxo2r8/u6YhsTEyPmBRGRUqkUj3HdunXk7u5OpaWldP36dRo6dCgRPb0815bfp0+fpqlTpxIR0fXr12n06NGNEoNnUXUuaDQaGjlyJJ04cYKIKq8/O3bsoLlz55JOpyNBEGjBggWUmJhIRP87p6t+T05OJiKiVatW0apVq0ir1ZK3tzfduHGDiIhSU1PJ39+fiCpjGhMTU219ovrHMTk5mZRKJZWXl9Pdu3fJ0dGREhISaM+ePeK15bfffqNVq1Y1YgSfT0FBAQ0YMIB8fHzEn82bN1NISIhYBzytPlUqlRQZGUlEREePHhXP9VmzZlF8fDwREaWkpNC8efPo8uXLNGXKFCorKyMiojVr1lBsbOwLTW9jePJ6W15eTiEhIRQaGkqurq7ivcSBAwdo/PjxRFQZt/T09HrXP7du3SJHR0f6448/qKKigt577z0xn14GT8aytnsdotrLbnZ2Nnl6elJubi4REa1evZq2bt1KREQajYbGjBlD165do927d1NwcDARVdZbM2fOfCFpe5HS09Np8ODB5OPjQ3K5nKytrSkkJIT0ej25urqKdXt+fj4FBgaSIAhERBQcHExbtmyptq2vvvqKZs+eTXq9nmJiYsS4P37tfdlVpbUqrjdv3iRBEEihUNDRo0cpKyuLPD09qbi4mEpKSkgul9eIU131SnPCPcf1UNXT9jgiqtZjaGNjIw6D69WrF4qKiurc3qlTp3DlyhXExMQAqHxyWlBQgIyMDKxduxYAMGzYMPTq1avGuoaGhtiwYQOuXr2KEydOIC0tDVu2bMHXX3+NwYMHVzvm2NhYHDt2DHl5ecjIyKg1HXUdi5ubGwIDA+Hu7g43Nzc4Ojo+S6gaXEJCAuRyOQBg9OjRCAoKqvNJk1QqhY2NDXx9feHm5oZ3330XXbt2RX5+frXlXn/9dbRr1w4AMHPmTKSnp2PLli1Qq9WoqKjAo0ePat2+XC5HVlYWvv76a1y5cgUPHjxAaWlpwyW2EbVq1arO3olhw4ahQ4cO+Oabb3DlyhXk5+eL6ercuTP69+8PAHjzzTdRVFQEmUyGtWvXYv/+/cjPz0daWhqsrKxw6dIlmJqair2P48aNwxdffAEAWL16NY4fP46DBw/i119/RUlJSaOn90lNVWYBIC0tDf/85z9x4MABrF27FosWLap1OUdHR0gkEvTt2xcPHjwAAJw8eRJr1qwBUDnsu2/fvgAqe+MnTZoEAOjduzdsbGwAAOnp6RgzZgzatGkDAFAoFEhMTISLiwtMTEzE/OzWrRvs7e0BAGZmZk99r/WvejzuBw8exMaNG6HX62FoaIjr16/XGlsA4pPnKiNGjBCP96233kKbNm3Qo0cPPHz4EMDTy3Nt+W1ra4slS5bg+vXrSEpKahbvRslkMixfvlwcXg0Ap0+fRlZWFsaPHw8AKCsrg5mZWa3rV43I6NOnD37++Wfk5+ejoKAAH374obhMcXGx+PuTMQbqH8eMjAyMGjUKrVu3RqdOncR8srGxQVRUFAoLCzFy5Mg/feWnqdQ2rDo0NFSMzZ/Vp87OzgAqr5FV5fann34ShxS7uLjAxcUF8fHxuHr1qjhSoaKiQiyPLd3t27fF8lNeXg5ra2soFApkZ2eLcfTy8kJ4eDg0Go24Xn3rn19++QU2NjYwMTEBAHh7eyM9Pf1FJrXZeLLszpw5E56enrCwsABQWW+VlZWJ7y2XlpZCrVbDy8sL0dHRKC0txd69e8XrysvmyWHV77//PjZt2gQA4uggc3NzhISEYNeuXcjLy0NmZiZee+01cRsnT57EnFKpuwAADUhJREFUzp078d1337WIUYIvwptvvolu3boBAN544w0UFRUhLy8PLi4u+Pvf/w4A8PT0hF6vr7Zefe63mwo3juvB2Ni42sUcqBwi2b59e/HvxxseEonkqRPN6PV6bN26FR06dABQWal07ty5xnpSqbTGuomJiejatSvs7e1hbm6OadOmITo6GklJSdUaxyUlJfD19YWPjw+GDRsGS0tLfPPNN898LFZWVnB1dcXx48exevVqZGVlVbu5ehHu3r2LtLQ0XLhwAdu2bQMR4eHDhzh8+DAAiLHS6XTiOhs2bEBmZiZSU1Px/vvvi42KxxkZGYm/r1q1CgUFBZDL5XB3d8epU6fqzLvt27fj0KFDmDhxIhwcHHD58uUWM6HQwIEDsWPHjhoNxKioKFhbW2PdunWYPn06xo8fj/v374vpqu28vnnzJvz8/KBUKjFixAiYmJggOzv7qefv1KlTYWtrC1tbW9jb2yMoKKhR09ucyixQ+WBn3LhxcHJygo+PDxwcHODi4lJjuapjejyPpFJprcf25L4NDAzEY31SVRkxNDSs9nldx9uQBg4ciNzcXBQXF0Mmk8HT0xOenp7ikPK6YnvkyJFqZRWofCe3SlV6H/e08lxbfkskEowdOxb79+9HcnIytmzZ0hghqDcnJydxeDUACIIAf39/vPvuuwCAhw8f1pl3VXGpSqNer0fPnj3Fxp8gCOIwZwA1Ygw8XxxrOxd79+6N5ORkpKWl4fjx4/jyyy9x4MCBWh9eNUdVsfmz+rS2cvv4+UlEyM3NhSAI8PLyQlhYmLhdQRBeRFIaXW0PGC5evFhjOSKqluajR48iJibmmeufus61l1lt9zpAzbK7Zs0aLFy4EBMmTEC/fv2g1+uxevVqDBgwAABw584dtG/fHq1bt8aIESNw6NAhpKeni+87v8xkMhm8vLxw6tQpAP87t86fP4+PP/4YM2bMgIeHB1q1aiXGOz8/H2FhYYiLixM7VNizl8vy8vJq69XnfruptIyaqZmQyWQwNzevNlvyd999J/a6PAupVCpWCHZ2dtixYwcAICcnB97e3nj06BHs7e3FyiUrKwvXrl2rsR1BELB27Vrcu3cPQOUTWrVaLT5drdpPfn4+JBIJ5syZA1tbWxw+fFjc/7Mcy4QJE1BSUiK+y/fbb7/VK2YNISkpCXZ2dkhNTcWxY8dw/PhxzJkzB99++y06duyInJwcAJWVKwDcu3cPo0ePRt++fTF//nw4Ojri0qVLkEqlNSqVKidPnsTMmTPh5eWFvLw8FBYW1tq4qFp20qRJ8PHxgVarxcWLF+tctrkZOnQoOnfujPXr14t5n5aWJr5D6OXlBYVCAWNjY/z4449PvWE7d+4czM3NMWPGDAwaNAhHjhyBIAiwtLTEnTt3xBui/fv3AwAePHiA/Px8zJ8/HyNGjMDRo0cb/YawOZVZ4H+Nui5dukClUmHRokXVGihPY29vj3379gEALl26BLVaDYlEIn6u1+tx48YNnD17VjzW/fv3o6ysDDqdDgkJCbCzs3vmdDc0MzMz+Pj4ICQkROzh1el0SElJQatWreqM7fOoT3muMn78eHz77bfo3r17s3rnLjQ0FCdOnMDt27dhZ2eHpKQklJSUQKfTISAgQDy3n3Z9AwALCwsUFRXh559/BlA5GufPHk7VN4729vZITk5GeXk5ioqKkJaWBgCIj4/HunXr4OXlhaVLl+LevXvVeq1biqfVp3UZOnSoeA08deoUlixZIq579+5dEBFUKlWDzKDbXFlYWODBgwfIysoCABw4cABmZmbigzCgclREfeqfIUOGIDMzUzwnDxw40OjpaEq13evUxd7eHh9//DHCwsKg1+thZ2cnzqx8+/Zt+Pj4iLOwKxQKREdHw9nZ+aV85/1JgiAgIyOjxkiNn376CcOHD8eUKVPQu3dvpKSkQBAEcdLIxYsXN8pcHC8be3t7HD9+HBqNBlqtVuzEetzz1M8v2sv/qK2BrV69GiqVCrGxsaioqIClpSXCw8OfeX0HBwdERUWhXbt2CAsLQ3h4OLy9vQEAn332GWQyGebNm4fQ0FCMGTMGFhYWtQ7RVCgUuH//PqZMmSI+fR8zZgx8fX0BACNHjsQHH3yAzZs3w8rKCl5eXpBIJHBycsKZM2ee+VgWLFiA0NBQGBgYoG3btoiMjPxL8Xsee/fuxUcffVTts2nTpiEuLg4LFy7EihUrsH79ejg5OQEAOnXqhEmTJsHX1xdt2rTB66+/DoVCAa1WC41Gg+DgYDFOVWbPno2FCxfCyMgI3bp1w8CBA+scXurv7w+VSoVNmzZBJpPBxsamUYeiNiSJRIINGzZg5cqVkMvlMDAwECdxk0qlCAoKwv79+9G6dWu8/fbbT02Xo6Mj/vOf/2D06NEgIgwbNgxqtRqtW7dGVFQUgoODYWBgIFZCHTp0gK+vL8aMGQMDAwPY2dmhrKwMpaWljTqRSnMps0/y8PDAsWPHEBISApVK9afLBwQEYNGiRfD29sZrr70GExMTGBkZYerUqeIQuR49eojDrV1dXZGdnQ2FQgGdTgcnJycolcqn/luVxqZSqfDVV19h+vTpEAQBJSUlsLW1xebNm9G2bdtaY/s86lOeq3Tv3h3du3fHuHHjnmufjaVqePXMmTPh6uoKjUaDiRMnQhAEODs7i8fr5uaGd955p85/nWRoaIgvvvhCnBRJJpOJPdJ1qW8c3d3dce7cOcjlcpiYmIg3k2PHjsWCBQvg7e0NqVSK4OBgcVK2lqRfv3511qd1CQ8PR1hYGHbs2IE2bdogMjISffr0QWBgIPz9/aHX62FlZYUPPvjgBaXixTM0NER0dDSWL1+OR48eoX379oiOjq62zIQJE+pV/5iYmCAsLAwzZsxAmzZt/tLMwy3BvHnzsHz58mr3Ok8zduxY7NmzB9u3b0dgYCBUKhXkcjkEQUBwcLA4ZHjIkCGQSCRQKBSNnYQmc/78ebzzzjuQSCTQ6XSwtLTErFmzqo1wGD16NAIDA8X6p+paFx8fj99//x0bN24U/yVRc6sjmhMrKyv4+/vD19cXxsbGtb72U1e98vgw9qYmoebWl80YY6yGpKQk9OzZE0OGDMHvv/8OpVKJI0eOtJihqc0ZEeH27dvw8/PDDz/8UGPYOWOMvWyICJcvX0ZISAgSExOb+nAYaza455gxxloACwsLLF26FHq9Hq1atUJERAQ3jBvIoUOHoFKpoFKpuGHMGHslbN26FXFxceKEmYyxStxzzBhjjDHGGGPslcfdDowxxhhjjDHGXnncOGaMMcYYY4wx9srjxjFjjDHGGGOMsVceT8jFGGOMtTCCIGDbtm3Yt28fBEFARUUFXF1dMX/+/AafVCwrKwu7d+9GREREg26XMcYYa26455gxxhhrYVQqFX755Rds3boVSUlJ2L17N/Ly8rB48eIG31dOTg4KCwsbfLuMMcZYc8OzVTPGGGMtyPXr1yGXy3HixAnIZDLx8z/++ANnz56Fg4MDli1bhosXL0IikcDZ2RkLFiyAgYEBLC0tcfr0aXTq1AkAxL/VajWio6PRq1cvqNVq6HQ6LFu2DGZmZpgyZQo0Gg1GjRqFsWPHYsWKFWjbti1KSkowcOBAmJqa4qOPPgJQ+f+4//vf/yI2NrZJYsMYY4z9FdxzzBhjjLUgFy5cQJ8+fao1jAGgS5cu8PDwQGRkJDp06IB9+/YhISEBly5dwpdffvmn283KysJ7772HxMREjB8/HtHR0ejevTvmzZuHoUOHYuXKlQAAtVqNtWvXYt++fZg+fToSEhKg0+kAADt37sTkyZMbPtGMMcbYC8CNY8YYY6wFadWqFfR6fZ3fp6amQqlUQiKRwNDQEJMnT0ZqauqfbtfMzAxWVlYAgP79+6OoqKjW5bp3744ePXoAAKysrNCzZ0+kpKQgNzcXt2/fhpOT03OkijHGGGt6PCEXY4wx1oJYW1vjypUrKC4urtZ7XFhYiCVLlkCv10MikYif6/V6sWf3ceXl5dX+NjIyEn+XSCSo662rtm3bVvt72rRpSEhIQO/evTFx4sRq+2aMMcZaEu45ZowxxlqQrl27wtvbG5988gmKi4sBAMXFxVCpVOjQoQOcnJwQHx8PIkJ5eTl27twJBwcHAECnTp1w7tw5AMAPP/zwTPuTSqW1Nq6reHh4IDs7G4cOHYJCofiLqWOMMcaaDvccM8YYYy3M0qVLsWHDBkyePBlSqRTl5eVwd3fH3LlzUVJSgsjISHh7e6OiogLOzs6YM2cOACAsLAwREREwNjaGg4MDunTp8qf7Gjx4MGJjYxEYGAg/P78a3xsaGsLDwwN37twRJ/pijDHGWiKerZoxxhhjz620tBRKpRLh4eEYPHhwUx8OY4wx9tx4WDVjjDHGnktaWhpGjhwJZ2dnbhgzxhhr8bjnmDHGGGOMMcbYK497jhljjDHGGGOMvfK4ccwYY4wxxhhj7JXHjWPGGGOMMcYYY688bhwzxhhjjDHGGHvlceOYMcYYY4wxxtgrjxvHjDHGGGOMMcZeef8PTkQXAbNFMBIAAAAASUVORK5CYII=%0A"/>
-          <p:cNvSpPr>
-            <a:spLocks noGrp="1" noChangeAspect="1" noChangeArrowheads="1"/>
-          </p:cNvSpPr>
-          <p:nvPr>
-            <p:ph idx="1"/>
-          </p:nvPr>
-        </p:nvSpPr>
-        <p:spPr bwMode="auto">
-          <a:xfrm>
-            <a:off x="314492" y="1780562"/>
-            <a:ext cx="2973654" cy="1147366"/>
+      <p:pic>
+        <p:nvPicPr>
+          <p:cNvPr id="18" name="Picture 17"/>
+          <p:cNvPicPr>
+            <a:picLocks noChangeAspect="1"/>
+          </p:cNvPicPr>
+          <p:nvPr/>
+        </p:nvPicPr>
+        <p:blipFill>
+          <a:blip r:embed="rId5"/>
+          <a:stretch>
+            <a:fillRect/>
+          </a:stretch>
+        </p:blipFill>
+        <p:spPr>
+          <a:xfrm>
+            <a:off x="4287003" y="1792268"/>
+            <a:ext cx="3434597" cy="3829043"/>
           </a:xfrm>
           <a:prstGeom prst="rect">
             <a:avLst/>
           </a:prstGeom>
-          <a:ln w="19050">
-            <a:solidFill>
-              <a:schemeClr val="accent4"/>
-            </a:solidFill>
-          </a:ln>
-        </p:spPr>
-        <p:style>
-          <a:lnRef idx="2">
-            <a:schemeClr val="accent1"/>
-          </a:lnRef>
-          <a:fillRef idx="1">
-            <a:schemeClr val="lt1"/>
-          </a:fillRef>
-          <a:effectRef idx="0">
-            <a:schemeClr val="accent1"/>
-          </a:effectRef>
-          <a:fontRef idx="minor">
-            <a:schemeClr val="dk1"/>
-          </a:fontRef>
-        </p:style>
-        <p:txBody>
-          <a:bodyPr vert="horz" wrap="square" lIns="91440" tIns="45720" rIns="91440" bIns="45720" numCol="1" rtlCol="0" anchor="ctr" anchorCtr="0" compatLnSpc="1">
-            <a:prstTxWarp prst="textNoShape">
-              <a:avLst/>
-            </a:prstTxWarp>
-            <a:normAutofit/>
+        </p:spPr>
+      </p:pic>
+      <p:sp>
+        <p:nvSpPr>
+          <p:cNvPr id="9" name="TextBox 8"/>
+          <p:cNvSpPr txBox="1"/>
+          <p:nvPr/>
+        </p:nvSpPr>
+        <p:spPr>
+          <a:xfrm>
+            <a:off x="445342" y="5251979"/>
+            <a:ext cx="3029528" cy="369332"/>
+          </a:xfrm>
+          <a:prstGeom prst="rect">
+            <a:avLst/>
+          </a:prstGeom>
+          <a:solidFill>
+            <a:schemeClr val="bg1"/>
+          </a:solidFill>
+        </p:spPr>
+        <p:txBody>
+          <a:bodyPr wrap="square" rtlCol="0">
+            <a:spAutoFit/>
           </a:bodyPr>
           <a:lstStyle/>
           <a:p>
-            <a:r>
-              <a:rPr lang="tr-TR" sz="1800" b="1" dirty="0" err="1">
-                <a:solidFill>
-                  <a:schemeClr val="tx2"/>
-                </a:solidFill>
-                <a:latin typeface="+mj-lt"/>
-              </a:rPr>
-              <a:t>Most</a:t>
-            </a:r>
-            <a:r>
-              <a:rPr lang="tr-TR" sz="1800" b="1" dirty="0">
-                <a:solidFill>
-                  <a:schemeClr val="tx2"/>
-                </a:solidFill>
-                <a:latin typeface="+mj-lt"/>
-              </a:rPr>
-              <a:t> of </a:t>
-            </a:r>
-            <a:r>
-              <a:rPr lang="tr-TR" sz="1800" b="1" dirty="0" err="1">
-                <a:solidFill>
-                  <a:schemeClr val="tx2"/>
-                </a:solidFill>
-                <a:latin typeface="+mj-lt"/>
-              </a:rPr>
-              <a:t>the</a:t>
-            </a:r>
-            <a:r>
-              <a:rPr lang="tr-TR" sz="1800" b="1" dirty="0">
-                <a:solidFill>
-                  <a:schemeClr val="tx2"/>
-                </a:solidFill>
-                <a:latin typeface="+mj-lt"/>
-              </a:rPr>
-              <a:t> </a:t>
-            </a:r>
-            <a:r>
-              <a:rPr lang="tr-TR" sz="1800" b="1" dirty="0" err="1">
-                <a:solidFill>
-                  <a:schemeClr val="tx2"/>
-                </a:solidFill>
-                <a:latin typeface="+mj-lt"/>
-              </a:rPr>
-              <a:t>developers</a:t>
-            </a:r>
-            <a:r>
-              <a:rPr lang="tr-TR" sz="1800" b="1" dirty="0">
-                <a:solidFill>
-                  <a:schemeClr val="tx2"/>
-                </a:solidFill>
-                <a:latin typeface="+mj-lt"/>
-              </a:rPr>
-              <a:t> </a:t>
-            </a:r>
-            <a:r>
-              <a:rPr lang="tr-TR" sz="1800" b="1" dirty="0" err="1">
-                <a:solidFill>
-                  <a:schemeClr val="tx2"/>
-                </a:solidFill>
-                <a:latin typeface="+mj-lt"/>
-              </a:rPr>
-              <a:t>are</a:t>
-            </a:r>
-            <a:r>
-              <a:rPr lang="tr-TR" sz="1800" b="1" dirty="0">
-                <a:solidFill>
-                  <a:schemeClr val="tx2"/>
-                </a:solidFill>
-                <a:latin typeface="+mj-lt"/>
-              </a:rPr>
-              <a:t> </a:t>
-            </a:r>
-            <a:r>
-              <a:rPr lang="tr-TR" sz="1800" b="1" dirty="0" err="1">
-                <a:solidFill>
-                  <a:schemeClr val="tx2"/>
-                </a:solidFill>
-                <a:latin typeface="+mj-lt"/>
-              </a:rPr>
-              <a:t>open</a:t>
-            </a:r>
-            <a:r>
-              <a:rPr lang="tr-TR" sz="1800" b="1" dirty="0">
-                <a:solidFill>
-                  <a:schemeClr val="tx2"/>
-                </a:solidFill>
-                <a:latin typeface="+mj-lt"/>
-              </a:rPr>
-              <a:t> </a:t>
-            </a:r>
-            <a:r>
-              <a:rPr lang="tr-TR" sz="1800" b="1" dirty="0" err="1">
-                <a:solidFill>
-                  <a:schemeClr val="tx2"/>
-                </a:solidFill>
-                <a:latin typeface="+mj-lt"/>
-              </a:rPr>
-              <a:t>to</a:t>
-            </a:r>
-            <a:r>
-              <a:rPr lang="tr-TR" sz="1800" b="1" dirty="0">
-                <a:solidFill>
-                  <a:schemeClr val="tx2"/>
-                </a:solidFill>
-                <a:latin typeface="+mj-lt"/>
-              </a:rPr>
-              <a:t> </a:t>
-            </a:r>
-            <a:r>
-              <a:rPr lang="tr-TR" sz="1800" b="1" dirty="0" err="1">
-                <a:solidFill>
-                  <a:schemeClr val="tx2"/>
-                </a:solidFill>
-                <a:latin typeface="+mj-lt"/>
-              </a:rPr>
-              <a:t>new</a:t>
-            </a:r>
-            <a:r>
-              <a:rPr lang="tr-TR" sz="1800" b="1" dirty="0">
-                <a:solidFill>
-                  <a:schemeClr val="tx2"/>
-                </a:solidFill>
-                <a:latin typeface="+mj-lt"/>
-              </a:rPr>
-              <a:t> </a:t>
-            </a:r>
-            <a:r>
-              <a:rPr lang="tr-TR" sz="1800" b="1" dirty="0" err="1">
-                <a:solidFill>
-                  <a:schemeClr val="tx2"/>
-                </a:solidFill>
-                <a:latin typeface="+mj-lt"/>
-              </a:rPr>
-              <a:t>job</a:t>
-            </a:r>
-            <a:r>
-              <a:rPr lang="tr-TR" sz="1800" b="1" dirty="0">
-                <a:solidFill>
-                  <a:schemeClr val="tx2"/>
-                </a:solidFill>
-                <a:latin typeface="+mj-lt"/>
-              </a:rPr>
-              <a:t> </a:t>
-            </a:r>
-            <a:r>
-              <a:rPr lang="tr-TR" sz="1800" b="1" dirty="0" err="1">
-                <a:solidFill>
-                  <a:schemeClr val="tx2"/>
-                </a:solidFill>
-                <a:latin typeface="+mj-lt"/>
-              </a:rPr>
-              <a:t>opportunities</a:t>
-            </a:r>
-            <a:endParaRPr lang="tr-TR" sz="1800" b="1" dirty="0">
-              <a:solidFill>
-                <a:schemeClr val="tx2"/>
-              </a:solidFill>
-              <a:latin typeface="+mj-lt"/>
-            </a:endParaRPr>
+            <a:pPr algn="ctr"/>
+            <a:r>
+              <a:rPr lang="tr-TR" dirty="0" err="1"/>
+              <a:t>Chef</a:t>
+            </a:r>
+            <a:endParaRPr lang="tr-TR" dirty="0"/>
+          </a:p>
+        </p:txBody>
+      </p:sp>
+      <p:sp>
+        <p:nvSpPr>
+          <p:cNvPr id="10" name="TextBox 9"/>
+          <p:cNvSpPr txBox="1"/>
+          <p:nvPr/>
+        </p:nvSpPr>
+        <p:spPr>
+          <a:xfrm>
+            <a:off x="4581236" y="5324375"/>
+            <a:ext cx="3029528" cy="369332"/>
+          </a:xfrm>
+          <a:prstGeom prst="rect">
+            <a:avLst/>
+          </a:prstGeom>
+          <a:solidFill>
+            <a:schemeClr val="bg1"/>
+          </a:solidFill>
+        </p:spPr>
+        <p:txBody>
+          <a:bodyPr wrap="square" rtlCol="0">
+            <a:spAutoFit/>
+          </a:bodyPr>
+          <a:lstStyle/>
+          <a:p>
+            <a:pPr algn="ctr"/>
+            <a:r>
+              <a:rPr lang="tr-TR" dirty="0" err="1"/>
+              <a:t>Scala</a:t>
+            </a:r>
+            <a:endParaRPr lang="tr-TR" dirty="0"/>
           </a:p>
         </p:txBody>
       </p:sp>
     </p:spTree>
     <p:extLst>
       <p:ext uri="{BB962C8B-B14F-4D97-AF65-F5344CB8AC3E}">
-        <p14:creationId xmlns:p14="http://schemas.microsoft.com/office/powerpoint/2010/main" val="2248732629"/>
+        <p14:creationId xmlns:p14="http://schemas.microsoft.com/office/powerpoint/2010/main" val="1047981653"/>
       </p:ext>
     </p:extLst>
   </p:cSld>
@@ -15637,25 +15566,44 @@
       </p:grpSpPr>
       <p:sp>
         <p:nvSpPr>
-          <p:cNvPr id="2" name="Title 1"/>
-          <p:cNvSpPr>
-            <a:spLocks noGrp="1"/>
+          <p:cNvPr id="13" name="Title 1"/>
+          <p:cNvSpPr txBox="1">
+            <a:spLocks/>
           </p:cNvSpPr>
-          <p:nvPr>
-            <p:ph type="title"/>
-          </p:nvPr>
+          <p:nvPr/>
         </p:nvSpPr>
         <p:spPr>
           <a:xfrm>
-            <a:off x="838200" y="208109"/>
+            <a:off x="838200" y="189636"/>
             <a:ext cx="10515600" cy="1325563"/>
           </a:xfrm>
+          <a:prstGeom prst="rect">
+            <a:avLst/>
+          </a:prstGeom>
         </p:spPr>
         <p:txBody>
           <a:bodyPr vert="horz" lIns="91440" tIns="45720" rIns="91440" bIns="45720" rtlCol="0" anchor="ctr">
             <a:normAutofit/>
           </a:bodyPr>
-          <a:lstStyle/>
+          <a:lstStyle>
+            <a:lvl1pPr algn="l" defTabSz="914400" rtl="0" eaLnBrk="1" latinLnBrk="0" hangingPunct="1">
+              <a:lnSpc>
+                <a:spcPct val="90000"/>
+              </a:lnSpc>
+              <a:spcBef>
+                <a:spcPct val="0"/>
+              </a:spcBef>
+              <a:buNone/>
+              <a:defRPr sz="4400" kern="1200">
+                <a:solidFill>
+                  <a:schemeClr val="tx1"/>
+                </a:solidFill>
+                <a:latin typeface="+mj-lt"/>
+                <a:ea typeface="+mj-ea"/>
+                <a:cs typeface="+mj-cs"/>
+              </a:defRPr>
+            </a:lvl1pPr>
+          </a:lstStyle>
           <a:p>
             <a:r>
               <a:rPr lang="tr-TR" sz="3600" b="1" dirty="0" err="1">
@@ -15663,7 +15611,7 @@
                   <a:schemeClr val="tx2"/>
                 </a:solidFill>
               </a:rPr>
-              <a:t>Job</a:t>
+              <a:t>By</a:t>
             </a:r>
             <a:r>
               <a:rPr lang="tr-TR" sz="3600" b="1" dirty="0">
@@ -15679,7 +15627,7 @@
                   <a:schemeClr val="tx2"/>
                 </a:solidFill>
               </a:rPr>
-              <a:t>Satisfaction</a:t>
+              <a:t>DevType</a:t>
             </a:r>
             <a:endParaRPr lang="tr-TR" sz="3600" b="1" dirty="0">
               <a:solidFill>
@@ -15689,9 +15637,69 @@
           </a:p>
         </p:txBody>
       </p:sp>
+      <p:sp>
+        <p:nvSpPr>
+          <p:cNvPr id="16" name="TextBox 15"/>
+          <p:cNvSpPr txBox="1"/>
+          <p:nvPr/>
+        </p:nvSpPr>
+        <p:spPr>
+          <a:xfrm>
+            <a:off x="822428" y="6098443"/>
+            <a:ext cx="2061783" cy="369332"/>
+          </a:xfrm>
+          <a:prstGeom prst="rect">
+            <a:avLst/>
+          </a:prstGeom>
+          <a:noFill/>
+        </p:spPr>
+        <p:txBody>
+          <a:bodyPr wrap="none" rtlCol="0">
+            <a:spAutoFit/>
+          </a:bodyPr>
+          <a:lstStyle/>
+          <a:p>
+            <a:r>
+              <a:rPr lang="tr-TR" dirty="0" smtClean="0"/>
+              <a:t>Data Scientist / MLE</a:t>
+            </a:r>
+            <a:endParaRPr lang="en-US" dirty="0"/>
+          </a:p>
+        </p:txBody>
+      </p:sp>
+      <p:sp>
+        <p:nvSpPr>
+          <p:cNvPr id="23" name="TextBox 22"/>
+          <p:cNvSpPr txBox="1"/>
+          <p:nvPr/>
+        </p:nvSpPr>
+        <p:spPr>
+          <a:xfrm>
+            <a:off x="375480" y="1760257"/>
+            <a:ext cx="1420132" cy="369332"/>
+          </a:xfrm>
+          <a:prstGeom prst="rect">
+            <a:avLst/>
+          </a:prstGeom>
+          <a:noFill/>
+        </p:spPr>
+        <p:txBody>
+          <a:bodyPr wrap="none" rtlCol="0">
+            <a:spAutoFit/>
+          </a:bodyPr>
+          <a:lstStyle/>
+          <a:p>
+            <a:r>
+              <a:rPr lang="tr-TR" dirty="0" smtClean="0"/>
+              <a:t>Leverage: %7</a:t>
+            </a:r>
+            <a:endParaRPr lang="en-US" dirty="0"/>
+          </a:p>
+        </p:txBody>
+      </p:sp>
       <p:pic>
         <p:nvPicPr>
-          <p:cNvPr id="5" name="Picture 4"/>
+          <p:cNvPr id="17" name="Picture 16"/>
           <p:cNvPicPr>
             <a:picLocks noChangeAspect="1"/>
           </p:cNvPicPr>
@@ -15705,8 +15713,8 @@
         </p:blipFill>
         <p:spPr>
           <a:xfrm>
-            <a:off x="404896" y="1094986"/>
-            <a:ext cx="10115550" cy="5763014"/>
+            <a:off x="3444104" y="2187699"/>
+            <a:ext cx="2786009" cy="3663621"/>
           </a:xfrm>
           <a:prstGeom prst="rect">
             <a:avLst/>
@@ -15715,199 +15723,260 @@
       </p:pic>
       <p:sp>
         <p:nvSpPr>
-          <p:cNvPr id="4" name="AutoShape 2" descr="data:image/png;base64,iVBORw0KGgoAAAANSUhEUgAAA8cAAAIZCAYAAACLTE2xAAAABHNCSVQICAgIfAhkiAAAAAlwSFlzAAALEgAACxIB0t1+/AAAADh0RVh0U29mdHdhcmUAbWF0cGxvdGxpYiB2ZXJzaW9uMy4yLjIsIGh0dHA6Ly9tYXRwbG90bGliLm9yZy+WH4yJAAAgAElEQVR4nOzdfZyXZZ0v8M8AA1rgjCCIYmJZ6XlppS1tmcScfJmAoKyUbgrqoVPmQ6V1lj08mByUkY5PebS07eyu56Ru5apBS6h1jkGhZj5s7sm11tQZH1AeBmZ4UGBg5vzBMmkWDszDPTP3+/16+Rp/1/yu+/rel79h/HBd931XtLa2tgYAAABKrF/RBQAAAEDRhGMAAABKTzgGAACg9IRjAAAASk84BgAAoPSEYwAAAEpPOAYAAKD0BhRdQE+zfv3mtLR49DMAAEBf0q9fRfbf/+1/8vvC8R9oaWkVjgEAAErGtmoAAABKTzgGAACg9IRjAAAASk84BgAAoPSEYwAAAEpPOAYAAKD0hGMAAABKTzgGAACg9IRjAAAASk84BgAAoPSEYwAAAEpPOAYAAKD0hGMAAABKTzgGAACg9IRjAAAASk84BgAAoPSEYwAAAEpPOAYAAKD0BhRdQJmsWLE8y5ffv9f9m5oakyRVVdV7fYyamhMydmzNXvcHAADoi4TjXqSxsePhGAAAgDeraG1tbS26iJ6koWFTWlp65pTU1s5LksydO7/gSgAAAHqXfv0qMmzY4D/9/W6sBQAAAHok4RgAAIDSE44BAAAoPeEYAACA0hOOAQAAKD3hGAAAgNITjgEAACg94RgAAIDSE44BAAAoPeEYAACA0hOOAQAAKD3hGAAAgNITjgEAACg94RgAAIDSE44BAAAoPeEYAACA0hOOAQAAKD3hGAAAgNITjgEAACg94RgAAIDSE44BAAAoPeEYAACA0hOOAQAAKD3hGAAAgNITjgEAACg94RgAAIDSE44BAAAoPeEYAACA0hOOAQAAKD3hGAAAgNITjgEAACg94RgAAIDSE44BAAAoPeEYAACA0hOOAQAAKD3hGAAAgNITjgEAACg94RgAAIDSE44BAAAoPeEYAACA0hOOAQAAKD3hGAAAgNITjgEAACg94RgAAIDSE44BAAAoPeEYAACA0hOOAQAAKD3hGAAAgNITjgEAACg94RgAAIDSE44BAAAoPeEYAACA0hOOAQAAKD3hGAAAgNITjgEAACg94RgAAIDSE44BAAAoPeEYAACA0hOOAQAAKD3hGAAAgNITjgEAACg94RgAAIDSE44BAAAoPeEYAACA0uvScPyNb3wjkyZNyqRJk3LVVVclSR588MGccsopOemkk/L1r3+97b1PPfVUpk6dmvHjx2fu3LnZvn17kmTlypWZNm1aJkyYkAsuuCCbN29OkmzYsCHnnXdeJk6cmGnTpmXNmjVJkm3btmXmzJmZOHFiTjvttDzzzDNdeYoAAAD0AV0Wjh988MGsWLEiP/jBD7Jo0aI8+eSTWbJkSebMmZObbropS5cuza9//essX748STJz5sxcdtllue+++9La2po77rgjSTJ//vycddZZuffee3P00UfnpptuSpJcf/31GTNmTO65556cfvrpqa2tTZLceuut2XfffXPPPfdkzpw5mT17dledIgAAAH1El4Xj4cOHZ9asWRk4cGAqKytz+OGHp66uLqNHj8473vGODBgwIKecckruvffevPTSS9myZUuOOeaYJMnUqVNz7733prm5OY888kjGjx//hvYkWbZsWU455ZQkyeTJk/Ozn/0szc3NWbZsWU499dQkyYc+9KGsW7cuK1eu7KrTBAAAoA/osnD8nve8py3s1tXV5Z577klFRUWGDx/e9p4RI0Zk1apVWb169Rvahw8fnlWrVmX9+vUZPHhwBgwY8Ib2JG/oM2DAgAwePDjr1q37o8d65ZVXuuo0AQAA6AMGdPUATz/9dD7/+c/nr//6r9O/f//U1dW1fa+1tTUVFRVpaWlJRUXFm9p3fX29P3z9+j79+vV7U59d7e01bNjgdr+3u1VW9k+SDB8+pOBKAAAA+pYuDcePPfZYvvSlL2XOnDmZNGlSfvnLX7bdOCtJ1qxZkxEjRmTkyJFvaF+7dm1GjBiRoUOHZuPGjdmxY0f69+/f9v5k56rz2rVrM3LkyGzfvj2bN29OdXV1DjzwwKxevTqHHnroG47VXg0Nm9LS0tpJM9C5mpt3JEnWrNlYcCUAAAC9S79+FbtdDO2ybdUvv/xyLrroolxzzTWZNGlSkuQDH/hAnnvuudTX12fHjh1ZsmRJxo0bl1GjRmXQoEF57LHHkiSLFy/OuHHjUllZmTFjxmTp0qVJkkWLFmXcuHFJkpqamixatChJsnTp0owZMyaVlZWpqanJ4sWLkySPPvpoBg0alIMPPrirThMAAIA+oKK1tbVLlkkXLFiQu+66q20FN0k+/elP57DDDsvChQuzdevW1NTUZPbs2amoqMhvfvObXHrppdm0aVOOOuqoLFy4MAMHDsxLL72UWbNmpaGhIQcddFCuu+66VFVVpbGxMbNmzcoLL7yQIUOG5JprrskhhxySrVu35rLLLsuvf/3rDBw4MAsWLMhRRx3V7rp78spxbe28JMncufMLrgQAAKB3eauV4y4Lx72VcAwAAND3FLatGgAAAHoL4RgAAIDSE44BAAAoPeEYAACA0hOOAQAAKD3hGAAAgNITjgEAACg94RgAAIDSE44BAAAoPeEYAACA0hOOAQAAKD3hGAAAgNITjgEAACg94RgAAIDSE44BAAAoPeEYAACA0hOOAQAAKD3hGAAAgNITjgEAACg94RgAAIDSE44BAAAoPeEYAACA0hOOAQAAKD3hGAAAgNITjgEAACg94RgAAIDSE44BAAAoPeEYAACA0hOOAQAAKD3hGAAAgNITjgEAACg94RgAAIDSE44BAAAoPeEYAACA0hOOAQAAKD3hGAAAgNITjgEAACg94RgAAIDSE44BAAAoPeEYAACA0hOOAQAAKD3hGAAAgNITjgEAACg94RgAAIDSE44BAAAoPeEYAACA0hOOAQAAKD3hGAAAgNITjgEAACg94RgAAIDSE44BAAAoPeEYAACA0hOOAQAAKD3hGAAAgNITjgEAACg94RgAAIDSE44BAAAoPeEYAACA0hOOAQAAKD3hGAAAgNITjgEAACg94RgAAIDSE44BAAAoPeEYAACA0hOOAQAAKD3hGAAAgNITjgEAACg94RgAAIDSE44BAAAoPeEYAACA0hOOAQAAKD3hGAAAgNITjgEAACg94RgAAIDSE44BAAAoPeEYAACA0hOOAQAAKD3hGAAAgNITjgEAACg94RgAAIDSE44BAAAoPeEYAACA0hOOAQAAKD3hGAAAgNITjgEAACi9Lg3HmzZtyuTJk/Piiy8mSWbPnp2TTjopU6ZMyZQpU/KTn/wkSfLUU09l6tSpGT9+fObOnZvt27cnSVauXJlp06ZlwoQJueCCC7J58+YkyYYNG3Leeedl4sSJmTZtWtasWZMk2bZtW2bOnJmJEyfmtNNOyzPPPNOVpwcAAEAf0WXh+IknnsiZZ56Zurq6trZf//rXue2227J48eIsXrw4n/jEJ5IkM2fOzGWXXZb77rsvra2tueOOO5Ik8+fPz1lnnZV77703Rx99dG666aYkyfXXX58xY8bknnvuyemnn57a2tokya233pp9990399xzT+bMmZPZs2d31ekBAADQhwzoqgPfcccdmTdvXv76r/86SfLaa69l5cqVmTNnTlatWpVPfOIT+cIXvpCXX345W7ZsyTHHHJMkmTp1am644YacfvrpeeSRR/LNb36zrX369OmZOXNmli1blttvvz1JMnny5Fx++eVpbm7OsmXLcvHFFydJPvShD2XdunVZuXJlDj744K46TbrZihXLs3z5/Xvdv6mpMUlSVVW918eoqTkhY8fW7HV/AACg5+mycLxrNXeXtWvX5iMf+UjmzZuXIUOG5POf/3zuvPPOvOc978nw4cPb3jd8+PCsWrUq69evz+DBgzNgwIA3tCfJ6tWr2/oMGDAggwcPzrp1697QvqvPK6+8IhzTprGx4+EYAADoe7osHP+hd7zjHW2rwEly9tlnZ9GiRTn88MNTUVHR1t7a2pqKioq2r6/3h69f36dfv35v6rOrfU8MGzZ4j97fnSor+ydJhg8fUnAlxTnttMk57bTJe91/5syZSZKrr766s0oCAAD6gG4Lx7/97W9TV1eX8ePHJ9kZXAcMGJCRI0e23VAr2bnCPGLEiAwdOjQbN27Mjh070r9//6xZsyYjRoxIkowYMSJr167NyJEjs3379mzevDnV1dU58MADs3r16hx66KFvONaeaGjYlJaW1k46687V3LwjSbJmzcaCK+m9zCEAAJRTv34Vu10M7bZHObW2tubKK69MU1NTmpub8/3vfz+f+MQnMmrUqAwaNCiPPfZYkmTx4sUZN25cKisrM2bMmCxdujRJsmjRoowbNy5JUlNTk0WLFiVJli5dmjFjxqSysjI1NTVZvHhxkuTRRx/NoEGDbKkGAADgLXXbyvGRRx6Z8847L2eeeWa2b9+ek046KZMn79wee8011+TSSy/Npk2bctRRR+Wcc85JksybNy+zZs3KzTffnIMOOijXXXddkuTiiy/OrFmzMmnSpAwZMiTXXHNNkp1btS+77LJMmjQpAwcOzFVXXdVdpwcAAEAvVtHa2toz9xAXpCdvq66tnZckmTt3fsGV9F7mEAAAyqnHbKsGAACAnqrbtlUD9BUdfd524pnbAAA9jXAMUADP3AYA6FmE4z1w2223pL6+rrDxd42967rZoowefVimT59RaA1QpLFjazq8Yuv6dwCAnkU43gP19XV5/ndP59Cq/QsZv7p//53/smZtIeMnyfNN6wsbGwAAoKsIx3vo0Kr9M3fsSUWXUZjaFT8uugQAAIBO527VAAAAlJ5wDAAAQOkJxwAAAJSecAwAAEDpCccAAACUnnAMAABA6bXrUU47duzI9773vaxYsSL9+/fPxz/+8Xzyk5/s6tqALrBixfIsX37/XvdvampMklRVVXeojpqaEzJ2bE2HjgEAAJ2lXeF4wYIF+d3vfpcpU6aktbU1d911V55//vl8+ctf7ur6gB6msbFzwjEAAPQk7QrHDzzwQH70ox+lsrIySXLqqafm1FNPFY6hFxo7tqZDK7a1tfOSJHPnzu+skgAAoHDtuuZ46NCh2bFjR9vrioqK7Lfffl1WFAAAAHSndq0cH3nkkTnrrLMyderU9O/fP0uXLs3++++fW265JUkyY8aMLi0SAAAAulK7wvHWrVtzxBFH5Mknn0ySHHLIIUmSf/u3f+u6ygAAAKCbtCscL1y4sKvrAAAAgMK0Kxw//PDD+fa3v52mpqY3tN95551dUhQAAAB0p3aF40svvTRnn312Dj300K6uBwAAALpdu8LxsGHDcs4553R1LQAAAFCIdoXjE044Ibfffns+9rGPZcCA33c5+OCDu6wwAAAA6C7tCsfr16/Pddddl3333betraKiIo8//niXFQYAAADdpV3h+Kc//WlWrFiRAw44oKvrAQAAgG7Xrz1vGjZsWIYOHdrVtQAAAEAh2rVy/N73vjdnnXVWPv7xj2fgwIFt7TNmzOiywgAAAKC7tCscb9myJe985ztTV1fXxeUAAABA92tXOF64cGGS5KWXXsr27dszevToLi0KAAAAulO7wnF9fX0uvPDCrF69Oi0tLdl///3zN3/zNzn88MO7uj4AAADocu26Idfll1+ez372s3nkkUfy2GOP5YILLsj8+fO7ujYAAADoFu0Kxw0NDTnttNPaXn/yk5/M+vXru6woAAAA6E7tCsc7duxIY2Nj2+t169Z1WUEAAADQ3dp1zfH06dPzl3/5l5k4cWIqKiqydOnSnHvuuV1dGwAAAHSLdoXjv/zLv8yhhx6aFStWpKWlJfPmzctHP/rRrq4NAAAAusVbhuP169enpaUlxx13XI477rg89NBDOeKII7qjNgAAAOgWu73m+Omnn87EiRPz+OOPt7X95Cc/yamnnppnn322y4sDAACA7rDbcHzttddm7ty5+cQnPtHWdtlll+UrX/lKrr766i4vDgAAALrDbsPxypUrc8opp7ypferUqXnhhRe6rCgAAADoTrsNx/379/+T36usrOz0YgAAAKAIuw3Hw4YNy1NPPfWm9n/913/Nvvvu22VFAQAAQHfa7d2qL7zwwlx44YW56KKLcuyxx6a1tTX//M//nJtuuikLFizorhoBAACgS+02HH/wgx/MVVddlRtvvDFXXnll+vXrl2OOOSZXX311xowZ0101AgAAQJd6y+ccf+hDH8p3vvOd7qgFAAAACrHbcPyNb3xjt52/8IUvdGoxAAAAUITdhuP169cnSZ599tk899xzOfHEEzNgwID83//7f3PEEUd0S4EAAADQ1XYbjr/61a8mSc4555zcfffdGTp0aJLkggsuyIUXXtj11QEAf9KKFcuzfPn9e92/qakxSVJVVb3Xx6ipOSFjx9bsdX8A6Cne8prjJFmzZk1bME6S/fbbLw0NDV1WFADQ9RobOx6OAaCvaFc4PuKIIzJ79uxMmTIlra2tufPOO/OBD3ygq2sDAHZj7NiaDq3a1tbOS5LMnTu/s0oCgF6rXeF4wYIFueGGG1JbW5skGTduXL74xS92aWEAAADQXdoVjgcPHpyvfOUrqaury3vf+95s3bo1++yzT1fXBgAAAN2iX3ve9Ktf/Sonnnhizj///KxevTr/8T/+xzz++ONdXRsAAAB0i3aF46uuuir/63/9r1RXV2fkyJG56qqr2rZYAwAAQG/XrnC8ZcuWvPvd7257XVNTkx07dnRZUQAAANCd2hWOBwwYkKamplRUVCRJnn322S4tCgAAALpTu27Idf7552f69OlZu3ZtvvKVr+SBBx7I5Zdf3tW1AQAAQLdoVzg+4YQTcvjhh+eBBx5IS0tLLrroohx++OFdXRsAfdiKFcuzfPn9e92/qakxSVJVVb3Xx6ipOaFDzwkGAPqOdm2rnjNnTkaPHp2zzjor06dPz+GHH54vfelLXV0bAPxJjY2NaWxsLLoMAKCP2O3K8bx587Jq1ao89thjWbduXVv79u3b88ILL3R5cQD0XWPH1nRo1ba2dl6SZO7c+Z1VEgBQYrsNx5/61Kfy9NNP57e//W3Gjx/f1t6/f/8cc8wxXV4cAAAAdIfdhuP3ve99ed/73pfHH388p512WnfVBAAAAN2qXdccP/HEE11dBwAAABSmXXerPuSQQ/KZz3wmH/zgB/P2t7+9rX3GjBldVhgAAAB0l3aF4+rqnY/JeOmll7q0GAAAAChCu8LxwoULkyQbNmzIfvvt16UFAQAAQHdr1zXHzz33XE4++eRMmjQpq1atysSJE/PMM890dW0AAADQLdoVjq+44orMnTs3w4YNy4EHHpjp06fnsssu6+raAAAAoFu0Kxw3Njbm+OOPb3s9bdq0bNq0qcuKAgAAgO7UrnCcJFu3bk1FRUWSZM2aNWlpaemyogAAAKA7teuGXGeeeWb+83/+z2loaMi1116bH/3oR/nsZz/b1bX1OE1NjWlsWp/aFT8uupTC1DetT/XAdn1sAAAAeo12pZzTTz89hx12WJYtW5bt27fniiuueMM2awAAAOjN2hWOr7322pxxxhmZOXNmV9fTo1VVVadq2/bMHXtS0aUUpnbFj5Oq6qLLAAAA6FTtuua4tbU106ZNy7nnnpslS5Zk27ZtXV0XAAAAdJt2heO/+qu/yrJly/KZz3wmP/nJT3LiiSfmyiuv7OraAAAAoFu0+85K/fr1y9FHH53nnnsudXV1efTRR7uyLgAAAOg27QrHP/nJT3LXXXflV7/6VSZMmJArr7wyRx11VFfXBgAAAN2iXeH47/7u73LGGWfk+uuvzz777NPVNQEAAEC3alc4/t73vpdt27bltddey5YtW9raq6vdtRgAAIDer93h+Morr0xzc3NaW1uTJBUVFXnqqae6tDgAAADoDu0Kx3/7t3+b7373u64zBgAAoE9q16OcDjjgAMEYAACAPqtd4Xjs2LH5h3/4h6xatSqNjY1t/wAAAEBf0K5t1d/+9rezbdu2XH755W1trjkGAACgr2hXOP6Xf/mXrq4DAAAACtOucNzS0pK/+7u/y89+9rNs3749xx9/fM4///wMGNCu7gAAANCjteua42uvvTa/+MUvcu6552bGjBn553/+5/z3//7f37Lfpk2bMnny5Lz44otJkgcffDCnnHJKTjrppHz9619ve99TTz2VqVOnZvz48Zk7d262b9+eJFm5cmWmTZuWCRMm5IILLsjmzZuTJBs2bMh5552XiRMnZtq0aVmzZk2SZNu2bZk5c2YmTpyY0047Lc8888yezQYAAACl1K5w/POf/zzf+ta3cuKJJ+akk07KzTffnJ///Oe77fPEE0/kzDPPTF1dXZJky5YtmTNnTm666aYsXbo0v/71r7N8+fIkycyZM3PZZZflvvvuS2tra+64444kyfz583PWWWfl3nvvzdFHH52bbropSXL99ddnzJgxueeee3L66aentrY2SXLrrbdm3333zT333JM5c+Zk9uzZezUpAAAAlEu7wnFra2sqKyvbXg8cOPANr/+YO+64I/PmzcuIESOS7LxuefTo0XnHO96RAQMG5JRTTsm9996bl156KVu2bMkxxxyTJJk6dWruvffeNDc355FHHsn48ePf0J4ky5YtyymnnJIkmTx5cn72s5+lubk5y5Yty6mnnpok+dCHPpR169Zl5cqVezIfAAAAlFC7Lho+8sgjc+WVV2b69OmpqKjIrbfemve+97277bNrNXeX1atXZ/jw4W2vR4wYkVWrVr2pffjw4Vm1alXWr1+fwYMHt13XvKv9D481YMCADB48OOvWrfujx3rllVdy8MEHt+c0kyTDhg3+k9+rrOyf5nYfqe+qrOyf4cOHFF3GXqms7J8kvbb+nsAcdg7z2HHmsOPMIQD8XrvC8bx587JgwYJ8+tOfTktLSz72sY/lq1/96h4N1NLSkoqKirbXra2tqaio+JPtu76+3h++fn2ffv36vanPrvY90dCwKS0trX/0e83NO/boWH1Vc/OOrFmzsegy9squ/4a9tf6ewBx2DvPYceaw48whAGXSr1/FbhdDd5sct23blv/6X/9rHnrooXzta1/Lgw8+mPe///3p379/Bg/+0wf9Y0aOHNl246wkWbNmTUaMGPGm9rVr12bEiBEZOnRoNm7cmB07drzh/cnOVee1a9cmSbZv357Nmzenuro6Bx54YFavXv2mYwEAAMDu7DYc33DDDdm0aVM++MEPtrVdccUV2bBhQ2688cY9GugDH/hAnnvuudTX12fHjh1ZsmRJxo0bl1GjRmXQoEF57LHHkiSLFy/OuHHjUllZmTFjxmTp0qVJkkWLFmXcuHFJkpqamixatChJsnTp0owZMyaVlZWpqanJ4sWLkySPPvpoBg0atEdbqgEAACin3YbjZcuW5dprr82wYcPa2g488MBcddVV+T//5//s0UCDBg3K1772tXzxi1/MySefnHe9612ZMGFCkuSaa67JwoULM2HChLz66qs555xzkuzczn3HHXfk5JNPzqOPPppLLrkkSXLxxRfnV7/6VSZNmpR/+Id/yGWXXZYkOfvss7Nt27ZMmjQptbW1ueqqq/aoRgAAAMppt9ccV1ZWZp999nlT++DBgzNw4MB2DXD//fe3/ftxxx2XH/7wh296z5FHHpk777zzTe2jRo3Krbfe+qb26urqfOtb33pT+6BBg9r1/GUAAAB4vd2uHPfr1y+bNm16U/umTZuyffv2LisKAAAAutNuw/HkyZNz6aWX5tVXX21re/XVV3PppZfmpJNO6vLiAAAAoDvsNhyfe+65GTJkSI4//vicccYZ+dSnPpXjjz8+++23Xy666KLuqhEAAAC61G6vOe7Xr1+uuOKKnH/++XnyySfTr1+/vP/97/d4JAAAAPqU3YbjXUaNGpVRo0Z1dS0AAABQiHaFYwCAvmjFiuVZvvz+t37jn9DU1Jgkqaqq3utj1NSckLFja/a6PwCdQzimW9122y2pr68rbPxdY9fWziushiQZPfqwTJ8+o9AaAOi4xsaOh2MAegbhmG5VX1+X+t/9aw7Zr6KQ8ffr15ok2bH6qULGT5IXN7QWNjYAbzR2bE2HVm13/WXr3LnzO6skAAoiHNPtDtmvIpccN7DoMgpz/UPbii4BAAD4A7t9lBMAAACUgXAMAABA6QnHAAAAlJ5wDAAAQOkJxwAAAJSecAwAAEDpCccAAACUnuccQy9z2223pL6+rrDxd41dWzuvsBqSZPTowzJ9+oxCawAgWbFieZYvv3+v+zc1NSZJqqqq9/oYNTUnZOzYmr3uD5AIx9Dr1NfX5dln/jUH7P3/Q3TIoH//U2NDw78WU0CStY2FDQ1AJ2ts7Hg4BugMwjH0QgdUJ1M/XlF0GYW5+6etRZcAwL8bO7amQ6u2u3YizZ07v7NKAtgrwjFQOkVvTU96xvZ0W9MBAH5POAZKp76+Lr975skMGVpcDRWVO7+uWv9kIeNvXFfIsAAAPZZwDJTSkKHJn48vuori/PK+oisAAOhZPMoJAACA0hOOAQAAKD3hGAAAgNITjgEAACg94RgAAIDSc7fqPfR80/rUrvhxIWM3bX0tSVI1aN9Cxk92nv+hww8obHwAAICuIBzvgdGjDyt0/Mb6uiRJVYHh9NDhBxQ+DwAAAJ1NON4D06fPKHT82tp5SZK5c+cXWgcAAEBf45pjAAAASk84BgAAoPSEYwAAAEpPOAYAAKD0hGMAAABKTzgGAACg9IRjAAAASk84BgAAoPSEYwAAAEpvQNEFAND73HbbLamvryu0hl3j19bOK6yG0aMPy/TpM/aqrzncqSNzCACdSTgGYI/V19flN88+lRwwsLgiBu1IkvxmwzPFjL92W4e675zDp5NhVZ1U0F4YuHMD2W+aVhczfkNTMeMCwB8hHAOwdw4YmIopBxVdRWFaFw7SADAAACAASURBVL/c8YMMq0r/yR/r+HF6qR1Lfl50CQDQxjXHAAAAlJ6VY7pVU1NjGje05vqHOrYdsTd7cUNrqgc1Fl0GAADwOlaOAQAAKD0rx3SrqqrqDN76ci45rsCb+BTs+oe2pX9VddFlAAAAr2PlGAAAgNITjgEAACg94RgAAIDSE44BAAAoPeEYAACA0hOOAQAAKD3hGAAAgNITjgEAACg94RgAAIDSE44BAAAoPeEYAACA0hOOAQAAKD3hGAAAgNIbUHQBwJ5pampMQ2Ny909biy6lMGsbk9YBjUWXAQBAHyIcA6XT1NSYjeuSX95XdCXF2bgu2aefv2AAANhFOIZepqqqOhXbV2bqxyuKLqUwd/+0NftVVRddBgAAfYhwDJROVVV1trS8lD8fX3QlxfnlfTvnAQCAndyQCwAAgNITjgEAACg926oB2GNNTY1Jw7a0Ln656FKKs3Zbmlrd1AwA+gorxwAAAJSelWMA9lhVVXVermhIxZSDii6lMK2LX07Vfm5qBgB9hZVjAAAASk84BgAAoPRsqwYAeq3bbrsl9fV1hY2/a+za2nmF1ZAko0cflunTZxRaA0BvJxwDAL1WfX1dfvPs71Ix9IBCxm8dODBJ8tvG4u5c3rpubWFjA/QlwjEA0KtVDD0glZOnFF1GYZqXLC66BIA+wTXHAAAAlJ6VYwAoQFNTY9LQmB1Lfl50KcVpaExTBhZdBQAksXIMAAAAVo4BoAhVVdV5OdvSf/LHii6lMDuW/DxVVdVFlwEASawcAwAAgJVjAAAo0ooVy7N8+f173b+paeejxDq6E6Om5oSMHVvToWNAbyYc0+1e3NCa6x/aVsjYG7a2Jkn2G1RRyPjJzvMfPaKw4QGAPqaxsXPCMZSdcEy3Gj36sELH31BflyTZf0RxdYweUfw8AAA9x9ixNR1asa2tnZckmTt3fmeVBKUkHNOtpk+fUej4fnkAAPQ9Hd2annTO9nRb03s34RgAACg929MRjgEAgF6to1vTEzsM8SgnAAAAKGbl+Oyzz866desyYMDO4S+//PJs3rw5CxcuzNatWzNx4sR8+ctfTpI89dRTmTt3bjZv3pwxY8Zk/vz5GTBgQFauXJmZM2emoaEh73znO3PNNdfk7W9/ezZs2JC/+qu/ygsvvJChQ4fm+uuvz/Dhw4s4TegyaxuTu3/aWsjYr27Z+fVt+xQyfJKd57/fsOLGBwCg7+n2cNza2pq6urr89Kc/bQvHW7ZsyYQJE3LrrbfmoIMOyuc///ksX748NTU1mTlzZhYsWJBjjjkmc+bMyR133JGzzjor8+fPz1lnnZVJkyblm9/8Zm666abMnDkz119/fcaMGZNvf/vbWbRoUWpra3P99dd392lClyn6Ttfr//2O3yOHFVfHfsOKnwcAAPqWbg/Hzz77bJLkM5/5TBobG3PGGWfkve99b0aPHp13vOMdSZJTTjkl9957b9797ndny5YtOeaYY5IkU6dOzQ033JDTTz89jzzySL75zW+2tU+fPj0zZ87MsmXLcvvttydJJk+enMsvvzzNzc2prKzs7lOFLuGO3wAA0Pm6PRxv2LAhxx13XL761a+mubk555xzTj772c++YevziBEjsmrVqqxevfoN7cOHD8+qVauyfv36DB48uG3leVd7kjf0GTBgQAYPHpx169blwAMPbFd9w4YN7qxT7XSVlf2TJMOHDym4kt7LHHZcX5jDXedQdpWV/ff6v6M53MkcdlxH5nBXfzo+j0XqC79XimYOO4d5pNvD8bHHHptjjz227fWnPvWp3HDDDfmzP/uztrbW1tZUVFSkpaUlFRUVb2rf9fX1/vD16/v069f++441NGxKS0sx13K+lebmHUmSNWs2FlxJ72UOO64vzOGucyi75uYde/3f0RzuZA47riNzuKs/HZ/HIvWF3ytFM4edwzz2ff36Vex2MbTbw/Gjjz6a5ubmHHfccUl2htdRo0ZlzZo1be9Zs2ZNRowYkZEjR76hfe3atRkxYkSGDh2ajRs3ZseOHenfv3/b+5Odq85r167NyJEjs3379mzevDnV1Z5VBgDwx9x22y2p//f7SRRh19i7LtspyujRhxV+6RJQrG4Pxxs3bswNN9yQ733ve2lubs4PfvCDzJ8/P5dccknq6+tzyCGHZMmSJfnkJz+ZUaNGZdCgQXnsscfyZ3/2Z1m8eHHGjRuXysrKjBkzJkuXLs0pp5ySRYsWZdy4cUmSmpqaLFq0KOeff36WLl2aMWPGuN4YoCus3ZbWxS8XN/6r/75i+LaCttWu3ZbsV8zQ0Jnq6+vym2efTf9hBxcyfsvAtydJnm7aUsj4SbKjYWVhYwM9R7eH449//ON54okn8hd/8RdpaWnJWWedlWOPPTZf+9rX8sUvfjFbt25NTU1NJkyYkCS55pprcumll2bTpk056qijcs455yRJ5s2bl1mzZuXmm2/OQQcdlOuuuy5JcvHFF2fWrFmZNGlShgwZkmuuuaa7TxGgz+sJdwuvX1+XJBk98rBiCtivZ8wDdIb+ww7O2yZfWHQZhXl1yU1FlwD0AIU85/iSSy7JJZdc8oa24447Lj/84Q/f9N4jjzwyd95555vaR40alVtvvfVN7dXV1fnWt77VecUC8CY9YeuhO6cDAJ2p/XeqAgAAgD5KOAYAAKD0CtlWDVC0jeuSX95X3PhbX9v5ddC+xYy/cV1y4P7FjA2dqampMa0Na9O8ZHHRpRSmtWFtmv74Ey0B2APCMVA6PeEmSvUb6pIkBx58WCHjH7h/z5gHAICeQjgGSsfNpKDvqKqqziutSeXkKUWXUpjmJYtTVVVddBkAvZ5rjgEAACg94RgAAIDSs60aAIrS0JQdS35e3Pivbtn59W37FDN+Q1NSNaKYsQHgDwjHAFCAnnBDtPrGuiTJ6IMKCqhVI3rEPABAIhwDQCHcGA4AehbXHAMAAFB6Vo4BAABKbsWK5Vm+/P4OHaOpqTFJOvR4uZqaEzJ2bE2H6thbwjEAAAAd1tjY8XBcJOEYAACg5MaOrenwim1vv5eFa44BAAAoPeEYAACA0hOOAQAAKD3hGAAAgNITjgEAACg9d6sGAHq11nVr07xkcTFjv/ZqkqRi37cVMn6y8/xT3TsfmwLQkwjHAECvNXr0YYWOX9+085meow86uLgiqqsLnweAvkA4BgB6renTZxQ6fm9/picAv+eaYwAAAEpPOAYAAKD0bKsGACixpqbG7GhYl1eX3FR0KYXZ0bAyTRladBlAwawcAwAAUHpWjgEASqyqqjqrs0/eNvnCokspzKtLbkpV1T5FlwEUzMoxAAAApSccAwAAUHrCMQAAAKUnHAMAAFB6wjEAAACl527VAADQAbfddkvq6+sKG3/X2LW18wqrIUlGjz4s06fPKLQG6AjhGAAAOqC+vi7PPluXocMOLWT8gQOrkiSNTS2FjJ8k6xqeL2xs6CzCMQAAdNDQYYfm5MmXFl1GYZYuWVB0CdBhrjkGAACg9KwcAwAAhSr6uu2kZ1y77brtYgnHAABAoerr61L3u7qMqirmuu0kGdJ/57XbzWuKuXb7pSbXbRdNOAYAAAo3qurQfPH42UWXUZgbH1hYdAml55pjAAAASk84BgAAoPSEYwAAAEpPOAYAAKD0hGMAAABKTzgGAACg9IRjAAAASs9zjgEASm5Hw8q8uuSmQsZueXVjkqTf24YUMn6y8/xT9a7Cxgd6BuEYAKDERo8+rNDx6xtf2VnHQcOLK6LqXYXPA1A84RgAoMSmT59R6Pi1tfOSJHPnzi+0DgDXHAMAAFB6Vo4BAAB6udtuuyX19XWF1rBr/F07QoowevRhe70jRjgGAADo5err6/L8757NoUNGFlZDdcXbdv7LqlcLGf/5ja90qL9wDAAA0AccOmRkZn/4M0WXUZiFD/99h/oLxwAA0AFNTY1paFifpUsWFF1KYRoa6lOR/YsuAzrEDbkAAAAoPSvHAADQAVVV1WnNfjl58qVFl1KYpUsWpKpq79fdmpoas75pfW58YGEnVtW7vNRUn/0HWn0vkpVjAAAASs/KMQAAUKiqquq8bdt++eLxs4supTA3PrAwlR1YfafjzD4AAAClJxwDAABQesIxAAAApSccAwAAUHrCMQAAAKUnHAMAAFB6wjEAAACl5znHAADQQesans/SJQsKGfu1V5uSJPu+raqQ8ZOd519ddVhh40NnEI4BAKADRo8+rNDxmxp3huODDtq/sBqqqw4rfB6go4RjAADogOnTZxQ6fm3tvCTJ3LnzC60DejvhmF5lxYrlWb78/r3uX19fl+T3v0T2Rk3NCRk7tmav+wMAQGdrampM48aGLHz474supTD1G19O9T7D9rq/cEypVFdXF10CAAB/xEtNz+fGBxYWNv7GrTu3pw8ZVMy12y81PZ/Dhh9WyNjsJBzTq4wdW2PVFgCgj+kJ1ytvrN8ZjocOL+ba7cOGd+y67aqq6lRtGZjZH/5M5xXVyyx8+O+TqrftdX/hGAAAKFTR120nrt3Gc44BAADAyjEAxXCDPQCgJxGOAeiV3GAPAOhMwjEAhXCDPQCgJ3HNMQAAAKVn5RgAAKAPeH7jKzsfZ1SQpq2bkiRVgwYXMv7zG1/JoQe+a6/7C8cAAAC9XE94VnRj/eokSdWBIwoZ/9AD39WheRCOAQAAejnPiu441xwDAABQesIxAAAApWdbNQBQWitWLM/y5ffvdf/6+rokv99KuDdqak7wWDOAHkA4BgDYS9XV1UWXAEAn6ZPh+J/+6Z9y8803Z/v27Tn33HMzbdq0oksCAHqgsWNrrNoCkKQPhuNVq1bl61//eu6+++4MHDgwn/70p/PhD3847373u4suDQCgz7E1Hegr+lw4fvDBB/ORj3ykbZvT+PHjc++99+YLX/hCwZUBAPCHbE3vGX/BkPhLBqhobW1tLbqIzvQ3f/M3efXVV/PlL385SfKP//iP+Zd/+ZdcccUV7erf0LApLS1dMyWd9QdfRx5s7Q89esLnMOndn8WOzmHi55nO0RN+nn0OoeM6+rPc1NSYJKmq6thfNPTmn2e/mzuuDHPYr19Fhg0b/Ce/3+dWjltaWlJRUdH2urW19Q2v38ruJqujhgzZJ5WV/fe6/7BhQ5OkQ8cYMmSfDB8+ZK/70/v1hM/hrjp662exo3OY+Hmmc/SEn2efQ+i4006bnNNOm1x0Gb2a380dZw774MrxD37wgzz66KOpra1Nknzzm99Ma2tru7dVd+XKMQAAAMV4q5Xjft1YS7f46Ec/moceeijr1q3La6+9lh//+McZN25c0WUBAADQg/W5bdUHHnhgvvzlL+ecc85Jc3NzPvWpT+X9739/0WUBAADQg/W5bdUdZVs1AABA31O6bdUAAACwp4RjAAAASk84BgAAoPSEYwAAAEpPOAYAAKD0hGMAAABKTzgGAACg9IRjAAAASk84BgAAoPSEYwAAAEpPOAYAAKD0hGMAAABKTzgGAACg9IRjAAAASk84BgAAoPSEYwAAAEpvQNEF9DT9+lUUXQIAAACd7K2yXkVra2trN9UCAAAAPZJt1QAAAJSecAwAAEDpCccAAACUnnAMAABA6QnHAAAAlJ5wDAAAQOkJxwAAAJSecAwAAEDpCccAAACUnnC8B1588cWccMIJb2o/4ogjdtvv//2//5e5c+cmSe64444sWbJkj8Y94YQT8uKLL76p/fbbb8+UKVNy6qmnZsqUKVm0aFHb92bPnp2XXnppt8fdm1qK9G//9m854ogjct999+1V/xdeeCFz5szZoz533313Zs2alST53Oc+l1WrVu3V2D3Jpk2bMn/+/EyePDlTpkzJ2WefnSeffLLLxnv44Ydz9tlnd9nxd6cn/cy+/rOUJKtWrcr48ePzne98J6tWrcrnPve5PRrjTzn77LPz8MMPd8qxOtv27dtz8803Z+LEiTn55JMzfvz4fOtb30pra2vRpfUYL774Yo444og88MADb2j/U78Hdnn9z9hbfb7fSkf77zJr1qzcfffdnXKsrvbiiy/m6KOPzpQpU97wz8svv1x0ab3G6+fwL/7iLzJp0qTMmDEjr7zyyp/s01l/Xv3hn6+91fz58zNlypScfPLJb/g83nXXXe3q31k/u33Fww8/nGOPPbbt/5UnTpyY//2//3eHj/vd73433/3ud5OUa8739FxvvPHG3HjjjUmSKVOmdEVJXWJA0QWUwfve9768733vS5I8/vjj+fM///MOH/OJJ57IP/7jP+b73/9+9tlnnzQ0NOSTn/xkjjzyyBx55JF5+OGHc9FFF+32GJ1VS3e56667MmHChHz/+9/P+PHj97j/ypUr88ILL+z1+P/zf/7Pve7bU7S0tORzn/tcPvzhD2fRokUZMGBAfvGLX+Rzn/tcfvSjH2X//fcvusQeoSt+Zl9vzZo1+U//6T/lnHPOybRp05L0jc/XW5k/f37Wrl2b73//+9lvv/2yadOmXHTRRRkyZEjbPJBUVlbmq1/9an74wx9m8ODB7erzy1/+sour6vtGjBiRxYsXF11Gr/aHc/i1r30tV111Va677roCq+o95s2bl2TnXzScc845Po+d4Oijj86tt96aZOfiwKRJk3L88cfn3e9+914f88wzz+ys8kqjN32WheNOdPfdd+fnP/95mpqa8sILL+T444/Pf/tv/y0PP/xwvvGNb+SCCy7I/fffn1/84hcZPnx4/sN/+A+57LLL8sorr6SioiL/5b/8l3z0ox9NY2NjZs6cmVdeeSWHH354tm7d+qax1qxZk9bW1rz22mvZZ599MmzYsNxwww3Zf//98+1vfzurV6/Oeeedl9tvvz2/+MUvcsstt2TLli3Ztm1brrzyymzZsqVdtTz00EO5+uqrkyRVVVW59tprM3To0O6e2jQ3N+ef/umfcvvtt+fTn/50nn/++Rx66KE54YQT8p3vfCeHHHJI2zzfeuutueWWW/KDH/wg/fr1y/vf//5cfvnlWbBgQV588cXMnz8/EyZMyNVXX52Wlpa85z3vyVe+8pXMmTMnGzduzOrVq3Paaafl4osvfkMNu8aqrq7OnDlzsmrVqqxevTrHHXdcamtrU1FR0e3zsqcefvjhvPzyy/nSl76Ufv12bhz5yEc+koULF6alpSWXXnppnn766axduzZHHHFErrvuuqxduzZf+MIX8p73vCdPPfVUhg0blv/xP/5Hqqurc9ttt2Xx4sV57bXXUllZmWuvvTbvete7smLFiixcuDCDBg3KO9/5zrbxf/nLX+brX/96tmzZkg0bNmT27Nk58cQTi5qObv2Z3aWhoSEzZszIjBkzcsYZZyT5/f8I3X///Zk1a1YG///27j6u5rv/A/jrOOmK68hdQljWTHLTNDfdS1c9VJwaTu5PspmxR+E3K2WSI7nYUFvEdZFtaK4NUTPictej3LQ21sLCKUWMzF1OpVPne96/P3r0vaQyWal4Px+PHo8653v3eX++n+/n+/l+Pt9PMhkuXLiAwsJCBAQEQKFQQKPRYOHChbh27Rp69eqFW7duYf369TA1NcXixYtx/vx59OjRA/fv3xf39a9//Qvff/89pFIpHB0dERwcjJs3byIgIAAWFhbIyclB//79YWNjg71796KoqAixsbF44403GjzWt27dwvfff4/U1FQYGxsDAGQyGcLDw5GTk4M7d+7UGtt169YhMzMTN2/ehFKpRHJyMvr3748zZ85Aq9UiKCgI27ZtQ25uLmbMmIEZM2agsLCw1vJcV34HBwdj2LBhYn74+fkhKCgIb731VoPH4VmYmprCwcEBn376KZYvX17tu02bNiE5ORmCIMDJyQnBwcFYsWIFAGDChAnYtWsXACA8PByZmZkAKp/em5ubIysrCytXrkRZWRk6duyIZcuWoVevXvDz80P79u2hVqvx+eefi/uqbxyJCKtWrUJKSgpMTU0hCAKGDx+O4uJiLFiwAHfu3AEABAQEwM3N7UWE8i8LDQ3FgwcPcPXqVQQHB0Or1daoT99++234+flh0KBBOHPmDO7du4ewsDC4uLjgxo0bWLRoEe7duwcjIyNERkaiX79+SExMxNatW6HX6zFgwAAsXboUf/vb35o6uQ3O1tYWUVFRyMzMxIoVK6DVatGxY0dERETA3NxcXE6n00GlUtWr/klMTMTGjRshk8nQo0cPtG3btglT2rjqutepq+yePXsWoaGh2Lx5M0xMTBAREQG1Wg1BEDBr1izI5XJMnToVAQEBcHR0BBHBw8MD27dvR9euXZswpY1Lq9VCKpWiXbt2+Mc//gFra2tkZ2djx44d2LZtG06fPo2ioiKYmpoiOjoa165dw7Jly8T1L1++jOjoaKjVagDA3LlzmyopTerHH3/Ev//9bxgZGSE3NxeWlpZYs2YNDA0NERcXh507d6Jjx44wNjaGtbU1gMpe50uXLtVZrzQrxJ5ZQUEBubq61vi8b9++RESUkJBALi4upNFoqLS0lEaMGEEXL16k9PR0UiqVREQUEhJCCQkJRET0f//3f3TkyBEiIiosLCQ3NzfSaDS0bNkyioqKIiKijIwM6tu3LxUUFFTbp1arpQ8//JAGDBhA06ZNo5iYGLp69ar4vaurKxUUFJAgCDR9+nS6e/cuERHt2rWLZs+e/czHolQq6ddffyUiok2bNlFaWloDRLL+Dh8+TAqFgoiIPvnkE/rss8+I6H/pJCIxzjqdjmxtbam8vJwEQaDQ0FC6detWtXxIT0+nIUOG0MOHD4mIKC4ujvbs2UNERA8fPiQbGxu6e/cuJSQkUEhISLV97du3jzZs2EBElfng7u5O586de3HB+Avi4uLE/H9SRkYGqVQqIiISBIGUSiUdPHiQCgoKyNLSki5cuEBERIGBgbRt2zbSaDTk7+9Pjx49IiKizz//nCIiIkir1ZKjoyPl5OQQUWV+VcV97ty54uenTp0iuVzeqOltTmU2ISGBZs2aRXK5nEaNGkVarbbW4wwJCaGAgADS6/V08eJFGj58OBERrVy5kj799FMiIsrKyiIrKysqKCiguLg4CgoKIiKivLw8GjRoEKWnp1NKSgpNmDCBSktLqaKigubMmUPx8fHV8lMQBHJ3d6c1a9YQEdG6detoxYoVDRD5mg4dOkTjxo2r8/u6YhsTEyPmBRGRUqkUj3HdunXk7u5OpaWldP36dRo6dCgRPb0815bfp0+fpqlTpxIR0fXr12n06NGNEoNnUXUuaDQaGjlyJJ04cYKIKq8/O3bsoLlz55JOpyNBEGjBggWUmJhIRP87p6t+T05OJiKiVatW0apVq0ir1ZK3tzfduHGDiIhSU1PJ39+fiCpjGhMTU219ovrHMTk5mZRKJZWXl9Pdu3fJ0dGREhISaM+ePeK15bfffqNVq1Y1YgSfT0FBAQ0YMIB8fHzEn82bN1NISIhYBzytPlUqlRQZGUlEREePHhXP9VmzZlF8fDwREaWkpNC8efPo8uXLNGXKFCorKyMiojVr1lBsbOwLTW9jePJ6W15eTiEhIRQaGkqurq7ivcSBAwdo/PjxRFQZt/T09HrXP7du3SJHR0f6448/qKKigt577z0xn14GT8aytnsdotrLbnZ2Nnl6elJubi4REa1evZq2bt1KREQajYbGjBlD165do927d1NwcDARVdZbM2fOfCFpe5HS09Np8ODB5OPjQ3K5nKytrSkkJIT0ej25urqKdXt+fj4FBgaSIAhERBQcHExbtmyptq2vvvqKZs+eTXq9nmJiYsS4P37tfdlVpbUqrjdv3iRBEEihUNDRo0cpKyuLPD09qbi4mEpKSkgul9eIU131SnPCPcf1UNXT9jgiqtZjaGNjIw6D69WrF4qKiurc3qlTp3DlyhXExMQAqHxyWlBQgIyMDKxduxYAMGzYMPTq1avGuoaGhtiwYQOuXr2KEydOIC0tDVu2bMHXX3+NwYMHVzvm2NhYHDt2DHl5ecjIyKg1HXUdi5ubGwIDA+Hu7g43Nzc4Ojo+S6gaXEJCAuRyOQBg9OjRCAoKqvNJk1QqhY2NDXx9feHm5oZ3330XXbt2RX5+frXlXn/9dbRr1w4AMHPmTKSnp2PLli1Qq9WoqKjAo0ePat2+XC5HVlYWvv76a1y5cgUPHjxAaWlpwyW2EbVq1arO3olhw4ahQ4cO+Oabb3DlyhXk5+eL6ercuTP69+8PAHjzzTdRVFQEmUyGtWvXYv/+/cjPz0daWhqsrKxw6dIlmJqair2P48aNwxdffAEAWL16NY4fP46DBw/i119/RUlJSaOn90lNVWYBIC0tDf/85z9x4MABrF27FosWLap1OUdHR0gkEvTt2xcPHjwAAJw8eRJr1qwBUDnsu2/fvgAqe+MnTZoEAOjduzdsbGwAAOnp6RgzZgzatGkDAFAoFEhMTISLiwtMTEzE/OzWrRvs7e0BAGZmZk99r/WvejzuBw8exMaNG6HX62FoaIjr16/XGlsA4pPnKiNGjBCP96233kKbNm3Qo0cPPHz4EMDTy3Nt+W1ra4slS5bg+vXrSEpKahbvRslkMixfvlwcXg0Ap0+fRlZWFsaPHw8AKCsrg5mZWa3rV43I6NOnD37++Wfk5+ejoKAAH374obhMcXGx+PuTMQbqH8eMjAyMGjUKrVu3RqdOncR8srGxQVRUFAoLCzFy5Mg/feWnqdQ2rDo0NFSMzZ/Vp87OzgAqr5FV5fann34ShxS7uLjAxcUF8fHxuHr1qjhSoaKiQiyPLd3t27fF8lNeXg5ra2soFApkZ2eLcfTy8kJ4eDg0Go24Xn3rn19++QU2NjYwMTEBAHh7eyM9Pf1FJrXZeLLszpw5E56enrCwsABQWW+VlZWJ7y2XlpZCrVbDy8sL0dHRKC0txd69e8XrysvmyWHV77//PjZt2gQA4uggc3NzhISEYNeuXcjLy0NmZiZee+01cRsnT57EnFKpuwAADUhJREFUzp078d1337WIUYIvwptvvolu3boBAN544w0UFRUhLy8PLi4u+Pvf/w4A8PT0hF6vr7Zefe63mwo3juvB2Ni42sUcqBwi2b59e/HvxxseEonkqRPN6PV6bN26FR06dABQWal07ty5xnpSqbTGuomJiejatSvs7e1hbm6OadOmITo6GklJSdUaxyUlJfD19YWPjw+GDRsGS0tLfPPNN898LFZWVnB1dcXx48exevVqZGVlVbu5ehHu3r2LtLQ0XLhwAdu2bQMR4eHDhzh8+DAAiLHS6XTiOhs2bEBmZiZSU1Px/vvvi42KxxkZGYm/r1q1CgUFBZDL5XB3d8epU6fqzLvt27fj0KFDmDhxIhwcHHD58uUWM6HQwIEDsWPHjhoNxKioKFhbW2PdunWYPn06xo8fj/v374vpqu28vnnzJvz8/KBUKjFixAiYmJggOzv7qefv1KlTYWtrC1tbW9jb2yMoKKhR09ucyixQ+WBn3LhxcHJygo+PDxwcHODi4lJjuapjejyPpFJprcf25L4NDAzEY31SVRkxNDSs9nldx9uQBg4ciNzcXBQXF0Mmk8HT0xOenp7ikPK6YnvkyJFqZRWofCe3SlV6H/e08lxbfkskEowdOxb79+9HcnIytmzZ0hghqDcnJydxeDUACIIAf39/vPvuuwCAhw8f1pl3VXGpSqNer0fPnj3Fxp8gCOIwZwA1Ygw8XxxrOxd79+6N5ORkpKWl4fjx4/jyyy9x4MCBWh9eNUdVsfmz+rS2cvv4+UlEyM3NhSAI8PLyQlhYmLhdQRBeRFIaXW0PGC5evFhjOSKqluajR48iJibmmeufus61l1lt9zpAzbK7Zs0aLFy4EBMmTEC/fv2g1+uxevVqDBgwAABw584dtG/fHq1bt8aIESNw6NAhpKeni+87v8xkMhm8vLxw6tQpAP87t86fP4+PP/4YM2bMgIeHB1q1aiXGOz8/H2FhYYiLixM7VNizl8vy8vJq69XnfruptIyaqZmQyWQwNzevNlvyd999J/a6PAupVCpWCHZ2dtixYwcAICcnB97e3nj06BHs7e3FyiUrKwvXrl2rsR1BELB27Vrcu3cPQOUTWrVaLT5drdpPfn4+JBIJ5syZA1tbWxw+fFjc/7Mcy4QJE1BSUiK+y/fbb7/VK2YNISkpCXZ2dkhNTcWxY8dw/PhxzJkzB99++y06duyInJwcAJWVKwDcu3cPo0ePRt++fTF//nw4Ojri0qVLkEqlNSqVKidPnsTMmTPh5eWFvLw8FBYW1tq4qFp20qRJ8PHxgVarxcWLF+tctrkZOnQoOnfujPXr14t5n5aWJr5D6OXlBYVCAWNjY/z4449PvWE7d+4czM3NMWPGDAwaNAhHjhyBIAiwtLTEnTt3xBui/fv3AwAePHiA/Px8zJ8/HyNGjMDRo0cb/YawOZVZ4H+Nui5dukClUmHRokXVGihPY29vj3379gEALl26BLVaDYlEIn6u1+tx48YNnD17VjzW/fv3o6ysDDqdDgkJCbCzs3vmdDc0MzMz+Pj4ICQkROzh1el0SElJQatWreqM7fOoT3muMn78eHz77bfo3r17s3rnLjQ0FCdOnMDt27dhZ2eHpKQklJSUQKfTISAgQDy3n3Z9AwALCwsUFRXh559/BlA5GufPHk7VN4729vZITk5GeXk5ioqKkJaWBgCIj4/HunXr4OXlhaVLl+LevXvVeq1biqfVp3UZOnSoeA08deoUlixZIq579+5dEBFUKlWDzKDbXFlYWODBgwfIysoCABw4cABmZmbigzCgclREfeqfIUOGIDMzUzwnDxw40OjpaEq13evUxd7eHh9//DHCwsKg1+thZ2cnzqx8+/Zt+Pj4iLOwKxQKREdHw9nZ+aV85/1JgiAgIyOjxkiNn376CcOHD8eUKVPQu3dvpKSkQBAEcdLIxYsXN8pcHC8be3t7HD9+HBqNBlqtVuzEetzz1M8v2sv/qK2BrV69GiqVCrGxsaioqIClpSXCw8OfeX0HBwdERUWhXbt2CAsLQ3h4OLy9vQEAn332GWQyGebNm4fQ0FCMGTMGFhYWtQ7RVCgUuH//PqZMmSI+fR8zZgx8fX0BACNHjsQHH3yAzZs3w8rKCl5eXpBIJHBycsKZM2ee+VgWLFiA0NBQGBgYoG3btoiMjPxL8Xsee/fuxUcffVTts2nTpiEuLg4LFy7EihUrsH79ejg5OQEAOnXqhEmTJsHX1xdt2rTB66+/DoVCAa1WC41Gg+DgYDFOVWbPno2FCxfCyMgI3bp1w8CBA+scXurv7w+VSoVNmzZBJpPBxsamUYeiNiSJRIINGzZg5cqVkMvlMDAwECdxk0qlCAoKwv79+9G6dWu8/fbbT02Xo6Mj/vOf/2D06NEgIgwbNgxqtRqtW7dGVFQUgoODYWBgIFZCHTp0gK+vL8aMGQMDAwPY2dmhrKwMpaWljTqRSnMps0/y8PDAsWPHEBISApVK9afLBwQEYNGiRfD29sZrr70GExMTGBkZYerUqeIQuR49eojDrV1dXZGdnQ2FQgGdTgcnJycolcqn/luVxqZSqfDVV19h+vTpEAQBJSUlsLW1xebNm9G2bdtaY/s86lOeq3Tv3h3du3fHuHHjnmufjaVqePXMmTPh6uoKjUaDiRMnQhAEODs7i8fr5uaGd955p85/nWRoaIgvvvhCnBRJJpOJPdJ1qW8c3d3dce7cOcjlcpiYmIg3k2PHjsWCBQvg7e0NqVSK4OBgcVK2lqRfv3511qd1CQ8PR1hYGHbs2IE2bdogMjISffr0QWBgIPz9/aHX62FlZYUPPvjgBaXixTM0NER0dDSWL1+OR48eoX379oiOjq62zIQJE+pV/5iYmCAsLAwzZsxAmzZt/tLMwy3BvHnzsHz58mr3Ok8zduxY7NmzB9u3b0dgYCBUKhXkcjkEQUBwcLA4ZHjIkCGQSCRQKBSNnYQmc/78ebzzzjuQSCTQ6XSwtLTErFmzqo1wGD16NAIDA8X6p+paFx8fj99//x0bN24U/yVRc6sjmhMrKyv4+/vD19cXxsbGtb72U1e98vgw9qYmoebWl80YY6yGpKQk9OzZE0OGDMHvv/8OpVKJI0eOtJihqc0ZEeH27dvw8/PDDz/8UGPYOWOMvWyICJcvX0ZISAgSExOb+nAYaza455gxxloACwsLLF26FHq9Hq1atUJERAQ3jBvIoUOHoFKpoFKpuGHMGHslbN26FXFxceKEmYyxStxzzBhjjDHGGGPslcfdDowxxhhjjDHGXnncOGaMMcYYY4wx9srjxjFjjDHGGGOMsVceT8jFGGOMtTCCIGDbtm3Yt28fBEFARUUFXF1dMX/+/AafVCwrKwu7d+9GREREg26XMcYYa26455gxxhhrYVQqFX755Rds3boVSUlJ2L17N/Ly8rB48eIG31dOTg4KCwsbfLuMMcZYc8OzVTPGGGMtyPXr1yGXy3HixAnIZDLx8z/++ANnz56Fg4MDli1bhosXL0IikcDZ2RkLFiyAgYEBLC0tcfr0aXTq1AkAxL/VajWio6PRq1cvqNVq6HQ6LFu2DGZmZpgyZQo0Gg1GjRqFsWPHYsWKFWjbti1KSkowcOBAmJqa4qOPPgJQ+f+4//vf/yI2NrZJYsMYY4z9FdxzzBhjjLUgFy5cQJ8+fao1jAGgS5cu8PDwQGRkJDp06IB9+/YhISEBly5dwpdffvmn283KysJ7772HxMREjB8/HtHR0ejevTvmzZuHoUOHYuXKlQAAtVqNtWvXYt++fZg+fToSEhKg0+kAADt37sTkyZMbPtGMMcbYC8CNY8YYY6wFadWqFfR6fZ3fp6amQqlUQiKRwNDQEJMnT0ZqauqfbtfMzAxWVlYAgP79+6OoqKjW5bp3744ePXoAAKysrNCzZ0+kpKQgNzcXt2/fhpOT03OkijHGGGt6PCEXY4wx1oJYW1vjypUrKC4urtZ7XFhYiCVLlkCv10MikYif6/V6sWf3ceXl5dX+NjIyEn+XSCSo662rtm3bVvt72rRpSEhIQO/evTFx4sRq+2aMMcZaEu45ZowxxlqQrl27wtvbG5988gmKi4sBAMXFxVCpVOjQoQOcnJwQHx8PIkJ5eTl27twJBwcHAECnTp1w7tw5AMAPP/zwTPuTSqW1Nq6reHh4IDs7G4cOHYJCofiLqWOMMcaaDvccM8YYYy3M0qVLsWHDBkyePBlSqRTl5eVwd3fH3LlzUVJSgsjISHh7e6OiogLOzs6YM2cOACAsLAwREREwNjaGg4MDunTp8qf7Gjx4MGJjYxEYGAg/P78a3xsaGsLDwwN37twRJ/pijDHGWiKerZoxxhhjz620tBRKpRLh4eEYPHhwUx8OY4wx9tx4WDVjjDHGnktaWhpGjhwJZ2dnbhgzxhhr8bjnmDHGGGOMMcbYK497jhljjDHGGGOMvfK4ccwYY4wxxhhj7JXHjWPGGGOMMcYYY688bhwzxhhjjDHGGHvlceOYMcYYY4wxxtgrjxvHjDHGGGOMMcZeef8PTkQXAbNFMBIAAAAASUVORK5CYII=%0A"/>
-          <p:cNvSpPr>
-            <a:spLocks noGrp="1" noChangeAspect="1" noChangeArrowheads="1"/>
-          </p:cNvSpPr>
-          <p:nvPr>
-            <p:ph idx="1"/>
-          </p:nvPr>
-        </p:nvSpPr>
-        <p:spPr bwMode="auto">
-          <a:xfrm>
-            <a:off x="8904772" y="1858032"/>
-            <a:ext cx="2973654" cy="1217678"/>
+          <p:cNvPr id="24" name="TextBox 23"/>
+          <p:cNvSpPr txBox="1"/>
+          <p:nvPr/>
+        </p:nvSpPr>
+        <p:spPr>
+          <a:xfrm>
+            <a:off x="3669295" y="1760257"/>
+            <a:ext cx="1420132" cy="369332"/>
           </a:xfrm>
           <a:prstGeom prst="rect">
             <a:avLst/>
           </a:prstGeom>
-          <a:ln w="19050">
-            <a:solidFill>
-              <a:schemeClr val="accent4"/>
-            </a:solidFill>
-          </a:ln>
-        </p:spPr>
-        <p:style>
-          <a:lnRef idx="2">
-            <a:schemeClr val="accent1"/>
-          </a:lnRef>
-          <a:fillRef idx="1">
-            <a:schemeClr val="lt1"/>
-          </a:fillRef>
-          <a:effectRef idx="0">
-            <a:schemeClr val="accent1"/>
-          </a:effectRef>
-          <a:fontRef idx="minor">
-            <a:schemeClr val="dk1"/>
-          </a:fontRef>
-        </p:style>
-        <p:txBody>
-          <a:bodyPr vert="horz" wrap="square" lIns="91440" tIns="45720" rIns="91440" bIns="45720" numCol="1" rtlCol="0" anchor="ctr" anchorCtr="0" compatLnSpc="1">
-            <a:prstTxWarp prst="textNoShape">
-              <a:avLst/>
-            </a:prstTxWarp>
-            <a:normAutofit/>
+          <a:noFill/>
+        </p:spPr>
+        <p:txBody>
+          <a:bodyPr wrap="none" rtlCol="0">
+            <a:spAutoFit/>
           </a:bodyPr>
           <a:lstStyle/>
           <a:p>
             <a:r>
-              <a:rPr lang="tr-TR" sz="1800" b="1" dirty="0" err="1">
-                <a:solidFill>
-                  <a:schemeClr val="tx2"/>
-                </a:solidFill>
-                <a:latin typeface="+mj-lt"/>
-              </a:rPr>
-              <a:t>Equal</a:t>
-            </a:r>
-            <a:r>
-              <a:rPr lang="tr-TR" sz="1800" b="1" dirty="0">
-                <a:solidFill>
-                  <a:schemeClr val="tx2"/>
-                </a:solidFill>
-                <a:latin typeface="+mj-lt"/>
-              </a:rPr>
-              <a:t> </a:t>
-            </a:r>
-            <a:r>
-              <a:rPr lang="tr-TR" sz="1800" b="1" dirty="0" err="1">
-                <a:solidFill>
-                  <a:schemeClr val="tx2"/>
-                </a:solidFill>
-                <a:latin typeface="+mj-lt"/>
-              </a:rPr>
-              <a:t>distribution</a:t>
-            </a:r>
-            <a:r>
-              <a:rPr lang="tr-TR" sz="1800" b="1" dirty="0">
-                <a:solidFill>
-                  <a:schemeClr val="tx2"/>
-                </a:solidFill>
-                <a:latin typeface="+mj-lt"/>
-              </a:rPr>
-              <a:t> of </a:t>
-            </a:r>
-            <a:r>
-              <a:rPr lang="tr-TR" sz="1800" b="1" dirty="0" err="1">
-                <a:solidFill>
-                  <a:schemeClr val="tx2"/>
-                </a:solidFill>
-                <a:latin typeface="+mj-lt"/>
-              </a:rPr>
-              <a:t>job</a:t>
-            </a:r>
-            <a:r>
-              <a:rPr lang="tr-TR" sz="1800" b="1" dirty="0">
-                <a:solidFill>
-                  <a:schemeClr val="tx2"/>
-                </a:solidFill>
-                <a:latin typeface="+mj-lt"/>
-              </a:rPr>
-              <a:t> </a:t>
-            </a:r>
-            <a:r>
-              <a:rPr lang="tr-TR" sz="1800" b="1" dirty="0" err="1">
-                <a:solidFill>
-                  <a:schemeClr val="tx2"/>
-                </a:solidFill>
-                <a:latin typeface="+mj-lt"/>
-              </a:rPr>
-              <a:t>satisfaction</a:t>
-            </a:r>
-            <a:r>
-              <a:rPr lang="tr-TR" sz="1800" b="1" dirty="0">
-                <a:solidFill>
-                  <a:schemeClr val="tx2"/>
-                </a:solidFill>
-                <a:latin typeface="+mj-lt"/>
-              </a:rPr>
-              <a:t> </a:t>
-            </a:r>
-            <a:r>
-              <a:rPr lang="tr-TR" sz="1800" b="1" dirty="0" err="1">
-                <a:solidFill>
-                  <a:schemeClr val="tx2"/>
-                </a:solidFill>
-                <a:latin typeface="+mj-lt"/>
-              </a:rPr>
-              <a:t>observed</a:t>
-            </a:r>
-            <a:r>
-              <a:rPr lang="tr-TR" sz="1800" b="1" dirty="0">
-                <a:solidFill>
-                  <a:schemeClr val="tx2"/>
-                </a:solidFill>
-                <a:latin typeface="+mj-lt"/>
-              </a:rPr>
-              <a:t> in </a:t>
-            </a:r>
-            <a:r>
-              <a:rPr lang="tr-TR" sz="1800" b="1" dirty="0" err="1">
-                <a:solidFill>
-                  <a:schemeClr val="tx2"/>
-                </a:solidFill>
-                <a:latin typeface="+mj-lt"/>
-              </a:rPr>
-              <a:t>the</a:t>
-            </a:r>
-            <a:r>
-              <a:rPr lang="tr-TR" sz="1800" b="1" dirty="0">
-                <a:solidFill>
-                  <a:schemeClr val="tx2"/>
-                </a:solidFill>
-                <a:latin typeface="+mj-lt"/>
-              </a:rPr>
-              <a:t> </a:t>
-            </a:r>
-            <a:r>
-              <a:rPr lang="tr-TR" sz="1800" b="1" dirty="0" err="1">
-                <a:solidFill>
-                  <a:schemeClr val="tx2"/>
-                </a:solidFill>
-                <a:latin typeface="+mj-lt"/>
-              </a:rPr>
-              <a:t>sample</a:t>
-            </a:r>
-            <a:r>
-              <a:rPr lang="tr-TR" sz="1800" b="1" dirty="0">
-                <a:solidFill>
-                  <a:schemeClr val="tx2"/>
-                </a:solidFill>
-                <a:latin typeface="+mj-lt"/>
-              </a:rPr>
-              <a:t> </a:t>
-            </a:r>
-            <a:r>
-              <a:rPr lang="tr-TR" sz="1800" b="1" dirty="0" err="1">
-                <a:solidFill>
-                  <a:schemeClr val="tx2"/>
-                </a:solidFill>
-                <a:latin typeface="+mj-lt"/>
-              </a:rPr>
-              <a:t>group</a:t>
-            </a:r>
-            <a:endParaRPr lang="tr-TR" sz="1800" b="1" dirty="0">
-              <a:solidFill>
-                <a:schemeClr val="tx2"/>
-              </a:solidFill>
-              <a:latin typeface="+mj-lt"/>
-            </a:endParaRPr>
+              <a:rPr lang="tr-TR" dirty="0" smtClean="0"/>
+              <a:t>Leverage: %6</a:t>
+            </a:r>
+            <a:endParaRPr lang="en-US" dirty="0"/>
+          </a:p>
+        </p:txBody>
+      </p:sp>
+      <p:sp>
+        <p:nvSpPr>
+          <p:cNvPr id="25" name="TextBox 24"/>
+          <p:cNvSpPr txBox="1"/>
+          <p:nvPr/>
+        </p:nvSpPr>
+        <p:spPr>
+          <a:xfrm>
+            <a:off x="3840489" y="6098443"/>
+            <a:ext cx="1993238" cy="369332"/>
+          </a:xfrm>
+          <a:prstGeom prst="rect">
+            <a:avLst/>
+          </a:prstGeom>
+          <a:noFill/>
+        </p:spPr>
+        <p:txBody>
+          <a:bodyPr wrap="none" rtlCol="0">
+            <a:spAutoFit/>
+          </a:bodyPr>
+          <a:lstStyle/>
+          <a:p>
+            <a:r>
+              <a:rPr lang="tr-TR" dirty="0" smtClean="0"/>
+              <a:t>Backend Developer</a:t>
+            </a:r>
+            <a:endParaRPr lang="en-US" dirty="0"/>
+          </a:p>
+        </p:txBody>
+      </p:sp>
+      <p:sp>
+        <p:nvSpPr>
+          <p:cNvPr id="27" name="TextBox 26"/>
+          <p:cNvSpPr txBox="1"/>
+          <p:nvPr/>
+        </p:nvSpPr>
+        <p:spPr>
+          <a:xfrm>
+            <a:off x="6652514" y="1760257"/>
+            <a:ext cx="1537152" cy="369332"/>
+          </a:xfrm>
+          <a:prstGeom prst="rect">
+            <a:avLst/>
+          </a:prstGeom>
+          <a:noFill/>
+        </p:spPr>
+        <p:txBody>
+          <a:bodyPr wrap="none" rtlCol="0">
+            <a:spAutoFit/>
+          </a:bodyPr>
+          <a:lstStyle/>
+          <a:p>
+            <a:r>
+              <a:rPr lang="tr-TR" dirty="0" smtClean="0"/>
+              <a:t>Leverage: %11</a:t>
+            </a:r>
+            <a:endParaRPr lang="en-US" dirty="0"/>
+          </a:p>
+        </p:txBody>
+      </p:sp>
+      <p:sp>
+        <p:nvSpPr>
+          <p:cNvPr id="28" name="TextBox 27"/>
+          <p:cNvSpPr txBox="1"/>
+          <p:nvPr/>
+        </p:nvSpPr>
+        <p:spPr>
+          <a:xfrm>
+            <a:off x="6984501" y="6098443"/>
+            <a:ext cx="1502206" cy="369332"/>
+          </a:xfrm>
+          <a:prstGeom prst="rect">
+            <a:avLst/>
+          </a:prstGeom>
+          <a:noFill/>
+        </p:spPr>
+        <p:txBody>
+          <a:bodyPr wrap="none" rtlCol="0">
+            <a:spAutoFit/>
+          </a:bodyPr>
+          <a:lstStyle/>
+          <a:p>
+            <a:r>
+              <a:rPr lang="tr-TR" dirty="0" smtClean="0"/>
+              <a:t>Data Engineer</a:t>
+            </a:r>
+            <a:endParaRPr lang="en-US" dirty="0"/>
+          </a:p>
+        </p:txBody>
+      </p:sp>
+      <p:pic>
+        <p:nvPicPr>
+          <p:cNvPr id="18" name="Picture 17"/>
+          <p:cNvPicPr>
+            <a:picLocks noChangeAspect="1"/>
+          </p:cNvPicPr>
+          <p:nvPr/>
+        </p:nvPicPr>
+        <p:blipFill>
+          <a:blip r:embed="rId3"/>
+          <a:stretch>
+            <a:fillRect/>
+          </a:stretch>
+        </p:blipFill>
+        <p:spPr>
+          <a:xfrm>
+            <a:off x="6343622" y="2120066"/>
+            <a:ext cx="2783965" cy="3798885"/>
+          </a:xfrm>
+          <a:prstGeom prst="rect">
+            <a:avLst/>
+          </a:prstGeom>
+        </p:spPr>
+      </p:pic>
+      <p:pic>
+        <p:nvPicPr>
+          <p:cNvPr id="30" name="Picture 29"/>
+          <p:cNvPicPr>
+            <a:picLocks noChangeAspect="1"/>
+          </p:cNvPicPr>
+          <p:nvPr/>
+        </p:nvPicPr>
+        <p:blipFill>
+          <a:blip r:embed="rId4"/>
+          <a:stretch>
+            <a:fillRect/>
+          </a:stretch>
+        </p:blipFill>
+        <p:spPr>
+          <a:xfrm>
+            <a:off x="171935" y="2120067"/>
+            <a:ext cx="2965453" cy="3731253"/>
+          </a:xfrm>
+          <a:prstGeom prst="rect">
+            <a:avLst/>
+          </a:prstGeom>
+        </p:spPr>
+      </p:pic>
+      <p:pic>
+        <p:nvPicPr>
+          <p:cNvPr id="31" name="Picture 30"/>
+          <p:cNvPicPr>
+            <a:picLocks noChangeAspect="1"/>
+          </p:cNvPicPr>
+          <p:nvPr/>
+        </p:nvPicPr>
+        <p:blipFill>
+          <a:blip r:embed="rId5"/>
+          <a:stretch>
+            <a:fillRect/>
+          </a:stretch>
+        </p:blipFill>
+        <p:spPr>
+          <a:xfrm>
+            <a:off x="9241096" y="2120066"/>
+            <a:ext cx="2677366" cy="3731254"/>
+          </a:xfrm>
+          <a:prstGeom prst="rect">
+            <a:avLst/>
+          </a:prstGeom>
+        </p:spPr>
+      </p:pic>
+      <p:sp>
+        <p:nvSpPr>
+          <p:cNvPr id="32" name="TextBox 31"/>
+          <p:cNvSpPr txBox="1"/>
+          <p:nvPr/>
+        </p:nvSpPr>
+        <p:spPr>
+          <a:xfrm>
+            <a:off x="9514633" y="1666783"/>
+            <a:ext cx="1537152" cy="369332"/>
+          </a:xfrm>
+          <a:prstGeom prst="rect">
+            <a:avLst/>
+          </a:prstGeom>
+          <a:noFill/>
+        </p:spPr>
+        <p:txBody>
+          <a:bodyPr wrap="none" rtlCol="0">
+            <a:spAutoFit/>
+          </a:bodyPr>
+          <a:lstStyle/>
+          <a:p>
+            <a:r>
+              <a:rPr lang="tr-TR" dirty="0" smtClean="0"/>
+              <a:t>Leverage: %16</a:t>
+            </a:r>
+            <a:endParaRPr lang="en-US" dirty="0"/>
+          </a:p>
+        </p:txBody>
+      </p:sp>
+      <p:sp>
+        <p:nvSpPr>
+          <p:cNvPr id="33" name="TextBox 32"/>
+          <p:cNvSpPr txBox="1"/>
+          <p:nvPr/>
+        </p:nvSpPr>
+        <p:spPr>
+          <a:xfrm>
+            <a:off x="9692532" y="6098443"/>
+            <a:ext cx="1790170" cy="369332"/>
+          </a:xfrm>
+          <a:prstGeom prst="rect">
+            <a:avLst/>
+          </a:prstGeom>
+          <a:noFill/>
+        </p:spPr>
+        <p:txBody>
+          <a:bodyPr wrap="none" rtlCol="0">
+            <a:spAutoFit/>
+          </a:bodyPr>
+          <a:lstStyle/>
+          <a:p>
+            <a:r>
+              <a:rPr lang="tr-TR" dirty="0" smtClean="0"/>
+              <a:t>DevOps Engineer</a:t>
+            </a:r>
+            <a:endParaRPr lang="en-US" dirty="0"/>
           </a:p>
         </p:txBody>
       </p:sp>
     </p:spTree>
     <p:extLst>
       <p:ext uri="{BB962C8B-B14F-4D97-AF65-F5344CB8AC3E}">
-        <p14:creationId xmlns:p14="http://schemas.microsoft.com/office/powerpoint/2010/main" val="183873567"/>
+        <p14:creationId xmlns:p14="http://schemas.microsoft.com/office/powerpoint/2010/main" val="1938250051"/>
       </p:ext>
     </p:extLst>
   </p:cSld>
@@ -16176,4 +16245,265 @@
     </a:ext>
   </a:extLst>
 </a:theme>
+</file>
+
+<file path=ppt/theme/theme2.xml><?xml version="1.0" encoding="utf-8"?>
+<a:theme xmlns:a="http://schemas.openxmlformats.org/drawingml/2006/main" name="Office Theme">
+  <a:themeElements>
+    <a:clrScheme name="Office">
+      <a:dk1>
+        <a:sysClr val="windowText" lastClr="000000"/>
+      </a:dk1>
+      <a:lt1>
+        <a:sysClr val="window" lastClr="FFFFFF"/>
+      </a:lt1>
+      <a:dk2>
+        <a:srgbClr val="44546A"/>
+      </a:dk2>
+      <a:lt2>
+        <a:srgbClr val="E7E6E6"/>
+      </a:lt2>
+      <a:accent1>
+        <a:srgbClr val="5B9BD5"/>
+      </a:accent1>
+      <a:accent2>
+        <a:srgbClr val="ED7D31"/>
+      </a:accent2>
+      <a:accent3>
+        <a:srgbClr val="A5A5A5"/>
+      </a:accent3>
+      <a:accent4>
+        <a:srgbClr val="FFC000"/>
+      </a:accent4>
+      <a:accent5>
+        <a:srgbClr val="4472C4"/>
+      </a:accent5>
+      <a:accent6>
+        <a:srgbClr val="70AD47"/>
+      </a:accent6>
+      <a:hlink>
+        <a:srgbClr val="0563C1"/>
+      </a:hlink>
+      <a:folHlink>
+        <a:srgbClr val="954F72"/>
+      </a:folHlink>
+    </a:clrScheme>
+    <a:fontScheme name="Office">
+      <a:majorFont>
+        <a:latin typeface="Calibri Light" panose="020F0302020204030204"/>
+        <a:ea typeface=""/>
+        <a:cs typeface=""/>
+        <a:font script="Jpan" typeface="游ゴシック Light"/>
+        <a:font script="Hang" typeface="맑은 고딕"/>
+        <a:font script="Hans" typeface="等线 Light"/>
+        <a:font script="Hant" typeface="新細明體"/>
+        <a:font script="Arab" typeface="Times New Roman"/>
+        <a:font script="Hebr" typeface="Times New Roman"/>
+        <a:font script="Thai" typeface="Angsana New"/>
+        <a:font script="Ethi" typeface="Nyala"/>
+        <a:font script="Beng" typeface="Vrinda"/>
+        <a:font script="Gujr" typeface="Shruti"/>
+        <a:font script="Khmr" typeface="MoolBoran"/>
+        <a:font script="Knda" typeface="Tunga"/>
+        <a:font script="Guru" typeface="Raavi"/>
+        <a:font script="Cans" typeface="Euphemia"/>
+        <a:font script="Cher" typeface="Plantagenet Cherokee"/>
+        <a:font script="Yiii" typeface="Microsoft Yi Baiti"/>
+        <a:font script="Tibt" typeface="Microsoft Himalaya"/>
+        <a:font script="Thaa" typeface="MV Boli"/>
+        <a:font script="Deva" typeface="Mangal"/>
+        <a:font script="Telu" typeface="Gautami"/>
+        <a:font script="Taml" typeface="Latha"/>
+        <a:font script="Syrc" typeface="Estrangelo Edessa"/>
+        <a:font script="Orya" typeface="Kalinga"/>
+        <a:font script="Mlym" typeface="Kartika"/>
+        <a:font script="Laoo" typeface="DokChampa"/>
+        <a:font script="Sinh" typeface="Iskoola Pota"/>
+        <a:font script="Mong" typeface="Mongolian Baiti"/>
+        <a:font script="Viet" typeface="Times New Roman"/>
+        <a:font script="Uigh" typeface="Microsoft Uighur"/>
+        <a:font script="Geor" typeface="Sylfaen"/>
+      </a:majorFont>
+      <a:minorFont>
+        <a:latin typeface="Calibri" panose="020F0502020204030204"/>
+        <a:ea typeface=""/>
+        <a:cs typeface=""/>
+        <a:font script="Jpan" typeface="游ゴシック"/>
+        <a:font script="Hang" typeface="맑은 고딕"/>
+        <a:font script="Hans" typeface="等线"/>
+        <a:font script="Hant" typeface="新細明體"/>
+        <a:font script="Arab" typeface="Arial"/>
+        <a:font script="Hebr" typeface="Arial"/>
+        <a:font script="Thai" typeface="Cordia New"/>
+        <a:font script="Ethi" typeface="Nyala"/>
+        <a:font script="Beng" typeface="Vrinda"/>
+        <a:font script="Gujr" typeface="Shruti"/>
+        <a:font script="Khmr" typeface="DaunPenh"/>
+        <a:font script="Knda" typeface="Tunga"/>
+        <a:font script="Guru" typeface="Raavi"/>
+        <a:font script="Cans" typeface="Euphemia"/>
+        <a:font script="Cher" typeface="Plantagenet Cherokee"/>
+        <a:font script="Yiii" typeface="Microsoft Yi Baiti"/>
+        <a:font script="Tibt" typeface="Microsoft Himalaya"/>
+        <a:font script="Thaa" typeface="MV Boli"/>
+        <a:font script="Deva" typeface="Mangal"/>
+        <a:font script="Telu" typeface="Gautami"/>
+        <a:font script="Taml" typeface="Latha"/>
+        <a:font script="Syrc" typeface="Estrangelo Edessa"/>
+        <a:font script="Orya" typeface="Kalinga"/>
+        <a:font script="Mlym" typeface="Kartika"/>
+        <a:font script="Laoo" typeface="DokChampa"/>
+        <a:font script="Sinh" typeface="Iskoola Pota"/>
+        <a:font script="Mong" typeface="Mongolian Baiti"/>
+        <a:font script="Viet" typeface="Arial"/>
+        <a:font script="Uigh" typeface="Microsoft Uighur"/>
+        <a:font script="Geor" typeface="Sylfaen"/>
+      </a:minorFont>
+    </a:fontScheme>
+    <a:fmtScheme name="Office">
+      <a:fillStyleLst>
+        <a:solidFill>
+          <a:schemeClr val="phClr"/>
+        </a:solidFill>
+        <a:gradFill rotWithShape="1">
+          <a:gsLst>
+            <a:gs pos="0">
+              <a:schemeClr val="phClr">
+                <a:lumMod val="110000"/>
+                <a:satMod val="105000"/>
+                <a:tint val="67000"/>
+              </a:schemeClr>
+            </a:gs>
+            <a:gs pos="50000">
+              <a:schemeClr val="phClr">
+                <a:lumMod val="105000"/>
+                <a:satMod val="103000"/>
+                <a:tint val="73000"/>
+              </a:schemeClr>
+            </a:gs>
+            <a:gs pos="100000">
+              <a:schemeClr val="phClr">
+                <a:lumMod val="105000"/>
+                <a:satMod val="109000"/>
+                <a:tint val="81000"/>
+              </a:schemeClr>
+            </a:gs>
+          </a:gsLst>
+          <a:lin ang="5400000" scaled="0"/>
+        </a:gradFill>
+        <a:gradFill rotWithShape="1">
+          <a:gsLst>
+            <a:gs pos="0">
+              <a:schemeClr val="phClr">
+                <a:satMod val="103000"/>
+                <a:lumMod val="102000"/>
+                <a:tint val="94000"/>
+              </a:schemeClr>
+            </a:gs>
+            <a:gs pos="50000">
+              <a:schemeClr val="phClr">
+                <a:satMod val="110000"/>
+                <a:lumMod val="100000"/>
+                <a:shade val="100000"/>
+              </a:schemeClr>
+            </a:gs>
+            <a:gs pos="100000">
+              <a:schemeClr val="phClr">
+                <a:lumMod val="99000"/>
+                <a:satMod val="120000"/>
+                <a:shade val="78000"/>
+              </a:schemeClr>
+            </a:gs>
+          </a:gsLst>
+          <a:lin ang="5400000" scaled="0"/>
+        </a:gradFill>
+      </a:fillStyleLst>
+      <a:lnStyleLst>
+        <a:ln w="6350" cap="flat" cmpd="sng" algn="ctr">
+          <a:solidFill>
+            <a:schemeClr val="phClr"/>
+          </a:solidFill>
+          <a:prstDash val="solid"/>
+          <a:miter lim="800000"/>
+        </a:ln>
+        <a:ln w="12700" cap="flat" cmpd="sng" algn="ctr">
+          <a:solidFill>
+            <a:schemeClr val="phClr"/>
+          </a:solidFill>
+          <a:prstDash val="solid"/>
+          <a:miter lim="800000"/>
+        </a:ln>
+        <a:ln w="19050" cap="flat" cmpd="sng" algn="ctr">
+          <a:solidFill>
+            <a:schemeClr val="phClr"/>
+          </a:solidFill>
+          <a:prstDash val="solid"/>
+          <a:miter lim="800000"/>
+        </a:ln>
+      </a:lnStyleLst>
+      <a:effectStyleLst>
+        <a:effectStyle>
+          <a:effectLst/>
+        </a:effectStyle>
+        <a:effectStyle>
+          <a:effectLst/>
+        </a:effectStyle>
+        <a:effectStyle>
+          <a:effectLst>
+            <a:outerShdw blurRad="57150" dist="19050" dir="5400000" algn="ctr" rotWithShape="0">
+              <a:srgbClr val="000000">
+                <a:alpha val="63000"/>
+              </a:srgbClr>
+            </a:outerShdw>
+          </a:effectLst>
+        </a:effectStyle>
+      </a:effectStyleLst>
+      <a:bgFillStyleLst>
+        <a:solidFill>
+          <a:schemeClr val="phClr"/>
+        </a:solidFill>
+        <a:solidFill>
+          <a:schemeClr val="phClr">
+            <a:tint val="95000"/>
+            <a:satMod val="170000"/>
+          </a:schemeClr>
+        </a:solidFill>
+        <a:gradFill rotWithShape="1">
+          <a:gsLst>
+            <a:gs pos="0">
+              <a:schemeClr val="phClr">
+                <a:tint val="93000"/>
+                <a:satMod val="150000"/>
+                <a:shade val="98000"/>
+                <a:lumMod val="102000"/>
+              </a:schemeClr>
+            </a:gs>
+            <a:gs pos="50000">
+              <a:schemeClr val="phClr">
+                <a:tint val="98000"/>
+                <a:satMod val="130000"/>
+                <a:shade val="90000"/>
+                <a:lumMod val="103000"/>
+              </a:schemeClr>
+            </a:gs>
+            <a:gs pos="100000">
+              <a:schemeClr val="phClr">
+                <a:shade val="63000"/>
+                <a:satMod val="120000"/>
+              </a:schemeClr>
+            </a:gs>
+          </a:gsLst>
+          <a:lin ang="5400000" scaled="0"/>
+        </a:gradFill>
+      </a:bgFillStyleLst>
+    </a:fmtScheme>
+  </a:themeElements>
+  <a:objectDefaults/>
+  <a:extraClrSchemeLst/>
+  <a:extLst>
+    <a:ext uri="{05A4C25C-085E-4340-85A3-A5531E510DB2}">
+      <thm15:themeFamily xmlns:thm15="http://schemas.microsoft.com/office/thememl/2012/main" name="Office Theme" id="{62F939B6-93AF-4DB8-9C6B-D6C7DFDC589F}" vid="{4A3C46E8-61CC-4603-A589-7422A47A8E4A}"/>
+    </a:ext>
+  </a:extLst>
+</a:theme>
 </file>
--- a/DS 555 - Data Science & Strategy/ds555-project/references/Presentation.pptx
+++ b/DS 555 - Data Science & Strategy/ds555-project/references/Presentation.pptx
@@ -5,7 +5,7 @@
     <p:sldMasterId id="2147483648" r:id="rId1"/>
   </p:sldMasterIdLst>
   <p:notesMasterIdLst>
-    <p:notesMasterId r:id="rId23"/>
+    <p:notesMasterId r:id="rId24"/>
   </p:notesMasterIdLst>
   <p:sldIdLst>
     <p:sldId id="280" r:id="rId2"/>
@@ -25,10 +25,11 @@
     <p:sldId id="281" r:id="rId16"/>
     <p:sldId id="286" r:id="rId17"/>
     <p:sldId id="292" r:id="rId18"/>
-    <p:sldId id="293" r:id="rId19"/>
-    <p:sldId id="299" r:id="rId20"/>
+    <p:sldId id="299" r:id="rId19"/>
+    <p:sldId id="293" r:id="rId20"/>
     <p:sldId id="300" r:id="rId21"/>
-    <p:sldId id="304" r:id="rId22"/>
+    <p:sldId id="305" r:id="rId22"/>
+    <p:sldId id="304" r:id="rId23"/>
   </p:sldIdLst>
   <p:sldSz cx="12192000" cy="6858000"/>
   <p:notesSz cx="6858000" cy="9144000"/>
@@ -161,9 +162,10 @@
             <p14:sldId id="281"/>
             <p14:sldId id="286"/>
             <p14:sldId id="292"/>
+            <p14:sldId id="299"/>
             <p14:sldId id="293"/>
-            <p14:sldId id="299"/>
             <p14:sldId id="300"/>
+            <p14:sldId id="305"/>
             <p14:sldId id="304"/>
           </p14:sldIdLst>
         </p14:section>
@@ -188,20 +190,6 @@
 </p:cmAuthorLst>
 </file>
 
-<file path=ppt/comments/comment1.xml><?xml version="1.0" encoding="utf-8"?>
-<p:cmLst xmlns:a="http://schemas.openxmlformats.org/drawingml/2006/main" xmlns:r="http://schemas.openxmlformats.org/officeDocument/2006/relationships" xmlns:p="http://schemas.openxmlformats.org/presentationml/2006/main">
-  <p:cm authorId="1" dt="2021-01-17T16:32:39.183" idx="3">
-    <p:pos x="6192" y="931"/>
-    <p:text>TODO: Continues'a uygun görsel</p:text>
-    <p:extLst>
-      <p:ext uri="{C676402C-5697-4E1C-873F-D02D1690AC5C}">
-        <p15:threadingInfo xmlns:p15="http://schemas.microsoft.com/office/powerpoint/2012/main" timeZoneBias="-180"/>
-      </p:ext>
-    </p:extLst>
-  </p:cm>
-</p:cmLst>
-</file>
-
 <file path=ppt/notesMasters/notesMaster1.xml><?xml version="1.0" encoding="utf-8"?>
 <p:notesMaster xmlns:a="http://schemas.openxmlformats.org/drawingml/2006/main" xmlns:r="http://schemas.openxmlformats.org/officeDocument/2006/relationships" xmlns:p="http://schemas.openxmlformats.org/presentationml/2006/main">
   <p:cSld>
@@ -284,7 +272,7 @@
           <a:p>
             <a:fld id="{293F0928-1E0F-4CC6-B691-369B4EAA8DD4}" type="datetimeFigureOut">
               <a:rPr lang="en-US" smtClean="0"/>
-              <a:t>1/17/2021</a:t>
+              <a:t>1/18/2021</a:t>
             </a:fld>
             <a:endParaRPr lang="en-US"/>
           </a:p>
@@ -641,7 +629,7 @@
           <a:p>
             <a:fld id="{1AF75CC2-E608-484F-A54C-EB2624F9D54B}" type="slidenum">
               <a:rPr lang="en-US" smtClean="0"/>
-              <a:t>19</a:t>
+              <a:t>18</a:t>
             </a:fld>
             <a:endParaRPr lang="en-US"/>
           </a:p>
@@ -791,7 +779,7 @@
           <a:p>
             <a:fld id="{6FF1DA8F-7180-4FFC-88D8-986301C84666}" type="datetimeFigureOut">
               <a:rPr lang="tr-TR" smtClean="0"/>
-              <a:t>17 Oca 2021</a:t>
+              <a:t>18 Oca 2021</a:t>
             </a:fld>
             <a:endParaRPr lang="tr-TR"/>
           </a:p>
@@ -961,7 +949,7 @@
           <a:p>
             <a:fld id="{6FF1DA8F-7180-4FFC-88D8-986301C84666}" type="datetimeFigureOut">
               <a:rPr lang="tr-TR" smtClean="0"/>
-              <a:t>17 Oca 2021</a:t>
+              <a:t>18 Oca 2021</a:t>
             </a:fld>
             <a:endParaRPr lang="tr-TR"/>
           </a:p>
@@ -1141,7 +1129,7 @@
           <a:p>
             <a:fld id="{6FF1DA8F-7180-4FFC-88D8-986301C84666}" type="datetimeFigureOut">
               <a:rPr lang="tr-TR" smtClean="0"/>
-              <a:t>17 Oca 2021</a:t>
+              <a:t>18 Oca 2021</a:t>
             </a:fld>
             <a:endParaRPr lang="tr-TR"/>
           </a:p>
@@ -1311,7 +1299,7 @@
           <a:p>
             <a:fld id="{6FF1DA8F-7180-4FFC-88D8-986301C84666}" type="datetimeFigureOut">
               <a:rPr lang="tr-TR" smtClean="0"/>
-              <a:t>17 Oca 2021</a:t>
+              <a:t>18 Oca 2021</a:t>
             </a:fld>
             <a:endParaRPr lang="tr-TR"/>
           </a:p>
@@ -1557,7 +1545,7 @@
           <a:p>
             <a:fld id="{6FF1DA8F-7180-4FFC-88D8-986301C84666}" type="datetimeFigureOut">
               <a:rPr lang="tr-TR" smtClean="0"/>
-              <a:t>17 Oca 2021</a:t>
+              <a:t>18 Oca 2021</a:t>
             </a:fld>
             <a:endParaRPr lang="tr-TR"/>
           </a:p>
@@ -1789,7 +1777,7 @@
           <a:p>
             <a:fld id="{6FF1DA8F-7180-4FFC-88D8-986301C84666}" type="datetimeFigureOut">
               <a:rPr lang="tr-TR" smtClean="0"/>
-              <a:t>17 Oca 2021</a:t>
+              <a:t>18 Oca 2021</a:t>
             </a:fld>
             <a:endParaRPr lang="tr-TR"/>
           </a:p>
@@ -2156,7 +2144,7 @@
           <a:p>
             <a:fld id="{6FF1DA8F-7180-4FFC-88D8-986301C84666}" type="datetimeFigureOut">
               <a:rPr lang="tr-TR" smtClean="0"/>
-              <a:t>17 Oca 2021</a:t>
+              <a:t>18 Oca 2021</a:t>
             </a:fld>
             <a:endParaRPr lang="tr-TR"/>
           </a:p>
@@ -2274,7 +2262,7 @@
           <a:p>
             <a:fld id="{6FF1DA8F-7180-4FFC-88D8-986301C84666}" type="datetimeFigureOut">
               <a:rPr lang="tr-TR" smtClean="0"/>
-              <a:t>17 Oca 2021</a:t>
+              <a:t>18 Oca 2021</a:t>
             </a:fld>
             <a:endParaRPr lang="tr-TR"/>
           </a:p>
@@ -2369,7 +2357,7 @@
           <a:p>
             <a:fld id="{6FF1DA8F-7180-4FFC-88D8-986301C84666}" type="datetimeFigureOut">
               <a:rPr lang="tr-TR" smtClean="0"/>
-              <a:t>17 Oca 2021</a:t>
+              <a:t>18 Oca 2021</a:t>
             </a:fld>
             <a:endParaRPr lang="tr-TR"/>
           </a:p>
@@ -2646,7 +2634,7 @@
           <a:p>
             <a:fld id="{6FF1DA8F-7180-4FFC-88D8-986301C84666}" type="datetimeFigureOut">
               <a:rPr lang="tr-TR" smtClean="0"/>
-              <a:t>17 Oca 2021</a:t>
+              <a:t>18 Oca 2021</a:t>
             </a:fld>
             <a:endParaRPr lang="tr-TR"/>
           </a:p>
@@ -2899,7 +2887,7 @@
           <a:p>
             <a:fld id="{6FF1DA8F-7180-4FFC-88D8-986301C84666}" type="datetimeFigureOut">
               <a:rPr lang="tr-TR" smtClean="0"/>
-              <a:t>17 Oca 2021</a:t>
+              <a:t>18 Oca 2021</a:t>
             </a:fld>
             <a:endParaRPr lang="tr-TR"/>
           </a:p>
@@ -3112,7 +3100,7 @@
           <a:p>
             <a:fld id="{6FF1DA8F-7180-4FFC-88D8-986301C84666}" type="datetimeFigureOut">
               <a:rPr lang="tr-TR" smtClean="0"/>
-              <a:t>17 Oca 2021</a:t>
+              <a:t>18 Oca 2021</a:t>
             </a:fld>
             <a:endParaRPr lang="tr-TR"/>
           </a:p>
@@ -6367,8 +6355,8 @@
           </a:p>
         </p:txBody>
       </p:sp>
-      <mc:AlternateContent xmlns:mc="http://schemas.openxmlformats.org/markup-compatibility/2006">
-        <mc:Choice xmlns:a14="http://schemas.microsoft.com/office/drawing/2010/main" Requires="a14">
+      <mc:AlternateContent xmlns:mc="http://schemas.openxmlformats.org/markup-compatibility/2006" xmlns:a14="http://schemas.microsoft.com/office/drawing/2010/main">
+        <mc:Choice Requires="a14">
           <p:sp>
             <p:nvSpPr>
               <p:cNvPr id="10" name="Right Arrow 9"/>
@@ -6533,7 +6521,7 @@
             </p:txBody>
           </p:sp>
         </mc:Choice>
-        <mc:Fallback>
+        <mc:Fallback xmlns="">
           <p:sp>
             <p:nvSpPr>
               <p:cNvPr id="10" name="Right Arrow 9"/>
@@ -9207,8 +9195,8 @@
           </a:p>
         </p:txBody>
       </p:sp>
-      <mc:AlternateContent xmlns:mc="http://schemas.openxmlformats.org/markup-compatibility/2006">
-        <mc:Choice xmlns:a14="http://schemas.microsoft.com/office/drawing/2010/main" Requires="a14">
+      <mc:AlternateContent xmlns:mc="http://schemas.openxmlformats.org/markup-compatibility/2006" xmlns:a14="http://schemas.microsoft.com/office/drawing/2010/main">
+        <mc:Choice Requires="a14">
           <p:sp>
             <p:nvSpPr>
               <p:cNvPr id="11" name="TextBox 10"/>
@@ -9231,6 +9219,7 @@
               </a:bodyPr>
               <a:lstStyle/>
               <a:p>
+                <a:pPr/>
                 <a14:m>
                   <m:oMathPara xmlns:m="http://schemas.openxmlformats.org/officeDocument/2006/math">
                     <m:oMathParaPr>
@@ -9378,7 +9367,7 @@
             </p:txBody>
           </p:sp>
         </mc:Choice>
-        <mc:Fallback>
+        <mc:Fallback xmlns="">
           <p:sp>
             <p:nvSpPr>
               <p:cNvPr id="11" name="TextBox 10"/>
@@ -9907,7 +9896,7 @@
         </p:nvSpPr>
         <p:spPr>
           <a:xfrm>
-            <a:off x="9328727" y="3483760"/>
+            <a:off x="9280479" y="2273069"/>
             <a:ext cx="2126468" cy="2760020"/>
           </a:xfrm>
           <a:solidFill>
@@ -10110,12 +10099,6 @@
               </a:rPr>
               <a:t>DecisionTree</a:t>
             </a:r>
-            <a:endParaRPr lang="tr-TR" sz="1600" b="1" dirty="0" smtClean="0">
-              <a:solidFill>
-                <a:schemeClr val="bg1"/>
-              </a:solidFill>
-              <a:latin typeface="+mj-lt"/>
-            </a:endParaRPr>
           </a:p>
           <a:p>
             <a:pPr fontAlgn="ctr"/>
@@ -10147,30 +10130,6 @@
           </a:p>
         </p:txBody>
       </p:sp>
-      <p:pic>
-        <p:nvPicPr>
-          <p:cNvPr id="4" name="Picture 3"/>
-          <p:cNvPicPr>
-            <a:picLocks noChangeAspect="1"/>
-          </p:cNvPicPr>
-          <p:nvPr/>
-        </p:nvPicPr>
-        <p:blipFill>
-          <a:blip r:embed="rId2"/>
-          <a:stretch>
-            <a:fillRect/>
-          </a:stretch>
-        </p:blipFill>
-        <p:spPr>
-          <a:xfrm>
-            <a:off x="736805" y="2054068"/>
-            <a:ext cx="10718390" cy="1053941"/>
-          </a:xfrm>
-          <a:prstGeom prst="rect">
-            <a:avLst/>
-          </a:prstGeom>
-        </p:spPr>
-      </p:pic>
       <p:sp>
         <p:nvSpPr>
           <p:cNvPr id="6" name="Content Placeholder 2"/>
@@ -10181,7 +10140,7 @@
         </p:nvSpPr>
         <p:spPr>
           <a:xfrm>
-            <a:off x="736805" y="3289798"/>
+            <a:off x="125614" y="2074695"/>
             <a:ext cx="7557450" cy="3212602"/>
           </a:xfrm>
           <a:prstGeom prst="rect">
@@ -10592,6 +10551,73 @@
           </a:p>
         </p:txBody>
       </p:sp>
+      <p:pic>
+        <p:nvPicPr>
+          <p:cNvPr id="2" name="Picture 1"/>
+          <p:cNvPicPr>
+            <a:picLocks noChangeAspect="1"/>
+          </p:cNvPicPr>
+          <p:nvPr/>
+        </p:nvPicPr>
+        <p:blipFill rotWithShape="1">
+          <a:blip r:embed="rId2"/>
+          <a:srcRect b="18546"/>
+          <a:stretch/>
+        </p:blipFill>
+        <p:spPr>
+          <a:xfrm>
+            <a:off x="760497" y="5287297"/>
+            <a:ext cx="5411702" cy="1292361"/>
+          </a:xfrm>
+          <a:prstGeom prst="rect">
+            <a:avLst/>
+          </a:prstGeom>
+          <a:ln>
+            <a:noFill/>
+          </a:ln>
+          <a:effectLst>
+            <a:outerShdw blurRad="292100" dist="139700" dir="2700000" algn="tl" rotWithShape="0">
+              <a:srgbClr val="333333">
+                <a:alpha val="65000"/>
+              </a:srgbClr>
+            </a:outerShdw>
+          </a:effectLst>
+        </p:spPr>
+      </p:pic>
+      <p:pic>
+        <p:nvPicPr>
+          <p:cNvPr id="7" name="Picture 6"/>
+          <p:cNvPicPr>
+            <a:picLocks noChangeAspect="1"/>
+          </p:cNvPicPr>
+          <p:nvPr/>
+        </p:nvPicPr>
+        <p:blipFill>
+          <a:blip r:embed="rId3"/>
+          <a:stretch>
+            <a:fillRect/>
+          </a:stretch>
+        </p:blipFill>
+        <p:spPr>
+          <a:xfrm>
+            <a:off x="6504742" y="5287297"/>
+            <a:ext cx="5000567" cy="1127321"/>
+          </a:xfrm>
+          <a:prstGeom prst="rect">
+            <a:avLst/>
+          </a:prstGeom>
+          <a:ln>
+            <a:noFill/>
+          </a:ln>
+          <a:effectLst>
+            <a:outerShdw blurRad="292100" dist="139700" dir="2700000" algn="tl" rotWithShape="0">
+              <a:srgbClr val="333333">
+                <a:alpha val="65000"/>
+              </a:srgbClr>
+            </a:outerShdw>
+          </a:effectLst>
+        </p:spPr>
+      </p:pic>
     </p:spTree>
     <p:extLst>
       <p:ext uri="{BB962C8B-B14F-4D97-AF65-F5344CB8AC3E}">
@@ -10650,15 +10676,7 @@
                   <a:schemeClr val="tx2"/>
                 </a:solidFill>
               </a:rPr>
-              <a:t>Residual </a:t>
-            </a:r>
-            <a:r>
-              <a:rPr lang="tr-TR" sz="3600" b="1" dirty="0" smtClean="0">
-                <a:solidFill>
-                  <a:schemeClr val="tx2"/>
-                </a:solidFill>
-              </a:rPr>
-              <a:t>Analysis</a:t>
+              <a:t>Residual Analysis</a:t>
             </a:r>
             <a:endParaRPr lang="tr-TR" sz="3600" b="1" dirty="0">
               <a:solidFill>
@@ -10866,15 +10884,7 @@
                   <a:schemeClr val="bg1"/>
                 </a:solidFill>
               </a:rPr>
-              <a:t>Mean Percent Error</a:t>
-            </a:r>
-            <a:r>
-              <a:rPr lang="tr-TR" sz="1600" b="1" dirty="0" smtClean="0">
-                <a:solidFill>
-                  <a:schemeClr val="bg1"/>
-                </a:solidFill>
-              </a:rPr>
-              <a:t> </a:t>
+              <a:t>Mean Percent Error </a:t>
             </a:r>
           </a:p>
           <a:p>
@@ -11318,30 +11328,6 @@
           <a:chExt cx="0" cy="0"/>
         </a:xfrm>
       </p:grpSpPr>
-      <p:pic>
-        <p:nvPicPr>
-          <p:cNvPr id="4" name="Picture 3"/>
-          <p:cNvPicPr>
-            <a:picLocks noChangeAspect="1"/>
-          </p:cNvPicPr>
-          <p:nvPr/>
-        </p:nvPicPr>
-        <p:blipFill>
-          <a:blip r:embed="rId2"/>
-          <a:stretch>
-            <a:fillRect/>
-          </a:stretch>
-        </p:blipFill>
-        <p:spPr>
-          <a:xfrm>
-            <a:off x="750130" y="942109"/>
-            <a:ext cx="10107845" cy="5369792"/>
-          </a:xfrm>
-          <a:prstGeom prst="rect">
-            <a:avLst/>
-          </a:prstGeom>
-        </p:spPr>
-      </p:pic>
       <p:sp>
         <p:nvSpPr>
           <p:cNvPr id="3" name="Content Placeholder 2"/>
@@ -11354,126 +11340,655 @@
         </p:nvSpPr>
         <p:spPr>
           <a:xfrm>
-            <a:off x="8504382" y="1320800"/>
-            <a:ext cx="3290455" cy="1484890"/>
-          </a:xfrm>
+            <a:off x="838200" y="504825"/>
+            <a:ext cx="10515600" cy="668193"/>
+          </a:xfrm>
+        </p:spPr>
+        <p:txBody>
+          <a:bodyPr>
+            <a:normAutofit/>
+          </a:bodyPr>
+          <a:lstStyle/>
+          <a:p>
+            <a:pPr marL="0" indent="0">
+              <a:buNone/>
+            </a:pPr>
+            <a:r>
+              <a:rPr lang="tr-TR" sz="3600" b="1" dirty="0" smtClean="0">
+                <a:solidFill>
+                  <a:schemeClr val="tx2"/>
+                </a:solidFill>
+                <a:latin typeface="+mj-lt"/>
+              </a:rPr>
+              <a:t>O</a:t>
+            </a:r>
+            <a:r>
+              <a:rPr lang="en-US" sz="3600" b="1" dirty="0" err="1" smtClean="0">
+                <a:solidFill>
+                  <a:schemeClr val="tx2"/>
+                </a:solidFill>
+                <a:latin typeface="+mj-lt"/>
+              </a:rPr>
+              <a:t>verall</a:t>
+            </a:r>
+            <a:r>
+              <a:rPr lang="en-US" sz="3600" b="1" dirty="0" smtClean="0">
+                <a:solidFill>
+                  <a:schemeClr val="tx2"/>
+                </a:solidFill>
+                <a:latin typeface="+mj-lt"/>
+              </a:rPr>
+              <a:t> </a:t>
+            </a:r>
+            <a:r>
+              <a:rPr lang="en-US" sz="3600" b="1" dirty="0" smtClean="0">
+                <a:solidFill>
+                  <a:schemeClr val="tx2"/>
+                </a:solidFill>
+                <a:latin typeface="+mj-lt"/>
+              </a:rPr>
+              <a:t>performance </a:t>
+            </a:r>
+            <a:r>
+              <a:rPr lang="en-US" sz="3600" b="1" dirty="0">
+                <a:solidFill>
+                  <a:schemeClr val="tx2"/>
+                </a:solidFill>
+                <a:latin typeface="+mj-lt"/>
+              </a:rPr>
+              <a:t>of </a:t>
+            </a:r>
+            <a:r>
+              <a:rPr lang="en-US" sz="3600" b="1" dirty="0" smtClean="0">
+                <a:solidFill>
+                  <a:schemeClr val="tx2"/>
+                </a:solidFill>
+                <a:latin typeface="+mj-lt"/>
+              </a:rPr>
+              <a:t>models</a:t>
+            </a:r>
+            <a:endParaRPr lang="tr-TR" sz="3600" b="1" dirty="0" smtClean="0">
+              <a:solidFill>
+                <a:schemeClr val="tx2"/>
+              </a:solidFill>
+              <a:latin typeface="+mj-lt"/>
+            </a:endParaRPr>
+          </a:p>
+        </p:txBody>
+      </p:sp>
+      <p:sp>
+        <p:nvSpPr>
+          <p:cNvPr id="5" name="Rectangle 4"/>
+          <p:cNvSpPr/>
+          <p:nvPr/>
+        </p:nvSpPr>
+        <p:spPr>
+          <a:xfrm>
+            <a:off x="2068288" y="1293675"/>
+            <a:ext cx="6400798" cy="1200329"/>
+          </a:xfrm>
+          <a:prstGeom prst="rect">
+            <a:avLst/>
+          </a:prstGeom>
+          <a:solidFill>
+            <a:schemeClr val="accent4"/>
+          </a:solidFill>
+        </p:spPr>
+        <p:txBody>
+          <a:bodyPr wrap="square" rtlCol="0">
+            <a:spAutoFit/>
+          </a:bodyPr>
+          <a:lstStyle/>
+          <a:p>
+            <a:r>
+              <a:rPr lang="tr-TR" b="1" dirty="0">
+                <a:solidFill>
+                  <a:schemeClr val="tx2"/>
+                </a:solidFill>
+                <a:latin typeface="+mj-lt"/>
+              </a:rPr>
+              <a:t>P</a:t>
+            </a:r>
+            <a:r>
+              <a:rPr lang="en-US" b="1" dirty="0" err="1">
+                <a:solidFill>
+                  <a:schemeClr val="tx2"/>
+                </a:solidFill>
+                <a:latin typeface="+mj-lt"/>
+              </a:rPr>
+              <a:t>erforms</a:t>
+            </a:r>
+            <a:r>
+              <a:rPr lang="en-US" b="1" dirty="0">
+                <a:solidFill>
+                  <a:schemeClr val="tx2"/>
+                </a:solidFill>
+                <a:latin typeface="+mj-lt"/>
+              </a:rPr>
+              <a:t> best </a:t>
+            </a:r>
+            <a:r>
+              <a:rPr lang="tr-TR" b="1" dirty="0">
+                <a:solidFill>
+                  <a:schemeClr val="tx2"/>
+                </a:solidFill>
+                <a:latin typeface="+mj-lt"/>
+              </a:rPr>
+              <a:t>(</a:t>
+            </a:r>
+            <a:r>
+              <a:rPr lang="en-US" b="1" dirty="0" err="1">
+                <a:solidFill>
+                  <a:schemeClr val="tx2"/>
+                </a:solidFill>
+                <a:latin typeface="+mj-lt"/>
+              </a:rPr>
+              <a:t>mape</a:t>
+            </a:r>
+            <a:r>
+              <a:rPr lang="en-US" b="1" dirty="0">
+                <a:solidFill>
+                  <a:schemeClr val="tx2"/>
+                </a:solidFill>
+                <a:latin typeface="+mj-lt"/>
+              </a:rPr>
+              <a:t> </a:t>
+            </a:r>
+            <a:r>
+              <a:rPr lang="en-US" b="1" dirty="0" smtClean="0">
+                <a:solidFill>
+                  <a:schemeClr val="tx2"/>
+                </a:solidFill>
+                <a:latin typeface="+mj-lt"/>
+              </a:rPr>
+              <a:t>perspective</a:t>
+            </a:r>
+            <a:r>
+              <a:rPr lang="tr-TR" b="1" dirty="0">
+                <a:solidFill>
+                  <a:schemeClr val="tx2"/>
+                </a:solidFill>
+                <a:latin typeface="+mj-lt"/>
+              </a:rPr>
+              <a:t>)</a:t>
+            </a:r>
+          </a:p>
+          <a:p>
+            <a:endParaRPr lang="tr-TR" b="1" dirty="0">
+              <a:solidFill>
+                <a:schemeClr val="tx2"/>
+              </a:solidFill>
+              <a:latin typeface="+mj-lt"/>
+            </a:endParaRPr>
+          </a:p>
+          <a:p>
+            <a:pPr marL="285750" indent="-285750">
+              <a:buFont typeface="Arial" panose="020B0604020202020204" pitchFamily="34" charset="0"/>
+              <a:buChar char="•"/>
+            </a:pPr>
+            <a:r>
+              <a:rPr lang="tr-TR" b="1" dirty="0">
+                <a:solidFill>
+                  <a:schemeClr val="tx2"/>
+                </a:solidFill>
+                <a:latin typeface="+mj-lt"/>
+              </a:rPr>
+              <a:t>F</a:t>
+            </a:r>
+            <a:r>
+              <a:rPr lang="en-US" b="1" dirty="0" err="1">
+                <a:solidFill>
+                  <a:schemeClr val="tx2"/>
+                </a:solidFill>
+                <a:latin typeface="+mj-lt"/>
+              </a:rPr>
+              <a:t>eature</a:t>
+            </a:r>
+            <a:r>
+              <a:rPr lang="en-US" b="1" dirty="0">
+                <a:solidFill>
+                  <a:schemeClr val="tx2"/>
+                </a:solidFill>
+                <a:latin typeface="+mj-lt"/>
+              </a:rPr>
+              <a:t> </a:t>
+            </a:r>
+            <a:r>
+              <a:rPr lang="en-US" b="1" dirty="0" smtClean="0">
+                <a:solidFill>
+                  <a:schemeClr val="tx2"/>
+                </a:solidFill>
+                <a:latin typeface="+mj-lt"/>
+              </a:rPr>
+              <a:t>aggregation</a:t>
+            </a:r>
+            <a:r>
+              <a:rPr lang="tr-TR" b="1" dirty="0">
+                <a:solidFill>
+                  <a:schemeClr val="tx2"/>
+                </a:solidFill>
+                <a:latin typeface="+mj-lt"/>
+              </a:rPr>
+              <a:t>,</a:t>
+            </a:r>
+            <a:r>
+              <a:rPr lang="tr-TR" b="1" dirty="0" smtClean="0">
+                <a:solidFill>
+                  <a:schemeClr val="tx2"/>
+                </a:solidFill>
+                <a:latin typeface="+mj-lt"/>
+              </a:rPr>
+              <a:t> Target Transformation &amp; Binning</a:t>
+            </a:r>
+          </a:p>
+          <a:p>
+            <a:pPr marL="285750" indent="-285750">
+              <a:buFont typeface="Arial" panose="020B0604020202020204" pitchFamily="34" charset="0"/>
+              <a:buChar char="•"/>
+            </a:pPr>
+            <a:r>
+              <a:rPr lang="en-US" b="1" dirty="0" err="1" smtClean="0">
+                <a:solidFill>
+                  <a:schemeClr val="tx2"/>
+                </a:solidFill>
+                <a:latin typeface="+mj-lt"/>
+              </a:rPr>
+              <a:t>LinearSVR</a:t>
+            </a:r>
+            <a:r>
+              <a:rPr lang="en-US" b="1" dirty="0" smtClean="0">
+                <a:solidFill>
+                  <a:schemeClr val="tx2"/>
+                </a:solidFill>
+                <a:latin typeface="+mj-lt"/>
+              </a:rPr>
+              <a:t> </a:t>
+            </a:r>
+            <a:r>
+              <a:rPr lang="en-US" b="1" dirty="0">
+                <a:solidFill>
+                  <a:schemeClr val="tx2"/>
+                </a:solidFill>
+                <a:latin typeface="+mj-lt"/>
+              </a:rPr>
+              <a:t>(c = 0,1) </a:t>
+            </a:r>
+            <a:endParaRPr lang="tr-TR" b="1" dirty="0" smtClean="0">
+              <a:solidFill>
+                <a:schemeClr val="tx2"/>
+              </a:solidFill>
+              <a:latin typeface="+mj-lt"/>
+            </a:endParaRPr>
+          </a:p>
+        </p:txBody>
+      </p:sp>
+      <p:pic>
+        <p:nvPicPr>
+          <p:cNvPr id="2" name="Picture 1"/>
+          <p:cNvPicPr>
+            <a:picLocks noChangeAspect="1"/>
+          </p:cNvPicPr>
+          <p:nvPr/>
+        </p:nvPicPr>
+        <p:blipFill rotWithShape="1">
+          <a:blip r:embed="rId3"/>
+          <a:srcRect t="-1" b="91485"/>
+          <a:stretch/>
+        </p:blipFill>
+        <p:spPr>
+          <a:xfrm>
+            <a:off x="553177" y="2965334"/>
+            <a:ext cx="6863622" cy="294797"/>
+          </a:xfrm>
+          <a:prstGeom prst="rect">
+            <a:avLst/>
+          </a:prstGeom>
+        </p:spPr>
+      </p:pic>
+      <p:pic>
+        <p:nvPicPr>
+          <p:cNvPr id="6" name="Picture 5"/>
+          <p:cNvPicPr>
+            <a:picLocks noChangeAspect="1"/>
+          </p:cNvPicPr>
+          <p:nvPr/>
+        </p:nvPicPr>
+        <p:blipFill rotWithShape="1">
+          <a:blip r:embed="rId3"/>
+          <a:srcRect t="80224"/>
+          <a:stretch/>
+        </p:blipFill>
+        <p:spPr>
+          <a:xfrm>
+            <a:off x="553177" y="3294743"/>
+            <a:ext cx="6863622" cy="684590"/>
+          </a:xfrm>
+          <a:prstGeom prst="rect">
+            <a:avLst/>
+          </a:prstGeom>
+        </p:spPr>
+      </p:pic>
+      <p:pic>
+        <p:nvPicPr>
+          <p:cNvPr id="7" name="Picture 6"/>
+          <p:cNvPicPr>
+            <a:picLocks noChangeAspect="1"/>
+          </p:cNvPicPr>
+          <p:nvPr/>
+        </p:nvPicPr>
+        <p:blipFill rotWithShape="1">
+          <a:blip r:embed="rId3"/>
+          <a:srcRect t="-1" b="91485"/>
+          <a:stretch/>
+        </p:blipFill>
+        <p:spPr>
+          <a:xfrm>
+            <a:off x="553177" y="4440178"/>
+            <a:ext cx="6863622" cy="294797"/>
+          </a:xfrm>
+          <a:prstGeom prst="rect">
+            <a:avLst/>
+          </a:prstGeom>
+        </p:spPr>
+      </p:pic>
+      <p:pic>
+        <p:nvPicPr>
+          <p:cNvPr id="8" name="Picture 7"/>
+          <p:cNvPicPr>
+            <a:picLocks noChangeAspect="1"/>
+          </p:cNvPicPr>
+          <p:nvPr/>
+        </p:nvPicPr>
+        <p:blipFill rotWithShape="1">
+          <a:blip r:embed="rId3"/>
+          <a:srcRect t="62196" b="22710"/>
+          <a:stretch/>
+        </p:blipFill>
+        <p:spPr>
+          <a:xfrm>
+            <a:off x="553177" y="4664374"/>
+            <a:ext cx="6863622" cy="522514"/>
+          </a:xfrm>
+          <a:prstGeom prst="rect">
+            <a:avLst/>
+          </a:prstGeom>
+        </p:spPr>
+      </p:pic>
+      <p:sp>
+        <p:nvSpPr>
+          <p:cNvPr id="9" name="Content Placeholder 2"/>
+          <p:cNvSpPr txBox="1">
+            <a:spLocks/>
+          </p:cNvSpPr>
+          <p:nvPr/>
+        </p:nvSpPr>
+        <p:spPr>
+          <a:xfrm>
+            <a:off x="8131298" y="3598752"/>
+            <a:ext cx="2126468" cy="1065622"/>
+          </a:xfrm>
+          <a:prstGeom prst="rect">
+            <a:avLst/>
+          </a:prstGeom>
           <a:solidFill>
             <a:schemeClr val="tx2"/>
           </a:solidFill>
         </p:spPr>
         <p:txBody>
-          <a:bodyPr vert="horz" lIns="91440" tIns="45720" rIns="91440" bIns="45720" rtlCol="0" anchor="ctr">
+          <a:bodyPr vert="horz" lIns="91440" tIns="45720" rIns="91440" bIns="45720" rtlCol="0">
             <a:noAutofit/>
           </a:bodyPr>
-          <a:lstStyle/>
-          <a:p>
-            <a:r>
-              <a:rPr lang="tr-TR" sz="1600" b="1" dirty="0" smtClean="0">
+          <a:lstStyle>
+            <a:lvl1pPr marL="228600" indent="-228600" algn="l" defTabSz="914400" rtl="0" eaLnBrk="1" latinLnBrk="0" hangingPunct="1">
+              <a:lnSpc>
+                <a:spcPct val="90000"/>
+              </a:lnSpc>
+              <a:spcBef>
+                <a:spcPts val="1000"/>
+              </a:spcBef>
+              <a:buFont typeface="Arial" panose="020B0604020202020204" pitchFamily="34" charset="0"/>
+              <a:buChar char="•"/>
+              <a:defRPr sz="2800" kern="1200">
+                <a:solidFill>
+                  <a:schemeClr val="tx1"/>
+                </a:solidFill>
+                <a:latin typeface="+mn-lt"/>
+                <a:ea typeface="+mn-ea"/>
+                <a:cs typeface="+mn-cs"/>
+              </a:defRPr>
+            </a:lvl1pPr>
+            <a:lvl2pPr marL="685800" indent="-228600" algn="l" defTabSz="914400" rtl="0" eaLnBrk="1" latinLnBrk="0" hangingPunct="1">
+              <a:lnSpc>
+                <a:spcPct val="90000"/>
+              </a:lnSpc>
+              <a:spcBef>
+                <a:spcPts val="500"/>
+              </a:spcBef>
+              <a:buFont typeface="Arial" panose="020B0604020202020204" pitchFamily="34" charset="0"/>
+              <a:buChar char="•"/>
+              <a:defRPr sz="2400" kern="1200">
+                <a:solidFill>
+                  <a:schemeClr val="tx1"/>
+                </a:solidFill>
+                <a:latin typeface="+mn-lt"/>
+                <a:ea typeface="+mn-ea"/>
+                <a:cs typeface="+mn-cs"/>
+              </a:defRPr>
+            </a:lvl2pPr>
+            <a:lvl3pPr marL="1143000" indent="-228600" algn="l" defTabSz="914400" rtl="0" eaLnBrk="1" latinLnBrk="0" hangingPunct="1">
+              <a:lnSpc>
+                <a:spcPct val="90000"/>
+              </a:lnSpc>
+              <a:spcBef>
+                <a:spcPts val="500"/>
+              </a:spcBef>
+              <a:buFont typeface="Arial" panose="020B0604020202020204" pitchFamily="34" charset="0"/>
+              <a:buChar char="•"/>
+              <a:defRPr sz="2000" kern="1200">
+                <a:solidFill>
+                  <a:schemeClr val="tx1"/>
+                </a:solidFill>
+                <a:latin typeface="+mn-lt"/>
+                <a:ea typeface="+mn-ea"/>
+                <a:cs typeface="+mn-cs"/>
+              </a:defRPr>
+            </a:lvl3pPr>
+            <a:lvl4pPr marL="1600200" indent="-228600" algn="l" defTabSz="914400" rtl="0" eaLnBrk="1" latinLnBrk="0" hangingPunct="1">
+              <a:lnSpc>
+                <a:spcPct val="90000"/>
+              </a:lnSpc>
+              <a:spcBef>
+                <a:spcPts val="500"/>
+              </a:spcBef>
+              <a:buFont typeface="Arial" panose="020B0604020202020204" pitchFamily="34" charset="0"/>
+              <a:buChar char="•"/>
+              <a:defRPr sz="1800" kern="1200">
+                <a:solidFill>
+                  <a:schemeClr val="tx1"/>
+                </a:solidFill>
+                <a:latin typeface="+mn-lt"/>
+                <a:ea typeface="+mn-ea"/>
+                <a:cs typeface="+mn-cs"/>
+              </a:defRPr>
+            </a:lvl4pPr>
+            <a:lvl5pPr marL="2057400" indent="-228600" algn="l" defTabSz="914400" rtl="0" eaLnBrk="1" latinLnBrk="0" hangingPunct="1">
+              <a:lnSpc>
+                <a:spcPct val="90000"/>
+              </a:lnSpc>
+              <a:spcBef>
+                <a:spcPts val="500"/>
+              </a:spcBef>
+              <a:buFont typeface="Arial" panose="020B0604020202020204" pitchFamily="34" charset="0"/>
+              <a:buChar char="•"/>
+              <a:defRPr sz="1800" kern="1200">
+                <a:solidFill>
+                  <a:schemeClr val="tx1"/>
+                </a:solidFill>
+                <a:latin typeface="+mn-lt"/>
+                <a:ea typeface="+mn-ea"/>
+                <a:cs typeface="+mn-cs"/>
+              </a:defRPr>
+            </a:lvl5pPr>
+            <a:lvl6pPr marL="2514600" indent="-228600" algn="l" defTabSz="914400" rtl="0" eaLnBrk="1" latinLnBrk="0" hangingPunct="1">
+              <a:lnSpc>
+                <a:spcPct val="90000"/>
+              </a:lnSpc>
+              <a:spcBef>
+                <a:spcPts val="500"/>
+              </a:spcBef>
+              <a:buFont typeface="Arial" panose="020B0604020202020204" pitchFamily="34" charset="0"/>
+              <a:buChar char="•"/>
+              <a:defRPr sz="1800" kern="1200">
+                <a:solidFill>
+                  <a:schemeClr val="tx1"/>
+                </a:solidFill>
+                <a:latin typeface="+mn-lt"/>
+                <a:ea typeface="+mn-ea"/>
+                <a:cs typeface="+mn-cs"/>
+              </a:defRPr>
+            </a:lvl6pPr>
+            <a:lvl7pPr marL="2971800" indent="-228600" algn="l" defTabSz="914400" rtl="0" eaLnBrk="1" latinLnBrk="0" hangingPunct="1">
+              <a:lnSpc>
+                <a:spcPct val="90000"/>
+              </a:lnSpc>
+              <a:spcBef>
+                <a:spcPts val="500"/>
+              </a:spcBef>
+              <a:buFont typeface="Arial" panose="020B0604020202020204" pitchFamily="34" charset="0"/>
+              <a:buChar char="•"/>
+              <a:defRPr sz="1800" kern="1200">
+                <a:solidFill>
+                  <a:schemeClr val="tx1"/>
+                </a:solidFill>
+                <a:latin typeface="+mn-lt"/>
+                <a:ea typeface="+mn-ea"/>
+                <a:cs typeface="+mn-cs"/>
+              </a:defRPr>
+            </a:lvl7pPr>
+            <a:lvl8pPr marL="3429000" indent="-228600" algn="l" defTabSz="914400" rtl="0" eaLnBrk="1" latinLnBrk="0" hangingPunct="1">
+              <a:lnSpc>
+                <a:spcPct val="90000"/>
+              </a:lnSpc>
+              <a:spcBef>
+                <a:spcPts val="500"/>
+              </a:spcBef>
+              <a:buFont typeface="Arial" panose="020B0604020202020204" pitchFamily="34" charset="0"/>
+              <a:buChar char="•"/>
+              <a:defRPr sz="1800" kern="1200">
+                <a:solidFill>
+                  <a:schemeClr val="tx1"/>
+                </a:solidFill>
+                <a:latin typeface="+mn-lt"/>
+                <a:ea typeface="+mn-ea"/>
+                <a:cs typeface="+mn-cs"/>
+              </a:defRPr>
+            </a:lvl8pPr>
+            <a:lvl9pPr marL="3886200" indent="-228600" algn="l" defTabSz="914400" rtl="0" eaLnBrk="1" latinLnBrk="0" hangingPunct="1">
+              <a:lnSpc>
+                <a:spcPct val="90000"/>
+              </a:lnSpc>
+              <a:spcBef>
+                <a:spcPts val="500"/>
+              </a:spcBef>
+              <a:buFont typeface="Arial" panose="020B0604020202020204" pitchFamily="34" charset="0"/>
+              <a:buChar char="•"/>
+              <a:defRPr sz="1800" kern="1200">
+                <a:solidFill>
+                  <a:schemeClr val="tx1"/>
+                </a:solidFill>
+                <a:latin typeface="+mn-lt"/>
+                <a:ea typeface="+mn-ea"/>
+                <a:cs typeface="+mn-cs"/>
+              </a:defRPr>
+            </a:lvl9pPr>
+          </a:lstStyle>
+          <a:p>
+            <a:pPr marL="0" indent="0" fontAlgn="ctr">
+              <a:spcBef>
+                <a:spcPts val="0"/>
+              </a:spcBef>
+              <a:buNone/>
+            </a:pPr>
+            <a:r>
+              <a:rPr lang="tr-TR" sz="3200" b="1" dirty="0" smtClean="0">
                 <a:solidFill>
                   <a:schemeClr val="bg1"/>
                 </a:solidFill>
-              </a:rPr>
-              <a:t>I</a:t>
-            </a:r>
-            <a:r>
-              <a:rPr lang="en-US" sz="1600" b="1" dirty="0" smtClean="0">
+                <a:latin typeface="+mj-lt"/>
+              </a:rPr>
+              <a:t>35%</a:t>
+            </a:r>
+          </a:p>
+          <a:p>
+            <a:pPr marL="0" indent="0" fontAlgn="ctr">
+              <a:spcBef>
+                <a:spcPts val="0"/>
+              </a:spcBef>
+              <a:buNone/>
+            </a:pPr>
+            <a:r>
+              <a:rPr lang="tr-TR" sz="1200" dirty="0">
                 <a:solidFill>
                   <a:schemeClr val="bg1"/>
                 </a:solidFill>
               </a:rPr>
-              <a:t>t </a:t>
-            </a:r>
-            <a:r>
-              <a:rPr lang="en-US" sz="1600" b="1" dirty="0">
+              <a:t>MAPE </a:t>
+            </a:r>
+            <a:r>
+              <a:rPr lang="tr-TR" sz="1200" dirty="0" smtClean="0">
                 <a:solidFill>
                   <a:schemeClr val="bg1"/>
                 </a:solidFill>
               </a:rPr>
-              <a:t>fits successfully until outlier values</a:t>
-            </a:r>
-            <a:r>
-              <a:rPr lang="tr-TR" sz="1600" b="1" dirty="0">
+              <a:t>improvement with</a:t>
+            </a:r>
+            <a:endParaRPr lang="tr-TR" sz="3200" b="1" dirty="0" smtClean="0">
+              <a:solidFill>
+                <a:schemeClr val="bg1"/>
+              </a:solidFill>
+              <a:latin typeface="+mj-lt"/>
+            </a:endParaRPr>
+          </a:p>
+          <a:p>
+            <a:pPr marL="0" indent="0" fontAlgn="ctr">
+              <a:spcBef>
+                <a:spcPts val="0"/>
+              </a:spcBef>
+              <a:buNone/>
+            </a:pPr>
+            <a:r>
+              <a:rPr lang="tr-TR" sz="1400" dirty="0">
                 <a:solidFill>
                   <a:schemeClr val="bg1"/>
                 </a:solidFill>
               </a:rPr>
-              <a:t>.</a:t>
-            </a:r>
-          </a:p>
-          <a:p>
-            <a:r>
-              <a:rPr lang="tr-TR" sz="1600" b="1" dirty="0" smtClean="0">
+              <a:t>Target transformation </a:t>
+            </a:r>
+          </a:p>
+          <a:p>
+            <a:pPr marL="0" indent="0" fontAlgn="ctr">
+              <a:spcBef>
+                <a:spcPts val="0"/>
+              </a:spcBef>
+              <a:buNone/>
+            </a:pPr>
+            <a:r>
+              <a:rPr lang="tr-TR" sz="1400" dirty="0">
                 <a:solidFill>
                   <a:schemeClr val="bg1"/>
                 </a:solidFill>
               </a:rPr>
-              <a:t>Under</a:t>
-            </a:r>
-            <a:r>
-              <a:rPr lang="en-US" sz="1600" b="1" dirty="0" smtClean="0">
+              <a:t>&amp; </a:t>
+            </a:r>
+            <a:r>
+              <a:rPr lang="tr-TR" sz="1400" dirty="0" smtClean="0">
                 <a:solidFill>
                   <a:schemeClr val="bg1"/>
                 </a:solidFill>
               </a:rPr>
-              <a:t> </a:t>
-            </a:r>
-            <a:r>
-              <a:rPr lang="tr-TR" sz="1600" b="1" dirty="0" smtClean="0">
-                <a:solidFill>
-                  <a:schemeClr val="bg1"/>
-                </a:solidFill>
-              </a:rPr>
-              <a:t>$</a:t>
-            </a:r>
-            <a:r>
-              <a:rPr lang="en-US" sz="1600" b="1" dirty="0" smtClean="0">
-                <a:solidFill>
-                  <a:schemeClr val="bg1"/>
-                </a:solidFill>
-              </a:rPr>
-              <a:t>200</a:t>
-            </a:r>
-            <a:r>
-              <a:rPr lang="tr-TR" sz="1600" b="1" dirty="0" smtClean="0">
-                <a:solidFill>
-                  <a:schemeClr val="bg1"/>
-                </a:solidFill>
-              </a:rPr>
-              <a:t>K, </a:t>
-            </a:r>
-            <a:r>
-              <a:rPr lang="en-US" sz="1600" b="1" dirty="0" smtClean="0">
-                <a:solidFill>
-                  <a:schemeClr val="bg1"/>
-                </a:solidFill>
-              </a:rPr>
-              <a:t>model </a:t>
-            </a:r>
-            <a:r>
-              <a:rPr lang="en-US" sz="1600" b="1" dirty="0">
-                <a:solidFill>
-                  <a:schemeClr val="bg1"/>
-                </a:solidFill>
-              </a:rPr>
-              <a:t>predicts </a:t>
-            </a:r>
-            <a:r>
-              <a:rPr lang="en-US" sz="1600" b="1" dirty="0" smtClean="0">
-                <a:solidFill>
-                  <a:schemeClr val="bg1"/>
-                </a:solidFill>
-              </a:rPr>
-              <a:t>accurately</a:t>
-            </a:r>
-            <a:r>
-              <a:rPr lang="tr-TR" sz="1600" b="1" dirty="0" smtClean="0">
-                <a:solidFill>
-                  <a:schemeClr val="bg1"/>
-                </a:solidFill>
-              </a:rPr>
-              <a:t>.</a:t>
-            </a:r>
-            <a:endParaRPr lang="tr-TR" sz="1600" b="1" dirty="0">
+              <a:t>Binning</a:t>
+            </a:r>
+            <a:endParaRPr lang="tr-TR" sz="1400" dirty="0">
               <a:solidFill>
                 <a:schemeClr val="bg1"/>
               </a:solidFill>
@@ -11483,74 +11998,446 @@
       </p:sp>
       <p:sp>
         <p:nvSpPr>
-          <p:cNvPr id="2" name="TextBox 1"/>
-          <p:cNvSpPr txBox="1"/>
+          <p:cNvPr id="10" name="Curved Down Arrow 9"/>
+          <p:cNvSpPr/>
           <p:nvPr/>
         </p:nvSpPr>
         <p:spPr>
-          <a:xfrm>
-            <a:off x="5617029" y="6400800"/>
-            <a:ext cx="1886857" cy="369332"/>
+          <a:xfrm rot="5400000">
+            <a:off x="6887057" y="4129057"/>
+            <a:ext cx="1458622" cy="348345"/>
+          </a:xfrm>
+          <a:prstGeom prst="curvedDownArrow">
+            <a:avLst>
+              <a:gd name="adj1" fmla="val 25000"/>
+              <a:gd name="adj2" fmla="val 50000"/>
+              <a:gd name="adj3" fmla="val 19595"/>
+            </a:avLst>
+          </a:prstGeom>
+        </p:spPr>
+        <p:style>
+          <a:lnRef idx="2">
+            <a:schemeClr val="accent1">
+              <a:shade val="50000"/>
+            </a:schemeClr>
+          </a:lnRef>
+          <a:fillRef idx="1">
+            <a:schemeClr val="accent1"/>
+          </a:fillRef>
+          <a:effectRef idx="0">
+            <a:schemeClr val="accent1"/>
+          </a:effectRef>
+          <a:fontRef idx="minor">
+            <a:schemeClr val="lt1"/>
+          </a:fontRef>
+        </p:style>
+        <p:txBody>
+          <a:bodyPr rtlCol="0" anchor="ctr"/>
+          <a:lstStyle/>
+          <a:p>
+            <a:pPr algn="ctr"/>
+            <a:endParaRPr lang="en-US">
+              <a:solidFill>
+                <a:schemeClr val="tx1"/>
+              </a:solidFill>
+            </a:endParaRPr>
+          </a:p>
+        </p:txBody>
+      </p:sp>
+      <p:pic>
+        <p:nvPicPr>
+          <p:cNvPr id="11" name="Picture 10"/>
+          <p:cNvPicPr>
+            <a:picLocks noChangeAspect="1"/>
+          </p:cNvPicPr>
+          <p:nvPr/>
+        </p:nvPicPr>
+        <p:blipFill rotWithShape="1">
+          <a:blip r:embed="rId3"/>
+          <a:srcRect t="-1" b="91485"/>
+          <a:stretch/>
+        </p:blipFill>
+        <p:spPr>
+          <a:xfrm>
+            <a:off x="553177" y="5690343"/>
+            <a:ext cx="6863622" cy="294797"/>
           </a:xfrm>
           <a:prstGeom prst="rect">
             <a:avLst/>
           </a:prstGeom>
-          <a:noFill/>
-        </p:spPr>
-        <p:txBody>
-          <a:bodyPr wrap="square" rtlCol="0">
-            <a:spAutoFit/>
-          </a:bodyPr>
-          <a:lstStyle/>
-          <a:p>
-            <a:r>
-              <a:rPr lang="tr-TR" dirty="0" smtClean="0"/>
-              <a:t>Actual</a:t>
-            </a:r>
-            <a:endParaRPr lang="en-US" dirty="0"/>
-          </a:p>
-        </p:txBody>
-      </p:sp>
-      <p:sp>
-        <p:nvSpPr>
-          <p:cNvPr id="5" name="TextBox 4"/>
-          <p:cNvSpPr txBox="1"/>
+        </p:spPr>
+      </p:pic>
+      <p:pic>
+        <p:nvPicPr>
+          <p:cNvPr id="12" name="Picture 11"/>
+          <p:cNvPicPr>
+            <a:picLocks noChangeAspect="1"/>
+          </p:cNvPicPr>
           <p:nvPr/>
-        </p:nvSpPr>
-        <p:spPr>
-          <a:xfrm rot="16200000">
-            <a:off x="-457198" y="3018974"/>
-            <a:ext cx="1886857" cy="369332"/>
+        </p:nvPicPr>
+        <p:blipFill rotWithShape="1">
+          <a:blip r:embed="rId3"/>
+          <a:srcRect l="-211" t="9367" r="211" b="75539"/>
+          <a:stretch/>
+        </p:blipFill>
+        <p:spPr>
+          <a:xfrm>
+            <a:off x="553177" y="5951570"/>
+            <a:ext cx="6863622" cy="522514"/>
           </a:xfrm>
           <a:prstGeom prst="rect">
             <a:avLst/>
           </a:prstGeom>
-          <a:noFill/>
-        </p:spPr>
-        <p:txBody>
-          <a:bodyPr wrap="square" rtlCol="0">
-            <a:spAutoFit/>
+        </p:spPr>
+      </p:pic>
+      <p:sp>
+        <p:nvSpPr>
+          <p:cNvPr id="13" name="Curved Down Arrow 12"/>
+          <p:cNvSpPr/>
+          <p:nvPr/>
+        </p:nvSpPr>
+        <p:spPr>
+          <a:xfrm rot="5400000">
+            <a:off x="6968065" y="5421533"/>
+            <a:ext cx="1323654" cy="375395"/>
+          </a:xfrm>
+          <a:prstGeom prst="curvedDownArrow">
+            <a:avLst>
+              <a:gd name="adj1" fmla="val 25000"/>
+              <a:gd name="adj2" fmla="val 50000"/>
+              <a:gd name="adj3" fmla="val 19595"/>
+            </a:avLst>
+          </a:prstGeom>
+        </p:spPr>
+        <p:style>
+          <a:lnRef idx="2">
+            <a:schemeClr val="accent1">
+              <a:shade val="50000"/>
+            </a:schemeClr>
+          </a:lnRef>
+          <a:fillRef idx="1">
+            <a:schemeClr val="accent1"/>
+          </a:fillRef>
+          <a:effectRef idx="0">
+            <a:schemeClr val="accent1"/>
+          </a:effectRef>
+          <a:fontRef idx="minor">
+            <a:schemeClr val="lt1"/>
+          </a:fontRef>
+        </p:style>
+        <p:txBody>
+          <a:bodyPr rtlCol="0" anchor="ctr"/>
+          <a:lstStyle/>
+          <a:p>
+            <a:pPr algn="ctr"/>
+            <a:endParaRPr lang="en-US">
+              <a:solidFill>
+                <a:schemeClr val="tx1"/>
+              </a:solidFill>
+            </a:endParaRPr>
+          </a:p>
+        </p:txBody>
+      </p:sp>
+      <p:sp>
+        <p:nvSpPr>
+          <p:cNvPr id="14" name="Content Placeholder 2"/>
+          <p:cNvSpPr txBox="1">
+            <a:spLocks/>
+          </p:cNvSpPr>
+          <p:nvPr/>
+        </p:nvSpPr>
+        <p:spPr>
+          <a:xfrm>
+            <a:off x="8131298" y="5225239"/>
+            <a:ext cx="2126468" cy="1110247"/>
+          </a:xfrm>
+          <a:prstGeom prst="rect">
+            <a:avLst/>
+          </a:prstGeom>
+          <a:solidFill>
+            <a:schemeClr val="tx2"/>
+          </a:solidFill>
+        </p:spPr>
+        <p:txBody>
+          <a:bodyPr vert="horz" lIns="91440" tIns="45720" rIns="91440" bIns="45720" rtlCol="0">
+            <a:noAutofit/>
           </a:bodyPr>
-          <a:lstStyle/>
-          <a:p>
-            <a:r>
-              <a:rPr lang="tr-TR" dirty="0" smtClean="0"/>
-              <a:t>Predicted</a:t>
-            </a:r>
-            <a:endParaRPr lang="en-US" dirty="0"/>
+          <a:lstStyle>
+            <a:lvl1pPr marL="228600" indent="-228600" algn="l" defTabSz="914400" rtl="0" eaLnBrk="1" latinLnBrk="0" hangingPunct="1">
+              <a:lnSpc>
+                <a:spcPct val="90000"/>
+              </a:lnSpc>
+              <a:spcBef>
+                <a:spcPts val="1000"/>
+              </a:spcBef>
+              <a:buFont typeface="Arial" panose="020B0604020202020204" pitchFamily="34" charset="0"/>
+              <a:buChar char="•"/>
+              <a:defRPr sz="2800" kern="1200">
+                <a:solidFill>
+                  <a:schemeClr val="tx1"/>
+                </a:solidFill>
+                <a:latin typeface="+mn-lt"/>
+                <a:ea typeface="+mn-ea"/>
+                <a:cs typeface="+mn-cs"/>
+              </a:defRPr>
+            </a:lvl1pPr>
+            <a:lvl2pPr marL="685800" indent="-228600" algn="l" defTabSz="914400" rtl="0" eaLnBrk="1" latinLnBrk="0" hangingPunct="1">
+              <a:lnSpc>
+                <a:spcPct val="90000"/>
+              </a:lnSpc>
+              <a:spcBef>
+                <a:spcPts val="500"/>
+              </a:spcBef>
+              <a:buFont typeface="Arial" panose="020B0604020202020204" pitchFamily="34" charset="0"/>
+              <a:buChar char="•"/>
+              <a:defRPr sz="2400" kern="1200">
+                <a:solidFill>
+                  <a:schemeClr val="tx1"/>
+                </a:solidFill>
+                <a:latin typeface="+mn-lt"/>
+                <a:ea typeface="+mn-ea"/>
+                <a:cs typeface="+mn-cs"/>
+              </a:defRPr>
+            </a:lvl2pPr>
+            <a:lvl3pPr marL="1143000" indent="-228600" algn="l" defTabSz="914400" rtl="0" eaLnBrk="1" latinLnBrk="0" hangingPunct="1">
+              <a:lnSpc>
+                <a:spcPct val="90000"/>
+              </a:lnSpc>
+              <a:spcBef>
+                <a:spcPts val="500"/>
+              </a:spcBef>
+              <a:buFont typeface="Arial" panose="020B0604020202020204" pitchFamily="34" charset="0"/>
+              <a:buChar char="•"/>
+              <a:defRPr sz="2000" kern="1200">
+                <a:solidFill>
+                  <a:schemeClr val="tx1"/>
+                </a:solidFill>
+                <a:latin typeface="+mn-lt"/>
+                <a:ea typeface="+mn-ea"/>
+                <a:cs typeface="+mn-cs"/>
+              </a:defRPr>
+            </a:lvl3pPr>
+            <a:lvl4pPr marL="1600200" indent="-228600" algn="l" defTabSz="914400" rtl="0" eaLnBrk="1" latinLnBrk="0" hangingPunct="1">
+              <a:lnSpc>
+                <a:spcPct val="90000"/>
+              </a:lnSpc>
+              <a:spcBef>
+                <a:spcPts val="500"/>
+              </a:spcBef>
+              <a:buFont typeface="Arial" panose="020B0604020202020204" pitchFamily="34" charset="0"/>
+              <a:buChar char="•"/>
+              <a:defRPr sz="1800" kern="1200">
+                <a:solidFill>
+                  <a:schemeClr val="tx1"/>
+                </a:solidFill>
+                <a:latin typeface="+mn-lt"/>
+                <a:ea typeface="+mn-ea"/>
+                <a:cs typeface="+mn-cs"/>
+              </a:defRPr>
+            </a:lvl4pPr>
+            <a:lvl5pPr marL="2057400" indent="-228600" algn="l" defTabSz="914400" rtl="0" eaLnBrk="1" latinLnBrk="0" hangingPunct="1">
+              <a:lnSpc>
+                <a:spcPct val="90000"/>
+              </a:lnSpc>
+              <a:spcBef>
+                <a:spcPts val="500"/>
+              </a:spcBef>
+              <a:buFont typeface="Arial" panose="020B0604020202020204" pitchFamily="34" charset="0"/>
+              <a:buChar char="•"/>
+              <a:defRPr sz="1800" kern="1200">
+                <a:solidFill>
+                  <a:schemeClr val="tx1"/>
+                </a:solidFill>
+                <a:latin typeface="+mn-lt"/>
+                <a:ea typeface="+mn-ea"/>
+                <a:cs typeface="+mn-cs"/>
+              </a:defRPr>
+            </a:lvl5pPr>
+            <a:lvl6pPr marL="2514600" indent="-228600" algn="l" defTabSz="914400" rtl="0" eaLnBrk="1" latinLnBrk="0" hangingPunct="1">
+              <a:lnSpc>
+                <a:spcPct val="90000"/>
+              </a:lnSpc>
+              <a:spcBef>
+                <a:spcPts val="500"/>
+              </a:spcBef>
+              <a:buFont typeface="Arial" panose="020B0604020202020204" pitchFamily="34" charset="0"/>
+              <a:buChar char="•"/>
+              <a:defRPr sz="1800" kern="1200">
+                <a:solidFill>
+                  <a:schemeClr val="tx1"/>
+                </a:solidFill>
+                <a:latin typeface="+mn-lt"/>
+                <a:ea typeface="+mn-ea"/>
+                <a:cs typeface="+mn-cs"/>
+              </a:defRPr>
+            </a:lvl6pPr>
+            <a:lvl7pPr marL="2971800" indent="-228600" algn="l" defTabSz="914400" rtl="0" eaLnBrk="1" latinLnBrk="0" hangingPunct="1">
+              <a:lnSpc>
+                <a:spcPct val="90000"/>
+              </a:lnSpc>
+              <a:spcBef>
+                <a:spcPts val="500"/>
+              </a:spcBef>
+              <a:buFont typeface="Arial" panose="020B0604020202020204" pitchFamily="34" charset="0"/>
+              <a:buChar char="•"/>
+              <a:defRPr sz="1800" kern="1200">
+                <a:solidFill>
+                  <a:schemeClr val="tx1"/>
+                </a:solidFill>
+                <a:latin typeface="+mn-lt"/>
+                <a:ea typeface="+mn-ea"/>
+                <a:cs typeface="+mn-cs"/>
+              </a:defRPr>
+            </a:lvl7pPr>
+            <a:lvl8pPr marL="3429000" indent="-228600" algn="l" defTabSz="914400" rtl="0" eaLnBrk="1" latinLnBrk="0" hangingPunct="1">
+              <a:lnSpc>
+                <a:spcPct val="90000"/>
+              </a:lnSpc>
+              <a:spcBef>
+                <a:spcPts val="500"/>
+              </a:spcBef>
+              <a:buFont typeface="Arial" panose="020B0604020202020204" pitchFamily="34" charset="0"/>
+              <a:buChar char="•"/>
+              <a:defRPr sz="1800" kern="1200">
+                <a:solidFill>
+                  <a:schemeClr val="tx1"/>
+                </a:solidFill>
+                <a:latin typeface="+mn-lt"/>
+                <a:ea typeface="+mn-ea"/>
+                <a:cs typeface="+mn-cs"/>
+              </a:defRPr>
+            </a:lvl8pPr>
+            <a:lvl9pPr marL="3886200" indent="-228600" algn="l" defTabSz="914400" rtl="0" eaLnBrk="1" latinLnBrk="0" hangingPunct="1">
+              <a:lnSpc>
+                <a:spcPct val="90000"/>
+              </a:lnSpc>
+              <a:spcBef>
+                <a:spcPts val="500"/>
+              </a:spcBef>
+              <a:buFont typeface="Arial" panose="020B0604020202020204" pitchFamily="34" charset="0"/>
+              <a:buChar char="•"/>
+              <a:defRPr sz="1800" kern="1200">
+                <a:solidFill>
+                  <a:schemeClr val="tx1"/>
+                </a:solidFill>
+                <a:latin typeface="+mn-lt"/>
+                <a:ea typeface="+mn-ea"/>
+                <a:cs typeface="+mn-cs"/>
+              </a:defRPr>
+            </a:lvl9pPr>
+          </a:lstStyle>
+          <a:p>
+            <a:pPr marL="0" indent="0" fontAlgn="ctr">
+              <a:spcBef>
+                <a:spcPts val="0"/>
+              </a:spcBef>
+              <a:buNone/>
+            </a:pPr>
+            <a:r>
+              <a:rPr lang="tr-TR" sz="3200" b="1" dirty="0">
+                <a:solidFill>
+                  <a:schemeClr val="bg1"/>
+                </a:solidFill>
+                <a:latin typeface="+mj-lt"/>
+              </a:rPr>
+              <a:t>4</a:t>
+            </a:r>
+            <a:r>
+              <a:rPr lang="tr-TR" sz="3200" b="1" dirty="0" smtClean="0">
+                <a:solidFill>
+                  <a:schemeClr val="bg1"/>
+                </a:solidFill>
+                <a:latin typeface="+mj-lt"/>
+              </a:rPr>
+              <a:t>%</a:t>
+            </a:r>
+          </a:p>
+          <a:p>
+            <a:pPr marL="0" indent="0" fontAlgn="ctr">
+              <a:spcBef>
+                <a:spcPts val="0"/>
+              </a:spcBef>
+              <a:buNone/>
+            </a:pPr>
+            <a:r>
+              <a:rPr lang="tr-TR" sz="1200" dirty="0">
+                <a:solidFill>
+                  <a:schemeClr val="bg1"/>
+                </a:solidFill>
+              </a:rPr>
+              <a:t>MAPE </a:t>
+            </a:r>
+            <a:r>
+              <a:rPr lang="tr-TR" sz="1200" dirty="0" smtClean="0">
+                <a:solidFill>
+                  <a:schemeClr val="bg1"/>
+                </a:solidFill>
+              </a:rPr>
+              <a:t>improvement with</a:t>
+            </a:r>
+            <a:endParaRPr lang="tr-TR" sz="3200" b="1" dirty="0" smtClean="0">
+              <a:solidFill>
+                <a:schemeClr val="bg1"/>
+              </a:solidFill>
+              <a:latin typeface="+mj-lt"/>
+            </a:endParaRPr>
+          </a:p>
+          <a:p>
+            <a:pPr marL="0" indent="0" fontAlgn="ctr">
+              <a:spcBef>
+                <a:spcPts val="0"/>
+              </a:spcBef>
+              <a:buNone/>
+            </a:pPr>
+            <a:r>
+              <a:rPr lang="tr-TR" sz="1400" dirty="0" smtClean="0">
+                <a:solidFill>
+                  <a:schemeClr val="bg1"/>
+                </a:solidFill>
+              </a:rPr>
+              <a:t>Feature Aggregation</a:t>
+            </a:r>
+          </a:p>
+          <a:p>
+            <a:pPr marL="0" indent="0" fontAlgn="ctr">
+              <a:spcBef>
+                <a:spcPts val="0"/>
+              </a:spcBef>
+              <a:buNone/>
+            </a:pPr>
+            <a:r>
+              <a:rPr lang="tr-TR" sz="1050" dirty="0" smtClean="0">
+                <a:solidFill>
+                  <a:schemeClr val="bg1"/>
+                </a:solidFill>
+              </a:rPr>
+              <a:t>*Number of feat decreased by 210</a:t>
+            </a:r>
+            <a:endParaRPr lang="tr-TR" sz="1050" dirty="0">
+              <a:solidFill>
+                <a:schemeClr val="bg1"/>
+              </a:solidFill>
+            </a:endParaRPr>
           </a:p>
         </p:txBody>
       </p:sp>
     </p:spTree>
     <p:extLst>
       <p:ext uri="{BB962C8B-B14F-4D97-AF65-F5344CB8AC3E}">
-        <p14:creationId xmlns:p14="http://schemas.microsoft.com/office/powerpoint/2010/main" val="1189139075"/>
+        <p14:creationId xmlns:p14="http://schemas.microsoft.com/office/powerpoint/2010/main" val="3739433635"/>
       </p:ext>
     </p:extLst>
   </p:cSld>
   <p:clrMapOvr>
     <a:masterClrMapping/>
   </p:clrMapOvr>
+  <p:timing>
+    <p:tnLst>
+      <p:par>
+        <p:cTn id="1" dur="indefinite" restart="never" nodeType="tmRoot"/>
+      </p:par>
+    </p:tnLst>
+  </p:timing>
 </p:sld>
 </file>
 
@@ -11571,6 +12458,30 @@
           <a:chExt cx="0" cy="0"/>
         </a:xfrm>
       </p:grpSpPr>
+      <p:pic>
+        <p:nvPicPr>
+          <p:cNvPr id="4" name="Picture 3"/>
+          <p:cNvPicPr>
+            <a:picLocks noChangeAspect="1"/>
+          </p:cNvPicPr>
+          <p:nvPr/>
+        </p:nvPicPr>
+        <p:blipFill>
+          <a:blip r:embed="rId2"/>
+          <a:stretch>
+            <a:fillRect/>
+          </a:stretch>
+        </p:blipFill>
+        <p:spPr>
+          <a:xfrm>
+            <a:off x="750130" y="942109"/>
+            <a:ext cx="10107845" cy="5369792"/>
+          </a:xfrm>
+          <a:prstGeom prst="rect">
+            <a:avLst/>
+          </a:prstGeom>
+        </p:spPr>
+      </p:pic>
       <p:sp>
         <p:nvSpPr>
           <p:cNvPr id="3" name="Content Placeholder 2"/>
@@ -11583,90 +12494,148 @@
         </p:nvSpPr>
         <p:spPr>
           <a:xfrm>
-            <a:off x="838200" y="504825"/>
-            <a:ext cx="10515600" cy="668193"/>
-          </a:xfrm>
-        </p:spPr>
-        <p:txBody>
-          <a:bodyPr>
-            <a:normAutofit/>
+            <a:off x="8504382" y="1320800"/>
+            <a:ext cx="3290455" cy="1484890"/>
+          </a:xfrm>
+          <a:solidFill>
+            <a:schemeClr val="tx2"/>
+          </a:solidFill>
+        </p:spPr>
+        <p:txBody>
+          <a:bodyPr vert="horz" lIns="91440" tIns="45720" rIns="91440" bIns="45720" rtlCol="0" anchor="ctr">
+            <a:noAutofit/>
           </a:bodyPr>
           <a:lstStyle/>
           <a:p>
-            <a:pPr marL="0" indent="0">
-              <a:buNone/>
-            </a:pPr>
-            <a:r>
-              <a:rPr lang="tr-TR" sz="3600" b="1" dirty="0" smtClean="0">
-                <a:solidFill>
-                  <a:schemeClr val="tx2"/>
-                </a:solidFill>
-                <a:latin typeface="+mj-lt"/>
-              </a:rPr>
-              <a:t>O</a:t>
-            </a:r>
-            <a:r>
-              <a:rPr lang="en-US" sz="3600" b="1" dirty="0" err="1" smtClean="0">
-                <a:solidFill>
-                  <a:schemeClr val="tx2"/>
-                </a:solidFill>
-                <a:latin typeface="+mj-lt"/>
-              </a:rPr>
-              <a:t>verall</a:t>
-            </a:r>
-            <a:r>
-              <a:rPr lang="en-US" sz="3600" b="1" dirty="0" smtClean="0">
-                <a:solidFill>
-                  <a:schemeClr val="tx2"/>
-                </a:solidFill>
-                <a:latin typeface="+mj-lt"/>
-              </a:rPr>
-              <a:t> performance </a:t>
-            </a:r>
-            <a:r>
-              <a:rPr lang="en-US" sz="3600" b="1" dirty="0">
-                <a:solidFill>
-                  <a:schemeClr val="tx2"/>
-                </a:solidFill>
-                <a:latin typeface="+mj-lt"/>
-              </a:rPr>
-              <a:t>of </a:t>
-            </a:r>
-            <a:r>
-              <a:rPr lang="en-US" sz="3600" b="1" dirty="0" smtClean="0">
-                <a:solidFill>
-                  <a:schemeClr val="tx2"/>
-                </a:solidFill>
-                <a:latin typeface="+mj-lt"/>
-              </a:rPr>
-              <a:t>models</a:t>
-            </a:r>
-            <a:endParaRPr lang="tr-TR" sz="3600" b="1" dirty="0" smtClean="0">
+            <a:r>
+              <a:rPr lang="tr-TR" sz="1600" b="1" dirty="0" smtClean="0">
+                <a:solidFill>
+                  <a:schemeClr val="bg1"/>
+                </a:solidFill>
+              </a:rPr>
+              <a:t>I</a:t>
+            </a:r>
+            <a:r>
+              <a:rPr lang="en-US" sz="1600" b="1" dirty="0" smtClean="0">
+                <a:solidFill>
+                  <a:schemeClr val="bg1"/>
+                </a:solidFill>
+              </a:rPr>
+              <a:t>t </a:t>
+            </a:r>
+            <a:r>
+              <a:rPr lang="en-US" sz="1600" b="1" dirty="0">
+                <a:solidFill>
+                  <a:schemeClr val="bg1"/>
+                </a:solidFill>
+              </a:rPr>
+              <a:t>fits successfully until outlier values</a:t>
+            </a:r>
+            <a:r>
+              <a:rPr lang="tr-TR" sz="1600" b="1" dirty="0">
+                <a:solidFill>
+                  <a:schemeClr val="bg1"/>
+                </a:solidFill>
+              </a:rPr>
+              <a:t>.</a:t>
+            </a:r>
+          </a:p>
+          <a:p>
+            <a:r>
+              <a:rPr lang="tr-TR" sz="1600" b="1" dirty="0" smtClean="0">
+                <a:solidFill>
+                  <a:schemeClr val="bg1"/>
+                </a:solidFill>
+              </a:rPr>
+              <a:t>Under</a:t>
+            </a:r>
+            <a:r>
+              <a:rPr lang="en-US" sz="1600" b="1" dirty="0" smtClean="0">
+                <a:solidFill>
+                  <a:schemeClr val="bg1"/>
+                </a:solidFill>
+              </a:rPr>
+              <a:t> </a:t>
+            </a:r>
+            <a:r>
+              <a:rPr lang="tr-TR" sz="1600" b="1" dirty="0" smtClean="0">
+                <a:solidFill>
+                  <a:schemeClr val="bg1"/>
+                </a:solidFill>
+              </a:rPr>
+              <a:t>$</a:t>
+            </a:r>
+            <a:r>
+              <a:rPr lang="en-US" sz="1600" b="1" dirty="0" smtClean="0">
+                <a:solidFill>
+                  <a:schemeClr val="bg1"/>
+                </a:solidFill>
+              </a:rPr>
+              <a:t>200</a:t>
+            </a:r>
+            <a:r>
+              <a:rPr lang="tr-TR" sz="1600" b="1" dirty="0" smtClean="0">
+                <a:solidFill>
+                  <a:schemeClr val="bg1"/>
+                </a:solidFill>
+              </a:rPr>
+              <a:t>K, </a:t>
+            </a:r>
+            <a:r>
+              <a:rPr lang="en-US" sz="1600" b="1" dirty="0" smtClean="0">
+                <a:solidFill>
+                  <a:schemeClr val="bg1"/>
+                </a:solidFill>
+              </a:rPr>
+              <a:t>model </a:t>
+            </a:r>
+            <a:r>
+              <a:rPr lang="en-US" sz="1600" b="1" dirty="0">
+                <a:solidFill>
+                  <a:schemeClr val="bg1"/>
+                </a:solidFill>
+              </a:rPr>
+              <a:t>predicts </a:t>
+            </a:r>
+            <a:r>
+              <a:rPr lang="en-US" sz="1600" b="1" dirty="0" smtClean="0">
+                <a:solidFill>
+                  <a:schemeClr val="bg1"/>
+                </a:solidFill>
+              </a:rPr>
+              <a:t>accurately</a:t>
+            </a:r>
+            <a:r>
+              <a:rPr lang="tr-TR" sz="1600" b="1" dirty="0" smtClean="0">
+                <a:solidFill>
+                  <a:schemeClr val="bg1"/>
+                </a:solidFill>
+              </a:rPr>
+              <a:t>.</a:t>
+            </a:r>
+            <a:endParaRPr lang="tr-TR" sz="1600" b="1" dirty="0">
               <a:solidFill>
-                <a:schemeClr val="tx2"/>
+                <a:schemeClr val="bg1"/>
               </a:solidFill>
-              <a:latin typeface="+mj-lt"/>
             </a:endParaRPr>
           </a:p>
         </p:txBody>
       </p:sp>
       <p:sp>
         <p:nvSpPr>
-          <p:cNvPr id="5" name="Rectangle 4"/>
-          <p:cNvSpPr/>
+          <p:cNvPr id="2" name="TextBox 1"/>
+          <p:cNvSpPr txBox="1"/>
           <p:nvPr/>
         </p:nvSpPr>
         <p:spPr>
           <a:xfrm>
-            <a:off x="2068288" y="1293675"/>
-            <a:ext cx="6400798" cy="1200329"/>
+            <a:off x="5617029" y="6400800"/>
+            <a:ext cx="1886857" cy="369332"/>
           </a:xfrm>
           <a:prstGeom prst="rect">
             <a:avLst/>
           </a:prstGeom>
-          <a:solidFill>
-            <a:schemeClr val="accent4"/>
-          </a:solidFill>
+          <a:noFill/>
         </p:spPr>
         <p:txBody>
           <a:bodyPr wrap="square" rtlCol="0">
@@ -11675,1009 +12644,53 @@
           <a:lstStyle/>
           <a:p>
             <a:r>
-              <a:rPr lang="tr-TR" b="1" dirty="0">
-                <a:solidFill>
-                  <a:schemeClr val="tx2"/>
-                </a:solidFill>
-                <a:latin typeface="+mj-lt"/>
-              </a:rPr>
-              <a:t>P</a:t>
-            </a:r>
-            <a:r>
-              <a:rPr lang="en-US" b="1" dirty="0" err="1">
-                <a:solidFill>
-                  <a:schemeClr val="tx2"/>
-                </a:solidFill>
-                <a:latin typeface="+mj-lt"/>
-              </a:rPr>
-              <a:t>erforms</a:t>
-            </a:r>
-            <a:r>
-              <a:rPr lang="en-US" b="1" dirty="0">
-                <a:solidFill>
-                  <a:schemeClr val="tx2"/>
-                </a:solidFill>
-                <a:latin typeface="+mj-lt"/>
-              </a:rPr>
-              <a:t> best </a:t>
-            </a:r>
-            <a:r>
-              <a:rPr lang="tr-TR" b="1" dirty="0">
-                <a:solidFill>
-                  <a:schemeClr val="tx2"/>
-                </a:solidFill>
-                <a:latin typeface="+mj-lt"/>
-              </a:rPr>
-              <a:t>(</a:t>
-            </a:r>
-            <a:r>
-              <a:rPr lang="en-US" b="1" dirty="0" err="1">
-                <a:solidFill>
-                  <a:schemeClr val="tx2"/>
-                </a:solidFill>
-                <a:latin typeface="+mj-lt"/>
-              </a:rPr>
-              <a:t>mape</a:t>
-            </a:r>
-            <a:r>
-              <a:rPr lang="en-US" b="1" dirty="0">
-                <a:solidFill>
-                  <a:schemeClr val="tx2"/>
-                </a:solidFill>
-                <a:latin typeface="+mj-lt"/>
-              </a:rPr>
-              <a:t> </a:t>
-            </a:r>
-            <a:r>
-              <a:rPr lang="en-US" b="1" dirty="0" smtClean="0">
-                <a:solidFill>
-                  <a:schemeClr val="tx2"/>
-                </a:solidFill>
-                <a:latin typeface="+mj-lt"/>
-              </a:rPr>
-              <a:t>perspective</a:t>
-            </a:r>
-            <a:r>
-              <a:rPr lang="tr-TR" b="1" dirty="0">
-                <a:solidFill>
-                  <a:schemeClr val="tx2"/>
-                </a:solidFill>
-                <a:latin typeface="+mj-lt"/>
-              </a:rPr>
-              <a:t>)</a:t>
-            </a:r>
-          </a:p>
-          <a:p>
-            <a:endParaRPr lang="tr-TR" b="1" dirty="0">
-              <a:solidFill>
-                <a:schemeClr val="tx2"/>
-              </a:solidFill>
-              <a:latin typeface="+mj-lt"/>
-            </a:endParaRPr>
-          </a:p>
-          <a:p>
-            <a:pPr marL="285750" indent="-285750">
-              <a:buFont typeface="Arial" panose="020B0604020202020204" pitchFamily="34" charset="0"/>
-              <a:buChar char="•"/>
-            </a:pPr>
-            <a:r>
-              <a:rPr lang="tr-TR" b="1" dirty="0">
-                <a:solidFill>
-                  <a:schemeClr val="tx2"/>
-                </a:solidFill>
-                <a:latin typeface="+mj-lt"/>
-              </a:rPr>
-              <a:t>F</a:t>
-            </a:r>
-            <a:r>
-              <a:rPr lang="en-US" b="1" dirty="0" err="1">
-                <a:solidFill>
-                  <a:schemeClr val="tx2"/>
-                </a:solidFill>
-                <a:latin typeface="+mj-lt"/>
-              </a:rPr>
-              <a:t>eature</a:t>
-            </a:r>
-            <a:r>
-              <a:rPr lang="en-US" b="1" dirty="0">
-                <a:solidFill>
-                  <a:schemeClr val="tx2"/>
-                </a:solidFill>
-                <a:latin typeface="+mj-lt"/>
-              </a:rPr>
-              <a:t> </a:t>
-            </a:r>
-            <a:r>
-              <a:rPr lang="en-US" b="1" dirty="0" smtClean="0">
-                <a:solidFill>
-                  <a:schemeClr val="tx2"/>
-                </a:solidFill>
-                <a:latin typeface="+mj-lt"/>
-              </a:rPr>
-              <a:t>aggregation</a:t>
-            </a:r>
-            <a:r>
-              <a:rPr lang="tr-TR" b="1" dirty="0">
-                <a:solidFill>
-                  <a:schemeClr val="tx2"/>
-                </a:solidFill>
-                <a:latin typeface="+mj-lt"/>
-              </a:rPr>
-              <a:t>,</a:t>
-            </a:r>
-            <a:r>
-              <a:rPr lang="tr-TR" b="1" dirty="0" smtClean="0">
-                <a:solidFill>
-                  <a:schemeClr val="tx2"/>
-                </a:solidFill>
-                <a:latin typeface="+mj-lt"/>
-              </a:rPr>
-              <a:t> Target Transformation &amp; Binning</a:t>
-            </a:r>
-            <a:endParaRPr lang="tr-TR" b="1" dirty="0" smtClean="0">
-              <a:solidFill>
-                <a:schemeClr val="tx2"/>
-              </a:solidFill>
-              <a:latin typeface="+mj-lt"/>
-            </a:endParaRPr>
-          </a:p>
-          <a:p>
-            <a:pPr marL="285750" indent="-285750">
-              <a:buFont typeface="Arial" panose="020B0604020202020204" pitchFamily="34" charset="0"/>
-              <a:buChar char="•"/>
-            </a:pPr>
-            <a:r>
-              <a:rPr lang="en-US" b="1" dirty="0" err="1" smtClean="0">
-                <a:solidFill>
-                  <a:schemeClr val="tx2"/>
-                </a:solidFill>
-                <a:latin typeface="+mj-lt"/>
-              </a:rPr>
-              <a:t>LinearSVR</a:t>
-            </a:r>
-            <a:r>
-              <a:rPr lang="en-US" b="1" dirty="0" smtClean="0">
-                <a:solidFill>
-                  <a:schemeClr val="tx2"/>
-                </a:solidFill>
-                <a:latin typeface="+mj-lt"/>
-              </a:rPr>
-              <a:t> </a:t>
-            </a:r>
-            <a:r>
-              <a:rPr lang="en-US" b="1" dirty="0">
-                <a:solidFill>
-                  <a:schemeClr val="tx2"/>
-                </a:solidFill>
-                <a:latin typeface="+mj-lt"/>
-              </a:rPr>
-              <a:t>(c = 0,1) </a:t>
-            </a:r>
-            <a:endParaRPr lang="tr-TR" b="1" dirty="0" smtClean="0">
-              <a:solidFill>
-                <a:schemeClr val="tx2"/>
-              </a:solidFill>
-              <a:latin typeface="+mj-lt"/>
-            </a:endParaRPr>
-          </a:p>
-        </p:txBody>
-      </p:sp>
-      <p:pic>
-        <p:nvPicPr>
-          <p:cNvPr id="2" name="Picture 1"/>
-          <p:cNvPicPr>
-            <a:picLocks noChangeAspect="1"/>
-          </p:cNvPicPr>
+              <a:rPr lang="tr-TR" dirty="0" smtClean="0"/>
+              <a:t>Actual</a:t>
+            </a:r>
+            <a:endParaRPr lang="en-US" dirty="0"/>
+          </a:p>
+        </p:txBody>
+      </p:sp>
+      <p:sp>
+        <p:nvSpPr>
+          <p:cNvPr id="5" name="TextBox 4"/>
+          <p:cNvSpPr txBox="1"/>
           <p:nvPr/>
-        </p:nvPicPr>
-        <p:blipFill rotWithShape="1">
-          <a:blip r:embed="rId3"/>
-          <a:srcRect t="-1" b="91485"/>
-          <a:stretch/>
-        </p:blipFill>
-        <p:spPr>
-          <a:xfrm>
-            <a:off x="553177" y="2965334"/>
-            <a:ext cx="6863622" cy="294797"/>
+        </p:nvSpPr>
+        <p:spPr>
+          <a:xfrm rot="16200000">
+            <a:off x="-457198" y="3018974"/>
+            <a:ext cx="1886857" cy="369332"/>
           </a:xfrm>
           <a:prstGeom prst="rect">
             <a:avLst/>
           </a:prstGeom>
-        </p:spPr>
-      </p:pic>
-      <p:pic>
-        <p:nvPicPr>
-          <p:cNvPr id="6" name="Picture 5"/>
-          <p:cNvPicPr>
-            <a:picLocks noChangeAspect="1"/>
-          </p:cNvPicPr>
-          <p:nvPr/>
-        </p:nvPicPr>
-        <p:blipFill rotWithShape="1">
-          <a:blip r:embed="rId3"/>
-          <a:srcRect t="80224"/>
-          <a:stretch/>
-        </p:blipFill>
-        <p:spPr>
-          <a:xfrm>
-            <a:off x="553177" y="3294743"/>
-            <a:ext cx="6863622" cy="684590"/>
-          </a:xfrm>
-          <a:prstGeom prst="rect">
-            <a:avLst/>
-          </a:prstGeom>
-        </p:spPr>
-      </p:pic>
-      <p:pic>
-        <p:nvPicPr>
-          <p:cNvPr id="7" name="Picture 6"/>
-          <p:cNvPicPr>
-            <a:picLocks noChangeAspect="1"/>
-          </p:cNvPicPr>
-          <p:nvPr/>
-        </p:nvPicPr>
-        <p:blipFill rotWithShape="1">
-          <a:blip r:embed="rId3"/>
-          <a:srcRect t="-1" b="91485"/>
-          <a:stretch/>
-        </p:blipFill>
-        <p:spPr>
-          <a:xfrm>
-            <a:off x="553177" y="4440178"/>
-            <a:ext cx="6863622" cy="294797"/>
-          </a:xfrm>
-          <a:prstGeom prst="rect">
-            <a:avLst/>
-          </a:prstGeom>
-        </p:spPr>
-      </p:pic>
-      <p:pic>
-        <p:nvPicPr>
-          <p:cNvPr id="8" name="Picture 7"/>
-          <p:cNvPicPr>
-            <a:picLocks noChangeAspect="1"/>
-          </p:cNvPicPr>
-          <p:nvPr/>
-        </p:nvPicPr>
-        <p:blipFill rotWithShape="1">
-          <a:blip r:embed="rId3"/>
-          <a:srcRect t="62196" b="22710"/>
-          <a:stretch/>
-        </p:blipFill>
-        <p:spPr>
-          <a:xfrm>
-            <a:off x="553177" y="4664374"/>
-            <a:ext cx="6863622" cy="522514"/>
-          </a:xfrm>
-          <a:prstGeom prst="rect">
-            <a:avLst/>
-          </a:prstGeom>
-        </p:spPr>
-      </p:pic>
-      <p:sp>
-        <p:nvSpPr>
-          <p:cNvPr id="9" name="Content Placeholder 2"/>
-          <p:cNvSpPr txBox="1">
-            <a:spLocks/>
-          </p:cNvSpPr>
-          <p:nvPr/>
-        </p:nvSpPr>
-        <p:spPr>
-          <a:xfrm>
-            <a:off x="8131298" y="3598752"/>
-            <a:ext cx="2126468" cy="1065622"/>
-          </a:xfrm>
-          <a:prstGeom prst="rect">
-            <a:avLst/>
-          </a:prstGeom>
-          <a:solidFill>
-            <a:schemeClr val="tx2"/>
-          </a:solidFill>
-        </p:spPr>
-        <p:txBody>
-          <a:bodyPr vert="horz" lIns="91440" tIns="45720" rIns="91440" bIns="45720" rtlCol="0">
-            <a:noAutofit/>
+          <a:noFill/>
+        </p:spPr>
+        <p:txBody>
+          <a:bodyPr wrap="square" rtlCol="0">
+            <a:spAutoFit/>
           </a:bodyPr>
-          <a:lstStyle>
-            <a:lvl1pPr marL="228600" indent="-228600" algn="l" defTabSz="914400" rtl="0" eaLnBrk="1" latinLnBrk="0" hangingPunct="1">
-              <a:lnSpc>
-                <a:spcPct val="90000"/>
-              </a:lnSpc>
-              <a:spcBef>
-                <a:spcPts val="1000"/>
-              </a:spcBef>
-              <a:buFont typeface="Arial" panose="020B0604020202020204" pitchFamily="34" charset="0"/>
-              <a:buChar char="•"/>
-              <a:defRPr sz="2800" kern="1200">
-                <a:solidFill>
-                  <a:schemeClr val="tx1"/>
-                </a:solidFill>
-                <a:latin typeface="+mn-lt"/>
-                <a:ea typeface="+mn-ea"/>
-                <a:cs typeface="+mn-cs"/>
-              </a:defRPr>
-            </a:lvl1pPr>
-            <a:lvl2pPr marL="685800" indent="-228600" algn="l" defTabSz="914400" rtl="0" eaLnBrk="1" latinLnBrk="0" hangingPunct="1">
-              <a:lnSpc>
-                <a:spcPct val="90000"/>
-              </a:lnSpc>
-              <a:spcBef>
-                <a:spcPts val="500"/>
-              </a:spcBef>
-              <a:buFont typeface="Arial" panose="020B0604020202020204" pitchFamily="34" charset="0"/>
-              <a:buChar char="•"/>
-              <a:defRPr sz="2400" kern="1200">
-                <a:solidFill>
-                  <a:schemeClr val="tx1"/>
-                </a:solidFill>
-                <a:latin typeface="+mn-lt"/>
-                <a:ea typeface="+mn-ea"/>
-                <a:cs typeface="+mn-cs"/>
-              </a:defRPr>
-            </a:lvl2pPr>
-            <a:lvl3pPr marL="1143000" indent="-228600" algn="l" defTabSz="914400" rtl="0" eaLnBrk="1" latinLnBrk="0" hangingPunct="1">
-              <a:lnSpc>
-                <a:spcPct val="90000"/>
-              </a:lnSpc>
-              <a:spcBef>
-                <a:spcPts val="500"/>
-              </a:spcBef>
-              <a:buFont typeface="Arial" panose="020B0604020202020204" pitchFamily="34" charset="0"/>
-              <a:buChar char="•"/>
-              <a:defRPr sz="2000" kern="1200">
-                <a:solidFill>
-                  <a:schemeClr val="tx1"/>
-                </a:solidFill>
-                <a:latin typeface="+mn-lt"/>
-                <a:ea typeface="+mn-ea"/>
-                <a:cs typeface="+mn-cs"/>
-              </a:defRPr>
-            </a:lvl3pPr>
-            <a:lvl4pPr marL="1600200" indent="-228600" algn="l" defTabSz="914400" rtl="0" eaLnBrk="1" latinLnBrk="0" hangingPunct="1">
-              <a:lnSpc>
-                <a:spcPct val="90000"/>
-              </a:lnSpc>
-              <a:spcBef>
-                <a:spcPts val="500"/>
-              </a:spcBef>
-              <a:buFont typeface="Arial" panose="020B0604020202020204" pitchFamily="34" charset="0"/>
-              <a:buChar char="•"/>
-              <a:defRPr sz="1800" kern="1200">
-                <a:solidFill>
-                  <a:schemeClr val="tx1"/>
-                </a:solidFill>
-                <a:latin typeface="+mn-lt"/>
-                <a:ea typeface="+mn-ea"/>
-                <a:cs typeface="+mn-cs"/>
-              </a:defRPr>
-            </a:lvl4pPr>
-            <a:lvl5pPr marL="2057400" indent="-228600" algn="l" defTabSz="914400" rtl="0" eaLnBrk="1" latinLnBrk="0" hangingPunct="1">
-              <a:lnSpc>
-                <a:spcPct val="90000"/>
-              </a:lnSpc>
-              <a:spcBef>
-                <a:spcPts val="500"/>
-              </a:spcBef>
-              <a:buFont typeface="Arial" panose="020B0604020202020204" pitchFamily="34" charset="0"/>
-              <a:buChar char="•"/>
-              <a:defRPr sz="1800" kern="1200">
-                <a:solidFill>
-                  <a:schemeClr val="tx1"/>
-                </a:solidFill>
-                <a:latin typeface="+mn-lt"/>
-                <a:ea typeface="+mn-ea"/>
-                <a:cs typeface="+mn-cs"/>
-              </a:defRPr>
-            </a:lvl5pPr>
-            <a:lvl6pPr marL="2514600" indent="-228600" algn="l" defTabSz="914400" rtl="0" eaLnBrk="1" latinLnBrk="0" hangingPunct="1">
-              <a:lnSpc>
-                <a:spcPct val="90000"/>
-              </a:lnSpc>
-              <a:spcBef>
-                <a:spcPts val="500"/>
-              </a:spcBef>
-              <a:buFont typeface="Arial" panose="020B0604020202020204" pitchFamily="34" charset="0"/>
-              <a:buChar char="•"/>
-              <a:defRPr sz="1800" kern="1200">
-                <a:solidFill>
-                  <a:schemeClr val="tx1"/>
-                </a:solidFill>
-                <a:latin typeface="+mn-lt"/>
-                <a:ea typeface="+mn-ea"/>
-                <a:cs typeface="+mn-cs"/>
-              </a:defRPr>
-            </a:lvl6pPr>
-            <a:lvl7pPr marL="2971800" indent="-228600" algn="l" defTabSz="914400" rtl="0" eaLnBrk="1" latinLnBrk="0" hangingPunct="1">
-              <a:lnSpc>
-                <a:spcPct val="90000"/>
-              </a:lnSpc>
-              <a:spcBef>
-                <a:spcPts val="500"/>
-              </a:spcBef>
-              <a:buFont typeface="Arial" panose="020B0604020202020204" pitchFamily="34" charset="0"/>
-              <a:buChar char="•"/>
-              <a:defRPr sz="1800" kern="1200">
-                <a:solidFill>
-                  <a:schemeClr val="tx1"/>
-                </a:solidFill>
-                <a:latin typeface="+mn-lt"/>
-                <a:ea typeface="+mn-ea"/>
-                <a:cs typeface="+mn-cs"/>
-              </a:defRPr>
-            </a:lvl7pPr>
-            <a:lvl8pPr marL="3429000" indent="-228600" algn="l" defTabSz="914400" rtl="0" eaLnBrk="1" latinLnBrk="0" hangingPunct="1">
-              <a:lnSpc>
-                <a:spcPct val="90000"/>
-              </a:lnSpc>
-              <a:spcBef>
-                <a:spcPts val="500"/>
-              </a:spcBef>
-              <a:buFont typeface="Arial" panose="020B0604020202020204" pitchFamily="34" charset="0"/>
-              <a:buChar char="•"/>
-              <a:defRPr sz="1800" kern="1200">
-                <a:solidFill>
-                  <a:schemeClr val="tx1"/>
-                </a:solidFill>
-                <a:latin typeface="+mn-lt"/>
-                <a:ea typeface="+mn-ea"/>
-                <a:cs typeface="+mn-cs"/>
-              </a:defRPr>
-            </a:lvl8pPr>
-            <a:lvl9pPr marL="3886200" indent="-228600" algn="l" defTabSz="914400" rtl="0" eaLnBrk="1" latinLnBrk="0" hangingPunct="1">
-              <a:lnSpc>
-                <a:spcPct val="90000"/>
-              </a:lnSpc>
-              <a:spcBef>
-                <a:spcPts val="500"/>
-              </a:spcBef>
-              <a:buFont typeface="Arial" panose="020B0604020202020204" pitchFamily="34" charset="0"/>
-              <a:buChar char="•"/>
-              <a:defRPr sz="1800" kern="1200">
-                <a:solidFill>
-                  <a:schemeClr val="tx1"/>
-                </a:solidFill>
-                <a:latin typeface="+mn-lt"/>
-                <a:ea typeface="+mn-ea"/>
-                <a:cs typeface="+mn-cs"/>
-              </a:defRPr>
-            </a:lvl9pPr>
-          </a:lstStyle>
-          <a:p>
-            <a:pPr marL="0" indent="0" fontAlgn="ctr">
-              <a:spcBef>
-                <a:spcPts val="0"/>
-              </a:spcBef>
-              <a:buNone/>
-            </a:pPr>
-            <a:r>
-              <a:rPr lang="tr-TR" sz="3200" b="1" dirty="0" smtClean="0">
-                <a:solidFill>
-                  <a:schemeClr val="bg1"/>
-                </a:solidFill>
-                <a:latin typeface="+mj-lt"/>
-              </a:rPr>
-              <a:t>35%</a:t>
-            </a:r>
-          </a:p>
-          <a:p>
-            <a:pPr marL="0" indent="0" fontAlgn="ctr">
-              <a:spcBef>
-                <a:spcPts val="0"/>
-              </a:spcBef>
-              <a:buNone/>
-            </a:pPr>
-            <a:r>
-              <a:rPr lang="tr-TR" sz="1200" dirty="0">
-                <a:solidFill>
-                  <a:schemeClr val="bg1"/>
-                </a:solidFill>
-              </a:rPr>
-              <a:t>MAPE </a:t>
-            </a:r>
-            <a:r>
-              <a:rPr lang="tr-TR" sz="1200" dirty="0" smtClean="0">
-                <a:solidFill>
-                  <a:schemeClr val="bg1"/>
-                </a:solidFill>
-              </a:rPr>
-              <a:t>improvement with</a:t>
-            </a:r>
-            <a:endParaRPr lang="tr-TR" sz="3200" b="1" dirty="0" smtClean="0">
-              <a:solidFill>
-                <a:schemeClr val="bg1"/>
-              </a:solidFill>
-              <a:latin typeface="+mj-lt"/>
-            </a:endParaRPr>
-          </a:p>
-          <a:p>
-            <a:pPr marL="0" indent="0" fontAlgn="ctr">
-              <a:spcBef>
-                <a:spcPts val="0"/>
-              </a:spcBef>
-              <a:buNone/>
-            </a:pPr>
-            <a:r>
-              <a:rPr lang="tr-TR" sz="1400" dirty="0">
-                <a:solidFill>
-                  <a:schemeClr val="bg1"/>
-                </a:solidFill>
-              </a:rPr>
-              <a:t>Target transformation </a:t>
-            </a:r>
-          </a:p>
-          <a:p>
-            <a:pPr marL="0" indent="0" fontAlgn="ctr">
-              <a:spcBef>
-                <a:spcPts val="0"/>
-              </a:spcBef>
-              <a:buNone/>
-            </a:pPr>
-            <a:r>
-              <a:rPr lang="tr-TR" sz="1400" dirty="0">
-                <a:solidFill>
-                  <a:schemeClr val="bg1"/>
-                </a:solidFill>
-              </a:rPr>
-              <a:t>&amp; </a:t>
-            </a:r>
-            <a:r>
-              <a:rPr lang="tr-TR" sz="1400" dirty="0" smtClean="0">
-                <a:solidFill>
-                  <a:schemeClr val="bg1"/>
-                </a:solidFill>
-              </a:rPr>
-              <a:t>Binning</a:t>
-            </a:r>
-            <a:endParaRPr lang="tr-TR" sz="1400" dirty="0">
-              <a:solidFill>
-                <a:schemeClr val="bg1"/>
-              </a:solidFill>
-            </a:endParaRPr>
-          </a:p>
-        </p:txBody>
-      </p:sp>
-      <p:sp>
-        <p:nvSpPr>
-          <p:cNvPr id="10" name="Curved Down Arrow 9"/>
-          <p:cNvSpPr/>
-          <p:nvPr/>
-        </p:nvSpPr>
-        <p:spPr>
-          <a:xfrm rot="5400000">
-            <a:off x="6887057" y="4129057"/>
-            <a:ext cx="1458622" cy="348345"/>
-          </a:xfrm>
-          <a:prstGeom prst="curvedDownArrow">
-            <a:avLst>
-              <a:gd name="adj1" fmla="val 25000"/>
-              <a:gd name="adj2" fmla="val 50000"/>
-              <a:gd name="adj3" fmla="val 19595"/>
-            </a:avLst>
-          </a:prstGeom>
-        </p:spPr>
-        <p:style>
-          <a:lnRef idx="2">
-            <a:schemeClr val="accent1">
-              <a:shade val="50000"/>
-            </a:schemeClr>
-          </a:lnRef>
-          <a:fillRef idx="1">
-            <a:schemeClr val="accent1"/>
-          </a:fillRef>
-          <a:effectRef idx="0">
-            <a:schemeClr val="accent1"/>
-          </a:effectRef>
-          <a:fontRef idx="minor">
-            <a:schemeClr val="lt1"/>
-          </a:fontRef>
-        </p:style>
-        <p:txBody>
-          <a:bodyPr rtlCol="0" anchor="ctr"/>
           <a:lstStyle/>
           <a:p>
-            <a:pPr algn="ctr"/>
-            <a:endParaRPr lang="en-US">
-              <a:solidFill>
-                <a:schemeClr val="tx1"/>
-              </a:solidFill>
-            </a:endParaRPr>
-          </a:p>
-        </p:txBody>
-      </p:sp>
-      <p:pic>
-        <p:nvPicPr>
-          <p:cNvPr id="11" name="Picture 10"/>
-          <p:cNvPicPr>
-            <a:picLocks noChangeAspect="1"/>
-          </p:cNvPicPr>
-          <p:nvPr/>
-        </p:nvPicPr>
-        <p:blipFill rotWithShape="1">
-          <a:blip r:embed="rId3"/>
-          <a:srcRect t="-1" b="91485"/>
-          <a:stretch/>
-        </p:blipFill>
-        <p:spPr>
-          <a:xfrm>
-            <a:off x="553177" y="5690343"/>
-            <a:ext cx="6863622" cy="294797"/>
-          </a:xfrm>
-          <a:prstGeom prst="rect">
-            <a:avLst/>
-          </a:prstGeom>
-        </p:spPr>
-      </p:pic>
-      <p:pic>
-        <p:nvPicPr>
-          <p:cNvPr id="12" name="Picture 11"/>
-          <p:cNvPicPr>
-            <a:picLocks noChangeAspect="1"/>
-          </p:cNvPicPr>
-          <p:nvPr/>
-        </p:nvPicPr>
-        <p:blipFill rotWithShape="1">
-          <a:blip r:embed="rId3"/>
-          <a:srcRect l="-211" t="9367" r="211" b="75539"/>
-          <a:stretch/>
-        </p:blipFill>
-        <p:spPr>
-          <a:xfrm>
-            <a:off x="553177" y="5951570"/>
-            <a:ext cx="6863622" cy="522514"/>
-          </a:xfrm>
-          <a:prstGeom prst="rect">
-            <a:avLst/>
-          </a:prstGeom>
-        </p:spPr>
-      </p:pic>
-      <p:sp>
-        <p:nvSpPr>
-          <p:cNvPr id="13" name="Curved Down Arrow 12"/>
-          <p:cNvSpPr/>
-          <p:nvPr/>
-        </p:nvSpPr>
-        <p:spPr>
-          <a:xfrm rot="5400000">
-            <a:off x="6968065" y="5421533"/>
-            <a:ext cx="1323654" cy="375395"/>
-          </a:xfrm>
-          <a:prstGeom prst="curvedDownArrow">
-            <a:avLst>
-              <a:gd name="adj1" fmla="val 25000"/>
-              <a:gd name="adj2" fmla="val 50000"/>
-              <a:gd name="adj3" fmla="val 19595"/>
-            </a:avLst>
-          </a:prstGeom>
-        </p:spPr>
-        <p:style>
-          <a:lnRef idx="2">
-            <a:schemeClr val="accent1">
-              <a:shade val="50000"/>
-            </a:schemeClr>
-          </a:lnRef>
-          <a:fillRef idx="1">
-            <a:schemeClr val="accent1"/>
-          </a:fillRef>
-          <a:effectRef idx="0">
-            <a:schemeClr val="accent1"/>
-          </a:effectRef>
-          <a:fontRef idx="minor">
-            <a:schemeClr val="lt1"/>
-          </a:fontRef>
-        </p:style>
-        <p:txBody>
-          <a:bodyPr rtlCol="0" anchor="ctr"/>
-          <a:lstStyle/>
-          <a:p>
-            <a:pPr algn="ctr"/>
-            <a:endParaRPr lang="en-US">
-              <a:solidFill>
-                <a:schemeClr val="tx1"/>
-              </a:solidFill>
-            </a:endParaRPr>
-          </a:p>
-        </p:txBody>
-      </p:sp>
-      <p:sp>
-        <p:nvSpPr>
-          <p:cNvPr id="14" name="Content Placeholder 2"/>
-          <p:cNvSpPr txBox="1">
-            <a:spLocks/>
-          </p:cNvSpPr>
-          <p:nvPr/>
-        </p:nvSpPr>
-        <p:spPr>
-          <a:xfrm>
-            <a:off x="8131298" y="5225239"/>
-            <a:ext cx="2126468" cy="1110247"/>
-          </a:xfrm>
-          <a:prstGeom prst="rect">
-            <a:avLst/>
-          </a:prstGeom>
-          <a:solidFill>
-            <a:schemeClr val="tx2"/>
-          </a:solidFill>
-        </p:spPr>
-        <p:txBody>
-          <a:bodyPr vert="horz" lIns="91440" tIns="45720" rIns="91440" bIns="45720" rtlCol="0">
-            <a:noAutofit/>
-          </a:bodyPr>
-          <a:lstStyle>
-            <a:lvl1pPr marL="228600" indent="-228600" algn="l" defTabSz="914400" rtl="0" eaLnBrk="1" latinLnBrk="0" hangingPunct="1">
-              <a:lnSpc>
-                <a:spcPct val="90000"/>
-              </a:lnSpc>
-              <a:spcBef>
-                <a:spcPts val="1000"/>
-              </a:spcBef>
-              <a:buFont typeface="Arial" panose="020B0604020202020204" pitchFamily="34" charset="0"/>
-              <a:buChar char="•"/>
-              <a:defRPr sz="2800" kern="1200">
-                <a:solidFill>
-                  <a:schemeClr val="tx1"/>
-                </a:solidFill>
-                <a:latin typeface="+mn-lt"/>
-                <a:ea typeface="+mn-ea"/>
-                <a:cs typeface="+mn-cs"/>
-              </a:defRPr>
-            </a:lvl1pPr>
-            <a:lvl2pPr marL="685800" indent="-228600" algn="l" defTabSz="914400" rtl="0" eaLnBrk="1" latinLnBrk="0" hangingPunct="1">
-              <a:lnSpc>
-                <a:spcPct val="90000"/>
-              </a:lnSpc>
-              <a:spcBef>
-                <a:spcPts val="500"/>
-              </a:spcBef>
-              <a:buFont typeface="Arial" panose="020B0604020202020204" pitchFamily="34" charset="0"/>
-              <a:buChar char="•"/>
-              <a:defRPr sz="2400" kern="1200">
-                <a:solidFill>
-                  <a:schemeClr val="tx1"/>
-                </a:solidFill>
-                <a:latin typeface="+mn-lt"/>
-                <a:ea typeface="+mn-ea"/>
-                <a:cs typeface="+mn-cs"/>
-              </a:defRPr>
-            </a:lvl2pPr>
-            <a:lvl3pPr marL="1143000" indent="-228600" algn="l" defTabSz="914400" rtl="0" eaLnBrk="1" latinLnBrk="0" hangingPunct="1">
-              <a:lnSpc>
-                <a:spcPct val="90000"/>
-              </a:lnSpc>
-              <a:spcBef>
-                <a:spcPts val="500"/>
-              </a:spcBef>
-              <a:buFont typeface="Arial" panose="020B0604020202020204" pitchFamily="34" charset="0"/>
-              <a:buChar char="•"/>
-              <a:defRPr sz="2000" kern="1200">
-                <a:solidFill>
-                  <a:schemeClr val="tx1"/>
-                </a:solidFill>
-                <a:latin typeface="+mn-lt"/>
-                <a:ea typeface="+mn-ea"/>
-                <a:cs typeface="+mn-cs"/>
-              </a:defRPr>
-            </a:lvl3pPr>
-            <a:lvl4pPr marL="1600200" indent="-228600" algn="l" defTabSz="914400" rtl="0" eaLnBrk="1" latinLnBrk="0" hangingPunct="1">
-              <a:lnSpc>
-                <a:spcPct val="90000"/>
-              </a:lnSpc>
-              <a:spcBef>
-                <a:spcPts val="500"/>
-              </a:spcBef>
-              <a:buFont typeface="Arial" panose="020B0604020202020204" pitchFamily="34" charset="0"/>
-              <a:buChar char="•"/>
-              <a:defRPr sz="1800" kern="1200">
-                <a:solidFill>
-                  <a:schemeClr val="tx1"/>
-                </a:solidFill>
-                <a:latin typeface="+mn-lt"/>
-                <a:ea typeface="+mn-ea"/>
-                <a:cs typeface="+mn-cs"/>
-              </a:defRPr>
-            </a:lvl4pPr>
-            <a:lvl5pPr marL="2057400" indent="-228600" algn="l" defTabSz="914400" rtl="0" eaLnBrk="1" latinLnBrk="0" hangingPunct="1">
-              <a:lnSpc>
-                <a:spcPct val="90000"/>
-              </a:lnSpc>
-              <a:spcBef>
-                <a:spcPts val="500"/>
-              </a:spcBef>
-              <a:buFont typeface="Arial" panose="020B0604020202020204" pitchFamily="34" charset="0"/>
-              <a:buChar char="•"/>
-              <a:defRPr sz="1800" kern="1200">
-                <a:solidFill>
-                  <a:schemeClr val="tx1"/>
-                </a:solidFill>
-                <a:latin typeface="+mn-lt"/>
-                <a:ea typeface="+mn-ea"/>
-                <a:cs typeface="+mn-cs"/>
-              </a:defRPr>
-            </a:lvl5pPr>
-            <a:lvl6pPr marL="2514600" indent="-228600" algn="l" defTabSz="914400" rtl="0" eaLnBrk="1" latinLnBrk="0" hangingPunct="1">
-              <a:lnSpc>
-                <a:spcPct val="90000"/>
-              </a:lnSpc>
-              <a:spcBef>
-                <a:spcPts val="500"/>
-              </a:spcBef>
-              <a:buFont typeface="Arial" panose="020B0604020202020204" pitchFamily="34" charset="0"/>
-              <a:buChar char="•"/>
-              <a:defRPr sz="1800" kern="1200">
-                <a:solidFill>
-                  <a:schemeClr val="tx1"/>
-                </a:solidFill>
-                <a:latin typeface="+mn-lt"/>
-                <a:ea typeface="+mn-ea"/>
-                <a:cs typeface="+mn-cs"/>
-              </a:defRPr>
-            </a:lvl6pPr>
-            <a:lvl7pPr marL="2971800" indent="-228600" algn="l" defTabSz="914400" rtl="0" eaLnBrk="1" latinLnBrk="0" hangingPunct="1">
-              <a:lnSpc>
-                <a:spcPct val="90000"/>
-              </a:lnSpc>
-              <a:spcBef>
-                <a:spcPts val="500"/>
-              </a:spcBef>
-              <a:buFont typeface="Arial" panose="020B0604020202020204" pitchFamily="34" charset="0"/>
-              <a:buChar char="•"/>
-              <a:defRPr sz="1800" kern="1200">
-                <a:solidFill>
-                  <a:schemeClr val="tx1"/>
-                </a:solidFill>
-                <a:latin typeface="+mn-lt"/>
-                <a:ea typeface="+mn-ea"/>
-                <a:cs typeface="+mn-cs"/>
-              </a:defRPr>
-            </a:lvl7pPr>
-            <a:lvl8pPr marL="3429000" indent="-228600" algn="l" defTabSz="914400" rtl="0" eaLnBrk="1" latinLnBrk="0" hangingPunct="1">
-              <a:lnSpc>
-                <a:spcPct val="90000"/>
-              </a:lnSpc>
-              <a:spcBef>
-                <a:spcPts val="500"/>
-              </a:spcBef>
-              <a:buFont typeface="Arial" panose="020B0604020202020204" pitchFamily="34" charset="0"/>
-              <a:buChar char="•"/>
-              <a:defRPr sz="1800" kern="1200">
-                <a:solidFill>
-                  <a:schemeClr val="tx1"/>
-                </a:solidFill>
-                <a:latin typeface="+mn-lt"/>
-                <a:ea typeface="+mn-ea"/>
-                <a:cs typeface="+mn-cs"/>
-              </a:defRPr>
-            </a:lvl8pPr>
-            <a:lvl9pPr marL="3886200" indent="-228600" algn="l" defTabSz="914400" rtl="0" eaLnBrk="1" latinLnBrk="0" hangingPunct="1">
-              <a:lnSpc>
-                <a:spcPct val="90000"/>
-              </a:lnSpc>
-              <a:spcBef>
-                <a:spcPts val="500"/>
-              </a:spcBef>
-              <a:buFont typeface="Arial" panose="020B0604020202020204" pitchFamily="34" charset="0"/>
-              <a:buChar char="•"/>
-              <a:defRPr sz="1800" kern="1200">
-                <a:solidFill>
-                  <a:schemeClr val="tx1"/>
-                </a:solidFill>
-                <a:latin typeface="+mn-lt"/>
-                <a:ea typeface="+mn-ea"/>
-                <a:cs typeface="+mn-cs"/>
-              </a:defRPr>
-            </a:lvl9pPr>
-          </a:lstStyle>
-          <a:p>
-            <a:pPr marL="0" indent="0" fontAlgn="ctr">
-              <a:spcBef>
-                <a:spcPts val="0"/>
-              </a:spcBef>
-              <a:buNone/>
-            </a:pPr>
-            <a:r>
-              <a:rPr lang="tr-TR" sz="3200" b="1" dirty="0">
-                <a:solidFill>
-                  <a:schemeClr val="bg1"/>
-                </a:solidFill>
-                <a:latin typeface="+mj-lt"/>
-              </a:rPr>
-              <a:t>4</a:t>
-            </a:r>
-            <a:r>
-              <a:rPr lang="tr-TR" sz="3200" b="1" dirty="0" smtClean="0">
-                <a:solidFill>
-                  <a:schemeClr val="bg1"/>
-                </a:solidFill>
-                <a:latin typeface="+mj-lt"/>
-              </a:rPr>
-              <a:t>%</a:t>
-            </a:r>
-          </a:p>
-          <a:p>
-            <a:pPr marL="0" indent="0" fontAlgn="ctr">
-              <a:spcBef>
-                <a:spcPts val="0"/>
-              </a:spcBef>
-              <a:buNone/>
-            </a:pPr>
-            <a:r>
-              <a:rPr lang="tr-TR" sz="1200" dirty="0">
-                <a:solidFill>
-                  <a:schemeClr val="bg1"/>
-                </a:solidFill>
-              </a:rPr>
-              <a:t>MAPE </a:t>
-            </a:r>
-            <a:r>
-              <a:rPr lang="tr-TR" sz="1200" dirty="0" smtClean="0">
-                <a:solidFill>
-                  <a:schemeClr val="bg1"/>
-                </a:solidFill>
-              </a:rPr>
-              <a:t>improvement with</a:t>
-            </a:r>
-            <a:endParaRPr lang="tr-TR" sz="3200" b="1" dirty="0" smtClean="0">
-              <a:solidFill>
-                <a:schemeClr val="bg1"/>
-              </a:solidFill>
-              <a:latin typeface="+mj-lt"/>
-            </a:endParaRPr>
-          </a:p>
-          <a:p>
-            <a:pPr marL="0" indent="0" fontAlgn="ctr">
-              <a:spcBef>
-                <a:spcPts val="0"/>
-              </a:spcBef>
-              <a:buNone/>
-            </a:pPr>
-            <a:r>
-              <a:rPr lang="tr-TR" sz="1400" dirty="0" smtClean="0">
-                <a:solidFill>
-                  <a:schemeClr val="bg1"/>
-                </a:solidFill>
-              </a:rPr>
-              <a:t>Feature Aggregation</a:t>
-            </a:r>
-          </a:p>
-          <a:p>
-            <a:pPr marL="0" indent="0" fontAlgn="ctr">
-              <a:spcBef>
-                <a:spcPts val="0"/>
-              </a:spcBef>
-              <a:buNone/>
-            </a:pPr>
-            <a:r>
-              <a:rPr lang="tr-TR" sz="1050" dirty="0" smtClean="0">
-                <a:solidFill>
-                  <a:schemeClr val="bg1"/>
-                </a:solidFill>
-              </a:rPr>
-              <a:t>*Number of feat decreased by 210</a:t>
-            </a:r>
-            <a:endParaRPr lang="tr-TR" sz="1050" dirty="0">
-              <a:solidFill>
-                <a:schemeClr val="bg1"/>
-              </a:solidFill>
-            </a:endParaRPr>
+            <a:r>
+              <a:rPr lang="tr-TR" dirty="0" smtClean="0"/>
+              <a:t>Predicted</a:t>
+            </a:r>
+            <a:endParaRPr lang="en-US" dirty="0"/>
           </a:p>
         </p:txBody>
       </p:sp>
     </p:spTree>
     <p:extLst>
       <p:ext uri="{BB962C8B-B14F-4D97-AF65-F5344CB8AC3E}">
-        <p14:creationId xmlns:p14="http://schemas.microsoft.com/office/powerpoint/2010/main" val="3739433635"/>
+        <p14:creationId xmlns:p14="http://schemas.microsoft.com/office/powerpoint/2010/main" val="1189139075"/>
       </p:ext>
     </p:extLst>
   </p:cSld>
   <p:clrMapOvr>
     <a:masterClrMapping/>
   </p:clrMapOvr>
-  <p:timing>
-    <p:tnLst>
-      <p:par>
-        <p:cTn id="1" dur="indefinite" restart="never" nodeType="tmRoot"/>
-      </p:par>
-    </p:tnLst>
-  </p:timing>
 </p:sld>
 </file>
 
@@ -13128,6 +13141,131 @@
 </file>
 
 <file path=ppt/slides/slide21.xml><?xml version="1.0" encoding="utf-8"?>
+<p:sld xmlns:a="http://schemas.openxmlformats.org/drawingml/2006/main" xmlns:r="http://schemas.openxmlformats.org/officeDocument/2006/relationships" xmlns:p="http://schemas.openxmlformats.org/presentationml/2006/main">
+  <p:cSld>
+    <p:spTree>
+      <p:nvGrpSpPr>
+        <p:cNvPr id="1" name=""/>
+        <p:cNvGrpSpPr/>
+        <p:nvPr/>
+      </p:nvGrpSpPr>
+      <p:grpSpPr>
+        <a:xfrm>
+          <a:off x="0" y="0"/>
+          <a:ext cx="0" cy="0"/>
+          <a:chOff x="0" y="0"/>
+          <a:chExt cx="0" cy="0"/>
+        </a:xfrm>
+      </p:grpSpPr>
+      <p:pic>
+        <p:nvPicPr>
+          <p:cNvPr id="4" name="Picture 3"/>
+          <p:cNvPicPr>
+            <a:picLocks noChangeAspect="1"/>
+          </p:cNvPicPr>
+          <p:nvPr/>
+        </p:nvPicPr>
+        <p:blipFill>
+          <a:blip r:embed="rId2"/>
+          <a:stretch>
+            <a:fillRect/>
+          </a:stretch>
+        </p:blipFill>
+        <p:spPr>
+          <a:xfrm>
+            <a:off x="524691" y="2056448"/>
+            <a:ext cx="6139703" cy="4240097"/>
+          </a:xfrm>
+          <a:prstGeom prst="rect">
+            <a:avLst/>
+          </a:prstGeom>
+        </p:spPr>
+      </p:pic>
+      <p:sp>
+        <p:nvSpPr>
+          <p:cNvPr id="5" name="Rectangle 4"/>
+          <p:cNvSpPr/>
+          <p:nvPr/>
+        </p:nvSpPr>
+        <p:spPr>
+          <a:xfrm>
+            <a:off x="462636" y="1670621"/>
+            <a:ext cx="5319854" cy="400110"/>
+          </a:xfrm>
+          <a:prstGeom prst="rect">
+            <a:avLst/>
+          </a:prstGeom>
+        </p:spPr>
+        <p:txBody>
+          <a:bodyPr wrap="none">
+            <a:spAutoFit/>
+          </a:bodyPr>
+          <a:lstStyle/>
+          <a:p>
+            <a:r>
+              <a:rPr lang="en-US" sz="2000" dirty="0"/>
+              <a:t>https://github.com/ahmetsirel/ozu_data_science</a:t>
+            </a:r>
+          </a:p>
+        </p:txBody>
+      </p:sp>
+      <p:sp>
+        <p:nvSpPr>
+          <p:cNvPr id="6" name="Content Placeholder 2"/>
+          <p:cNvSpPr>
+            <a:spLocks noGrp="1"/>
+          </p:cNvSpPr>
+          <p:nvPr>
+            <p:ph idx="1"/>
+          </p:nvPr>
+        </p:nvSpPr>
+        <p:spPr>
+          <a:xfrm>
+            <a:off x="838200" y="504825"/>
+            <a:ext cx="10515600" cy="668193"/>
+          </a:xfrm>
+        </p:spPr>
+        <p:txBody>
+          <a:bodyPr>
+            <a:normAutofit/>
+          </a:bodyPr>
+          <a:lstStyle/>
+          <a:p>
+            <a:pPr marL="0" indent="0">
+              <a:buNone/>
+            </a:pPr>
+            <a:r>
+              <a:rPr lang="tr-TR" sz="3600" b="1" dirty="0" smtClean="0">
+                <a:solidFill>
+                  <a:schemeClr val="tx2"/>
+                </a:solidFill>
+                <a:latin typeface="+mj-lt"/>
+              </a:rPr>
+              <a:t>Take a look into our code!</a:t>
+            </a:r>
+            <a:endParaRPr lang="tr-TR" sz="3600" b="1" dirty="0" smtClean="0">
+              <a:solidFill>
+                <a:schemeClr val="tx2"/>
+              </a:solidFill>
+              <a:latin typeface="+mj-lt"/>
+            </a:endParaRPr>
+          </a:p>
+        </p:txBody>
+      </p:sp>
+    </p:spTree>
+    <p:extLst>
+      <p:ext uri="{BB962C8B-B14F-4D97-AF65-F5344CB8AC3E}">
+        <p14:creationId xmlns:p14="http://schemas.microsoft.com/office/powerpoint/2010/main" val="3417781464"/>
+      </p:ext>
+    </p:extLst>
+  </p:cSld>
+  <p:clrMapOvr>
+    <a:masterClrMapping/>
+  </p:clrMapOvr>
+</p:sld>
+</file>
+
+<file path=ppt/slides/slide22.xml><?xml version="1.0" encoding="utf-8"?>
 <p:sld xmlns:a="http://schemas.openxmlformats.org/drawingml/2006/main" xmlns:r="http://schemas.openxmlformats.org/officeDocument/2006/relationships" xmlns:p="http://schemas.openxmlformats.org/presentationml/2006/main">
   <p:cSld>
     <p:spTree>
@@ -14088,7 +14226,7 @@
         </p:nvSpPr>
         <p:spPr>
           <a:xfrm>
-            <a:off x="9814771" y="1712685"/>
+            <a:off x="9705383" y="1628734"/>
             <a:ext cx="256096" cy="320761"/>
           </a:xfrm>
           <a:prstGeom prst="rect">
@@ -14099,7 +14237,7 @@
           </a:solidFill>
           <a:ln w="28575">
             <a:solidFill>
-              <a:schemeClr val="accent4"/>
+              <a:srgbClr val="737373"/>
             </a:solidFill>
           </a:ln>
         </p:spPr>
@@ -14237,7 +14375,7 @@
           <a:p>
             <a:pPr algn="ctr"/>
             <a:r>
-              <a:rPr lang="tr-TR" sz="3600" b="1" dirty="0" err="1">
+              <a:rPr lang="en-US" sz="3600" b="1" dirty="0" smtClean="0">
                 <a:solidFill>
                   <a:schemeClr val="bg1"/>
                 </a:solidFill>
@@ -14245,12 +14383,20 @@
               <a:t>Explanatory</a:t>
             </a:r>
             <a:r>
+              <a:rPr lang="tr-TR" sz="3600" b="1" dirty="0" smtClean="0">
+                <a:solidFill>
+                  <a:schemeClr val="bg1"/>
+                </a:solidFill>
+              </a:rPr>
+              <a:t> </a:t>
+            </a:r>
+            <a:r>
               <a:rPr lang="tr-TR" sz="3600" b="1" dirty="0">
                 <a:solidFill>
                   <a:schemeClr val="bg1"/>
                 </a:solidFill>
               </a:rPr>
-              <a:t> Analysis</a:t>
+              <a:t>Analysis</a:t>
             </a:r>
           </a:p>
         </p:txBody>
